--- a/slides/prelim.pptx
+++ b/slides/prelim.pptx
@@ -4,14 +4,17 @@
   <p:sldMasterIdLst>
     <p:sldMasterId id="2147483648" r:id="rId2"/>
     <p:sldMasterId id="2147483661" r:id="rId3"/>
+    <p:sldMasterId id="2147483674" r:id="rId4"/>
   </p:sldMasterIdLst>
   <p:notesMasterIdLst>
-    <p:notesMasterId r:id="rId4"/>
+    <p:notesMasterId r:id="rId5"/>
   </p:notesMasterIdLst>
   <p:sldIdLst>
-    <p:sldId id="256" r:id="rId5"/>
-    <p:sldId id="257" r:id="rId6"/>
-    <p:sldId id="258" r:id="rId7"/>
+    <p:sldId id="256" r:id="rId6"/>
+    <p:sldId id="257" r:id="rId7"/>
+    <p:sldId id="258" r:id="rId8"/>
+    <p:sldId id="259" r:id="rId9"/>
+    <p:sldId id="260" r:id="rId10"/>
   </p:sldIdLst>
   <p:sldSz cx="10080625" cy="7559675"/>
   <p:notesSz cx="7772400" cy="10058400"/>
@@ -37,7 +40,7 @@
       </p:grpSpPr>
       <p:sp>
         <p:nvSpPr>
-          <p:cNvPr id="72" name="PlaceHolder 1"/>
+          <p:cNvPr id="108" name="PlaceHolder 1"/>
           <p:cNvSpPr>
             <a:spLocks noGrp="1"/>
           </p:cNvSpPr>
@@ -87,7 +90,7 @@
       </p:sp>
       <p:sp>
         <p:nvSpPr>
-          <p:cNvPr id="73" name="PlaceHolder 2"/>
+          <p:cNvPr id="109" name="PlaceHolder 2"/>
           <p:cNvSpPr>
             <a:spLocks noGrp="1"/>
           </p:cNvSpPr>
@@ -119,7 +122,7 @@
                 </a:uFill>
                 <a:latin typeface="Times New Roman"/>
               </a:rPr>
-              <a:t>&lt;header&gt;</a:t>
+              <a:t> </a:t>
             </a:r>
             <a:endParaRPr b="0" lang="en-US" sz="1400" spc="-1" strike="noStrike">
               <a:solidFill>
@@ -137,7 +140,7 @@
       </p:sp>
       <p:sp>
         <p:nvSpPr>
-          <p:cNvPr id="74" name="PlaceHolder 3"/>
+          <p:cNvPr id="110" name="PlaceHolder 3"/>
           <p:cNvSpPr>
             <a:spLocks noGrp="1"/>
           </p:cNvSpPr>
@@ -170,7 +173,7 @@
                 </a:uFill>
                 <a:latin typeface="Times New Roman"/>
               </a:rPr>
-              <a:t>&lt;date/time&gt;</a:t>
+              <a:t> </a:t>
             </a:r>
             <a:endParaRPr b="0" lang="en-US" sz="1400" spc="-1" strike="noStrike">
               <a:solidFill>
@@ -188,7 +191,7 @@
       </p:sp>
       <p:sp>
         <p:nvSpPr>
-          <p:cNvPr id="75" name="PlaceHolder 4"/>
+          <p:cNvPr id="111" name="PlaceHolder 4"/>
           <p:cNvSpPr>
             <a:spLocks noGrp="1"/>
           </p:cNvSpPr>
@@ -220,7 +223,7 @@
                 </a:uFill>
                 <a:latin typeface="Times New Roman"/>
               </a:rPr>
-              <a:t>&lt;footer&gt;</a:t>
+              <a:t> </a:t>
             </a:r>
             <a:endParaRPr b="0" lang="en-US" sz="1400" spc="-1" strike="noStrike">
               <a:solidFill>
@@ -238,7 +241,7 @@
       </p:sp>
       <p:sp>
         <p:nvSpPr>
-          <p:cNvPr id="76" name="PlaceHolder 5"/>
+          <p:cNvPr id="112" name="PlaceHolder 5"/>
           <p:cNvSpPr>
             <a:spLocks noGrp="1"/>
           </p:cNvSpPr>
@@ -259,7 +262,7 @@
           <a:bodyPr lIns="0" rIns="0" tIns="0" bIns="0" anchor="b"/>
           <a:p>
             <a:pPr algn="r"/>
-            <a:fld id="{F96A05BF-A139-4D6F-A992-B1DE9E7F6D3C}" type="slidenum">
+            <a:fld id="{EFFD5A8E-4691-4936-89BF-49171DD81063}" type="slidenum">
               <a:rPr b="0" lang="en-US" sz="1400" spc="-1" strike="noStrike">
                 <a:solidFill>
                   <a:srgbClr val="000000"/>
@@ -271,7 +274,7 @@
                 </a:uFill>
                 <a:latin typeface="Times New Roman"/>
               </a:rPr>
-              <a:t>&lt;number&gt;</a:t>
+              <a:t>1</a:t>
             </a:fld>
             <a:endParaRPr b="0" lang="en-US" sz="1400" spc="-1" strike="noStrike">
               <a:solidFill>
@@ -312,7 +315,7 @@
       </p:grpSpPr>
       <p:sp>
         <p:nvSpPr>
-          <p:cNvPr id="84" name="PlaceHolder 1"/>
+          <p:cNvPr id="127" name="PlaceHolder 1"/>
           <p:cNvSpPr>
             <a:spLocks noGrp="1"/>
           </p:cNvSpPr>
@@ -323,7 +326,7 @@
         <p:spPr>
           <a:xfrm>
             <a:off x="777240" y="4777560"/>
-            <a:ext cx="6217200" cy="4525560"/>
+            <a:ext cx="6216480" cy="4524840"/>
           </a:xfrm>
           <a:prstGeom prst="rect">
             <a:avLst/>
@@ -465,6 +468,1048 @@
                 <a:latin typeface="Arial"/>
               </a:rPr>
               <a:t>Current research → what is missing</a:t>
+            </a:r>
+            <a:endParaRPr b="0" lang="en-US" sz="2000" spc="-1" strike="noStrike">
+              <a:solidFill>
+                <a:srgbClr val="000000"/>
+              </a:solidFill>
+              <a:uFill>
+                <a:solidFill>
+                  <a:srgbClr val="ffffff"/>
+                </a:solidFill>
+              </a:uFill>
+              <a:latin typeface="Arial"/>
+            </a:endParaRPr>
+          </a:p>
+          <a:p>
+            <a:endParaRPr b="0" lang="en-US" sz="2000" spc="-1" strike="noStrike">
+              <a:solidFill>
+                <a:srgbClr val="000000"/>
+              </a:solidFill>
+              <a:uFill>
+                <a:solidFill>
+                  <a:srgbClr val="ffffff"/>
+                </a:solidFill>
+              </a:uFill>
+              <a:latin typeface="Arial"/>
+            </a:endParaRPr>
+          </a:p>
+          <a:p>
+            <a:r>
+              <a:rPr b="0" lang="en-US" sz="2000" spc="-1" strike="noStrike">
+                <a:solidFill>
+                  <a:srgbClr val="000000"/>
+                </a:solidFill>
+                <a:uFill>
+                  <a:solidFill>
+                    <a:srgbClr val="ffffff"/>
+                  </a:solidFill>
+                </a:uFill>
+                <a:latin typeface="Arial"/>
+              </a:rPr>
+              <a:t>Talk will follow paper:</a:t>
+            </a:r>
+            <a:endParaRPr b="0" lang="en-US" sz="2000" spc="-1" strike="noStrike">
+              <a:solidFill>
+                <a:srgbClr val="000000"/>
+              </a:solidFill>
+              <a:uFill>
+                <a:solidFill>
+                  <a:srgbClr val="ffffff"/>
+                </a:solidFill>
+              </a:uFill>
+              <a:latin typeface="Arial"/>
+            </a:endParaRPr>
+          </a:p>
+          <a:p>
+            <a:r>
+              <a:rPr b="0" lang="en-US" sz="2000" spc="-1" strike="noStrike">
+                <a:solidFill>
+                  <a:srgbClr val="000000"/>
+                </a:solidFill>
+                <a:uFill>
+                  <a:solidFill>
+                    <a:srgbClr val="ffffff"/>
+                  </a:solidFill>
+                </a:uFill>
+                <a:latin typeface="Arial"/>
+              </a:rPr>
+              <a:t>	</a:t>
+            </a:r>
+            <a:r>
+              <a:rPr b="0" lang="en-US" sz="2000" spc="-1" strike="noStrike">
+                <a:solidFill>
+                  <a:srgbClr val="000000"/>
+                </a:solidFill>
+                <a:uFill>
+                  <a:solidFill>
+                    <a:srgbClr val="ffffff"/>
+                  </a:solidFill>
+                </a:uFill>
+                <a:latin typeface="Arial"/>
+              </a:rPr>
+              <a:t>Privacy </a:t>
+            </a:r>
+            <a:endParaRPr b="0" lang="en-US" sz="2000" spc="-1" strike="noStrike">
+              <a:solidFill>
+                <a:srgbClr val="000000"/>
+              </a:solidFill>
+              <a:uFill>
+                <a:solidFill>
+                  <a:srgbClr val="ffffff"/>
+                </a:solidFill>
+              </a:uFill>
+              <a:latin typeface="Arial"/>
+            </a:endParaRPr>
+          </a:p>
+          <a:p>
+            <a:r>
+              <a:rPr b="0" lang="en-US" sz="2000" spc="-1" strike="noStrike">
+                <a:solidFill>
+                  <a:srgbClr val="000000"/>
+                </a:solidFill>
+                <a:uFill>
+                  <a:solidFill>
+                    <a:srgbClr val="ffffff"/>
+                  </a:solidFill>
+                </a:uFill>
+                <a:latin typeface="Arial"/>
+              </a:rPr>
+              <a:t>	</a:t>
+            </a:r>
+            <a:r>
+              <a:rPr b="0" lang="en-US" sz="2000" spc="-1" strike="noStrike">
+                <a:solidFill>
+                  <a:srgbClr val="000000"/>
+                </a:solidFill>
+                <a:uFill>
+                  <a:solidFill>
+                    <a:srgbClr val="ffffff"/>
+                  </a:solidFill>
+                </a:uFill>
+                <a:latin typeface="Arial"/>
+              </a:rPr>
+              <a:t>Computation</a:t>
+            </a:r>
+            <a:endParaRPr b="0" lang="en-US" sz="2000" spc="-1" strike="noStrike">
+              <a:solidFill>
+                <a:srgbClr val="000000"/>
+              </a:solidFill>
+              <a:uFill>
+                <a:solidFill>
+                  <a:srgbClr val="ffffff"/>
+                </a:solidFill>
+              </a:uFill>
+              <a:latin typeface="Arial"/>
+            </a:endParaRPr>
+          </a:p>
+          <a:p>
+            <a:r>
+              <a:rPr b="0" lang="en-US" sz="2000" spc="-1" strike="noStrike">
+                <a:solidFill>
+                  <a:srgbClr val="000000"/>
+                </a:solidFill>
+                <a:uFill>
+                  <a:solidFill>
+                    <a:srgbClr val="ffffff"/>
+                  </a:solidFill>
+                </a:uFill>
+                <a:latin typeface="Arial"/>
+              </a:rPr>
+              <a:t>	</a:t>
+            </a:r>
+            <a:r>
+              <a:rPr b="0" lang="en-US" sz="2000" spc="-1" strike="noStrike">
+                <a:solidFill>
+                  <a:srgbClr val="000000"/>
+                </a:solidFill>
+                <a:uFill>
+                  <a:solidFill>
+                    <a:srgbClr val="ffffff"/>
+                  </a:solidFill>
+                </a:uFill>
+                <a:latin typeface="Arial"/>
+              </a:rPr>
+              <a:t>Differential Privacy</a:t>
+            </a:r>
+            <a:endParaRPr b="0" lang="en-US" sz="2000" spc="-1" strike="noStrike">
+              <a:solidFill>
+                <a:srgbClr val="000000"/>
+              </a:solidFill>
+              <a:uFill>
+                <a:solidFill>
+                  <a:srgbClr val="ffffff"/>
+                </a:solidFill>
+              </a:uFill>
+              <a:latin typeface="Arial"/>
+            </a:endParaRPr>
+          </a:p>
+          <a:p>
+            <a:r>
+              <a:rPr b="0" lang="en-US" sz="2000" spc="-1" strike="noStrike">
+                <a:solidFill>
+                  <a:srgbClr val="000000"/>
+                </a:solidFill>
+                <a:uFill>
+                  <a:solidFill>
+                    <a:srgbClr val="ffffff"/>
+                  </a:solidFill>
+                </a:uFill>
+                <a:latin typeface="Arial"/>
+              </a:rPr>
+              <a:t>	</a:t>
+            </a:r>
+            <a:r>
+              <a:rPr b="0" lang="en-US" sz="2000" spc="-1" strike="noStrike">
+                <a:solidFill>
+                  <a:srgbClr val="000000"/>
+                </a:solidFill>
+                <a:uFill>
+                  <a:solidFill>
+                    <a:srgbClr val="ffffff"/>
+                  </a:solidFill>
+                </a:uFill>
+                <a:latin typeface="Arial"/>
+              </a:rPr>
+              <a:t>Discussion of future work</a:t>
+            </a:r>
+            <a:endParaRPr b="0" lang="en-US" sz="2000" spc="-1" strike="noStrike">
+              <a:solidFill>
+                <a:srgbClr val="000000"/>
+              </a:solidFill>
+              <a:uFill>
+                <a:solidFill>
+                  <a:srgbClr val="ffffff"/>
+                </a:solidFill>
+              </a:uFill>
+              <a:latin typeface="Arial"/>
+            </a:endParaRPr>
+          </a:p>
+        </p:txBody>
+      </p:sp>
+    </p:spTree>
+  </p:cSld>
+</p:notes>
+</file>
+
+<file path=ppt/notesSlides/notesSlide4.xml><?xml version="1.0" encoding="utf-8"?>
+<p:notes xmlns:a="http://schemas.openxmlformats.org/drawingml/2006/main" xmlns:p="http://schemas.openxmlformats.org/presentationml/2006/main" xmlns:r="http://schemas.openxmlformats.org/officeDocument/2006/relationships" xmlns:p14="http://schemas.microsoft.com/office/powerpoint/2010/main" xmlns:p15="http://schemas.microsoft.com/office/powerpoint/2012/main" xmlns:mc="http://schemas.openxmlformats.org/markup-compatibility/2006">
+  <p:cSld>
+    <p:spTree>
+      <p:nvGrpSpPr>
+        <p:cNvPr id="1" name=""/>
+        <p:cNvGrpSpPr/>
+        <p:nvPr/>
+      </p:nvGrpSpPr>
+      <p:grpSpPr>
+        <a:xfrm>
+          <a:off x="0" y="0"/>
+          <a:ext cx="0" cy="0"/>
+          <a:chOff x="0" y="0"/>
+          <a:chExt cx="0" cy="0"/>
+        </a:xfrm>
+      </p:grpSpPr>
+      <p:sp>
+        <p:nvSpPr>
+          <p:cNvPr id="128" name="PlaceHolder 1"/>
+          <p:cNvSpPr>
+            <a:spLocks noGrp="1"/>
+          </p:cNvSpPr>
+          <p:nvPr>
+            <p:ph type="body"/>
+          </p:nvPr>
+        </p:nvSpPr>
+        <p:spPr>
+          <a:xfrm>
+            <a:off x="777240" y="4777560"/>
+            <a:ext cx="6217560" cy="4525920"/>
+          </a:xfrm>
+          <a:prstGeom prst="rect">
+            <a:avLst/>
+          </a:prstGeom>
+        </p:spPr>
+        <p:txBody>
+          <a:bodyPr lIns="0" rIns="0" tIns="0" bIns="0"/>
+          <a:p>
+            <a:r>
+              <a:rPr b="0" lang="en-US" sz="2000" spc="-1" strike="noStrike">
+                <a:solidFill>
+                  <a:srgbClr val="000000"/>
+                </a:solidFill>
+                <a:uFill>
+                  <a:solidFill>
+                    <a:srgbClr val="ffffff"/>
+                  </a:solidFill>
+                </a:uFill>
+                <a:latin typeface="Arial"/>
+              </a:rPr>
+              <a:t>Two types of PIR</a:t>
+            </a:r>
+            <a:endParaRPr b="0" lang="en-US" sz="2000" spc="-1" strike="noStrike">
+              <a:solidFill>
+                <a:srgbClr val="000000"/>
+              </a:solidFill>
+              <a:uFill>
+                <a:solidFill>
+                  <a:srgbClr val="ffffff"/>
+                </a:solidFill>
+              </a:uFill>
+              <a:latin typeface="Arial"/>
+            </a:endParaRPr>
+          </a:p>
+          <a:p>
+            <a:endParaRPr b="0" lang="en-US" sz="2000" spc="-1" strike="noStrike">
+              <a:solidFill>
+                <a:srgbClr val="000000"/>
+              </a:solidFill>
+              <a:uFill>
+                <a:solidFill>
+                  <a:srgbClr val="ffffff"/>
+                </a:solidFill>
+              </a:uFill>
+              <a:latin typeface="Arial"/>
+            </a:endParaRPr>
+          </a:p>
+          <a:p>
+            <a:r>
+              <a:rPr b="0" lang="en-US" sz="2000" spc="-1" strike="noStrike">
+                <a:solidFill>
+                  <a:srgbClr val="000000"/>
+                </a:solidFill>
+                <a:uFill>
+                  <a:solidFill>
+                    <a:srgbClr val="ffffff"/>
+                  </a:solidFill>
+                </a:uFill>
+                <a:latin typeface="Arial"/>
+              </a:rPr>
+              <a:t>Computational PIR </a:t>
+            </a:r>
+            <a:endParaRPr b="0" lang="en-US" sz="2000" spc="-1" strike="noStrike">
+              <a:solidFill>
+                <a:srgbClr val="000000"/>
+              </a:solidFill>
+              <a:uFill>
+                <a:solidFill>
+                  <a:srgbClr val="ffffff"/>
+                </a:solidFill>
+              </a:uFill>
+              <a:latin typeface="Arial"/>
+            </a:endParaRPr>
+          </a:p>
+          <a:p>
+            <a:r>
+              <a:rPr b="0" lang="en-US" sz="2000" spc="-1" strike="noStrike">
+                <a:solidFill>
+                  <a:srgbClr val="000000"/>
+                </a:solidFill>
+                <a:uFill>
+                  <a:solidFill>
+                    <a:srgbClr val="ffffff"/>
+                  </a:solidFill>
+                </a:uFill>
+                <a:latin typeface="Arial"/>
+              </a:rPr>
+              <a:t>	</a:t>
+            </a:r>
+            <a:r>
+              <a:rPr b="0" lang="en-US" sz="2000" spc="-1" strike="noStrike">
+                <a:solidFill>
+                  <a:srgbClr val="000000"/>
+                </a:solidFill>
+                <a:uFill>
+                  <a:solidFill>
+                    <a:srgbClr val="ffffff"/>
+                  </a:solidFill>
+                </a:uFill>
+                <a:latin typeface="Arial"/>
+              </a:rPr>
+              <a:t>Single server</a:t>
+            </a:r>
+            <a:endParaRPr b="0" lang="en-US" sz="2000" spc="-1" strike="noStrike">
+              <a:solidFill>
+                <a:srgbClr val="000000"/>
+              </a:solidFill>
+              <a:uFill>
+                <a:solidFill>
+                  <a:srgbClr val="ffffff"/>
+                </a:solidFill>
+              </a:uFill>
+              <a:latin typeface="Arial"/>
+            </a:endParaRPr>
+          </a:p>
+          <a:p>
+            <a:r>
+              <a:rPr b="0" lang="en-US" sz="2000" spc="-1" strike="noStrike">
+                <a:solidFill>
+                  <a:srgbClr val="000000"/>
+                </a:solidFill>
+                <a:uFill>
+                  <a:solidFill>
+                    <a:srgbClr val="ffffff"/>
+                  </a:solidFill>
+                </a:uFill>
+                <a:latin typeface="Arial"/>
+              </a:rPr>
+              <a:t>	</a:t>
+            </a:r>
+            <a:r>
+              <a:rPr b="0" lang="en-US" sz="2000" spc="-1" strike="noStrike">
+                <a:solidFill>
+                  <a:srgbClr val="000000"/>
+                </a:solidFill>
+                <a:uFill>
+                  <a:solidFill>
+                    <a:srgbClr val="ffffff"/>
+                  </a:solidFill>
+                </a:uFill>
+                <a:latin typeface="Arial"/>
+              </a:rPr>
+              <a:t>	</a:t>
+            </a:r>
+            <a:r>
+              <a:rPr b="0" lang="en-US" sz="2000" spc="-1" strike="noStrike">
+                <a:solidFill>
+                  <a:srgbClr val="000000"/>
+                </a:solidFill>
+                <a:uFill>
+                  <a:solidFill>
+                    <a:srgbClr val="ffffff"/>
+                  </a:solidFill>
+                </a:uFill>
+                <a:latin typeface="Arial"/>
+              </a:rPr>
+              <a:t>Not trusted</a:t>
+            </a:r>
+            <a:endParaRPr b="0" lang="en-US" sz="2000" spc="-1" strike="noStrike">
+              <a:solidFill>
+                <a:srgbClr val="000000"/>
+              </a:solidFill>
+              <a:uFill>
+                <a:solidFill>
+                  <a:srgbClr val="ffffff"/>
+                </a:solidFill>
+              </a:uFill>
+              <a:latin typeface="Arial"/>
+            </a:endParaRPr>
+          </a:p>
+          <a:p>
+            <a:r>
+              <a:rPr b="0" lang="en-US" sz="2000" spc="-1" strike="noStrike">
+                <a:solidFill>
+                  <a:srgbClr val="000000"/>
+                </a:solidFill>
+                <a:uFill>
+                  <a:solidFill>
+                    <a:srgbClr val="ffffff"/>
+                  </a:solidFill>
+                </a:uFill>
+                <a:latin typeface="Arial"/>
+              </a:rPr>
+              <a:t>	</a:t>
+            </a:r>
+            <a:r>
+              <a:rPr b="0" lang="en-US" sz="2000" spc="-1" strike="noStrike">
+                <a:solidFill>
+                  <a:srgbClr val="000000"/>
+                </a:solidFill>
+                <a:uFill>
+                  <a:solidFill>
+                    <a:srgbClr val="ffffff"/>
+                  </a:solidFill>
+                </a:uFill>
+                <a:latin typeface="Arial"/>
+              </a:rPr>
+              <a:t>Homomorphic encryption</a:t>
+            </a:r>
+            <a:endParaRPr b="0" lang="en-US" sz="2000" spc="-1" strike="noStrike">
+              <a:solidFill>
+                <a:srgbClr val="000000"/>
+              </a:solidFill>
+              <a:uFill>
+                <a:solidFill>
+                  <a:srgbClr val="ffffff"/>
+                </a:solidFill>
+              </a:uFill>
+              <a:latin typeface="Arial"/>
+            </a:endParaRPr>
+          </a:p>
+          <a:p>
+            <a:endParaRPr b="0" lang="en-US" sz="2000" spc="-1" strike="noStrike">
+              <a:solidFill>
+                <a:srgbClr val="000000"/>
+              </a:solidFill>
+              <a:uFill>
+                <a:solidFill>
+                  <a:srgbClr val="ffffff"/>
+                </a:solidFill>
+              </a:uFill>
+              <a:latin typeface="Arial"/>
+            </a:endParaRPr>
+          </a:p>
+          <a:p>
+            <a:r>
+              <a:rPr b="0" lang="en-US" sz="2000" spc="-1" strike="noStrike">
+                <a:solidFill>
+                  <a:srgbClr val="000000"/>
+                </a:solidFill>
+                <a:uFill>
+                  <a:solidFill>
+                    <a:srgbClr val="ffffff"/>
+                  </a:solidFill>
+                </a:uFill>
+                <a:latin typeface="Arial"/>
+              </a:rPr>
+              <a:t>Information Theoretic PIR </a:t>
+            </a:r>
+            <a:endParaRPr b="0" lang="en-US" sz="2000" spc="-1" strike="noStrike">
+              <a:solidFill>
+                <a:srgbClr val="000000"/>
+              </a:solidFill>
+              <a:uFill>
+                <a:solidFill>
+                  <a:srgbClr val="ffffff"/>
+                </a:solidFill>
+              </a:uFill>
+              <a:latin typeface="Arial"/>
+            </a:endParaRPr>
+          </a:p>
+          <a:p>
+            <a:r>
+              <a:rPr b="0" lang="en-US" sz="2000" spc="-1" strike="noStrike">
+                <a:solidFill>
+                  <a:srgbClr val="000000"/>
+                </a:solidFill>
+                <a:uFill>
+                  <a:solidFill>
+                    <a:srgbClr val="ffffff"/>
+                  </a:solidFill>
+                </a:uFill>
+                <a:latin typeface="Arial"/>
+              </a:rPr>
+              <a:t>	</a:t>
+            </a:r>
+            <a:r>
+              <a:rPr b="0" lang="en-US" sz="2000" spc="-1" strike="noStrike">
+                <a:solidFill>
+                  <a:srgbClr val="000000"/>
+                </a:solidFill>
+                <a:uFill>
+                  <a:solidFill>
+                    <a:srgbClr val="ffffff"/>
+                  </a:solidFill>
+                </a:uFill>
+                <a:latin typeface="Arial"/>
+              </a:rPr>
+              <a:t>Multiple non-colluding servers</a:t>
+            </a:r>
+            <a:endParaRPr b="0" lang="en-US" sz="2000" spc="-1" strike="noStrike">
+              <a:solidFill>
+                <a:srgbClr val="000000"/>
+              </a:solidFill>
+              <a:uFill>
+                <a:solidFill>
+                  <a:srgbClr val="ffffff"/>
+                </a:solidFill>
+              </a:uFill>
+              <a:latin typeface="Arial"/>
+            </a:endParaRPr>
+          </a:p>
+          <a:p>
+            <a:r>
+              <a:rPr b="0" lang="en-US" sz="2000" spc="-1" strike="noStrike">
+                <a:solidFill>
+                  <a:srgbClr val="000000"/>
+                </a:solidFill>
+                <a:uFill>
+                  <a:solidFill>
+                    <a:srgbClr val="ffffff"/>
+                  </a:solidFill>
+                </a:uFill>
+                <a:latin typeface="Arial"/>
+              </a:rPr>
+              <a:t>	</a:t>
+            </a:r>
+            <a:r>
+              <a:rPr b="0" lang="en-US" sz="2000" spc="-1" strike="noStrike">
+                <a:solidFill>
+                  <a:srgbClr val="000000"/>
+                </a:solidFill>
+                <a:uFill>
+                  <a:solidFill>
+                    <a:srgbClr val="ffffff"/>
+                  </a:solidFill>
+                </a:uFill>
+                <a:latin typeface="Arial"/>
+              </a:rPr>
+              <a:t>	</a:t>
+            </a:r>
+            <a:r>
+              <a:rPr b="0" lang="en-US" sz="2000" spc="-1" strike="noStrike">
+                <a:solidFill>
+                  <a:srgbClr val="000000"/>
+                </a:solidFill>
+                <a:uFill>
+                  <a:solidFill>
+                    <a:srgbClr val="ffffff"/>
+                  </a:solidFill>
+                </a:uFill>
+                <a:latin typeface="Arial"/>
+              </a:rPr>
+              <a:t>Clients must trust this</a:t>
+            </a:r>
+            <a:endParaRPr b="0" lang="en-US" sz="2000" spc="-1" strike="noStrike">
+              <a:solidFill>
+                <a:srgbClr val="000000"/>
+              </a:solidFill>
+              <a:uFill>
+                <a:solidFill>
+                  <a:srgbClr val="ffffff"/>
+                </a:solidFill>
+              </a:uFill>
+              <a:latin typeface="Arial"/>
+            </a:endParaRPr>
+          </a:p>
+          <a:p>
+            <a:r>
+              <a:rPr b="0" lang="en-US" sz="2000" spc="-1" strike="noStrike">
+                <a:solidFill>
+                  <a:srgbClr val="000000"/>
+                </a:solidFill>
+                <a:uFill>
+                  <a:solidFill>
+                    <a:srgbClr val="ffffff"/>
+                  </a:solidFill>
+                </a:uFill>
+                <a:latin typeface="Arial"/>
+              </a:rPr>
+              <a:t>	</a:t>
+            </a:r>
+            <a:r>
+              <a:rPr b="0" lang="en-US" sz="2000" spc="-1" strike="noStrike">
+                <a:solidFill>
+                  <a:srgbClr val="000000"/>
+                </a:solidFill>
+                <a:uFill>
+                  <a:solidFill>
+                    <a:srgbClr val="ffffff"/>
+                  </a:solidFill>
+                </a:uFill>
+                <a:latin typeface="Arial"/>
+              </a:rPr>
+              <a:t>	</a:t>
+            </a:r>
+            <a:r>
+              <a:rPr b="0" lang="en-US" sz="2000" spc="-1" strike="noStrike">
+                <a:solidFill>
+                  <a:srgbClr val="000000"/>
+                </a:solidFill>
+                <a:uFill>
+                  <a:solidFill>
+                    <a:srgbClr val="ffffff"/>
+                  </a:solidFill>
+                </a:uFill>
+                <a:latin typeface="Arial"/>
+              </a:rPr>
+              <a:t>Various threat models</a:t>
+            </a:r>
+            <a:endParaRPr b="0" lang="en-US" sz="2000" spc="-1" strike="noStrike">
+              <a:solidFill>
+                <a:srgbClr val="000000"/>
+              </a:solidFill>
+              <a:uFill>
+                <a:solidFill>
+                  <a:srgbClr val="ffffff"/>
+                </a:solidFill>
+              </a:uFill>
+              <a:latin typeface="Arial"/>
+            </a:endParaRPr>
+          </a:p>
+          <a:p>
+            <a:r>
+              <a:rPr b="0" lang="en-US" sz="2000" spc="-1" strike="noStrike">
+                <a:solidFill>
+                  <a:srgbClr val="000000"/>
+                </a:solidFill>
+                <a:uFill>
+                  <a:solidFill>
+                    <a:srgbClr val="ffffff"/>
+                  </a:solidFill>
+                </a:uFill>
+                <a:latin typeface="Arial"/>
+              </a:rPr>
+              <a:t>	</a:t>
+            </a:r>
+            <a:r>
+              <a:rPr b="0" lang="en-US" sz="2000" spc="-1" strike="noStrike">
+                <a:solidFill>
+                  <a:srgbClr val="000000"/>
+                </a:solidFill>
+                <a:uFill>
+                  <a:solidFill>
+                    <a:srgbClr val="ffffff"/>
+                  </a:solidFill>
+                </a:uFill>
+                <a:latin typeface="Arial"/>
+              </a:rPr>
+              <a:t>Locally construct answer based on responses</a:t>
+            </a:r>
+            <a:endParaRPr b="0" lang="en-US" sz="2000" spc="-1" strike="noStrike">
+              <a:solidFill>
+                <a:srgbClr val="000000"/>
+              </a:solidFill>
+              <a:uFill>
+                <a:solidFill>
+                  <a:srgbClr val="ffffff"/>
+                </a:solidFill>
+              </a:uFill>
+              <a:latin typeface="Arial"/>
+            </a:endParaRPr>
+          </a:p>
+          <a:p>
+            <a:endParaRPr b="0" lang="en-US" sz="2000" spc="-1" strike="noStrike">
+              <a:solidFill>
+                <a:srgbClr val="000000"/>
+              </a:solidFill>
+              <a:uFill>
+                <a:solidFill>
+                  <a:srgbClr val="ffffff"/>
+                </a:solidFill>
+              </a:uFill>
+              <a:latin typeface="Arial"/>
+            </a:endParaRPr>
+          </a:p>
+        </p:txBody>
+      </p:sp>
+    </p:spTree>
+  </p:cSld>
+</p:notes>
+</file>
+
+<file path=ppt/notesSlides/notesSlide5.xml><?xml version="1.0" encoding="utf-8"?>
+<p:notes xmlns:a="http://schemas.openxmlformats.org/drawingml/2006/main" xmlns:p="http://schemas.openxmlformats.org/presentationml/2006/main" xmlns:r="http://schemas.openxmlformats.org/officeDocument/2006/relationships" xmlns:p14="http://schemas.microsoft.com/office/powerpoint/2010/main" xmlns:p15="http://schemas.microsoft.com/office/powerpoint/2012/main" xmlns:mc="http://schemas.openxmlformats.org/markup-compatibility/2006">
+  <p:cSld>
+    <p:spTree>
+      <p:nvGrpSpPr>
+        <p:cNvPr id="1" name=""/>
+        <p:cNvGrpSpPr/>
+        <p:nvPr/>
+      </p:nvGrpSpPr>
+      <p:grpSpPr>
+        <a:xfrm>
+          <a:off x="0" y="0"/>
+          <a:ext cx="0" cy="0"/>
+          <a:chOff x="0" y="0"/>
+          <a:chExt cx="0" cy="0"/>
+        </a:xfrm>
+      </p:grpSpPr>
+      <p:sp>
+        <p:nvSpPr>
+          <p:cNvPr id="129" name="PlaceHolder 1"/>
+          <p:cNvSpPr>
+            <a:spLocks noGrp="1"/>
+          </p:cNvSpPr>
+          <p:nvPr>
+            <p:ph type="body"/>
+          </p:nvPr>
+        </p:nvSpPr>
+        <p:spPr>
+          <a:xfrm>
+            <a:off x="777240" y="4777560"/>
+            <a:ext cx="6217560" cy="4525920"/>
+          </a:xfrm>
+          <a:prstGeom prst="rect">
+            <a:avLst/>
+          </a:prstGeom>
+        </p:spPr>
+        <p:txBody>
+          <a:bodyPr lIns="0" rIns="0" tIns="0" bIns="0"/>
+          <a:p>
+            <a:r>
+              <a:rPr b="0" lang="en-US" sz="2000" spc="-1" strike="noStrike">
+                <a:solidFill>
+                  <a:srgbClr val="000000"/>
+                </a:solidFill>
+                <a:uFill>
+                  <a:solidFill>
+                    <a:srgbClr val="ffffff"/>
+                  </a:solidFill>
+                </a:uFill>
+                <a:latin typeface="Arial"/>
+              </a:rPr>
+              <a:t>How to privately query if your contacts are in a database?</a:t>
+            </a:r>
+            <a:endParaRPr b="0" lang="en-US" sz="2000" spc="-1" strike="noStrike">
+              <a:solidFill>
+                <a:srgbClr val="000000"/>
+              </a:solidFill>
+              <a:uFill>
+                <a:solidFill>
+                  <a:srgbClr val="ffffff"/>
+                </a:solidFill>
+              </a:uFill>
+              <a:latin typeface="Arial"/>
+            </a:endParaRPr>
+          </a:p>
+          <a:p>
+            <a:endParaRPr b="0" lang="en-US" sz="2000" spc="-1" strike="noStrike">
+              <a:solidFill>
+                <a:srgbClr val="000000"/>
+              </a:solidFill>
+              <a:uFill>
+                <a:solidFill>
+                  <a:srgbClr val="ffffff"/>
+                </a:solidFill>
+              </a:uFill>
+              <a:latin typeface="Arial"/>
+            </a:endParaRPr>
+          </a:p>
+          <a:p>
+            <a:r>
+              <a:rPr b="0" lang="en-US" sz="2000" spc="-1" strike="noStrike">
+                <a:solidFill>
+                  <a:srgbClr val="000000"/>
+                </a:solidFill>
+                <a:uFill>
+                  <a:solidFill>
+                    <a:srgbClr val="ffffff"/>
+                  </a:solidFill>
+                </a:uFill>
+                <a:latin typeface="Arial"/>
+              </a:rPr>
+              <a:t>PIR is expensive</a:t>
+            </a:r>
+            <a:endParaRPr b="0" lang="en-US" sz="2000" spc="-1" strike="noStrike">
+              <a:solidFill>
+                <a:srgbClr val="000000"/>
+              </a:solidFill>
+              <a:uFill>
+                <a:solidFill>
+                  <a:srgbClr val="ffffff"/>
+                </a:solidFill>
+              </a:uFill>
+              <a:latin typeface="Arial"/>
+            </a:endParaRPr>
+          </a:p>
+          <a:p>
+            <a:endParaRPr b="0" lang="en-US" sz="2000" spc="-1" strike="noStrike">
+              <a:solidFill>
+                <a:srgbClr val="000000"/>
+              </a:solidFill>
+              <a:uFill>
+                <a:solidFill>
+                  <a:srgbClr val="ffffff"/>
+                </a:solidFill>
+              </a:uFill>
+              <a:latin typeface="Arial"/>
+            </a:endParaRPr>
+          </a:p>
+          <a:p>
+            <a:r>
+              <a:rPr b="0" lang="en-US" sz="2000" spc="-1" strike="noStrike">
+                <a:solidFill>
+                  <a:srgbClr val="000000"/>
+                </a:solidFill>
+                <a:uFill>
+                  <a:solidFill>
+                    <a:srgbClr val="ffffff"/>
+                  </a:solidFill>
+                </a:uFill>
+                <a:latin typeface="Arial"/>
+              </a:rPr>
+              <a:t>Combine PIR with:</a:t>
+            </a:r>
+            <a:endParaRPr b="0" lang="en-US" sz="2000" spc="-1" strike="noStrike">
+              <a:solidFill>
+                <a:srgbClr val="000000"/>
+              </a:solidFill>
+              <a:uFill>
+                <a:solidFill>
+                  <a:srgbClr val="ffffff"/>
+                </a:solidFill>
+              </a:uFill>
+              <a:latin typeface="Arial"/>
+            </a:endParaRPr>
+          </a:p>
+          <a:p>
+            <a:r>
+              <a:rPr b="0" lang="en-US" sz="2000" spc="-1" strike="noStrike">
+                <a:solidFill>
+                  <a:srgbClr val="000000"/>
+                </a:solidFill>
+                <a:uFill>
+                  <a:solidFill>
+                    <a:srgbClr val="ffffff"/>
+                  </a:solidFill>
+                </a:uFill>
+                <a:latin typeface="Arial"/>
+              </a:rPr>
+              <a:t>	</a:t>
+            </a:r>
+            <a:r>
+              <a:rPr b="0" lang="en-US" sz="2000" spc="-1" strike="noStrike">
+                <a:solidFill>
+                  <a:srgbClr val="000000"/>
+                </a:solidFill>
+                <a:uFill>
+                  <a:solidFill>
+                    <a:srgbClr val="ffffff"/>
+                  </a:solidFill>
+                </a:uFill>
+                <a:latin typeface="Arial"/>
+              </a:rPr>
+              <a:t>PSI</a:t>
+            </a:r>
+            <a:endParaRPr b="0" lang="en-US" sz="2000" spc="-1" strike="noStrike">
+              <a:solidFill>
+                <a:srgbClr val="000000"/>
+              </a:solidFill>
+              <a:uFill>
+                <a:solidFill>
+                  <a:srgbClr val="ffffff"/>
+                </a:solidFill>
+              </a:uFill>
+              <a:latin typeface="Arial"/>
+            </a:endParaRPr>
+          </a:p>
+          <a:p>
+            <a:r>
+              <a:rPr b="0" lang="en-US" sz="2000" spc="-1" strike="noStrike">
+                <a:solidFill>
+                  <a:srgbClr val="000000"/>
+                </a:solidFill>
+                <a:uFill>
+                  <a:solidFill>
+                    <a:srgbClr val="ffffff"/>
+                  </a:solidFill>
+                </a:uFill>
+                <a:latin typeface="Arial"/>
+              </a:rPr>
+              <a:t>	</a:t>
+            </a:r>
+            <a:r>
+              <a:rPr b="0" lang="en-US" sz="2000" spc="-1" strike="noStrike">
+                <a:solidFill>
+                  <a:srgbClr val="000000"/>
+                </a:solidFill>
+                <a:uFill>
+                  <a:solidFill>
+                    <a:srgbClr val="ffffff"/>
+                  </a:solidFill>
+                </a:uFill>
+                <a:latin typeface="Arial"/>
+              </a:rPr>
+              <a:t>	</a:t>
+            </a:r>
+            <a:r>
+              <a:rPr b="0" lang="en-US" sz="2000" spc="-1" strike="noStrike">
+                <a:solidFill>
+                  <a:srgbClr val="000000"/>
+                </a:solidFill>
+                <a:uFill>
+                  <a:solidFill>
+                    <a:srgbClr val="ffffff"/>
+                  </a:solidFill>
+                </a:uFill>
+                <a:latin typeface="Arial"/>
+              </a:rPr>
+              <a:t>Does client and server have same info </a:t>
+            </a:r>
+            <a:endParaRPr b="0" lang="en-US" sz="2000" spc="-1" strike="noStrike">
+              <a:solidFill>
+                <a:srgbClr val="000000"/>
+              </a:solidFill>
+              <a:uFill>
+                <a:solidFill>
+                  <a:srgbClr val="ffffff"/>
+                </a:solidFill>
+              </a:uFill>
+              <a:latin typeface="Arial"/>
+            </a:endParaRPr>
+          </a:p>
+          <a:p>
+            <a:r>
+              <a:rPr b="0" lang="en-US" sz="2000" spc="-1" strike="noStrike">
+                <a:solidFill>
+                  <a:srgbClr val="000000"/>
+                </a:solidFill>
+                <a:uFill>
+                  <a:solidFill>
+                    <a:srgbClr val="ffffff"/>
+                  </a:solidFill>
+                </a:uFill>
+                <a:latin typeface="Arial"/>
+              </a:rPr>
+              <a:t>	</a:t>
+            </a:r>
+            <a:r>
+              <a:rPr b="0" lang="en-US" sz="2000" spc="-1" strike="noStrike">
+                <a:solidFill>
+                  <a:srgbClr val="000000"/>
+                </a:solidFill>
+                <a:uFill>
+                  <a:solidFill>
+                    <a:srgbClr val="ffffff"/>
+                  </a:solidFill>
+                </a:uFill>
+                <a:latin typeface="Arial"/>
+              </a:rPr>
+              <a:t>Client state</a:t>
+            </a:r>
+            <a:endParaRPr b="0" lang="en-US" sz="2000" spc="-1" strike="noStrike">
+              <a:solidFill>
+                <a:srgbClr val="000000"/>
+              </a:solidFill>
+              <a:uFill>
+                <a:solidFill>
+                  <a:srgbClr val="ffffff"/>
+                </a:solidFill>
+              </a:uFill>
+              <a:latin typeface="Arial"/>
+            </a:endParaRPr>
+          </a:p>
+          <a:p>
+            <a:r>
+              <a:rPr b="0" lang="en-US" sz="2000" spc="-1" strike="noStrike">
+                <a:solidFill>
+                  <a:srgbClr val="000000"/>
+                </a:solidFill>
+                <a:uFill>
+                  <a:solidFill>
+                    <a:srgbClr val="ffffff"/>
+                  </a:solidFill>
+                </a:uFill>
+                <a:latin typeface="Arial"/>
+              </a:rPr>
+              <a:t>	</a:t>
+            </a:r>
+            <a:r>
+              <a:rPr b="0" lang="en-US" sz="2000" spc="-1" strike="noStrike">
+                <a:solidFill>
+                  <a:srgbClr val="000000"/>
+                </a:solidFill>
+                <a:uFill>
+                  <a:solidFill>
+                    <a:srgbClr val="ffffff"/>
+                  </a:solidFill>
+                </a:uFill>
+                <a:latin typeface="Arial"/>
+              </a:rPr>
+              <a:t>	</a:t>
+            </a:r>
+            <a:r>
+              <a:rPr b="0" lang="en-US" sz="2000" spc="-1" strike="noStrike">
+                <a:solidFill>
+                  <a:srgbClr val="000000"/>
+                </a:solidFill>
+                <a:uFill>
+                  <a:solidFill>
+                    <a:srgbClr val="ffffff"/>
+                  </a:solidFill>
+                </a:uFill>
+                <a:latin typeface="Arial"/>
+              </a:rPr>
+              <a:t>infrequent long computations speed up queries</a:t>
             </a:r>
             <a:endParaRPr b="0" lang="en-US" sz="2000" spc="-1" strike="noStrike">
               <a:solidFill>
@@ -537,7 +1582,7 @@
         <p:spPr>
           <a:xfrm>
             <a:off x="504000" y="301320"/>
-            <a:ext cx="9071280" cy="1261800"/>
+            <a:ext cx="9071640" cy="1261440"/>
           </a:xfrm>
           <a:prstGeom prst="rect">
             <a:avLst/>
@@ -573,8 +1618,8 @@
         </p:nvSpPr>
         <p:spPr>
           <a:xfrm>
-            <a:off x="504000" y="1769040"/>
-            <a:ext cx="9071280" cy="2090880"/>
+            <a:off x="504000" y="1768680"/>
+            <a:ext cx="9071640" cy="2090880"/>
           </a:xfrm>
           <a:prstGeom prst="rect">
             <a:avLst/>
@@ -609,8 +1654,8 @@
         </p:nvSpPr>
         <p:spPr>
           <a:xfrm>
-            <a:off x="504000" y="4059000"/>
-            <a:ext cx="9071280" cy="2090880"/>
+            <a:off x="504000" y="4058640"/>
+            <a:ext cx="9071640" cy="2090880"/>
           </a:xfrm>
           <a:prstGeom prst="rect">
             <a:avLst/>
@@ -668,7 +1713,7 @@
         <p:spPr>
           <a:xfrm>
             <a:off x="504000" y="301320"/>
-            <a:ext cx="9071280" cy="1261800"/>
+            <a:ext cx="9071640" cy="1261440"/>
           </a:xfrm>
           <a:prstGeom prst="rect">
             <a:avLst/>
@@ -704,8 +1749,8 @@
         </p:nvSpPr>
         <p:spPr>
           <a:xfrm>
-            <a:off x="504000" y="1769040"/>
-            <a:ext cx="4426560" cy="2090880"/>
+            <a:off x="504000" y="1768680"/>
+            <a:ext cx="4426920" cy="2090880"/>
           </a:xfrm>
           <a:prstGeom prst="rect">
             <a:avLst/>
@@ -740,8 +1785,8 @@
         </p:nvSpPr>
         <p:spPr>
           <a:xfrm>
-            <a:off x="5152320" y="1769040"/>
-            <a:ext cx="4426560" cy="2090880"/>
+            <a:off x="5152680" y="1768680"/>
+            <a:ext cx="4426920" cy="2090880"/>
           </a:xfrm>
           <a:prstGeom prst="rect">
             <a:avLst/>
@@ -776,8 +1821,8 @@
         </p:nvSpPr>
         <p:spPr>
           <a:xfrm>
-            <a:off x="5152320" y="4059000"/>
-            <a:ext cx="4426560" cy="2090880"/>
+            <a:off x="5152680" y="4058640"/>
+            <a:ext cx="4426920" cy="2090880"/>
           </a:xfrm>
           <a:prstGeom prst="rect">
             <a:avLst/>
@@ -812,8 +1857,8 @@
         </p:nvSpPr>
         <p:spPr>
           <a:xfrm>
-            <a:off x="504000" y="4059000"/>
-            <a:ext cx="4426560" cy="2090880"/>
+            <a:off x="504000" y="4058640"/>
+            <a:ext cx="4426920" cy="2090880"/>
           </a:xfrm>
           <a:prstGeom prst="rect">
             <a:avLst/>
@@ -871,7 +1916,7 @@
         <p:spPr>
           <a:xfrm>
             <a:off x="504000" y="301320"/>
-            <a:ext cx="9071280" cy="1261800"/>
+            <a:ext cx="9071640" cy="1261440"/>
           </a:xfrm>
           <a:prstGeom prst="rect">
             <a:avLst/>
@@ -907,8 +1952,8 @@
         </p:nvSpPr>
         <p:spPr>
           <a:xfrm>
-            <a:off x="504000" y="1769040"/>
-            <a:ext cx="9071280" cy="4384080"/>
+            <a:off x="504000" y="1768680"/>
+            <a:ext cx="9071640" cy="4383720"/>
           </a:xfrm>
           <a:prstGeom prst="rect">
             <a:avLst/>
@@ -943,8 +1988,8 @@
         </p:nvSpPr>
         <p:spPr>
           <a:xfrm>
-            <a:off x="504000" y="1769040"/>
-            <a:ext cx="9071280" cy="4384080"/>
+            <a:off x="504000" y="1768680"/>
+            <a:ext cx="9071640" cy="4383720"/>
           </a:xfrm>
           <a:prstGeom prst="rect">
             <a:avLst/>
@@ -979,8 +2024,8 @@
         </p:blipFill>
         <p:spPr>
           <a:xfrm>
-            <a:off x="2292120" y="1769040"/>
-            <a:ext cx="5494680" cy="4384080"/>
+            <a:off x="2292480" y="1768320"/>
+            <a:ext cx="5494320" cy="4383720"/>
           </a:xfrm>
           <a:prstGeom prst="rect">
             <a:avLst/>
@@ -1002,8 +2047,8 @@
         </p:blipFill>
         <p:spPr>
           <a:xfrm>
-            <a:off x="2292120" y="1769040"/>
-            <a:ext cx="5494680" cy="4384080"/>
+            <a:off x="2292480" y="1768320"/>
+            <a:ext cx="5494320" cy="4383720"/>
           </a:xfrm>
           <a:prstGeom prst="rect">
             <a:avLst/>
@@ -1070,7 +2115,7 @@
         <p:spPr>
           <a:xfrm>
             <a:off x="504000" y="301320"/>
-            <a:ext cx="9071280" cy="1261800"/>
+            <a:ext cx="9071640" cy="1261440"/>
           </a:xfrm>
           <a:prstGeom prst="rect">
             <a:avLst/>
@@ -1106,8 +2151,8 @@
         </p:nvSpPr>
         <p:spPr>
           <a:xfrm>
-            <a:off x="504000" y="1769040"/>
-            <a:ext cx="9071280" cy="4384080"/>
+            <a:off x="504000" y="1768680"/>
+            <a:ext cx="9071640" cy="4383720"/>
           </a:xfrm>
           <a:prstGeom prst="rect">
             <a:avLst/>
@@ -1166,7 +2211,7 @@
         <p:spPr>
           <a:xfrm>
             <a:off x="504000" y="301320"/>
-            <a:ext cx="9071280" cy="1261800"/>
+            <a:ext cx="9071640" cy="1261440"/>
           </a:xfrm>
           <a:prstGeom prst="rect">
             <a:avLst/>
@@ -1202,8 +2247,8 @@
         </p:nvSpPr>
         <p:spPr>
           <a:xfrm>
-            <a:off x="504000" y="1769040"/>
-            <a:ext cx="9071280" cy="4384080"/>
+            <a:off x="504000" y="1768680"/>
+            <a:ext cx="9071640" cy="4383720"/>
           </a:xfrm>
           <a:prstGeom prst="rect">
             <a:avLst/>
@@ -1261,7 +2306,7 @@
         <p:spPr>
           <a:xfrm>
             <a:off x="504000" y="301320"/>
-            <a:ext cx="9071280" cy="1261800"/>
+            <a:ext cx="9071640" cy="1261440"/>
           </a:xfrm>
           <a:prstGeom prst="rect">
             <a:avLst/>
@@ -1297,8 +2342,8 @@
         </p:nvSpPr>
         <p:spPr>
           <a:xfrm>
-            <a:off x="504000" y="1769040"/>
-            <a:ext cx="4426560" cy="4384080"/>
+            <a:off x="504000" y="1768680"/>
+            <a:ext cx="4426920" cy="4383720"/>
           </a:xfrm>
           <a:prstGeom prst="rect">
             <a:avLst/>
@@ -1333,8 +2378,8 @@
         </p:nvSpPr>
         <p:spPr>
           <a:xfrm>
-            <a:off x="5152320" y="1769040"/>
-            <a:ext cx="4426560" cy="4384080"/>
+            <a:off x="5152680" y="1768680"/>
+            <a:ext cx="4426920" cy="4383720"/>
           </a:xfrm>
           <a:prstGeom prst="rect">
             <a:avLst/>
@@ -1392,7 +2437,7 @@
         <p:spPr>
           <a:xfrm>
             <a:off x="504000" y="301320"/>
-            <a:ext cx="9071280" cy="1261800"/>
+            <a:ext cx="9071640" cy="1261440"/>
           </a:xfrm>
           <a:prstGeom prst="rect">
             <a:avLst/>
@@ -1451,7 +2496,7 @@
         <p:spPr>
           <a:xfrm>
             <a:off x="504000" y="301320"/>
-            <a:ext cx="9071280" cy="5850360"/>
+            <a:ext cx="9071640" cy="5848560"/>
           </a:xfrm>
           <a:prstGeom prst="rect">
             <a:avLst/>
@@ -1510,7 +2555,7 @@
         <p:spPr>
           <a:xfrm>
             <a:off x="504000" y="301320"/>
-            <a:ext cx="9071280" cy="1261800"/>
+            <a:ext cx="9071640" cy="1261440"/>
           </a:xfrm>
           <a:prstGeom prst="rect">
             <a:avLst/>
@@ -1546,8 +2591,8 @@
         </p:nvSpPr>
         <p:spPr>
           <a:xfrm>
-            <a:off x="504000" y="1769040"/>
-            <a:ext cx="4426560" cy="2090880"/>
+            <a:off x="504000" y="1768680"/>
+            <a:ext cx="4426920" cy="2090880"/>
           </a:xfrm>
           <a:prstGeom prst="rect">
             <a:avLst/>
@@ -1582,8 +2627,8 @@
         </p:nvSpPr>
         <p:spPr>
           <a:xfrm>
-            <a:off x="504000" y="4059000"/>
-            <a:ext cx="4426560" cy="2090880"/>
+            <a:off x="504000" y="4058640"/>
+            <a:ext cx="4426920" cy="2090880"/>
           </a:xfrm>
           <a:prstGeom prst="rect">
             <a:avLst/>
@@ -1618,8 +2663,8 @@
         </p:nvSpPr>
         <p:spPr>
           <a:xfrm>
-            <a:off x="5152320" y="1769040"/>
-            <a:ext cx="4426560" cy="4384080"/>
+            <a:off x="5152680" y="1768680"/>
+            <a:ext cx="4426920" cy="4383720"/>
           </a:xfrm>
           <a:prstGeom prst="rect">
             <a:avLst/>
@@ -1677,7 +2722,7 @@
         <p:spPr>
           <a:xfrm>
             <a:off x="504000" y="301320"/>
-            <a:ext cx="9071280" cy="1261800"/>
+            <a:ext cx="9071640" cy="1261440"/>
           </a:xfrm>
           <a:prstGeom prst="rect">
             <a:avLst/>
@@ -1713,8 +2758,8 @@
         </p:nvSpPr>
         <p:spPr>
           <a:xfrm>
-            <a:off x="504000" y="1769040"/>
-            <a:ext cx="9071280" cy="4384080"/>
+            <a:off x="504000" y="1768680"/>
+            <a:ext cx="9071640" cy="4383720"/>
           </a:xfrm>
           <a:prstGeom prst="rect">
             <a:avLst/>
@@ -1773,7 +2818,7 @@
         <p:spPr>
           <a:xfrm>
             <a:off x="504000" y="301320"/>
-            <a:ext cx="9071280" cy="1261800"/>
+            <a:ext cx="9071640" cy="1261440"/>
           </a:xfrm>
           <a:prstGeom prst="rect">
             <a:avLst/>
@@ -1809,8 +2854,8 @@
         </p:nvSpPr>
         <p:spPr>
           <a:xfrm>
-            <a:off x="504000" y="1769040"/>
-            <a:ext cx="4426560" cy="4384080"/>
+            <a:off x="504000" y="1768680"/>
+            <a:ext cx="4426920" cy="4383720"/>
           </a:xfrm>
           <a:prstGeom prst="rect">
             <a:avLst/>
@@ -1845,8 +2890,8 @@
         </p:nvSpPr>
         <p:spPr>
           <a:xfrm>
-            <a:off x="5152320" y="1769040"/>
-            <a:ext cx="4426560" cy="2090880"/>
+            <a:off x="5152680" y="1768680"/>
+            <a:ext cx="4426920" cy="2090880"/>
           </a:xfrm>
           <a:prstGeom prst="rect">
             <a:avLst/>
@@ -1881,8 +2926,8 @@
         </p:nvSpPr>
         <p:spPr>
           <a:xfrm>
-            <a:off x="5152320" y="4059000"/>
-            <a:ext cx="4426560" cy="2090880"/>
+            <a:off x="5152680" y="4058640"/>
+            <a:ext cx="4426920" cy="2090880"/>
           </a:xfrm>
           <a:prstGeom prst="rect">
             <a:avLst/>
@@ -1940,7 +2985,7 @@
         <p:spPr>
           <a:xfrm>
             <a:off x="504000" y="301320"/>
-            <a:ext cx="9071280" cy="1261800"/>
+            <a:ext cx="9071640" cy="1261440"/>
           </a:xfrm>
           <a:prstGeom prst="rect">
             <a:avLst/>
@@ -1976,8 +3021,8 @@
         </p:nvSpPr>
         <p:spPr>
           <a:xfrm>
-            <a:off x="504000" y="1769040"/>
-            <a:ext cx="4426560" cy="2090880"/>
+            <a:off x="504000" y="1768680"/>
+            <a:ext cx="4426920" cy="2090880"/>
           </a:xfrm>
           <a:prstGeom prst="rect">
             <a:avLst/>
@@ -2012,8 +3057,8 @@
         </p:nvSpPr>
         <p:spPr>
           <a:xfrm>
-            <a:off x="5152320" y="1769040"/>
-            <a:ext cx="4426560" cy="2090880"/>
+            <a:off x="5152680" y="1768680"/>
+            <a:ext cx="4426920" cy="2090880"/>
           </a:xfrm>
           <a:prstGeom prst="rect">
             <a:avLst/>
@@ -2048,8 +3093,8 @@
         </p:nvSpPr>
         <p:spPr>
           <a:xfrm>
-            <a:off x="504000" y="4059000"/>
-            <a:ext cx="9071280" cy="2090880"/>
+            <a:off x="504000" y="4058640"/>
+            <a:ext cx="9071640" cy="2090880"/>
           </a:xfrm>
           <a:prstGeom prst="rect">
             <a:avLst/>
@@ -2107,7 +3152,7 @@
         <p:spPr>
           <a:xfrm>
             <a:off x="504000" y="301320"/>
-            <a:ext cx="9071280" cy="1261800"/>
+            <a:ext cx="9071640" cy="1261440"/>
           </a:xfrm>
           <a:prstGeom prst="rect">
             <a:avLst/>
@@ -2143,8 +3188,8 @@
         </p:nvSpPr>
         <p:spPr>
           <a:xfrm>
-            <a:off x="504000" y="1769040"/>
-            <a:ext cx="9071280" cy="2090880"/>
+            <a:off x="504000" y="1768680"/>
+            <a:ext cx="9071640" cy="2090880"/>
           </a:xfrm>
           <a:prstGeom prst="rect">
             <a:avLst/>
@@ -2179,8 +3224,8 @@
         </p:nvSpPr>
         <p:spPr>
           <a:xfrm>
-            <a:off x="504000" y="4059000"/>
-            <a:ext cx="9071280" cy="2090880"/>
+            <a:off x="504000" y="4058640"/>
+            <a:ext cx="9071640" cy="2090880"/>
           </a:xfrm>
           <a:prstGeom prst="rect">
             <a:avLst/>
@@ -2238,7 +3283,7 @@
         <p:spPr>
           <a:xfrm>
             <a:off x="504000" y="301320"/>
-            <a:ext cx="9071280" cy="1261800"/>
+            <a:ext cx="9071640" cy="1261440"/>
           </a:xfrm>
           <a:prstGeom prst="rect">
             <a:avLst/>
@@ -2274,8 +3319,8 @@
         </p:nvSpPr>
         <p:spPr>
           <a:xfrm>
-            <a:off x="504000" y="1769040"/>
-            <a:ext cx="4426560" cy="2090880"/>
+            <a:off x="504000" y="1768680"/>
+            <a:ext cx="4426920" cy="2090880"/>
           </a:xfrm>
           <a:prstGeom prst="rect">
             <a:avLst/>
@@ -2310,8 +3355,8 @@
         </p:nvSpPr>
         <p:spPr>
           <a:xfrm>
-            <a:off x="5152320" y="1769040"/>
-            <a:ext cx="4426560" cy="2090880"/>
+            <a:off x="5152680" y="1768680"/>
+            <a:ext cx="4426920" cy="2090880"/>
           </a:xfrm>
           <a:prstGeom prst="rect">
             <a:avLst/>
@@ -2346,8 +3391,8 @@
         </p:nvSpPr>
         <p:spPr>
           <a:xfrm>
-            <a:off x="5152320" y="4059000"/>
-            <a:ext cx="4426560" cy="2090880"/>
+            <a:off x="5152680" y="4058640"/>
+            <a:ext cx="4426920" cy="2090880"/>
           </a:xfrm>
           <a:prstGeom prst="rect">
             <a:avLst/>
@@ -2382,8 +3427,8 @@
         </p:nvSpPr>
         <p:spPr>
           <a:xfrm>
-            <a:off x="504000" y="4059000"/>
-            <a:ext cx="4426560" cy="2090880"/>
+            <a:off x="504000" y="4058640"/>
+            <a:ext cx="4426920" cy="2090880"/>
           </a:xfrm>
           <a:prstGeom prst="rect">
             <a:avLst/>
@@ -2441,7 +3486,7 @@
         <p:spPr>
           <a:xfrm>
             <a:off x="504000" y="301320"/>
-            <a:ext cx="9071280" cy="1261800"/>
+            <a:ext cx="9071640" cy="1261440"/>
           </a:xfrm>
           <a:prstGeom prst="rect">
             <a:avLst/>
@@ -2477,8 +3522,8 @@
         </p:nvSpPr>
         <p:spPr>
           <a:xfrm>
-            <a:off x="504000" y="1769040"/>
-            <a:ext cx="9071280" cy="4384080"/>
+            <a:off x="504000" y="1768680"/>
+            <a:ext cx="9071640" cy="4383720"/>
           </a:xfrm>
           <a:prstGeom prst="rect">
             <a:avLst/>
@@ -2513,8 +3558,8 @@
         </p:nvSpPr>
         <p:spPr>
           <a:xfrm>
-            <a:off x="504000" y="1769040"/>
-            <a:ext cx="9071280" cy="4384080"/>
+            <a:off x="504000" y="1768680"/>
+            <a:ext cx="9071640" cy="4383720"/>
           </a:xfrm>
           <a:prstGeom prst="rect">
             <a:avLst/>
@@ -2549,8 +3594,8 @@
         </p:blipFill>
         <p:spPr>
           <a:xfrm>
-            <a:off x="2292120" y="1769040"/>
-            <a:ext cx="5494680" cy="4384080"/>
+            <a:off x="2292480" y="1768320"/>
+            <a:ext cx="5494320" cy="4383720"/>
           </a:xfrm>
           <a:prstGeom prst="rect">
             <a:avLst/>
@@ -2572,8 +3617,8 @@
         </p:blipFill>
         <p:spPr>
           <a:xfrm>
-            <a:off x="2292120" y="1769040"/>
-            <a:ext cx="5494680" cy="4384080"/>
+            <a:off x="2292480" y="1768320"/>
+            <a:ext cx="5494320" cy="4383720"/>
           </a:xfrm>
           <a:prstGeom prst="rect">
             <a:avLst/>
@@ -2583,6 +3628,409 @@
           </a:ln>
         </p:spPr>
       </p:pic>
+    </p:spTree>
+  </p:cSld>
+</p:sldLayout>
+</file>
+
+<file path=ppt/slideLayouts/slideLayout25.xml><?xml version="1.0" encoding="utf-8"?>
+<p:sldLayout xmlns:a="http://schemas.openxmlformats.org/drawingml/2006/main" xmlns:p="http://schemas.openxmlformats.org/presentationml/2006/main" xmlns:r="http://schemas.openxmlformats.org/officeDocument/2006/relationships" xmlns:p14="http://schemas.microsoft.com/office/powerpoint/2010/main" xmlns:p15="http://schemas.microsoft.com/office/powerpoint/2012/main" xmlns:mc="http://schemas.openxmlformats.org/markup-compatibility/2006" type="blank" preserve="1">
+  <p:cSld name="Blank Slide">
+    <p:spTree>
+      <p:nvGrpSpPr>
+        <p:cNvPr id="1" name=""/>
+        <p:cNvGrpSpPr/>
+        <p:nvPr/>
+      </p:nvGrpSpPr>
+      <p:grpSpPr>
+        <a:xfrm>
+          <a:off x="0" y="0"/>
+          <a:ext cx="0" cy="0"/>
+          <a:chOff x="0" y="0"/>
+          <a:chExt cx="0" cy="0"/>
+        </a:xfrm>
+      </p:grpSpPr>
+    </p:spTree>
+  </p:cSld>
+</p:sldLayout>
+</file>
+
+<file path=ppt/slideLayouts/slideLayout26.xml><?xml version="1.0" encoding="utf-8"?>
+<p:sldLayout xmlns:a="http://schemas.openxmlformats.org/drawingml/2006/main" xmlns:p="http://schemas.openxmlformats.org/presentationml/2006/main" xmlns:r="http://schemas.openxmlformats.org/officeDocument/2006/relationships" xmlns:p14="http://schemas.microsoft.com/office/powerpoint/2010/main" xmlns:p15="http://schemas.microsoft.com/office/powerpoint/2012/main" xmlns:mc="http://schemas.openxmlformats.org/markup-compatibility/2006" type="tx" preserve="1">
+  <p:cSld name="Title Slide">
+    <p:spTree>
+      <p:nvGrpSpPr>
+        <p:cNvPr id="1" name=""/>
+        <p:cNvGrpSpPr/>
+        <p:nvPr/>
+      </p:nvGrpSpPr>
+      <p:grpSpPr>
+        <a:xfrm>
+          <a:off x="0" y="0"/>
+          <a:ext cx="0" cy="0"/>
+          <a:chOff x="0" y="0"/>
+          <a:chExt cx="0" cy="0"/>
+        </a:xfrm>
+      </p:grpSpPr>
+      <p:sp>
+        <p:nvSpPr>
+          <p:cNvPr id="74" name="PlaceHolder 1"/>
+          <p:cNvSpPr>
+            <a:spLocks noGrp="1"/>
+          </p:cNvSpPr>
+          <p:nvPr>
+            <p:ph type="title"/>
+          </p:nvPr>
+        </p:nvSpPr>
+        <p:spPr>
+          <a:xfrm>
+            <a:off x="504000" y="301320"/>
+            <a:ext cx="9071640" cy="1261440"/>
+          </a:xfrm>
+          <a:prstGeom prst="rect">
+            <a:avLst/>
+          </a:prstGeom>
+        </p:spPr>
+        <p:txBody>
+          <a:bodyPr lIns="0" rIns="0" tIns="0" bIns="0" anchor="ctr"/>
+          <a:p>
+            <a:pPr algn="ctr"/>
+            <a:endParaRPr b="0" lang="en-US" sz="4400" spc="-1" strike="noStrike">
+              <a:solidFill>
+                <a:srgbClr val="000000"/>
+              </a:solidFill>
+              <a:uFill>
+                <a:solidFill>
+                  <a:srgbClr val="ffffff"/>
+                </a:solidFill>
+              </a:uFill>
+              <a:latin typeface="Arial"/>
+            </a:endParaRPr>
+          </a:p>
+        </p:txBody>
+      </p:sp>
+      <p:sp>
+        <p:nvSpPr>
+          <p:cNvPr id="75" name="PlaceHolder 2"/>
+          <p:cNvSpPr>
+            <a:spLocks noGrp="1"/>
+          </p:cNvSpPr>
+          <p:nvPr>
+            <p:ph type="subTitle"/>
+          </p:nvPr>
+        </p:nvSpPr>
+        <p:spPr>
+          <a:xfrm>
+            <a:off x="504000" y="1768680"/>
+            <a:ext cx="9071640" cy="4383720"/>
+          </a:xfrm>
+          <a:prstGeom prst="rect">
+            <a:avLst/>
+          </a:prstGeom>
+        </p:spPr>
+        <p:txBody>
+          <a:bodyPr lIns="0" rIns="0" tIns="0" bIns="0" anchor="ctr"/>
+          <a:p>
+            <a:pPr algn="ctr"/>
+            <a:endParaRPr b="0" lang="en-US" sz="3200" spc="-1" strike="noStrike">
+              <a:solidFill>
+                <a:srgbClr val="000000"/>
+              </a:solidFill>
+              <a:uFill>
+                <a:solidFill>
+                  <a:srgbClr val="ffffff"/>
+                </a:solidFill>
+              </a:uFill>
+              <a:latin typeface="Arial"/>
+            </a:endParaRPr>
+          </a:p>
+        </p:txBody>
+      </p:sp>
+    </p:spTree>
+  </p:cSld>
+</p:sldLayout>
+</file>
+
+<file path=ppt/slideLayouts/slideLayout27.xml><?xml version="1.0" encoding="utf-8"?>
+<p:sldLayout xmlns:a="http://schemas.openxmlformats.org/drawingml/2006/main" xmlns:p="http://schemas.openxmlformats.org/presentationml/2006/main" xmlns:r="http://schemas.openxmlformats.org/officeDocument/2006/relationships" xmlns:p14="http://schemas.microsoft.com/office/powerpoint/2010/main" xmlns:p15="http://schemas.microsoft.com/office/powerpoint/2012/main" xmlns:mc="http://schemas.openxmlformats.org/markup-compatibility/2006" type="obj" preserve="1">
+  <p:cSld name="Title, Content">
+    <p:spTree>
+      <p:nvGrpSpPr>
+        <p:cNvPr id="1" name=""/>
+        <p:cNvGrpSpPr/>
+        <p:nvPr/>
+      </p:nvGrpSpPr>
+      <p:grpSpPr>
+        <a:xfrm>
+          <a:off x="0" y="0"/>
+          <a:ext cx="0" cy="0"/>
+          <a:chOff x="0" y="0"/>
+          <a:chExt cx="0" cy="0"/>
+        </a:xfrm>
+      </p:grpSpPr>
+      <p:sp>
+        <p:nvSpPr>
+          <p:cNvPr id="76" name="PlaceHolder 1"/>
+          <p:cNvSpPr>
+            <a:spLocks noGrp="1"/>
+          </p:cNvSpPr>
+          <p:nvPr>
+            <p:ph type="title"/>
+          </p:nvPr>
+        </p:nvSpPr>
+        <p:spPr>
+          <a:xfrm>
+            <a:off x="504000" y="301320"/>
+            <a:ext cx="9071640" cy="1261440"/>
+          </a:xfrm>
+          <a:prstGeom prst="rect">
+            <a:avLst/>
+          </a:prstGeom>
+        </p:spPr>
+        <p:txBody>
+          <a:bodyPr lIns="0" rIns="0" tIns="0" bIns="0" anchor="ctr"/>
+          <a:p>
+            <a:pPr algn="ctr"/>
+            <a:endParaRPr b="0" lang="en-US" sz="4400" spc="-1" strike="noStrike">
+              <a:solidFill>
+                <a:srgbClr val="000000"/>
+              </a:solidFill>
+              <a:uFill>
+                <a:solidFill>
+                  <a:srgbClr val="ffffff"/>
+                </a:solidFill>
+              </a:uFill>
+              <a:latin typeface="Arial"/>
+            </a:endParaRPr>
+          </a:p>
+        </p:txBody>
+      </p:sp>
+      <p:sp>
+        <p:nvSpPr>
+          <p:cNvPr id="77" name="PlaceHolder 2"/>
+          <p:cNvSpPr>
+            <a:spLocks noGrp="1"/>
+          </p:cNvSpPr>
+          <p:nvPr>
+            <p:ph type="body"/>
+          </p:nvPr>
+        </p:nvSpPr>
+        <p:spPr>
+          <a:xfrm>
+            <a:off x="504000" y="1768680"/>
+            <a:ext cx="9071640" cy="4383720"/>
+          </a:xfrm>
+          <a:prstGeom prst="rect">
+            <a:avLst/>
+          </a:prstGeom>
+        </p:spPr>
+        <p:txBody>
+          <a:bodyPr lIns="0" rIns="0" tIns="0" bIns="0"/>
+          <a:p>
+            <a:endParaRPr b="0" lang="en-US" sz="3200" spc="-1" strike="noStrike">
+              <a:solidFill>
+                <a:srgbClr val="000000"/>
+              </a:solidFill>
+              <a:uFill>
+                <a:solidFill>
+                  <a:srgbClr val="ffffff"/>
+                </a:solidFill>
+              </a:uFill>
+              <a:latin typeface="Arial"/>
+            </a:endParaRPr>
+          </a:p>
+        </p:txBody>
+      </p:sp>
+    </p:spTree>
+  </p:cSld>
+</p:sldLayout>
+</file>
+
+<file path=ppt/slideLayouts/slideLayout28.xml><?xml version="1.0" encoding="utf-8"?>
+<p:sldLayout xmlns:a="http://schemas.openxmlformats.org/drawingml/2006/main" xmlns:p="http://schemas.openxmlformats.org/presentationml/2006/main" xmlns:r="http://schemas.openxmlformats.org/officeDocument/2006/relationships" xmlns:p14="http://schemas.microsoft.com/office/powerpoint/2010/main" xmlns:p15="http://schemas.microsoft.com/office/powerpoint/2012/main" xmlns:mc="http://schemas.openxmlformats.org/markup-compatibility/2006" type="twoObj" preserve="1">
+  <p:cSld name="Title, 2 Content">
+    <p:spTree>
+      <p:nvGrpSpPr>
+        <p:cNvPr id="1" name=""/>
+        <p:cNvGrpSpPr/>
+        <p:nvPr/>
+      </p:nvGrpSpPr>
+      <p:grpSpPr>
+        <a:xfrm>
+          <a:off x="0" y="0"/>
+          <a:ext cx="0" cy="0"/>
+          <a:chOff x="0" y="0"/>
+          <a:chExt cx="0" cy="0"/>
+        </a:xfrm>
+      </p:grpSpPr>
+      <p:sp>
+        <p:nvSpPr>
+          <p:cNvPr id="78" name="PlaceHolder 1"/>
+          <p:cNvSpPr>
+            <a:spLocks noGrp="1"/>
+          </p:cNvSpPr>
+          <p:nvPr>
+            <p:ph type="title"/>
+          </p:nvPr>
+        </p:nvSpPr>
+        <p:spPr>
+          <a:xfrm>
+            <a:off x="504000" y="301320"/>
+            <a:ext cx="9071640" cy="1261440"/>
+          </a:xfrm>
+          <a:prstGeom prst="rect">
+            <a:avLst/>
+          </a:prstGeom>
+        </p:spPr>
+        <p:txBody>
+          <a:bodyPr lIns="0" rIns="0" tIns="0" bIns="0" anchor="ctr"/>
+          <a:p>
+            <a:pPr algn="ctr"/>
+            <a:endParaRPr b="0" lang="en-US" sz="4400" spc="-1" strike="noStrike">
+              <a:solidFill>
+                <a:srgbClr val="000000"/>
+              </a:solidFill>
+              <a:uFill>
+                <a:solidFill>
+                  <a:srgbClr val="ffffff"/>
+                </a:solidFill>
+              </a:uFill>
+              <a:latin typeface="Arial"/>
+            </a:endParaRPr>
+          </a:p>
+        </p:txBody>
+      </p:sp>
+      <p:sp>
+        <p:nvSpPr>
+          <p:cNvPr id="79" name="PlaceHolder 2"/>
+          <p:cNvSpPr>
+            <a:spLocks noGrp="1"/>
+          </p:cNvSpPr>
+          <p:nvPr>
+            <p:ph type="body"/>
+          </p:nvPr>
+        </p:nvSpPr>
+        <p:spPr>
+          <a:xfrm>
+            <a:off x="504000" y="1768680"/>
+            <a:ext cx="4426920" cy="4383720"/>
+          </a:xfrm>
+          <a:prstGeom prst="rect">
+            <a:avLst/>
+          </a:prstGeom>
+        </p:spPr>
+        <p:txBody>
+          <a:bodyPr lIns="0" rIns="0" tIns="0" bIns="0"/>
+          <a:p>
+            <a:endParaRPr b="0" lang="en-US" sz="3200" spc="-1" strike="noStrike">
+              <a:solidFill>
+                <a:srgbClr val="000000"/>
+              </a:solidFill>
+              <a:uFill>
+                <a:solidFill>
+                  <a:srgbClr val="ffffff"/>
+                </a:solidFill>
+              </a:uFill>
+              <a:latin typeface="Arial"/>
+            </a:endParaRPr>
+          </a:p>
+        </p:txBody>
+      </p:sp>
+      <p:sp>
+        <p:nvSpPr>
+          <p:cNvPr id="80" name="PlaceHolder 3"/>
+          <p:cNvSpPr>
+            <a:spLocks noGrp="1"/>
+          </p:cNvSpPr>
+          <p:nvPr>
+            <p:ph type="body"/>
+          </p:nvPr>
+        </p:nvSpPr>
+        <p:spPr>
+          <a:xfrm>
+            <a:off x="5152680" y="1768680"/>
+            <a:ext cx="4426920" cy="4383720"/>
+          </a:xfrm>
+          <a:prstGeom prst="rect">
+            <a:avLst/>
+          </a:prstGeom>
+        </p:spPr>
+        <p:txBody>
+          <a:bodyPr lIns="0" rIns="0" tIns="0" bIns="0"/>
+          <a:p>
+            <a:endParaRPr b="0" lang="en-US" sz="3200" spc="-1" strike="noStrike">
+              <a:solidFill>
+                <a:srgbClr val="000000"/>
+              </a:solidFill>
+              <a:uFill>
+                <a:solidFill>
+                  <a:srgbClr val="ffffff"/>
+                </a:solidFill>
+              </a:uFill>
+              <a:latin typeface="Arial"/>
+            </a:endParaRPr>
+          </a:p>
+        </p:txBody>
+      </p:sp>
+    </p:spTree>
+  </p:cSld>
+</p:sldLayout>
+</file>
+
+<file path=ppt/slideLayouts/slideLayout29.xml><?xml version="1.0" encoding="utf-8"?>
+<p:sldLayout xmlns:a="http://schemas.openxmlformats.org/drawingml/2006/main" xmlns:p="http://schemas.openxmlformats.org/presentationml/2006/main" xmlns:r="http://schemas.openxmlformats.org/officeDocument/2006/relationships" xmlns:p14="http://schemas.microsoft.com/office/powerpoint/2010/main" xmlns:p15="http://schemas.microsoft.com/office/powerpoint/2012/main" xmlns:mc="http://schemas.openxmlformats.org/markup-compatibility/2006" type="titleOnly" preserve="1">
+  <p:cSld name="Title Only">
+    <p:spTree>
+      <p:nvGrpSpPr>
+        <p:cNvPr id="1" name=""/>
+        <p:cNvGrpSpPr/>
+        <p:nvPr/>
+      </p:nvGrpSpPr>
+      <p:grpSpPr>
+        <a:xfrm>
+          <a:off x="0" y="0"/>
+          <a:ext cx="0" cy="0"/>
+          <a:chOff x="0" y="0"/>
+          <a:chExt cx="0" cy="0"/>
+        </a:xfrm>
+      </p:grpSpPr>
+      <p:sp>
+        <p:nvSpPr>
+          <p:cNvPr id="81" name="PlaceHolder 1"/>
+          <p:cNvSpPr>
+            <a:spLocks noGrp="1"/>
+          </p:cNvSpPr>
+          <p:nvPr>
+            <p:ph type="title"/>
+          </p:nvPr>
+        </p:nvSpPr>
+        <p:spPr>
+          <a:xfrm>
+            <a:off x="504000" y="301320"/>
+            <a:ext cx="9071640" cy="1261440"/>
+          </a:xfrm>
+          <a:prstGeom prst="rect">
+            <a:avLst/>
+          </a:prstGeom>
+        </p:spPr>
+        <p:txBody>
+          <a:bodyPr lIns="0" rIns="0" tIns="0" bIns="0" anchor="ctr"/>
+          <a:p>
+            <a:pPr algn="ctr"/>
+            <a:endParaRPr b="0" lang="en-US" sz="4400" spc="-1" strike="noStrike">
+              <a:solidFill>
+                <a:srgbClr val="000000"/>
+              </a:solidFill>
+              <a:uFill>
+                <a:solidFill>
+                  <a:srgbClr val="ffffff"/>
+                </a:solidFill>
+              </a:uFill>
+              <a:latin typeface="Arial"/>
+            </a:endParaRPr>
+          </a:p>
+        </p:txBody>
+      </p:sp>
     </p:spTree>
   </p:cSld>
 </p:sldLayout>
@@ -2618,7 +4066,7 @@
         <p:spPr>
           <a:xfrm>
             <a:off x="504000" y="301320"/>
-            <a:ext cx="9071280" cy="1261800"/>
+            <a:ext cx="9071640" cy="1261440"/>
           </a:xfrm>
           <a:prstGeom prst="rect">
             <a:avLst/>
@@ -2654,8 +4102,8 @@
         </p:nvSpPr>
         <p:spPr>
           <a:xfrm>
-            <a:off x="504000" y="1769040"/>
-            <a:ext cx="9071280" cy="4384080"/>
+            <a:off x="504000" y="1768680"/>
+            <a:ext cx="9071640" cy="4383720"/>
           </a:xfrm>
           <a:prstGeom prst="rect">
             <a:avLst/>
@@ -2678,6 +4126,1077 @@
           </a:p>
         </p:txBody>
       </p:sp>
+    </p:spTree>
+  </p:cSld>
+</p:sldLayout>
+</file>
+
+<file path=ppt/slideLayouts/slideLayout30.xml><?xml version="1.0" encoding="utf-8"?>
+<p:sldLayout xmlns:a="http://schemas.openxmlformats.org/drawingml/2006/main" xmlns:p="http://schemas.openxmlformats.org/presentationml/2006/main" xmlns:r="http://schemas.openxmlformats.org/officeDocument/2006/relationships" xmlns:p14="http://schemas.microsoft.com/office/powerpoint/2010/main" xmlns:p15="http://schemas.microsoft.com/office/powerpoint/2012/main" xmlns:mc="http://schemas.openxmlformats.org/markup-compatibility/2006" type="objOnly" preserve="1">
+  <p:cSld name="Centered Text">
+    <p:spTree>
+      <p:nvGrpSpPr>
+        <p:cNvPr id="1" name=""/>
+        <p:cNvGrpSpPr/>
+        <p:nvPr/>
+      </p:nvGrpSpPr>
+      <p:grpSpPr>
+        <a:xfrm>
+          <a:off x="0" y="0"/>
+          <a:ext cx="0" cy="0"/>
+          <a:chOff x="0" y="0"/>
+          <a:chExt cx="0" cy="0"/>
+        </a:xfrm>
+      </p:grpSpPr>
+      <p:sp>
+        <p:nvSpPr>
+          <p:cNvPr id="82" name="PlaceHolder 1"/>
+          <p:cNvSpPr>
+            <a:spLocks noGrp="1"/>
+          </p:cNvSpPr>
+          <p:nvPr>
+            <p:ph type="subTitle"/>
+          </p:nvPr>
+        </p:nvSpPr>
+        <p:spPr>
+          <a:xfrm>
+            <a:off x="504000" y="301320"/>
+            <a:ext cx="9071640" cy="5848560"/>
+          </a:xfrm>
+          <a:prstGeom prst="rect">
+            <a:avLst/>
+          </a:prstGeom>
+        </p:spPr>
+        <p:txBody>
+          <a:bodyPr lIns="0" rIns="0" tIns="0" bIns="0" anchor="ctr"/>
+          <a:p>
+            <a:pPr algn="ctr"/>
+            <a:endParaRPr b="0" lang="en-US" sz="3200" spc="-1" strike="noStrike">
+              <a:solidFill>
+                <a:srgbClr val="000000"/>
+              </a:solidFill>
+              <a:uFill>
+                <a:solidFill>
+                  <a:srgbClr val="ffffff"/>
+                </a:solidFill>
+              </a:uFill>
+              <a:latin typeface="Arial"/>
+            </a:endParaRPr>
+          </a:p>
+        </p:txBody>
+      </p:sp>
+    </p:spTree>
+  </p:cSld>
+</p:sldLayout>
+</file>
+
+<file path=ppt/slideLayouts/slideLayout31.xml><?xml version="1.0" encoding="utf-8"?>
+<p:sldLayout xmlns:a="http://schemas.openxmlformats.org/drawingml/2006/main" xmlns:p="http://schemas.openxmlformats.org/presentationml/2006/main" xmlns:r="http://schemas.openxmlformats.org/officeDocument/2006/relationships" xmlns:p14="http://schemas.microsoft.com/office/powerpoint/2010/main" xmlns:p15="http://schemas.microsoft.com/office/powerpoint/2012/main" xmlns:mc="http://schemas.openxmlformats.org/markup-compatibility/2006" type="twoObjAndObj" preserve="1">
+  <p:cSld name="Title, 2 Content and Content">
+    <p:spTree>
+      <p:nvGrpSpPr>
+        <p:cNvPr id="1" name=""/>
+        <p:cNvGrpSpPr/>
+        <p:nvPr/>
+      </p:nvGrpSpPr>
+      <p:grpSpPr>
+        <a:xfrm>
+          <a:off x="0" y="0"/>
+          <a:ext cx="0" cy="0"/>
+          <a:chOff x="0" y="0"/>
+          <a:chExt cx="0" cy="0"/>
+        </a:xfrm>
+      </p:grpSpPr>
+      <p:sp>
+        <p:nvSpPr>
+          <p:cNvPr id="83" name="PlaceHolder 1"/>
+          <p:cNvSpPr>
+            <a:spLocks noGrp="1"/>
+          </p:cNvSpPr>
+          <p:nvPr>
+            <p:ph type="title"/>
+          </p:nvPr>
+        </p:nvSpPr>
+        <p:spPr>
+          <a:xfrm>
+            <a:off x="504000" y="301320"/>
+            <a:ext cx="9071640" cy="1261440"/>
+          </a:xfrm>
+          <a:prstGeom prst="rect">
+            <a:avLst/>
+          </a:prstGeom>
+        </p:spPr>
+        <p:txBody>
+          <a:bodyPr lIns="0" rIns="0" tIns="0" bIns="0" anchor="ctr"/>
+          <a:p>
+            <a:pPr algn="ctr"/>
+            <a:endParaRPr b="0" lang="en-US" sz="4400" spc="-1" strike="noStrike">
+              <a:solidFill>
+                <a:srgbClr val="000000"/>
+              </a:solidFill>
+              <a:uFill>
+                <a:solidFill>
+                  <a:srgbClr val="ffffff"/>
+                </a:solidFill>
+              </a:uFill>
+              <a:latin typeface="Arial"/>
+            </a:endParaRPr>
+          </a:p>
+        </p:txBody>
+      </p:sp>
+      <p:sp>
+        <p:nvSpPr>
+          <p:cNvPr id="84" name="PlaceHolder 2"/>
+          <p:cNvSpPr>
+            <a:spLocks noGrp="1"/>
+          </p:cNvSpPr>
+          <p:nvPr>
+            <p:ph type="body"/>
+          </p:nvPr>
+        </p:nvSpPr>
+        <p:spPr>
+          <a:xfrm>
+            <a:off x="504000" y="1768680"/>
+            <a:ext cx="4426920" cy="2090880"/>
+          </a:xfrm>
+          <a:prstGeom prst="rect">
+            <a:avLst/>
+          </a:prstGeom>
+        </p:spPr>
+        <p:txBody>
+          <a:bodyPr lIns="0" rIns="0" tIns="0" bIns="0"/>
+          <a:p>
+            <a:endParaRPr b="0" lang="en-US" sz="3200" spc="-1" strike="noStrike">
+              <a:solidFill>
+                <a:srgbClr val="000000"/>
+              </a:solidFill>
+              <a:uFill>
+                <a:solidFill>
+                  <a:srgbClr val="ffffff"/>
+                </a:solidFill>
+              </a:uFill>
+              <a:latin typeface="Arial"/>
+            </a:endParaRPr>
+          </a:p>
+        </p:txBody>
+      </p:sp>
+      <p:sp>
+        <p:nvSpPr>
+          <p:cNvPr id="85" name="PlaceHolder 3"/>
+          <p:cNvSpPr>
+            <a:spLocks noGrp="1"/>
+          </p:cNvSpPr>
+          <p:nvPr>
+            <p:ph type="body"/>
+          </p:nvPr>
+        </p:nvSpPr>
+        <p:spPr>
+          <a:xfrm>
+            <a:off x="504000" y="4058640"/>
+            <a:ext cx="4426920" cy="2090880"/>
+          </a:xfrm>
+          <a:prstGeom prst="rect">
+            <a:avLst/>
+          </a:prstGeom>
+        </p:spPr>
+        <p:txBody>
+          <a:bodyPr lIns="0" rIns="0" tIns="0" bIns="0"/>
+          <a:p>
+            <a:endParaRPr b="0" lang="en-US" sz="3200" spc="-1" strike="noStrike">
+              <a:solidFill>
+                <a:srgbClr val="000000"/>
+              </a:solidFill>
+              <a:uFill>
+                <a:solidFill>
+                  <a:srgbClr val="ffffff"/>
+                </a:solidFill>
+              </a:uFill>
+              <a:latin typeface="Arial"/>
+            </a:endParaRPr>
+          </a:p>
+        </p:txBody>
+      </p:sp>
+      <p:sp>
+        <p:nvSpPr>
+          <p:cNvPr id="86" name="PlaceHolder 4"/>
+          <p:cNvSpPr>
+            <a:spLocks noGrp="1"/>
+          </p:cNvSpPr>
+          <p:nvPr>
+            <p:ph type="body"/>
+          </p:nvPr>
+        </p:nvSpPr>
+        <p:spPr>
+          <a:xfrm>
+            <a:off x="5152680" y="1768680"/>
+            <a:ext cx="4426920" cy="4383720"/>
+          </a:xfrm>
+          <a:prstGeom prst="rect">
+            <a:avLst/>
+          </a:prstGeom>
+        </p:spPr>
+        <p:txBody>
+          <a:bodyPr lIns="0" rIns="0" tIns="0" bIns="0"/>
+          <a:p>
+            <a:endParaRPr b="0" lang="en-US" sz="3200" spc="-1" strike="noStrike">
+              <a:solidFill>
+                <a:srgbClr val="000000"/>
+              </a:solidFill>
+              <a:uFill>
+                <a:solidFill>
+                  <a:srgbClr val="ffffff"/>
+                </a:solidFill>
+              </a:uFill>
+              <a:latin typeface="Arial"/>
+            </a:endParaRPr>
+          </a:p>
+        </p:txBody>
+      </p:sp>
+    </p:spTree>
+  </p:cSld>
+</p:sldLayout>
+</file>
+
+<file path=ppt/slideLayouts/slideLayout32.xml><?xml version="1.0" encoding="utf-8"?>
+<p:sldLayout xmlns:a="http://schemas.openxmlformats.org/drawingml/2006/main" xmlns:p="http://schemas.openxmlformats.org/presentationml/2006/main" xmlns:r="http://schemas.openxmlformats.org/officeDocument/2006/relationships" xmlns:p14="http://schemas.microsoft.com/office/powerpoint/2010/main" xmlns:p15="http://schemas.microsoft.com/office/powerpoint/2012/main" xmlns:mc="http://schemas.openxmlformats.org/markup-compatibility/2006" type="objAndTwoObj" preserve="1">
+  <p:cSld name="Title Content and 2 Content">
+    <p:spTree>
+      <p:nvGrpSpPr>
+        <p:cNvPr id="1" name=""/>
+        <p:cNvGrpSpPr/>
+        <p:nvPr/>
+      </p:nvGrpSpPr>
+      <p:grpSpPr>
+        <a:xfrm>
+          <a:off x="0" y="0"/>
+          <a:ext cx="0" cy="0"/>
+          <a:chOff x="0" y="0"/>
+          <a:chExt cx="0" cy="0"/>
+        </a:xfrm>
+      </p:grpSpPr>
+      <p:sp>
+        <p:nvSpPr>
+          <p:cNvPr id="87" name="PlaceHolder 1"/>
+          <p:cNvSpPr>
+            <a:spLocks noGrp="1"/>
+          </p:cNvSpPr>
+          <p:nvPr>
+            <p:ph type="title"/>
+          </p:nvPr>
+        </p:nvSpPr>
+        <p:spPr>
+          <a:xfrm>
+            <a:off x="504000" y="301320"/>
+            <a:ext cx="9071640" cy="1261440"/>
+          </a:xfrm>
+          <a:prstGeom prst="rect">
+            <a:avLst/>
+          </a:prstGeom>
+        </p:spPr>
+        <p:txBody>
+          <a:bodyPr lIns="0" rIns="0" tIns="0" bIns="0" anchor="ctr"/>
+          <a:p>
+            <a:pPr algn="ctr"/>
+            <a:endParaRPr b="0" lang="en-US" sz="4400" spc="-1" strike="noStrike">
+              <a:solidFill>
+                <a:srgbClr val="000000"/>
+              </a:solidFill>
+              <a:uFill>
+                <a:solidFill>
+                  <a:srgbClr val="ffffff"/>
+                </a:solidFill>
+              </a:uFill>
+              <a:latin typeface="Arial"/>
+            </a:endParaRPr>
+          </a:p>
+        </p:txBody>
+      </p:sp>
+      <p:sp>
+        <p:nvSpPr>
+          <p:cNvPr id="88" name="PlaceHolder 2"/>
+          <p:cNvSpPr>
+            <a:spLocks noGrp="1"/>
+          </p:cNvSpPr>
+          <p:nvPr>
+            <p:ph type="body"/>
+          </p:nvPr>
+        </p:nvSpPr>
+        <p:spPr>
+          <a:xfrm>
+            <a:off x="504000" y="1768680"/>
+            <a:ext cx="4426920" cy="4383720"/>
+          </a:xfrm>
+          <a:prstGeom prst="rect">
+            <a:avLst/>
+          </a:prstGeom>
+        </p:spPr>
+        <p:txBody>
+          <a:bodyPr lIns="0" rIns="0" tIns="0" bIns="0"/>
+          <a:p>
+            <a:endParaRPr b="0" lang="en-US" sz="3200" spc="-1" strike="noStrike">
+              <a:solidFill>
+                <a:srgbClr val="000000"/>
+              </a:solidFill>
+              <a:uFill>
+                <a:solidFill>
+                  <a:srgbClr val="ffffff"/>
+                </a:solidFill>
+              </a:uFill>
+              <a:latin typeface="Arial"/>
+            </a:endParaRPr>
+          </a:p>
+        </p:txBody>
+      </p:sp>
+      <p:sp>
+        <p:nvSpPr>
+          <p:cNvPr id="89" name="PlaceHolder 3"/>
+          <p:cNvSpPr>
+            <a:spLocks noGrp="1"/>
+          </p:cNvSpPr>
+          <p:nvPr>
+            <p:ph type="body"/>
+          </p:nvPr>
+        </p:nvSpPr>
+        <p:spPr>
+          <a:xfrm>
+            <a:off x="5152680" y="1768680"/>
+            <a:ext cx="4426920" cy="2090880"/>
+          </a:xfrm>
+          <a:prstGeom prst="rect">
+            <a:avLst/>
+          </a:prstGeom>
+        </p:spPr>
+        <p:txBody>
+          <a:bodyPr lIns="0" rIns="0" tIns="0" bIns="0"/>
+          <a:p>
+            <a:endParaRPr b="0" lang="en-US" sz="3200" spc="-1" strike="noStrike">
+              <a:solidFill>
+                <a:srgbClr val="000000"/>
+              </a:solidFill>
+              <a:uFill>
+                <a:solidFill>
+                  <a:srgbClr val="ffffff"/>
+                </a:solidFill>
+              </a:uFill>
+              <a:latin typeface="Arial"/>
+            </a:endParaRPr>
+          </a:p>
+        </p:txBody>
+      </p:sp>
+      <p:sp>
+        <p:nvSpPr>
+          <p:cNvPr id="90" name="PlaceHolder 4"/>
+          <p:cNvSpPr>
+            <a:spLocks noGrp="1"/>
+          </p:cNvSpPr>
+          <p:nvPr>
+            <p:ph type="body"/>
+          </p:nvPr>
+        </p:nvSpPr>
+        <p:spPr>
+          <a:xfrm>
+            <a:off x="5152680" y="4058640"/>
+            <a:ext cx="4426920" cy="2090880"/>
+          </a:xfrm>
+          <a:prstGeom prst="rect">
+            <a:avLst/>
+          </a:prstGeom>
+        </p:spPr>
+        <p:txBody>
+          <a:bodyPr lIns="0" rIns="0" tIns="0" bIns="0"/>
+          <a:p>
+            <a:endParaRPr b="0" lang="en-US" sz="3200" spc="-1" strike="noStrike">
+              <a:solidFill>
+                <a:srgbClr val="000000"/>
+              </a:solidFill>
+              <a:uFill>
+                <a:solidFill>
+                  <a:srgbClr val="ffffff"/>
+                </a:solidFill>
+              </a:uFill>
+              <a:latin typeface="Arial"/>
+            </a:endParaRPr>
+          </a:p>
+        </p:txBody>
+      </p:sp>
+    </p:spTree>
+  </p:cSld>
+</p:sldLayout>
+</file>
+
+<file path=ppt/slideLayouts/slideLayout33.xml><?xml version="1.0" encoding="utf-8"?>
+<p:sldLayout xmlns:a="http://schemas.openxmlformats.org/drawingml/2006/main" xmlns:p="http://schemas.openxmlformats.org/presentationml/2006/main" xmlns:r="http://schemas.openxmlformats.org/officeDocument/2006/relationships" xmlns:p14="http://schemas.microsoft.com/office/powerpoint/2010/main" xmlns:p15="http://schemas.microsoft.com/office/powerpoint/2012/main" xmlns:mc="http://schemas.openxmlformats.org/markup-compatibility/2006" type="twoObjOverTx" preserve="1">
+  <p:cSld name="Title, 2 Content over Content">
+    <p:spTree>
+      <p:nvGrpSpPr>
+        <p:cNvPr id="1" name=""/>
+        <p:cNvGrpSpPr/>
+        <p:nvPr/>
+      </p:nvGrpSpPr>
+      <p:grpSpPr>
+        <a:xfrm>
+          <a:off x="0" y="0"/>
+          <a:ext cx="0" cy="0"/>
+          <a:chOff x="0" y="0"/>
+          <a:chExt cx="0" cy="0"/>
+        </a:xfrm>
+      </p:grpSpPr>
+      <p:sp>
+        <p:nvSpPr>
+          <p:cNvPr id="91" name="PlaceHolder 1"/>
+          <p:cNvSpPr>
+            <a:spLocks noGrp="1"/>
+          </p:cNvSpPr>
+          <p:nvPr>
+            <p:ph type="title"/>
+          </p:nvPr>
+        </p:nvSpPr>
+        <p:spPr>
+          <a:xfrm>
+            <a:off x="504000" y="301320"/>
+            <a:ext cx="9071640" cy="1261440"/>
+          </a:xfrm>
+          <a:prstGeom prst="rect">
+            <a:avLst/>
+          </a:prstGeom>
+        </p:spPr>
+        <p:txBody>
+          <a:bodyPr lIns="0" rIns="0" tIns="0" bIns="0" anchor="ctr"/>
+          <a:p>
+            <a:pPr algn="ctr"/>
+            <a:endParaRPr b="0" lang="en-US" sz="4400" spc="-1" strike="noStrike">
+              <a:solidFill>
+                <a:srgbClr val="000000"/>
+              </a:solidFill>
+              <a:uFill>
+                <a:solidFill>
+                  <a:srgbClr val="ffffff"/>
+                </a:solidFill>
+              </a:uFill>
+              <a:latin typeface="Arial"/>
+            </a:endParaRPr>
+          </a:p>
+        </p:txBody>
+      </p:sp>
+      <p:sp>
+        <p:nvSpPr>
+          <p:cNvPr id="92" name="PlaceHolder 2"/>
+          <p:cNvSpPr>
+            <a:spLocks noGrp="1"/>
+          </p:cNvSpPr>
+          <p:nvPr>
+            <p:ph type="body"/>
+          </p:nvPr>
+        </p:nvSpPr>
+        <p:spPr>
+          <a:xfrm>
+            <a:off x="504000" y="1768680"/>
+            <a:ext cx="4426920" cy="2090880"/>
+          </a:xfrm>
+          <a:prstGeom prst="rect">
+            <a:avLst/>
+          </a:prstGeom>
+        </p:spPr>
+        <p:txBody>
+          <a:bodyPr lIns="0" rIns="0" tIns="0" bIns="0"/>
+          <a:p>
+            <a:endParaRPr b="0" lang="en-US" sz="3200" spc="-1" strike="noStrike">
+              <a:solidFill>
+                <a:srgbClr val="000000"/>
+              </a:solidFill>
+              <a:uFill>
+                <a:solidFill>
+                  <a:srgbClr val="ffffff"/>
+                </a:solidFill>
+              </a:uFill>
+              <a:latin typeface="Arial"/>
+            </a:endParaRPr>
+          </a:p>
+        </p:txBody>
+      </p:sp>
+      <p:sp>
+        <p:nvSpPr>
+          <p:cNvPr id="93" name="PlaceHolder 3"/>
+          <p:cNvSpPr>
+            <a:spLocks noGrp="1"/>
+          </p:cNvSpPr>
+          <p:nvPr>
+            <p:ph type="body"/>
+          </p:nvPr>
+        </p:nvSpPr>
+        <p:spPr>
+          <a:xfrm>
+            <a:off x="5152680" y="1768680"/>
+            <a:ext cx="4426920" cy="2090880"/>
+          </a:xfrm>
+          <a:prstGeom prst="rect">
+            <a:avLst/>
+          </a:prstGeom>
+        </p:spPr>
+        <p:txBody>
+          <a:bodyPr lIns="0" rIns="0" tIns="0" bIns="0"/>
+          <a:p>
+            <a:endParaRPr b="0" lang="en-US" sz="3200" spc="-1" strike="noStrike">
+              <a:solidFill>
+                <a:srgbClr val="000000"/>
+              </a:solidFill>
+              <a:uFill>
+                <a:solidFill>
+                  <a:srgbClr val="ffffff"/>
+                </a:solidFill>
+              </a:uFill>
+              <a:latin typeface="Arial"/>
+            </a:endParaRPr>
+          </a:p>
+        </p:txBody>
+      </p:sp>
+      <p:sp>
+        <p:nvSpPr>
+          <p:cNvPr id="94" name="PlaceHolder 4"/>
+          <p:cNvSpPr>
+            <a:spLocks noGrp="1"/>
+          </p:cNvSpPr>
+          <p:nvPr>
+            <p:ph type="body"/>
+          </p:nvPr>
+        </p:nvSpPr>
+        <p:spPr>
+          <a:xfrm>
+            <a:off x="504000" y="4058640"/>
+            <a:ext cx="9071640" cy="2090880"/>
+          </a:xfrm>
+          <a:prstGeom prst="rect">
+            <a:avLst/>
+          </a:prstGeom>
+        </p:spPr>
+        <p:txBody>
+          <a:bodyPr lIns="0" rIns="0" tIns="0" bIns="0"/>
+          <a:p>
+            <a:endParaRPr b="0" lang="en-US" sz="3200" spc="-1" strike="noStrike">
+              <a:solidFill>
+                <a:srgbClr val="000000"/>
+              </a:solidFill>
+              <a:uFill>
+                <a:solidFill>
+                  <a:srgbClr val="ffffff"/>
+                </a:solidFill>
+              </a:uFill>
+              <a:latin typeface="Arial"/>
+            </a:endParaRPr>
+          </a:p>
+        </p:txBody>
+      </p:sp>
+    </p:spTree>
+  </p:cSld>
+</p:sldLayout>
+</file>
+
+<file path=ppt/slideLayouts/slideLayout34.xml><?xml version="1.0" encoding="utf-8"?>
+<p:sldLayout xmlns:a="http://schemas.openxmlformats.org/drawingml/2006/main" xmlns:p="http://schemas.openxmlformats.org/presentationml/2006/main" xmlns:r="http://schemas.openxmlformats.org/officeDocument/2006/relationships" xmlns:p14="http://schemas.microsoft.com/office/powerpoint/2010/main" xmlns:p15="http://schemas.microsoft.com/office/powerpoint/2012/main" xmlns:mc="http://schemas.openxmlformats.org/markup-compatibility/2006" type="objOverTx" preserve="1">
+  <p:cSld name="Title, Content over Content">
+    <p:spTree>
+      <p:nvGrpSpPr>
+        <p:cNvPr id="1" name=""/>
+        <p:cNvGrpSpPr/>
+        <p:nvPr/>
+      </p:nvGrpSpPr>
+      <p:grpSpPr>
+        <a:xfrm>
+          <a:off x="0" y="0"/>
+          <a:ext cx="0" cy="0"/>
+          <a:chOff x="0" y="0"/>
+          <a:chExt cx="0" cy="0"/>
+        </a:xfrm>
+      </p:grpSpPr>
+      <p:sp>
+        <p:nvSpPr>
+          <p:cNvPr id="95" name="PlaceHolder 1"/>
+          <p:cNvSpPr>
+            <a:spLocks noGrp="1"/>
+          </p:cNvSpPr>
+          <p:nvPr>
+            <p:ph type="title"/>
+          </p:nvPr>
+        </p:nvSpPr>
+        <p:spPr>
+          <a:xfrm>
+            <a:off x="504000" y="301320"/>
+            <a:ext cx="9071640" cy="1261440"/>
+          </a:xfrm>
+          <a:prstGeom prst="rect">
+            <a:avLst/>
+          </a:prstGeom>
+        </p:spPr>
+        <p:txBody>
+          <a:bodyPr lIns="0" rIns="0" tIns="0" bIns="0" anchor="ctr"/>
+          <a:p>
+            <a:pPr algn="ctr"/>
+            <a:endParaRPr b="0" lang="en-US" sz="4400" spc="-1" strike="noStrike">
+              <a:solidFill>
+                <a:srgbClr val="000000"/>
+              </a:solidFill>
+              <a:uFill>
+                <a:solidFill>
+                  <a:srgbClr val="ffffff"/>
+                </a:solidFill>
+              </a:uFill>
+              <a:latin typeface="Arial"/>
+            </a:endParaRPr>
+          </a:p>
+        </p:txBody>
+      </p:sp>
+      <p:sp>
+        <p:nvSpPr>
+          <p:cNvPr id="96" name="PlaceHolder 2"/>
+          <p:cNvSpPr>
+            <a:spLocks noGrp="1"/>
+          </p:cNvSpPr>
+          <p:nvPr>
+            <p:ph type="body"/>
+          </p:nvPr>
+        </p:nvSpPr>
+        <p:spPr>
+          <a:xfrm>
+            <a:off x="504000" y="1768680"/>
+            <a:ext cx="9071640" cy="2090880"/>
+          </a:xfrm>
+          <a:prstGeom prst="rect">
+            <a:avLst/>
+          </a:prstGeom>
+        </p:spPr>
+        <p:txBody>
+          <a:bodyPr lIns="0" rIns="0" tIns="0" bIns="0"/>
+          <a:p>
+            <a:endParaRPr b="0" lang="en-US" sz="3200" spc="-1" strike="noStrike">
+              <a:solidFill>
+                <a:srgbClr val="000000"/>
+              </a:solidFill>
+              <a:uFill>
+                <a:solidFill>
+                  <a:srgbClr val="ffffff"/>
+                </a:solidFill>
+              </a:uFill>
+              <a:latin typeface="Arial"/>
+            </a:endParaRPr>
+          </a:p>
+        </p:txBody>
+      </p:sp>
+      <p:sp>
+        <p:nvSpPr>
+          <p:cNvPr id="97" name="PlaceHolder 3"/>
+          <p:cNvSpPr>
+            <a:spLocks noGrp="1"/>
+          </p:cNvSpPr>
+          <p:nvPr>
+            <p:ph type="body"/>
+          </p:nvPr>
+        </p:nvSpPr>
+        <p:spPr>
+          <a:xfrm>
+            <a:off x="504000" y="4058640"/>
+            <a:ext cx="9071640" cy="2090880"/>
+          </a:xfrm>
+          <a:prstGeom prst="rect">
+            <a:avLst/>
+          </a:prstGeom>
+        </p:spPr>
+        <p:txBody>
+          <a:bodyPr lIns="0" rIns="0" tIns="0" bIns="0"/>
+          <a:p>
+            <a:endParaRPr b="0" lang="en-US" sz="3200" spc="-1" strike="noStrike">
+              <a:solidFill>
+                <a:srgbClr val="000000"/>
+              </a:solidFill>
+              <a:uFill>
+                <a:solidFill>
+                  <a:srgbClr val="ffffff"/>
+                </a:solidFill>
+              </a:uFill>
+              <a:latin typeface="Arial"/>
+            </a:endParaRPr>
+          </a:p>
+        </p:txBody>
+      </p:sp>
+    </p:spTree>
+  </p:cSld>
+</p:sldLayout>
+</file>
+
+<file path=ppt/slideLayouts/slideLayout35.xml><?xml version="1.0" encoding="utf-8"?>
+<p:sldLayout xmlns:a="http://schemas.openxmlformats.org/drawingml/2006/main" xmlns:p="http://schemas.openxmlformats.org/presentationml/2006/main" xmlns:r="http://schemas.openxmlformats.org/officeDocument/2006/relationships" xmlns:p14="http://schemas.microsoft.com/office/powerpoint/2010/main" xmlns:p15="http://schemas.microsoft.com/office/powerpoint/2012/main" xmlns:mc="http://schemas.openxmlformats.org/markup-compatibility/2006" type="fourObj" preserve="1">
+  <p:cSld name="Title, 4 Content">
+    <p:spTree>
+      <p:nvGrpSpPr>
+        <p:cNvPr id="1" name=""/>
+        <p:cNvGrpSpPr/>
+        <p:nvPr/>
+      </p:nvGrpSpPr>
+      <p:grpSpPr>
+        <a:xfrm>
+          <a:off x="0" y="0"/>
+          <a:ext cx="0" cy="0"/>
+          <a:chOff x="0" y="0"/>
+          <a:chExt cx="0" cy="0"/>
+        </a:xfrm>
+      </p:grpSpPr>
+      <p:sp>
+        <p:nvSpPr>
+          <p:cNvPr id="98" name="PlaceHolder 1"/>
+          <p:cNvSpPr>
+            <a:spLocks noGrp="1"/>
+          </p:cNvSpPr>
+          <p:nvPr>
+            <p:ph type="title"/>
+          </p:nvPr>
+        </p:nvSpPr>
+        <p:spPr>
+          <a:xfrm>
+            <a:off x="504000" y="301320"/>
+            <a:ext cx="9071640" cy="1261440"/>
+          </a:xfrm>
+          <a:prstGeom prst="rect">
+            <a:avLst/>
+          </a:prstGeom>
+        </p:spPr>
+        <p:txBody>
+          <a:bodyPr lIns="0" rIns="0" tIns="0" bIns="0" anchor="ctr"/>
+          <a:p>
+            <a:pPr algn="ctr"/>
+            <a:endParaRPr b="0" lang="en-US" sz="4400" spc="-1" strike="noStrike">
+              <a:solidFill>
+                <a:srgbClr val="000000"/>
+              </a:solidFill>
+              <a:uFill>
+                <a:solidFill>
+                  <a:srgbClr val="ffffff"/>
+                </a:solidFill>
+              </a:uFill>
+              <a:latin typeface="Arial"/>
+            </a:endParaRPr>
+          </a:p>
+        </p:txBody>
+      </p:sp>
+      <p:sp>
+        <p:nvSpPr>
+          <p:cNvPr id="99" name="PlaceHolder 2"/>
+          <p:cNvSpPr>
+            <a:spLocks noGrp="1"/>
+          </p:cNvSpPr>
+          <p:nvPr>
+            <p:ph type="body"/>
+          </p:nvPr>
+        </p:nvSpPr>
+        <p:spPr>
+          <a:xfrm>
+            <a:off x="504000" y="1768680"/>
+            <a:ext cx="4426920" cy="2090880"/>
+          </a:xfrm>
+          <a:prstGeom prst="rect">
+            <a:avLst/>
+          </a:prstGeom>
+        </p:spPr>
+        <p:txBody>
+          <a:bodyPr lIns="0" rIns="0" tIns="0" bIns="0"/>
+          <a:p>
+            <a:endParaRPr b="0" lang="en-US" sz="3200" spc="-1" strike="noStrike">
+              <a:solidFill>
+                <a:srgbClr val="000000"/>
+              </a:solidFill>
+              <a:uFill>
+                <a:solidFill>
+                  <a:srgbClr val="ffffff"/>
+                </a:solidFill>
+              </a:uFill>
+              <a:latin typeface="Arial"/>
+            </a:endParaRPr>
+          </a:p>
+        </p:txBody>
+      </p:sp>
+      <p:sp>
+        <p:nvSpPr>
+          <p:cNvPr id="100" name="PlaceHolder 3"/>
+          <p:cNvSpPr>
+            <a:spLocks noGrp="1"/>
+          </p:cNvSpPr>
+          <p:nvPr>
+            <p:ph type="body"/>
+          </p:nvPr>
+        </p:nvSpPr>
+        <p:spPr>
+          <a:xfrm>
+            <a:off x="5152680" y="1768680"/>
+            <a:ext cx="4426920" cy="2090880"/>
+          </a:xfrm>
+          <a:prstGeom prst="rect">
+            <a:avLst/>
+          </a:prstGeom>
+        </p:spPr>
+        <p:txBody>
+          <a:bodyPr lIns="0" rIns="0" tIns="0" bIns="0"/>
+          <a:p>
+            <a:endParaRPr b="0" lang="en-US" sz="3200" spc="-1" strike="noStrike">
+              <a:solidFill>
+                <a:srgbClr val="000000"/>
+              </a:solidFill>
+              <a:uFill>
+                <a:solidFill>
+                  <a:srgbClr val="ffffff"/>
+                </a:solidFill>
+              </a:uFill>
+              <a:latin typeface="Arial"/>
+            </a:endParaRPr>
+          </a:p>
+        </p:txBody>
+      </p:sp>
+      <p:sp>
+        <p:nvSpPr>
+          <p:cNvPr id="101" name="PlaceHolder 4"/>
+          <p:cNvSpPr>
+            <a:spLocks noGrp="1"/>
+          </p:cNvSpPr>
+          <p:nvPr>
+            <p:ph type="body"/>
+          </p:nvPr>
+        </p:nvSpPr>
+        <p:spPr>
+          <a:xfrm>
+            <a:off x="5152680" y="4058640"/>
+            <a:ext cx="4426920" cy="2090880"/>
+          </a:xfrm>
+          <a:prstGeom prst="rect">
+            <a:avLst/>
+          </a:prstGeom>
+        </p:spPr>
+        <p:txBody>
+          <a:bodyPr lIns="0" rIns="0" tIns="0" bIns="0"/>
+          <a:p>
+            <a:endParaRPr b="0" lang="en-US" sz="3200" spc="-1" strike="noStrike">
+              <a:solidFill>
+                <a:srgbClr val="000000"/>
+              </a:solidFill>
+              <a:uFill>
+                <a:solidFill>
+                  <a:srgbClr val="ffffff"/>
+                </a:solidFill>
+              </a:uFill>
+              <a:latin typeface="Arial"/>
+            </a:endParaRPr>
+          </a:p>
+        </p:txBody>
+      </p:sp>
+      <p:sp>
+        <p:nvSpPr>
+          <p:cNvPr id="102" name="PlaceHolder 5"/>
+          <p:cNvSpPr>
+            <a:spLocks noGrp="1"/>
+          </p:cNvSpPr>
+          <p:nvPr>
+            <p:ph type="body"/>
+          </p:nvPr>
+        </p:nvSpPr>
+        <p:spPr>
+          <a:xfrm>
+            <a:off x="504000" y="4058640"/>
+            <a:ext cx="4426920" cy="2090880"/>
+          </a:xfrm>
+          <a:prstGeom prst="rect">
+            <a:avLst/>
+          </a:prstGeom>
+        </p:spPr>
+        <p:txBody>
+          <a:bodyPr lIns="0" rIns="0" tIns="0" bIns="0"/>
+          <a:p>
+            <a:endParaRPr b="0" lang="en-US" sz="3200" spc="-1" strike="noStrike">
+              <a:solidFill>
+                <a:srgbClr val="000000"/>
+              </a:solidFill>
+              <a:uFill>
+                <a:solidFill>
+                  <a:srgbClr val="ffffff"/>
+                </a:solidFill>
+              </a:uFill>
+              <a:latin typeface="Arial"/>
+            </a:endParaRPr>
+          </a:p>
+        </p:txBody>
+      </p:sp>
+    </p:spTree>
+  </p:cSld>
+</p:sldLayout>
+</file>
+
+<file path=ppt/slideLayouts/slideLayout36.xml><?xml version="1.0" encoding="utf-8"?>
+<p:sldLayout xmlns:a="http://schemas.openxmlformats.org/drawingml/2006/main" xmlns:p="http://schemas.openxmlformats.org/presentationml/2006/main" xmlns:r="http://schemas.openxmlformats.org/officeDocument/2006/relationships" xmlns:p14="http://schemas.microsoft.com/office/powerpoint/2010/main" xmlns:p15="http://schemas.microsoft.com/office/powerpoint/2012/main" xmlns:mc="http://schemas.openxmlformats.org/markup-compatibility/2006" type="blank" preserve="1">
+  <p:cSld name="Title, 6 Content">
+    <p:spTree>
+      <p:nvGrpSpPr>
+        <p:cNvPr id="1" name=""/>
+        <p:cNvGrpSpPr/>
+        <p:nvPr/>
+      </p:nvGrpSpPr>
+      <p:grpSpPr>
+        <a:xfrm>
+          <a:off x="0" y="0"/>
+          <a:ext cx="0" cy="0"/>
+          <a:chOff x="0" y="0"/>
+          <a:chExt cx="0" cy="0"/>
+        </a:xfrm>
+      </p:grpSpPr>
+      <p:sp>
+        <p:nvSpPr>
+          <p:cNvPr id="103" name="PlaceHolder 1"/>
+          <p:cNvSpPr>
+            <a:spLocks noGrp="1"/>
+          </p:cNvSpPr>
+          <p:nvPr>
+            <p:ph type="title"/>
+          </p:nvPr>
+        </p:nvSpPr>
+        <p:spPr>
+          <a:xfrm>
+            <a:off x="504000" y="301320"/>
+            <a:ext cx="9071640" cy="1261440"/>
+          </a:xfrm>
+          <a:prstGeom prst="rect">
+            <a:avLst/>
+          </a:prstGeom>
+        </p:spPr>
+        <p:txBody>
+          <a:bodyPr lIns="0" rIns="0" tIns="0" bIns="0" anchor="ctr"/>
+          <a:p>
+            <a:pPr algn="ctr"/>
+            <a:endParaRPr b="0" lang="en-US" sz="4400" spc="-1" strike="noStrike">
+              <a:solidFill>
+                <a:srgbClr val="000000"/>
+              </a:solidFill>
+              <a:uFill>
+                <a:solidFill>
+                  <a:srgbClr val="ffffff"/>
+                </a:solidFill>
+              </a:uFill>
+              <a:latin typeface="Arial"/>
+            </a:endParaRPr>
+          </a:p>
+        </p:txBody>
+      </p:sp>
+      <p:sp>
+        <p:nvSpPr>
+          <p:cNvPr id="104" name="PlaceHolder 2"/>
+          <p:cNvSpPr>
+            <a:spLocks noGrp="1"/>
+          </p:cNvSpPr>
+          <p:nvPr>
+            <p:ph type="body"/>
+          </p:nvPr>
+        </p:nvSpPr>
+        <p:spPr>
+          <a:xfrm>
+            <a:off x="504000" y="1768680"/>
+            <a:ext cx="9071640" cy="4383720"/>
+          </a:xfrm>
+          <a:prstGeom prst="rect">
+            <a:avLst/>
+          </a:prstGeom>
+        </p:spPr>
+        <p:txBody>
+          <a:bodyPr lIns="0" rIns="0" tIns="0" bIns="0"/>
+          <a:p>
+            <a:endParaRPr b="0" lang="en-US" sz="3200" spc="-1" strike="noStrike">
+              <a:solidFill>
+                <a:srgbClr val="000000"/>
+              </a:solidFill>
+              <a:uFill>
+                <a:solidFill>
+                  <a:srgbClr val="ffffff"/>
+                </a:solidFill>
+              </a:uFill>
+              <a:latin typeface="Arial"/>
+            </a:endParaRPr>
+          </a:p>
+        </p:txBody>
+      </p:sp>
+      <p:sp>
+        <p:nvSpPr>
+          <p:cNvPr id="105" name="PlaceHolder 3"/>
+          <p:cNvSpPr>
+            <a:spLocks noGrp="1"/>
+          </p:cNvSpPr>
+          <p:nvPr>
+            <p:ph type="body"/>
+          </p:nvPr>
+        </p:nvSpPr>
+        <p:spPr>
+          <a:xfrm>
+            <a:off x="504000" y="1768680"/>
+            <a:ext cx="9071640" cy="4383720"/>
+          </a:xfrm>
+          <a:prstGeom prst="rect">
+            <a:avLst/>
+          </a:prstGeom>
+        </p:spPr>
+        <p:txBody>
+          <a:bodyPr lIns="0" rIns="0" tIns="0" bIns="0"/>
+          <a:p>
+            <a:endParaRPr b="0" lang="en-US" sz="3200" spc="-1" strike="noStrike">
+              <a:solidFill>
+                <a:srgbClr val="000000"/>
+              </a:solidFill>
+              <a:uFill>
+                <a:solidFill>
+                  <a:srgbClr val="ffffff"/>
+                </a:solidFill>
+              </a:uFill>
+              <a:latin typeface="Arial"/>
+            </a:endParaRPr>
+          </a:p>
+        </p:txBody>
+      </p:sp>
+      <p:pic>
+        <p:nvPicPr>
+          <p:cNvPr id="106" name="" descr=""/>
+          <p:cNvPicPr/>
+          <p:nvPr/>
+        </p:nvPicPr>
+        <p:blipFill>
+          <a:blip r:embed="rId2"/>
+          <a:stretch/>
+        </p:blipFill>
+        <p:spPr>
+          <a:xfrm>
+            <a:off x="2292480" y="1768320"/>
+            <a:ext cx="5494320" cy="4383720"/>
+          </a:xfrm>
+          <a:prstGeom prst="rect">
+            <a:avLst/>
+          </a:prstGeom>
+          <a:ln>
+            <a:noFill/>
+          </a:ln>
+        </p:spPr>
+      </p:pic>
+      <p:pic>
+        <p:nvPicPr>
+          <p:cNvPr id="107" name="" descr=""/>
+          <p:cNvPicPr/>
+          <p:nvPr/>
+        </p:nvPicPr>
+        <p:blipFill>
+          <a:blip r:embed="rId3"/>
+          <a:stretch/>
+        </p:blipFill>
+        <p:spPr>
+          <a:xfrm>
+            <a:off x="2292480" y="1768320"/>
+            <a:ext cx="5494320" cy="4383720"/>
+          </a:xfrm>
+          <a:prstGeom prst="rect">
+            <a:avLst/>
+          </a:prstGeom>
+          <a:ln>
+            <a:noFill/>
+          </a:ln>
+        </p:spPr>
+      </p:pic>
     </p:spTree>
   </p:cSld>
 </p:sldLayout>
@@ -2713,7 +5232,7 @@
         <p:spPr>
           <a:xfrm>
             <a:off x="504000" y="301320"/>
-            <a:ext cx="9071280" cy="1261800"/>
+            <a:ext cx="9071640" cy="1261440"/>
           </a:xfrm>
           <a:prstGeom prst="rect">
             <a:avLst/>
@@ -2749,8 +5268,8 @@
         </p:nvSpPr>
         <p:spPr>
           <a:xfrm>
-            <a:off x="504000" y="1769040"/>
-            <a:ext cx="4426560" cy="4384080"/>
+            <a:off x="504000" y="1768680"/>
+            <a:ext cx="4426920" cy="4383720"/>
           </a:xfrm>
           <a:prstGeom prst="rect">
             <a:avLst/>
@@ -2785,8 +5304,8 @@
         </p:nvSpPr>
         <p:spPr>
           <a:xfrm>
-            <a:off x="5152320" y="1769040"/>
-            <a:ext cx="4426560" cy="4384080"/>
+            <a:off x="5152680" y="1768680"/>
+            <a:ext cx="4426920" cy="4383720"/>
           </a:xfrm>
           <a:prstGeom prst="rect">
             <a:avLst/>
@@ -2844,7 +5363,7 @@
         <p:spPr>
           <a:xfrm>
             <a:off x="504000" y="301320"/>
-            <a:ext cx="9071280" cy="1261800"/>
+            <a:ext cx="9071640" cy="1261440"/>
           </a:xfrm>
           <a:prstGeom prst="rect">
             <a:avLst/>
@@ -2903,7 +5422,7 @@
         <p:spPr>
           <a:xfrm>
             <a:off x="504000" y="301320"/>
-            <a:ext cx="9071280" cy="5850360"/>
+            <a:ext cx="9071640" cy="5848560"/>
           </a:xfrm>
           <a:prstGeom prst="rect">
             <a:avLst/>
@@ -2962,7 +5481,7 @@
         <p:spPr>
           <a:xfrm>
             <a:off x="504000" y="301320"/>
-            <a:ext cx="9071280" cy="1261800"/>
+            <a:ext cx="9071640" cy="1261440"/>
           </a:xfrm>
           <a:prstGeom prst="rect">
             <a:avLst/>
@@ -2998,8 +5517,8 @@
         </p:nvSpPr>
         <p:spPr>
           <a:xfrm>
-            <a:off x="504000" y="1769040"/>
-            <a:ext cx="4426560" cy="2090880"/>
+            <a:off x="504000" y="1768680"/>
+            <a:ext cx="4426920" cy="2090880"/>
           </a:xfrm>
           <a:prstGeom prst="rect">
             <a:avLst/>
@@ -3034,8 +5553,8 @@
         </p:nvSpPr>
         <p:spPr>
           <a:xfrm>
-            <a:off x="504000" y="4059000"/>
-            <a:ext cx="4426560" cy="2090880"/>
+            <a:off x="504000" y="4058640"/>
+            <a:ext cx="4426920" cy="2090880"/>
           </a:xfrm>
           <a:prstGeom prst="rect">
             <a:avLst/>
@@ -3070,8 +5589,8 @@
         </p:nvSpPr>
         <p:spPr>
           <a:xfrm>
-            <a:off x="5152320" y="1769040"/>
-            <a:ext cx="4426560" cy="4384080"/>
+            <a:off x="5152680" y="1768680"/>
+            <a:ext cx="4426920" cy="4383720"/>
           </a:xfrm>
           <a:prstGeom prst="rect">
             <a:avLst/>
@@ -3129,7 +5648,7 @@
         <p:spPr>
           <a:xfrm>
             <a:off x="504000" y="301320"/>
-            <a:ext cx="9071280" cy="1261800"/>
+            <a:ext cx="9071640" cy="1261440"/>
           </a:xfrm>
           <a:prstGeom prst="rect">
             <a:avLst/>
@@ -3165,8 +5684,8 @@
         </p:nvSpPr>
         <p:spPr>
           <a:xfrm>
-            <a:off x="504000" y="1769040"/>
-            <a:ext cx="4426560" cy="4384080"/>
+            <a:off x="504000" y="1768680"/>
+            <a:ext cx="4426920" cy="4383720"/>
           </a:xfrm>
           <a:prstGeom prst="rect">
             <a:avLst/>
@@ -3201,8 +5720,8 @@
         </p:nvSpPr>
         <p:spPr>
           <a:xfrm>
-            <a:off x="5152320" y="1769040"/>
-            <a:ext cx="4426560" cy="2090880"/>
+            <a:off x="5152680" y="1768680"/>
+            <a:ext cx="4426920" cy="2090880"/>
           </a:xfrm>
           <a:prstGeom prst="rect">
             <a:avLst/>
@@ -3237,8 +5756,8 @@
         </p:nvSpPr>
         <p:spPr>
           <a:xfrm>
-            <a:off x="5152320" y="4059000"/>
-            <a:ext cx="4426560" cy="2090880"/>
+            <a:off x="5152680" y="4058640"/>
+            <a:ext cx="4426920" cy="2090880"/>
           </a:xfrm>
           <a:prstGeom prst="rect">
             <a:avLst/>
@@ -3296,7 +5815,7 @@
         <p:spPr>
           <a:xfrm>
             <a:off x="504000" y="301320"/>
-            <a:ext cx="9071280" cy="1261800"/>
+            <a:ext cx="9071640" cy="1261440"/>
           </a:xfrm>
           <a:prstGeom prst="rect">
             <a:avLst/>
@@ -3332,8 +5851,8 @@
         </p:nvSpPr>
         <p:spPr>
           <a:xfrm>
-            <a:off x="504000" y="1769040"/>
-            <a:ext cx="4426560" cy="2090880"/>
+            <a:off x="504000" y="1768680"/>
+            <a:ext cx="4426920" cy="2090880"/>
           </a:xfrm>
           <a:prstGeom prst="rect">
             <a:avLst/>
@@ -3368,8 +5887,8 @@
         </p:nvSpPr>
         <p:spPr>
           <a:xfrm>
-            <a:off x="5152320" y="1769040"/>
-            <a:ext cx="4426560" cy="2090880"/>
+            <a:off x="5152680" y="1768680"/>
+            <a:ext cx="4426920" cy="2090880"/>
           </a:xfrm>
           <a:prstGeom prst="rect">
             <a:avLst/>
@@ -3404,8 +5923,8 @@
         </p:nvSpPr>
         <p:spPr>
           <a:xfrm>
-            <a:off x="504000" y="4059000"/>
-            <a:ext cx="9071280" cy="2090880"/>
+            <a:off x="504000" y="4058640"/>
+            <a:ext cx="9071640" cy="2090880"/>
           </a:xfrm>
           <a:prstGeom prst="rect">
             <a:avLst/>
@@ -3463,7 +5982,7 @@
         <p:spPr>
           <a:xfrm>
             <a:off x="504000" y="301320"/>
-            <a:ext cx="9071280" cy="1261800"/>
+            <a:ext cx="9072000" cy="1261800"/>
           </a:xfrm>
           <a:prstGeom prst="rect">
             <a:avLst/>
@@ -3473,6 +5992,20 @@
           <a:bodyPr lIns="0" rIns="0" tIns="0" bIns="0" anchor="ctr"/>
           <a:p>
             <a:pPr algn="ctr"/>
+            <a:r>
+              <a:rPr b="0" lang="en-US" sz="4400" spc="-1" strike="noStrike">
+                <a:solidFill>
+                  <a:srgbClr val="000000"/>
+                </a:solidFill>
+                <a:uFill>
+                  <a:solidFill>
+                    <a:srgbClr val="ffffff"/>
+                  </a:solidFill>
+                </a:uFill>
+                <a:latin typeface="Arial"/>
+              </a:rPr>
+              <a:t>Click to edit the title text format</a:t>
+            </a:r>
             <a:endParaRPr b="0" lang="en-US" sz="4400" spc="-1" strike="noStrike">
               <a:solidFill>
                 <a:srgbClr val="000000"/>
@@ -3805,7 +6338,7 @@
         <p:spPr>
           <a:xfrm>
             <a:off x="504000" y="301320"/>
-            <a:ext cx="9071280" cy="1261800"/>
+            <a:ext cx="9072000" cy="1261800"/>
           </a:xfrm>
           <a:prstGeom prst="rect">
             <a:avLst/>
@@ -3815,6 +6348,20 @@
           <a:bodyPr lIns="0" rIns="0" tIns="0" bIns="0" anchor="ctr"/>
           <a:p>
             <a:pPr algn="ctr"/>
+            <a:r>
+              <a:rPr b="0" lang="en-US" sz="4400" spc="-1" strike="noStrike">
+                <a:solidFill>
+                  <a:srgbClr val="000000"/>
+                </a:solidFill>
+                <a:uFill>
+                  <a:solidFill>
+                    <a:srgbClr val="ffffff"/>
+                  </a:solidFill>
+                </a:uFill>
+                <a:latin typeface="Arial"/>
+              </a:rPr>
+              <a:t>Click to edit the title text format</a:t>
+            </a:r>
             <a:endParaRPr b="0" lang="en-US" sz="4400" spc="-1" strike="noStrike">
               <a:solidFill>
                 <a:srgbClr val="000000"/>
@@ -3841,8 +6388,8 @@
         </p:nvSpPr>
         <p:spPr>
           <a:xfrm>
-            <a:off x="504000" y="1769040"/>
-            <a:ext cx="9071280" cy="4384080"/>
+            <a:off x="504000" y="1768680"/>
+            <a:ext cx="9072000" cy="4384080"/>
           </a:xfrm>
           <a:prstGeom prst="rect">
             <a:avLst/>
@@ -3860,7 +6407,7 @@
               <a:buChar char=""/>
             </a:pPr>
             <a:r>
-              <a:rPr b="0" lang="en-US" sz="1800" spc="-1" strike="noStrike">
+              <a:rPr b="0" lang="en-US" sz="3200" spc="-1" strike="noStrike">
                 <a:solidFill>
                   <a:srgbClr val="000000"/>
                 </a:solidFill>
@@ -3873,7 +6420,7 @@
               </a:rPr>
               <a:t>Click to edit the outline text format</a:t>
             </a:r>
-            <a:endParaRPr b="0" lang="en-US" sz="1800" spc="-1" strike="noStrike">
+            <a:endParaRPr b="0" lang="en-US" sz="3200" spc="-1" strike="noStrike">
               <a:solidFill>
                 <a:srgbClr val="000000"/>
               </a:solidFill>
@@ -3895,7 +6442,7 @@
               <a:buChar char=""/>
             </a:pPr>
             <a:r>
-              <a:rPr b="0" lang="en-US" sz="1800" spc="-1" strike="noStrike">
+              <a:rPr b="0" lang="en-US" sz="2800" spc="-1" strike="noStrike">
                 <a:solidFill>
                   <a:srgbClr val="000000"/>
                 </a:solidFill>
@@ -3908,7 +6455,7 @@
               </a:rPr>
               <a:t>Second Outline Level</a:t>
             </a:r>
-            <a:endParaRPr b="0" lang="en-US" sz="1800" spc="-1" strike="noStrike">
+            <a:endParaRPr b="0" lang="en-US" sz="2800" spc="-1" strike="noStrike">
               <a:solidFill>
                 <a:srgbClr val="000000"/>
               </a:solidFill>
@@ -3930,7 +6477,7 @@
               <a:buChar char=""/>
             </a:pPr>
             <a:r>
-              <a:rPr b="0" lang="en-US" sz="1800" spc="-1" strike="noStrike">
+              <a:rPr b="0" lang="en-US" sz="2400" spc="-1" strike="noStrike">
                 <a:solidFill>
                   <a:srgbClr val="000000"/>
                 </a:solidFill>
@@ -3943,7 +6490,7 @@
               </a:rPr>
               <a:t>Third Outline Level</a:t>
             </a:r>
-            <a:endParaRPr b="0" lang="en-US" sz="1800" spc="-1" strike="noStrike">
+            <a:endParaRPr b="0" lang="en-US" sz="2400" spc="-1" strike="noStrike">
               <a:solidFill>
                 <a:srgbClr val="000000"/>
               </a:solidFill>
@@ -3965,7 +6512,7 @@
               <a:buChar char=""/>
             </a:pPr>
             <a:r>
-              <a:rPr b="0" lang="en-US" sz="1800" spc="-1" strike="noStrike">
+              <a:rPr b="0" lang="en-US" sz="2000" spc="-1" strike="noStrike">
                 <a:solidFill>
                   <a:srgbClr val="000000"/>
                 </a:solidFill>
@@ -3978,7 +6525,7 @@
               </a:rPr>
               <a:t>Fourth Outline Level</a:t>
             </a:r>
-            <a:endParaRPr b="0" lang="en-US" sz="1800" spc="-1" strike="noStrike">
+            <a:endParaRPr b="0" lang="en-US" sz="2000" spc="-1" strike="noStrike">
               <a:solidFill>
                 <a:srgbClr val="000000"/>
               </a:solidFill>
@@ -4000,7 +6547,7 @@
               <a:buChar char=""/>
             </a:pPr>
             <a:r>
-              <a:rPr b="0" lang="en-US" sz="1800" spc="-1" strike="noStrike">
+              <a:rPr b="0" lang="en-US" sz="2000" spc="-1" strike="noStrike">
                 <a:solidFill>
                   <a:srgbClr val="000000"/>
                 </a:solidFill>
@@ -4013,7 +6560,7 @@
               </a:rPr>
               <a:t>Fifth Outline Level</a:t>
             </a:r>
-            <a:endParaRPr b="0" lang="en-US" sz="1800" spc="-1" strike="noStrike">
+            <a:endParaRPr b="0" lang="en-US" sz="2000" spc="-1" strike="noStrike">
               <a:solidFill>
                 <a:srgbClr val="000000"/>
               </a:solidFill>
@@ -4035,7 +6582,7 @@
               <a:buChar char=""/>
             </a:pPr>
             <a:r>
-              <a:rPr b="0" lang="en-US" sz="1800" spc="-1" strike="noStrike">
+              <a:rPr b="0" lang="en-US" sz="2000" spc="-1" strike="noStrike">
                 <a:solidFill>
                   <a:srgbClr val="000000"/>
                 </a:solidFill>
@@ -4048,7 +6595,7 @@
               </a:rPr>
               <a:t>Sixth Outline Level</a:t>
             </a:r>
-            <a:endParaRPr b="0" lang="en-US" sz="1800" spc="-1" strike="noStrike">
+            <a:endParaRPr b="0" lang="en-US" sz="2000" spc="-1" strike="noStrike">
               <a:solidFill>
                 <a:srgbClr val="000000"/>
               </a:solidFill>
@@ -4070,7 +6617,7 @@
               <a:buChar char=""/>
             </a:pPr>
             <a:r>
-              <a:rPr b="0" lang="en-US" sz="1800" spc="-1" strike="noStrike">
+              <a:rPr b="0" lang="en-US" sz="2000" spc="-1" strike="noStrike">
                 <a:solidFill>
                   <a:srgbClr val="000000"/>
                 </a:solidFill>
@@ -4083,7 +6630,7 @@
               </a:rPr>
               <a:t>Seventh Outline Level</a:t>
             </a:r>
-            <a:endParaRPr b="0" lang="en-US" sz="1800" spc="-1" strike="noStrike">
+            <a:endParaRPr b="0" lang="en-US" sz="2000" spc="-1" strike="noStrike">
               <a:solidFill>
                 <a:srgbClr val="000000"/>
               </a:solidFill>
@@ -4113,6 +6660,348 @@
     <p:sldLayoutId id="2147483671" r:id="rId11"/>
     <p:sldLayoutId id="2147483672" r:id="rId12"/>
     <p:sldLayoutId id="2147483673" r:id="rId13"/>
+  </p:sldLayoutIdLst>
+</p:sldMaster>
+</file>
+
+<file path=ppt/slideMasters/slideMaster3.xml><?xml version="1.0" encoding="utf-8"?>
+<p:sldMaster xmlns:a="http://schemas.openxmlformats.org/drawingml/2006/main" xmlns:p="http://schemas.openxmlformats.org/presentationml/2006/main" xmlns:r="http://schemas.openxmlformats.org/officeDocument/2006/relationships" xmlns:p14="http://schemas.microsoft.com/office/powerpoint/2010/main" xmlns:p15="http://schemas.microsoft.com/office/powerpoint/2012/main" xmlns:mc="http://schemas.openxmlformats.org/markup-compatibility/2006">
+  <p:cSld>
+    <p:spTree>
+      <p:nvGrpSpPr>
+        <p:cNvPr id="1" name=""/>
+        <p:cNvGrpSpPr/>
+        <p:nvPr/>
+      </p:nvGrpSpPr>
+      <p:grpSpPr>
+        <a:xfrm>
+          <a:off x="0" y="0"/>
+          <a:ext cx="0" cy="0"/>
+          <a:chOff x="0" y="0"/>
+          <a:chExt cx="0" cy="0"/>
+        </a:xfrm>
+      </p:grpSpPr>
+      <p:sp>
+        <p:nvSpPr>
+          <p:cNvPr id="72" name="PlaceHolder 1"/>
+          <p:cNvSpPr>
+            <a:spLocks noGrp="1"/>
+          </p:cNvSpPr>
+          <p:nvPr>
+            <p:ph type="title"/>
+          </p:nvPr>
+        </p:nvSpPr>
+        <p:spPr>
+          <a:xfrm>
+            <a:off x="504000" y="301320"/>
+            <a:ext cx="9071640" cy="1261440"/>
+          </a:xfrm>
+          <a:prstGeom prst="rect">
+            <a:avLst/>
+          </a:prstGeom>
+        </p:spPr>
+        <p:txBody>
+          <a:bodyPr lIns="0" rIns="0" tIns="0" bIns="0" anchor="ctr"/>
+          <a:p>
+            <a:pPr algn="ctr"/>
+            <a:endParaRPr b="0" lang="en-US" sz="4400" spc="-1" strike="noStrike">
+              <a:solidFill>
+                <a:srgbClr val="000000"/>
+              </a:solidFill>
+              <a:uFill>
+                <a:solidFill>
+                  <a:srgbClr val="ffffff"/>
+                </a:solidFill>
+              </a:uFill>
+              <a:latin typeface="Arial"/>
+            </a:endParaRPr>
+          </a:p>
+        </p:txBody>
+      </p:sp>
+      <p:sp>
+        <p:nvSpPr>
+          <p:cNvPr id="73" name="PlaceHolder 2"/>
+          <p:cNvSpPr>
+            <a:spLocks noGrp="1"/>
+          </p:cNvSpPr>
+          <p:nvPr>
+            <p:ph type="body"/>
+          </p:nvPr>
+        </p:nvSpPr>
+        <p:spPr>
+          <a:xfrm>
+            <a:off x="504000" y="1768680"/>
+            <a:ext cx="9071640" cy="4383720"/>
+          </a:xfrm>
+          <a:prstGeom prst="rect">
+            <a:avLst/>
+          </a:prstGeom>
+        </p:spPr>
+        <p:txBody>
+          <a:bodyPr lIns="0" rIns="0" tIns="0" bIns="0"/>
+          <a:p>
+            <a:pPr marL="432000" indent="-324000">
+              <a:buClr>
+                <a:srgbClr val="000000"/>
+              </a:buClr>
+              <a:buSzPct val="45000"/>
+              <a:buFont typeface="Wingdings" charset="2"/>
+              <a:buChar char=""/>
+            </a:pPr>
+            <a:r>
+              <a:rPr b="0" lang="en-US" sz="1800" spc="-1" strike="noStrike">
+                <a:solidFill>
+                  <a:srgbClr val="000000"/>
+                </a:solidFill>
+                <a:uFill>
+                  <a:solidFill>
+                    <a:srgbClr val="ffffff"/>
+                  </a:solidFill>
+                </a:uFill>
+                <a:latin typeface="Arial"/>
+              </a:rPr>
+              <a:t>Click to edit the outline text format</a:t>
+            </a:r>
+            <a:endParaRPr b="0" lang="en-US" sz="1800" spc="-1" strike="noStrike">
+              <a:solidFill>
+                <a:srgbClr val="000000"/>
+              </a:solidFill>
+              <a:uFill>
+                <a:solidFill>
+                  <a:srgbClr val="ffffff"/>
+                </a:solidFill>
+              </a:uFill>
+              <a:latin typeface="Arial"/>
+            </a:endParaRPr>
+          </a:p>
+          <a:p>
+            <a:pPr lvl="1" marL="864000" indent="-324000">
+              <a:buClr>
+                <a:srgbClr val="000000"/>
+              </a:buClr>
+              <a:buSzPct val="75000"/>
+              <a:buFont typeface="Symbol" charset="2"/>
+              <a:buChar char=""/>
+            </a:pPr>
+            <a:r>
+              <a:rPr b="0" lang="en-US" sz="1800" spc="-1" strike="noStrike">
+                <a:solidFill>
+                  <a:srgbClr val="000000"/>
+                </a:solidFill>
+                <a:uFill>
+                  <a:solidFill>
+                    <a:srgbClr val="ffffff"/>
+                  </a:solidFill>
+                </a:uFill>
+                <a:latin typeface="Arial"/>
+              </a:rPr>
+              <a:t>Second Outline Level</a:t>
+            </a:r>
+            <a:endParaRPr b="0" lang="en-US" sz="1800" spc="-1" strike="noStrike">
+              <a:solidFill>
+                <a:srgbClr val="000000"/>
+              </a:solidFill>
+              <a:uFill>
+                <a:solidFill>
+                  <a:srgbClr val="ffffff"/>
+                </a:solidFill>
+              </a:uFill>
+              <a:latin typeface="Arial"/>
+            </a:endParaRPr>
+          </a:p>
+          <a:p>
+            <a:pPr lvl="2" marL="1296000" indent="-288000">
+              <a:buClr>
+                <a:srgbClr val="000000"/>
+              </a:buClr>
+              <a:buSzPct val="45000"/>
+              <a:buFont typeface="Wingdings" charset="2"/>
+              <a:buChar char=""/>
+            </a:pPr>
+            <a:r>
+              <a:rPr b="0" lang="en-US" sz="1800" spc="-1" strike="noStrike">
+                <a:solidFill>
+                  <a:srgbClr val="000000"/>
+                </a:solidFill>
+                <a:uFill>
+                  <a:solidFill>
+                    <a:srgbClr val="ffffff"/>
+                  </a:solidFill>
+                </a:uFill>
+                <a:latin typeface="Arial"/>
+              </a:rPr>
+              <a:t>Third Outline Level</a:t>
+            </a:r>
+            <a:endParaRPr b="0" lang="en-US" sz="1800" spc="-1" strike="noStrike">
+              <a:solidFill>
+                <a:srgbClr val="000000"/>
+              </a:solidFill>
+              <a:uFill>
+                <a:solidFill>
+                  <a:srgbClr val="ffffff"/>
+                </a:solidFill>
+              </a:uFill>
+              <a:latin typeface="Arial"/>
+            </a:endParaRPr>
+          </a:p>
+          <a:p>
+            <a:pPr lvl="3" marL="1728000" indent="-216000">
+              <a:buClr>
+                <a:srgbClr val="000000"/>
+              </a:buClr>
+              <a:buSzPct val="75000"/>
+              <a:buFont typeface="Symbol" charset="2"/>
+              <a:buChar char=""/>
+            </a:pPr>
+            <a:r>
+              <a:rPr b="0" lang="en-US" sz="1800" spc="-1" strike="noStrike">
+                <a:solidFill>
+                  <a:srgbClr val="000000"/>
+                </a:solidFill>
+                <a:uFill>
+                  <a:solidFill>
+                    <a:srgbClr val="ffffff"/>
+                  </a:solidFill>
+                </a:uFill>
+                <a:latin typeface="Arial"/>
+              </a:rPr>
+              <a:t>Fourth Outline Level</a:t>
+            </a:r>
+            <a:endParaRPr b="0" lang="en-US" sz="1800" spc="-1" strike="noStrike">
+              <a:solidFill>
+                <a:srgbClr val="000000"/>
+              </a:solidFill>
+              <a:uFill>
+                <a:solidFill>
+                  <a:srgbClr val="ffffff"/>
+                </a:solidFill>
+              </a:uFill>
+              <a:latin typeface="Arial"/>
+            </a:endParaRPr>
+          </a:p>
+          <a:p>
+            <a:pPr lvl="4" marL="2160000" indent="-216000">
+              <a:buClr>
+                <a:srgbClr val="000000"/>
+              </a:buClr>
+              <a:buSzPct val="45000"/>
+              <a:buFont typeface="Wingdings" charset="2"/>
+              <a:buChar char=""/>
+            </a:pPr>
+            <a:r>
+              <a:rPr b="0" lang="en-US" sz="1800" spc="-1" strike="noStrike">
+                <a:solidFill>
+                  <a:srgbClr val="000000"/>
+                </a:solidFill>
+                <a:uFill>
+                  <a:solidFill>
+                    <a:srgbClr val="ffffff"/>
+                  </a:solidFill>
+                </a:uFill>
+                <a:latin typeface="Arial"/>
+              </a:rPr>
+              <a:t>Fifth Outline Level</a:t>
+            </a:r>
+            <a:endParaRPr b="0" lang="en-US" sz="1800" spc="-1" strike="noStrike">
+              <a:solidFill>
+                <a:srgbClr val="000000"/>
+              </a:solidFill>
+              <a:uFill>
+                <a:solidFill>
+                  <a:srgbClr val="ffffff"/>
+                </a:solidFill>
+              </a:uFill>
+              <a:latin typeface="Arial"/>
+            </a:endParaRPr>
+          </a:p>
+          <a:p>
+            <a:pPr lvl="5" marL="2592000" indent="-216000">
+              <a:buClr>
+                <a:srgbClr val="000000"/>
+              </a:buClr>
+              <a:buSzPct val="45000"/>
+              <a:buFont typeface="Wingdings" charset="2"/>
+              <a:buChar char=""/>
+            </a:pPr>
+            <a:r>
+              <a:rPr b="0" lang="en-US" sz="1800" spc="-1" strike="noStrike">
+                <a:solidFill>
+                  <a:srgbClr val="000000"/>
+                </a:solidFill>
+                <a:uFill>
+                  <a:solidFill>
+                    <a:srgbClr val="ffffff"/>
+                  </a:solidFill>
+                </a:uFill>
+                <a:latin typeface="Arial"/>
+              </a:rPr>
+              <a:t>Sixth Outline Level</a:t>
+            </a:r>
+            <a:endParaRPr b="0" lang="en-US" sz="1800" spc="-1" strike="noStrike">
+              <a:solidFill>
+                <a:srgbClr val="000000"/>
+              </a:solidFill>
+              <a:uFill>
+                <a:solidFill>
+                  <a:srgbClr val="ffffff"/>
+                </a:solidFill>
+              </a:uFill>
+              <a:latin typeface="Arial"/>
+            </a:endParaRPr>
+          </a:p>
+          <a:p>
+            <a:pPr lvl="6" marL="3024000" indent="-216000">
+              <a:buClr>
+                <a:srgbClr val="000000"/>
+              </a:buClr>
+              <a:buSzPct val="45000"/>
+              <a:buFont typeface="Wingdings" charset="2"/>
+              <a:buChar char=""/>
+            </a:pPr>
+            <a:r>
+              <a:rPr b="0" lang="en-US" sz="1800" spc="-1" strike="noStrike">
+                <a:solidFill>
+                  <a:srgbClr val="000000"/>
+                </a:solidFill>
+                <a:uFill>
+                  <a:solidFill>
+                    <a:srgbClr val="ffffff"/>
+                  </a:solidFill>
+                </a:uFill>
+                <a:latin typeface="Arial"/>
+              </a:rPr>
+              <a:t>Seventh Outline Level</a:t>
+            </a:r>
+            <a:endParaRPr b="0" lang="en-US" sz="1800" spc="-1" strike="noStrike">
+              <a:solidFill>
+                <a:srgbClr val="000000"/>
+              </a:solidFill>
+              <a:uFill>
+                <a:solidFill>
+                  <a:srgbClr val="ffffff"/>
+                </a:solidFill>
+              </a:uFill>
+              <a:latin typeface="Arial"/>
+            </a:endParaRPr>
+          </a:p>
+        </p:txBody>
+      </p:sp>
+    </p:spTree>
+  </p:cSld>
+  <p:clrMap bg1="lt1" bg2="lt2" tx1="dk1" tx2="dk2" accent1="accent1" accent2="accent2" accent3="accent3" accent4="accent4" accent5="accent5" accent6="accent6" hlink="hlink" folHlink="folHlink"/>
+  <p:sldLayoutIdLst>
+    <p:sldLayoutId id="2147483675" r:id="rId2"/>
+    <p:sldLayoutId id="2147483676" r:id="rId3"/>
+    <p:sldLayoutId id="2147483677" r:id="rId4"/>
+    <p:sldLayoutId id="2147483678" r:id="rId5"/>
+    <p:sldLayoutId id="2147483679" r:id="rId6"/>
+    <p:sldLayoutId id="2147483680" r:id="rId7"/>
+    <p:sldLayoutId id="2147483681" r:id="rId8"/>
+    <p:sldLayoutId id="2147483682" r:id="rId9"/>
+    <p:sldLayoutId id="2147483683" r:id="rId10"/>
+    <p:sldLayoutId id="2147483684" r:id="rId11"/>
+    <p:sldLayoutId id="2147483685" r:id="rId12"/>
+    <p:sldLayoutId id="2147483686" r:id="rId13"/>
   </p:sldLayoutIdLst>
 </p:sldMaster>
 </file>
@@ -4136,14 +7025,14 @@
       </p:grpSpPr>
       <p:sp>
         <p:nvSpPr>
-          <p:cNvPr id="77" name="CustomShape 1"/>
+          <p:cNvPr id="113" name="CustomShape 1"/>
           <p:cNvSpPr/>
           <p:nvPr/>
         </p:nvSpPr>
         <p:spPr>
           <a:xfrm>
             <a:off x="504000" y="301320"/>
-            <a:ext cx="9071280" cy="1261800"/>
+            <a:ext cx="9070560" cy="1261080"/>
           </a:xfrm>
           <a:prstGeom prst="rect">
             <a:avLst/>
@@ -4178,6 +7067,7 @@
                   </a:solidFill>
                 </a:uFill>
                 <a:latin typeface="Arial"/>
+                <a:ea typeface="DejaVu Sans"/>
               </a:rPr>
               <a:t>Privacy Enhancing Technologies and Limitations</a:t>
             </a:r>
@@ -4197,14 +7087,14 @@
       </p:sp>
       <p:sp>
         <p:nvSpPr>
-          <p:cNvPr id="78" name="CustomShape 2"/>
+          <p:cNvPr id="114" name="CustomShape 2"/>
           <p:cNvSpPr/>
           <p:nvPr/>
         </p:nvSpPr>
         <p:spPr>
           <a:xfrm>
             <a:off x="731520" y="1828800"/>
-            <a:ext cx="9052200" cy="714960"/>
+            <a:ext cx="9051480" cy="714240"/>
           </a:xfrm>
           <a:prstGeom prst="rect">
             <a:avLst/>
@@ -4239,6 +7129,7 @@
                   </a:solidFill>
                 </a:uFill>
                 <a:latin typeface="Arial"/>
+                <a:ea typeface="DejaVu Sans"/>
               </a:rPr>
               <a:t>Preliminary Examination</a:t>
             </a:r>
@@ -4271,6 +7162,7 @@
                   </a:solidFill>
                 </a:uFill>
                 <a:latin typeface="Arial"/>
+                <a:ea typeface="DejaVu Sans"/>
               </a:rPr>
               <a:t>Ian Martiny</a:t>
             </a:r>
@@ -4339,14 +7231,14 @@
       </p:grpSpPr>
       <p:sp>
         <p:nvSpPr>
-          <p:cNvPr id="79" name="CustomShape 1"/>
+          <p:cNvPr id="115" name="CustomShape 1"/>
           <p:cNvSpPr/>
           <p:nvPr/>
         </p:nvSpPr>
         <p:spPr>
           <a:xfrm>
             <a:off x="504000" y="301320"/>
-            <a:ext cx="9071280" cy="1261800"/>
+            <a:ext cx="9070560" cy="1261080"/>
           </a:xfrm>
           <a:prstGeom prst="rect">
             <a:avLst/>
@@ -4381,6 +7273,7 @@
                   </a:solidFill>
                 </a:uFill>
                 <a:latin typeface="Arial"/>
+                <a:ea typeface="DejaVu Sans"/>
               </a:rPr>
               <a:t>Introduction</a:t>
             </a:r>
@@ -4400,14 +7293,14 @@
       </p:sp>
       <p:sp>
         <p:nvSpPr>
-          <p:cNvPr id="80" name="CustomShape 2"/>
+          <p:cNvPr id="116" name="CustomShape 2"/>
           <p:cNvSpPr/>
           <p:nvPr/>
         </p:nvSpPr>
         <p:spPr>
           <a:xfrm>
             <a:off x="504000" y="1769040"/>
-            <a:ext cx="9071280" cy="4384080"/>
+            <a:ext cx="9070560" cy="4383360"/>
           </a:xfrm>
           <a:prstGeom prst="rect">
             <a:avLst/>
@@ -4426,7 +7319,7 @@
         <p:txBody>
           <a:bodyPr lIns="0" rIns="0" tIns="0" bIns="0"/>
           <a:p>
-            <a:pPr marL="432000" indent="-323640">
+            <a:pPr marL="432000" indent="-322920">
               <a:lnSpc>
                 <a:spcPct val="100000"/>
               </a:lnSpc>
@@ -4448,6 +7341,7 @@
                   </a:solidFill>
                 </a:uFill>
                 <a:latin typeface="Arial"/>
+                <a:ea typeface="DejaVu Sans"/>
               </a:rPr>
               <a:t>Recent events remind people that their data is not safe with third-parties.</a:t>
             </a:r>
@@ -4464,7 +7358,7 @@
             </a:endParaRPr>
           </a:p>
           <a:p>
-            <a:pPr marL="432000" indent="-323640">
+            <a:pPr marL="432000" indent="-322920">
               <a:lnSpc>
                 <a:spcPct val="100000"/>
               </a:lnSpc>
@@ -4486,6 +7380,7 @@
                   </a:solidFill>
                 </a:uFill>
                 <a:latin typeface="Arial"/>
+                <a:ea typeface="DejaVu Sans"/>
               </a:rPr>
               <a:t>Researchers develop tools for clients to interact  privately</a:t>
             </a:r>
@@ -4502,7 +7397,7 @@
             </a:endParaRPr>
           </a:p>
           <a:p>
-            <a:pPr marL="432000" indent="-323640">
+            <a:pPr marL="432000" indent="-322920">
               <a:lnSpc>
                 <a:spcPct val="100000"/>
               </a:lnSpc>
@@ -4524,6 +7419,7 @@
                   </a:solidFill>
                 </a:uFill>
                 <a:latin typeface="Arial"/>
+                <a:ea typeface="DejaVu Sans"/>
               </a:rPr>
               <a:t>There is a gap between current research and usability</a:t>
             </a:r>
@@ -4543,7 +7439,7 @@
       </p:sp>
       <p:pic>
         <p:nvPicPr>
-          <p:cNvPr id="81" name="" descr=""/>
+          <p:cNvPr id="117" name="" descr=""/>
           <p:cNvPicPr/>
           <p:nvPr/>
         </p:nvPicPr>
@@ -4554,7 +7450,7 @@
         <p:spPr>
           <a:xfrm>
             <a:off x="799200" y="5109480"/>
-            <a:ext cx="2949480" cy="1656720"/>
+            <a:ext cx="2948760" cy="1656000"/>
           </a:xfrm>
           <a:prstGeom prst="rect">
             <a:avLst/>
@@ -4566,7 +7462,7 @@
       </p:pic>
       <p:pic>
         <p:nvPicPr>
-          <p:cNvPr id="82" name="" descr=""/>
+          <p:cNvPr id="118" name="" descr=""/>
           <p:cNvPicPr/>
           <p:nvPr/>
         </p:nvPicPr>
@@ -4577,7 +7473,7 @@
         <p:spPr>
           <a:xfrm>
             <a:off x="5887440" y="5111640"/>
-            <a:ext cx="2953080" cy="1654560"/>
+            <a:ext cx="2952360" cy="1653840"/>
           </a:xfrm>
           <a:prstGeom prst="rect">
             <a:avLst/>
@@ -4638,14 +7534,14 @@
       </p:grpSpPr>
       <p:sp>
         <p:nvSpPr>
-          <p:cNvPr id="83" name="TextShape 1"/>
-          <p:cNvSpPr txBox="1"/>
+          <p:cNvPr id="119" name="CustomShape 1"/>
+          <p:cNvSpPr/>
           <p:nvPr/>
         </p:nvSpPr>
         <p:spPr>
           <a:xfrm>
             <a:off x="504000" y="301320"/>
-            <a:ext cx="9071280" cy="1261800"/>
+            <a:ext cx="9070560" cy="1261080"/>
           </a:xfrm>
           <a:prstGeom prst="rect">
             <a:avLst/>
@@ -4655,10 +7551,20 @@
             <a:noFill/>
           </a:ln>
         </p:spPr>
+        <p:style>
+          <a:lnRef idx="0"/>
+          <a:fillRef idx="0"/>
+          <a:effectRef idx="0"/>
+          <a:fontRef idx="minor"/>
+        </p:style>
         <p:txBody>
           <a:bodyPr lIns="0" rIns="0" tIns="0" bIns="0" anchor="ctr"/>
           <a:p>
-            <a:pPr algn="ctr"/>
+            <a:pPr algn="ctr">
+              <a:lnSpc>
+                <a:spcPct val="100000"/>
+              </a:lnSpc>
+            </a:pPr>
             <a:r>
               <a:rPr b="0" lang="en-US" sz="4400" spc="-1" strike="noStrike">
                 <a:solidFill>
@@ -4670,10 +7576,154 @@
                   </a:solidFill>
                 </a:uFill>
                 <a:latin typeface="Arial"/>
+                <a:ea typeface="DejaVu Sans"/>
               </a:rPr>
               <a:t>Privacy</a:t>
             </a:r>
-            <a:endParaRPr b="0" lang="en-US" sz="4400" spc="-1" strike="noStrike">
+            <a:endParaRPr b="0" lang="en-US" sz="1800" spc="-1" strike="noStrike">
+              <a:solidFill>
+                <a:srgbClr val="000000"/>
+              </a:solidFill>
+              <a:uFill>
+                <a:solidFill>
+                  <a:srgbClr val="ffffff"/>
+                </a:solidFill>
+              </a:uFill>
+              <a:latin typeface="Arial"/>
+            </a:endParaRPr>
+          </a:p>
+        </p:txBody>
+      </p:sp>
+      <p:sp>
+        <p:nvSpPr>
+          <p:cNvPr id="120" name="CustomShape 2"/>
+          <p:cNvSpPr/>
+          <p:nvPr/>
+        </p:nvSpPr>
+        <p:spPr>
+          <a:xfrm>
+            <a:off x="640080" y="1828800"/>
+            <a:ext cx="8412120" cy="1913040"/>
+          </a:xfrm>
+          <a:prstGeom prst="rect">
+            <a:avLst/>
+          </a:prstGeom>
+          <a:noFill/>
+          <a:ln>
+            <a:noFill/>
+          </a:ln>
+        </p:spPr>
+        <p:style>
+          <a:lnRef idx="0"/>
+          <a:fillRef idx="0"/>
+          <a:effectRef idx="0"/>
+          <a:fontRef idx="minor"/>
+        </p:style>
+        <p:txBody>
+          <a:bodyPr lIns="90000" rIns="90000" tIns="45000" bIns="45000"/>
+          <a:p>
+            <a:pPr marL="216000" indent="-215640">
+              <a:lnSpc>
+                <a:spcPct val="100000"/>
+              </a:lnSpc>
+              <a:buClr>
+                <a:srgbClr val="000000"/>
+              </a:buClr>
+              <a:buSzPct val="45000"/>
+              <a:buFont typeface="Wingdings" charset="2"/>
+              <a:buChar char=""/>
+            </a:pPr>
+            <a:r>
+              <a:rPr b="0" lang="en-US" sz="3200" spc="-1" strike="noStrike">
+                <a:solidFill>
+                  <a:srgbClr val="000000"/>
+                </a:solidFill>
+                <a:uFill>
+                  <a:solidFill>
+                    <a:srgbClr val="ffffff"/>
+                  </a:solidFill>
+                </a:uFill>
+                <a:latin typeface="Arial"/>
+              </a:rPr>
+              <a:t>Overall goal is privacy or anonymity</a:t>
+            </a:r>
+            <a:endParaRPr b="0" lang="en-US" sz="1800" spc="-1" strike="noStrike">
+              <a:solidFill>
+                <a:srgbClr val="000000"/>
+              </a:solidFill>
+              <a:uFill>
+                <a:solidFill>
+                  <a:srgbClr val="ffffff"/>
+                </a:solidFill>
+              </a:uFill>
+              <a:latin typeface="Arial"/>
+            </a:endParaRPr>
+          </a:p>
+          <a:p>
+            <a:pPr marL="216000" indent="-215640">
+              <a:lnSpc>
+                <a:spcPct val="100000"/>
+              </a:lnSpc>
+              <a:buClr>
+                <a:srgbClr val="000000"/>
+              </a:buClr>
+              <a:buSzPct val="45000"/>
+              <a:buFont typeface="Wingdings" charset="2"/>
+              <a:buChar char=""/>
+            </a:pPr>
+            <a:r>
+              <a:rPr b="0" lang="en-US" sz="3200" spc="-1" strike="noStrike">
+                <a:solidFill>
+                  <a:srgbClr val="000000"/>
+                </a:solidFill>
+                <a:uFill>
+                  <a:solidFill>
+                    <a:srgbClr val="ffffff"/>
+                  </a:solidFill>
+                </a:uFill>
+                <a:latin typeface="Arial"/>
+              </a:rPr>
+              <a:t>Users want services but don’t trust service providers</a:t>
+            </a:r>
+            <a:endParaRPr b="0" lang="en-US" sz="1800" spc="-1" strike="noStrike">
+              <a:solidFill>
+                <a:srgbClr val="000000"/>
+              </a:solidFill>
+              <a:uFill>
+                <a:solidFill>
+                  <a:srgbClr val="ffffff"/>
+                </a:solidFill>
+              </a:uFill>
+              <a:latin typeface="Arial"/>
+            </a:endParaRPr>
+          </a:p>
+          <a:p>
+            <a:pPr marL="216000" indent="-215640">
+              <a:lnSpc>
+                <a:spcPct val="100000"/>
+              </a:lnSpc>
+              <a:buClr>
+                <a:srgbClr val="000000"/>
+              </a:buClr>
+              <a:buSzPct val="45000"/>
+              <a:buFont typeface="Wingdings" charset="2"/>
+              <a:buChar char=""/>
+            </a:pPr>
+            <a:r>
+              <a:rPr b="0" lang="en-US" sz="3200" spc="-1" strike="noStrike">
+                <a:solidFill>
+                  <a:srgbClr val="000000"/>
+                </a:solidFill>
+                <a:uFill>
+                  <a:solidFill>
+                    <a:srgbClr val="ffffff"/>
+                  </a:solidFill>
+                </a:uFill>
+                <a:latin typeface="Arial"/>
+              </a:rPr>
+              <a:t> </a:t>
+            </a:r>
+            <a:endParaRPr b="0" lang="en-US" sz="1800" spc="-1" strike="noStrike">
               <a:solidFill>
                 <a:srgbClr val="000000"/>
               </a:solidFill>
@@ -4689,6 +7739,744 @@
       </p:sp>
     </p:spTree>
   </p:cSld>
+  <p:timing>
+    <p:tnLst>
+      <p:par>
+        <p:cTn id="5" dur="indefinite" restart="never" nodeType="tmRoot">
+          <p:childTnLst>
+            <p:seq>
+              <p:cTn id="6" nodeType="mainSeq"/>
+              <p:prevCondLst>
+                <p:cond delay="0" evt="onPrev">
+                  <p:tgtEl>
+                    <p:sldTgt/>
+                  </p:tgtEl>
+                </p:cond>
+              </p:prevCondLst>
+              <p:nextCondLst>
+                <p:cond delay="0" evt="onNext">
+                  <p:tgtEl>
+                    <p:sldTgt/>
+                  </p:tgtEl>
+                </p:cond>
+              </p:nextCondLst>
+            </p:seq>
+          </p:childTnLst>
+        </p:cTn>
+      </p:par>
+    </p:tnLst>
+  </p:timing>
+</p:sld>
+</file>
+
+<file path=ppt/slides/slide4.xml><?xml version="1.0" encoding="utf-8"?>
+<p:sld xmlns:a="http://schemas.openxmlformats.org/drawingml/2006/main" xmlns:p="http://schemas.openxmlformats.org/presentationml/2006/main" xmlns:r="http://schemas.openxmlformats.org/officeDocument/2006/relationships" xmlns:p14="http://schemas.microsoft.com/office/powerpoint/2010/main" xmlns:p15="http://schemas.microsoft.com/office/powerpoint/2012/main" xmlns:mc="http://schemas.openxmlformats.org/markup-compatibility/2006">
+  <p:cSld>
+    <p:spTree>
+      <p:nvGrpSpPr>
+        <p:cNvPr id="1" name=""/>
+        <p:cNvGrpSpPr/>
+        <p:nvPr/>
+      </p:nvGrpSpPr>
+      <p:grpSpPr>
+        <a:xfrm>
+          <a:off x="0" y="0"/>
+          <a:ext cx="0" cy="0"/>
+          <a:chOff x="0" y="0"/>
+          <a:chExt cx="0" cy="0"/>
+        </a:xfrm>
+      </p:grpSpPr>
+      <p:pic>
+        <p:nvPicPr>
+          <p:cNvPr id="121" name="" descr=""/>
+          <p:cNvPicPr/>
+          <p:nvPr/>
+        </p:nvPicPr>
+        <p:blipFill>
+          <a:blip r:embed="rId1"/>
+          <a:stretch/>
+        </p:blipFill>
+        <p:spPr>
+          <a:xfrm>
+            <a:off x="3840480" y="4572000"/>
+            <a:ext cx="4276080" cy="2814840"/>
+          </a:xfrm>
+          <a:prstGeom prst="rect">
+            <a:avLst/>
+          </a:prstGeom>
+          <a:ln>
+            <a:noFill/>
+          </a:ln>
+        </p:spPr>
+      </p:pic>
+      <p:pic>
+        <p:nvPicPr>
+          <p:cNvPr id="122" name="" descr=""/>
+          <p:cNvPicPr/>
+          <p:nvPr/>
+        </p:nvPicPr>
+        <p:blipFill>
+          <a:blip r:embed="rId2"/>
+          <a:stretch/>
+        </p:blipFill>
+        <p:spPr>
+          <a:xfrm>
+            <a:off x="1920240" y="2131560"/>
+            <a:ext cx="6309000" cy="2257200"/>
+          </a:xfrm>
+          <a:prstGeom prst="rect">
+            <a:avLst/>
+          </a:prstGeom>
+          <a:ln>
+            <a:noFill/>
+          </a:ln>
+        </p:spPr>
+      </p:pic>
+      <p:sp>
+        <p:nvSpPr>
+          <p:cNvPr id="123" name="CustomShape 1"/>
+          <p:cNvSpPr/>
+          <p:nvPr/>
+        </p:nvSpPr>
+        <p:spPr>
+          <a:xfrm>
+            <a:off x="504000" y="301320"/>
+            <a:ext cx="9071640" cy="1261440"/>
+          </a:xfrm>
+          <a:prstGeom prst="rect">
+            <a:avLst/>
+          </a:prstGeom>
+          <a:noFill/>
+          <a:ln>
+            <a:noFill/>
+          </a:ln>
+        </p:spPr>
+        <p:style>
+          <a:lnRef idx="0"/>
+          <a:fillRef idx="0"/>
+          <a:effectRef idx="0"/>
+          <a:fontRef idx="minor"/>
+        </p:style>
+        <p:txBody>
+          <a:bodyPr lIns="0" rIns="0" tIns="0" bIns="0" anchor="ctr"/>
+          <a:p>
+            <a:pPr algn="ctr">
+              <a:lnSpc>
+                <a:spcPct val="100000"/>
+              </a:lnSpc>
+            </a:pPr>
+            <a:r>
+              <a:rPr b="0" lang="en-US" sz="4400" spc="-1" strike="noStrike">
+                <a:solidFill>
+                  <a:srgbClr val="000000"/>
+                </a:solidFill>
+                <a:uFill>
+                  <a:solidFill>
+                    <a:srgbClr val="ffffff"/>
+                  </a:solidFill>
+                </a:uFill>
+                <a:latin typeface="Arial"/>
+              </a:rPr>
+              <a:t>Private Information Retrieval</a:t>
+            </a:r>
+            <a:endParaRPr b="0" lang="en-US" sz="1800" spc="-1" strike="noStrike">
+              <a:solidFill>
+                <a:srgbClr val="000000"/>
+              </a:solidFill>
+              <a:uFill>
+                <a:solidFill>
+                  <a:srgbClr val="ffffff"/>
+                </a:solidFill>
+              </a:uFill>
+              <a:latin typeface="Arial"/>
+            </a:endParaRPr>
+          </a:p>
+        </p:txBody>
+      </p:sp>
+      <p:sp>
+        <p:nvSpPr>
+          <p:cNvPr id="124" name="CustomShape 2"/>
+          <p:cNvSpPr/>
+          <p:nvPr/>
+        </p:nvSpPr>
+        <p:spPr>
+          <a:xfrm>
+            <a:off x="504000" y="1768680"/>
+            <a:ext cx="9071640" cy="4383720"/>
+          </a:xfrm>
+          <a:prstGeom prst="rect">
+            <a:avLst/>
+          </a:prstGeom>
+          <a:noFill/>
+          <a:ln>
+            <a:noFill/>
+          </a:ln>
+        </p:spPr>
+        <p:style>
+          <a:lnRef idx="0"/>
+          <a:fillRef idx="0"/>
+          <a:effectRef idx="0"/>
+          <a:fontRef idx="minor"/>
+        </p:style>
+        <p:txBody>
+          <a:bodyPr lIns="0" rIns="0" tIns="0" bIns="0"/>
+          <a:p>
+            <a:pPr marL="432000" indent="-323640">
+              <a:lnSpc>
+                <a:spcPct val="100000"/>
+              </a:lnSpc>
+              <a:buClr>
+                <a:srgbClr val="000000"/>
+              </a:buClr>
+              <a:buSzPct val="45000"/>
+              <a:buFont typeface="Wingdings" charset="2"/>
+              <a:buChar char=""/>
+            </a:pPr>
+            <a:r>
+              <a:rPr b="0" lang="en-US" sz="3200" spc="-1" strike="noStrike">
+                <a:solidFill>
+                  <a:srgbClr val="000000"/>
+                </a:solidFill>
+                <a:uFill>
+                  <a:solidFill>
+                    <a:srgbClr val="ffffff"/>
+                  </a:solidFill>
+                </a:uFill>
+                <a:latin typeface="Arial"/>
+              </a:rPr>
+              <a:t>Computational PIR</a:t>
+            </a:r>
+            <a:endParaRPr b="0" lang="en-US" sz="1800" spc="-1" strike="noStrike">
+              <a:solidFill>
+                <a:srgbClr val="000000"/>
+              </a:solidFill>
+              <a:uFill>
+                <a:solidFill>
+                  <a:srgbClr val="ffffff"/>
+                </a:solidFill>
+              </a:uFill>
+              <a:latin typeface="Arial"/>
+            </a:endParaRPr>
+          </a:p>
+          <a:p>
+            <a:pPr marL="432000" indent="-323640">
+              <a:lnSpc>
+                <a:spcPct val="100000"/>
+              </a:lnSpc>
+              <a:buClr>
+                <a:srgbClr val="000000"/>
+              </a:buClr>
+              <a:buSzPct val="45000"/>
+              <a:buFont typeface="Wingdings" charset="2"/>
+              <a:buChar char=""/>
+            </a:pPr>
+            <a:r>
+              <a:rPr b="0" lang="en-US" sz="3200" spc="-1" strike="noStrike">
+                <a:solidFill>
+                  <a:srgbClr val="000000"/>
+                </a:solidFill>
+                <a:uFill>
+                  <a:solidFill>
+                    <a:srgbClr val="ffffff"/>
+                  </a:solidFill>
+                </a:uFill>
+                <a:latin typeface="Arial"/>
+              </a:rPr>
+              <a:t> </a:t>
+            </a:r>
+            <a:endParaRPr b="0" lang="en-US" sz="1800" spc="-1" strike="noStrike">
+              <a:solidFill>
+                <a:srgbClr val="000000"/>
+              </a:solidFill>
+              <a:uFill>
+                <a:solidFill>
+                  <a:srgbClr val="ffffff"/>
+                </a:solidFill>
+              </a:uFill>
+              <a:latin typeface="Arial"/>
+            </a:endParaRPr>
+          </a:p>
+          <a:p>
+            <a:pPr marL="432000" indent="-323640">
+              <a:lnSpc>
+                <a:spcPct val="100000"/>
+              </a:lnSpc>
+              <a:buClr>
+                <a:srgbClr val="000000"/>
+              </a:buClr>
+              <a:buSzPct val="45000"/>
+              <a:buFont typeface="Wingdings" charset="2"/>
+              <a:buChar char=""/>
+            </a:pPr>
+            <a:r>
+              <a:rPr b="0" lang="en-US" sz="3200" spc="-1" strike="noStrike">
+                <a:solidFill>
+                  <a:srgbClr val="000000"/>
+                </a:solidFill>
+                <a:uFill>
+                  <a:solidFill>
+                    <a:srgbClr val="ffffff"/>
+                  </a:solidFill>
+                </a:uFill>
+                <a:latin typeface="Arial"/>
+              </a:rPr>
+              <a:t> </a:t>
+            </a:r>
+            <a:endParaRPr b="0" lang="en-US" sz="1800" spc="-1" strike="noStrike">
+              <a:solidFill>
+                <a:srgbClr val="000000"/>
+              </a:solidFill>
+              <a:uFill>
+                <a:solidFill>
+                  <a:srgbClr val="ffffff"/>
+                </a:solidFill>
+              </a:uFill>
+              <a:latin typeface="Arial"/>
+            </a:endParaRPr>
+          </a:p>
+          <a:p>
+            <a:pPr marL="432000" indent="-323640">
+              <a:lnSpc>
+                <a:spcPct val="100000"/>
+              </a:lnSpc>
+              <a:buClr>
+                <a:srgbClr val="000000"/>
+              </a:buClr>
+              <a:buSzPct val="45000"/>
+              <a:buFont typeface="Wingdings" charset="2"/>
+              <a:buChar char=""/>
+            </a:pPr>
+            <a:r>
+              <a:rPr b="0" lang="en-US" sz="3200" spc="-1" strike="noStrike">
+                <a:solidFill>
+                  <a:srgbClr val="000000"/>
+                </a:solidFill>
+                <a:uFill>
+                  <a:solidFill>
+                    <a:srgbClr val="ffffff"/>
+                  </a:solidFill>
+                </a:uFill>
+                <a:latin typeface="Arial"/>
+              </a:rPr>
+              <a:t> </a:t>
+            </a:r>
+            <a:endParaRPr b="0" lang="en-US" sz="1800" spc="-1" strike="noStrike">
+              <a:solidFill>
+                <a:srgbClr val="000000"/>
+              </a:solidFill>
+              <a:uFill>
+                <a:solidFill>
+                  <a:srgbClr val="ffffff"/>
+                </a:solidFill>
+              </a:uFill>
+              <a:latin typeface="Arial"/>
+            </a:endParaRPr>
+          </a:p>
+          <a:p>
+            <a:pPr marL="432000" indent="-323640">
+              <a:lnSpc>
+                <a:spcPct val="100000"/>
+              </a:lnSpc>
+              <a:buClr>
+                <a:srgbClr val="000000"/>
+              </a:buClr>
+              <a:buSzPct val="45000"/>
+              <a:buFont typeface="Wingdings" charset="2"/>
+              <a:buChar char=""/>
+            </a:pPr>
+            <a:r>
+              <a:rPr b="0" lang="en-US" sz="3200" spc="-1" strike="noStrike">
+                <a:solidFill>
+                  <a:srgbClr val="000000"/>
+                </a:solidFill>
+                <a:uFill>
+                  <a:solidFill>
+                    <a:srgbClr val="ffffff"/>
+                  </a:solidFill>
+                </a:uFill>
+                <a:latin typeface="Arial"/>
+              </a:rPr>
+              <a:t> </a:t>
+            </a:r>
+            <a:endParaRPr b="0" lang="en-US" sz="1800" spc="-1" strike="noStrike">
+              <a:solidFill>
+                <a:srgbClr val="000000"/>
+              </a:solidFill>
+              <a:uFill>
+                <a:solidFill>
+                  <a:srgbClr val="ffffff"/>
+                </a:solidFill>
+              </a:uFill>
+              <a:latin typeface="Arial"/>
+            </a:endParaRPr>
+          </a:p>
+          <a:p>
+            <a:pPr marL="432000" indent="-323640">
+              <a:lnSpc>
+                <a:spcPct val="100000"/>
+              </a:lnSpc>
+              <a:buClr>
+                <a:srgbClr val="000000"/>
+              </a:buClr>
+              <a:buSzPct val="45000"/>
+              <a:buFont typeface="Wingdings" charset="2"/>
+              <a:buChar char=""/>
+            </a:pPr>
+            <a:r>
+              <a:rPr b="0" lang="en-US" sz="3200" spc="-1" strike="noStrike">
+                <a:solidFill>
+                  <a:srgbClr val="000000"/>
+                </a:solidFill>
+                <a:uFill>
+                  <a:solidFill>
+                    <a:srgbClr val="ffffff"/>
+                  </a:solidFill>
+                </a:uFill>
+                <a:latin typeface="Arial"/>
+              </a:rPr>
+              <a:t>Information Theoretic PIR</a:t>
+            </a:r>
+            <a:endParaRPr b="0" lang="en-US" sz="1800" spc="-1" strike="noStrike">
+              <a:solidFill>
+                <a:srgbClr val="000000"/>
+              </a:solidFill>
+              <a:uFill>
+                <a:solidFill>
+                  <a:srgbClr val="ffffff"/>
+                </a:solidFill>
+              </a:uFill>
+              <a:latin typeface="Arial"/>
+            </a:endParaRPr>
+          </a:p>
+        </p:txBody>
+      </p:sp>
+    </p:spTree>
+  </p:cSld>
+  <p:timing>
+    <p:tnLst>
+      <p:par>
+        <p:cTn id="7" dur="indefinite" restart="never" nodeType="tmRoot">
+          <p:childTnLst>
+            <p:seq>
+              <p:cTn id="8" nodeType="mainSeq"/>
+              <p:prevCondLst>
+                <p:cond delay="0" evt="onPrev">
+                  <p:tgtEl>
+                    <p:sldTgt/>
+                  </p:tgtEl>
+                </p:cond>
+              </p:prevCondLst>
+              <p:nextCondLst>
+                <p:cond delay="0" evt="onNext">
+                  <p:tgtEl>
+                    <p:sldTgt/>
+                  </p:tgtEl>
+                </p:cond>
+              </p:nextCondLst>
+            </p:seq>
+          </p:childTnLst>
+        </p:cTn>
+      </p:par>
+    </p:tnLst>
+  </p:timing>
+</p:sld>
+</file>
+
+<file path=ppt/slides/slide5.xml><?xml version="1.0" encoding="utf-8"?>
+<p:sld xmlns:a="http://schemas.openxmlformats.org/drawingml/2006/main" xmlns:p="http://schemas.openxmlformats.org/presentationml/2006/main" xmlns:r="http://schemas.openxmlformats.org/officeDocument/2006/relationships" xmlns:p14="http://schemas.microsoft.com/office/powerpoint/2010/main" xmlns:p15="http://schemas.microsoft.com/office/powerpoint/2012/main" xmlns:mc="http://schemas.openxmlformats.org/markup-compatibility/2006">
+  <p:cSld>
+    <p:spTree>
+      <p:nvGrpSpPr>
+        <p:cNvPr id="1" name=""/>
+        <p:cNvGrpSpPr/>
+        <p:nvPr/>
+      </p:nvGrpSpPr>
+      <p:grpSpPr>
+        <a:xfrm>
+          <a:off x="0" y="0"/>
+          <a:ext cx="0" cy="0"/>
+          <a:chOff x="0" y="0"/>
+          <a:chExt cx="0" cy="0"/>
+        </a:xfrm>
+      </p:grpSpPr>
+      <p:sp>
+        <p:nvSpPr>
+          <p:cNvPr id="125" name="TextShape 1"/>
+          <p:cNvSpPr txBox="1"/>
+          <p:nvPr/>
+        </p:nvSpPr>
+        <p:spPr>
+          <a:xfrm>
+            <a:off x="504000" y="301320"/>
+            <a:ext cx="9071640" cy="1261440"/>
+          </a:xfrm>
+          <a:prstGeom prst="rect">
+            <a:avLst/>
+          </a:prstGeom>
+          <a:noFill/>
+          <a:ln>
+            <a:noFill/>
+          </a:ln>
+        </p:spPr>
+        <p:txBody>
+          <a:bodyPr lIns="0" rIns="0" tIns="0" bIns="0" anchor="ctr"/>
+          <a:p>
+            <a:pPr algn="ctr"/>
+            <a:r>
+              <a:rPr b="0" lang="en-US" sz="4400" spc="-1" strike="noStrike">
+                <a:solidFill>
+                  <a:srgbClr val="000000"/>
+                </a:solidFill>
+                <a:uFill>
+                  <a:solidFill>
+                    <a:srgbClr val="ffffff"/>
+                  </a:solidFill>
+                </a:uFill>
+                <a:latin typeface="Arial"/>
+              </a:rPr>
+              <a:t>Contact Discovery</a:t>
+            </a:r>
+            <a:endParaRPr b="0" lang="en-US" sz="4400" spc="-1" strike="noStrike">
+              <a:solidFill>
+                <a:srgbClr val="000000"/>
+              </a:solidFill>
+              <a:uFill>
+                <a:solidFill>
+                  <a:srgbClr val="ffffff"/>
+                </a:solidFill>
+              </a:uFill>
+              <a:latin typeface="Arial"/>
+            </a:endParaRPr>
+          </a:p>
+        </p:txBody>
+      </p:sp>
+      <p:sp>
+        <p:nvSpPr>
+          <p:cNvPr id="126" name="TextShape 2"/>
+          <p:cNvSpPr txBox="1"/>
+          <p:nvPr/>
+        </p:nvSpPr>
+        <p:spPr>
+          <a:xfrm>
+            <a:off x="504000" y="1768680"/>
+            <a:ext cx="9071640" cy="4383720"/>
+          </a:xfrm>
+          <a:prstGeom prst="rect">
+            <a:avLst/>
+          </a:prstGeom>
+          <a:noFill/>
+          <a:ln>
+            <a:noFill/>
+          </a:ln>
+        </p:spPr>
+        <p:txBody>
+          <a:bodyPr lIns="0" rIns="0" tIns="0" bIns="0"/>
+          <a:p>
+            <a:pPr marL="432000" indent="-324000">
+              <a:buClr>
+                <a:srgbClr val="000000"/>
+              </a:buClr>
+              <a:buSzPct val="45000"/>
+              <a:buFont typeface="Wingdings" charset="2"/>
+              <a:buChar char=""/>
+            </a:pPr>
+            <a:r>
+              <a:rPr b="0" lang="en-US" sz="3200" spc="-1" strike="noStrike">
+                <a:solidFill>
+                  <a:srgbClr val="000000"/>
+                </a:solidFill>
+                <a:uFill>
+                  <a:solidFill>
+                    <a:srgbClr val="ffffff"/>
+                  </a:solidFill>
+                </a:uFill>
+                <a:latin typeface="Arial"/>
+              </a:rPr>
+              <a:t>Need to know which of your contacts use a service</a:t>
+            </a:r>
+            <a:endParaRPr b="0" lang="en-US" sz="3200" spc="-1" strike="noStrike">
+              <a:solidFill>
+                <a:srgbClr val="000000"/>
+              </a:solidFill>
+              <a:uFill>
+                <a:solidFill>
+                  <a:srgbClr val="ffffff"/>
+                </a:solidFill>
+              </a:uFill>
+              <a:latin typeface="Arial"/>
+            </a:endParaRPr>
+          </a:p>
+          <a:p>
+            <a:pPr marL="432000" indent="-324000">
+              <a:buClr>
+                <a:srgbClr val="000000"/>
+              </a:buClr>
+              <a:buSzPct val="45000"/>
+              <a:buFont typeface="Wingdings" charset="2"/>
+              <a:buChar char=""/>
+            </a:pPr>
+            <a:r>
+              <a:rPr b="0" lang="en-US" sz="3200" spc="-1" strike="noStrike">
+                <a:solidFill>
+                  <a:srgbClr val="000000"/>
+                </a:solidFill>
+                <a:uFill>
+                  <a:solidFill>
+                    <a:srgbClr val="ffffff"/>
+                  </a:solidFill>
+                </a:uFill>
+                <a:latin typeface="Arial"/>
+              </a:rPr>
+              <a:t>In theory could use PIR, but too expensive</a:t>
+            </a:r>
+            <a:endParaRPr b="0" lang="en-US" sz="3200" spc="-1" strike="noStrike">
+              <a:solidFill>
+                <a:srgbClr val="000000"/>
+              </a:solidFill>
+              <a:uFill>
+                <a:solidFill>
+                  <a:srgbClr val="ffffff"/>
+                </a:solidFill>
+              </a:uFill>
+              <a:latin typeface="Arial"/>
+            </a:endParaRPr>
+          </a:p>
+          <a:p>
+            <a:pPr marL="432000" indent="-324000">
+              <a:buClr>
+                <a:srgbClr val="000000"/>
+              </a:buClr>
+              <a:buSzPct val="45000"/>
+              <a:buFont typeface="Wingdings" charset="2"/>
+              <a:buChar char=""/>
+            </a:pPr>
+            <a:r>
+              <a:rPr b="0" lang="en-US" sz="3200" spc="-1" strike="noStrike">
+                <a:solidFill>
+                  <a:srgbClr val="000000"/>
+                </a:solidFill>
+                <a:uFill>
+                  <a:solidFill>
+                    <a:srgbClr val="ffffff"/>
+                  </a:solidFill>
+                </a:uFill>
+                <a:latin typeface="Arial"/>
+              </a:rPr>
+              <a:t>Combine PIR with other methods</a:t>
+            </a:r>
+            <a:endParaRPr b="0" lang="en-US" sz="3200" spc="-1" strike="noStrike">
+              <a:solidFill>
+                <a:srgbClr val="000000"/>
+              </a:solidFill>
+              <a:uFill>
+                <a:solidFill>
+                  <a:srgbClr val="ffffff"/>
+                </a:solidFill>
+              </a:uFill>
+              <a:latin typeface="Arial"/>
+            </a:endParaRPr>
+          </a:p>
+          <a:p>
+            <a:pPr lvl="1" marL="864000" indent="-324000">
+              <a:buClr>
+                <a:srgbClr val="000000"/>
+              </a:buClr>
+              <a:buSzPct val="75000"/>
+              <a:buFont typeface="Symbol" charset="2"/>
+              <a:buChar char=""/>
+            </a:pPr>
+            <a:r>
+              <a:rPr b="0" lang="en-US" sz="2800" spc="-1" strike="noStrike">
+                <a:solidFill>
+                  <a:srgbClr val="000000"/>
+                </a:solidFill>
+                <a:uFill>
+                  <a:solidFill>
+                    <a:srgbClr val="ffffff"/>
+                  </a:solidFill>
+                </a:uFill>
+                <a:latin typeface="Arial"/>
+              </a:rPr>
+              <a:t>PSI</a:t>
+            </a:r>
+            <a:endParaRPr b="0" lang="en-US" sz="2800" spc="-1" strike="noStrike">
+              <a:solidFill>
+                <a:srgbClr val="000000"/>
+              </a:solidFill>
+              <a:uFill>
+                <a:solidFill>
+                  <a:srgbClr val="ffffff"/>
+                </a:solidFill>
+              </a:uFill>
+              <a:latin typeface="Arial"/>
+            </a:endParaRPr>
+          </a:p>
+          <a:p>
+            <a:pPr lvl="1" marL="864000" indent="-324000">
+              <a:buClr>
+                <a:srgbClr val="000000"/>
+              </a:buClr>
+              <a:buSzPct val="75000"/>
+              <a:buFont typeface="Symbol" charset="2"/>
+              <a:buChar char=""/>
+            </a:pPr>
+            <a:r>
+              <a:rPr b="0" lang="en-US" sz="2800" spc="-1" strike="noStrike">
+                <a:solidFill>
+                  <a:srgbClr val="000000"/>
+                </a:solidFill>
+                <a:uFill>
+                  <a:solidFill>
+                    <a:srgbClr val="ffffff"/>
+                  </a:solidFill>
+                </a:uFill>
+                <a:latin typeface="Arial"/>
+              </a:rPr>
+              <a:t>Statefulness</a:t>
+            </a:r>
+            <a:endParaRPr b="0" lang="en-US" sz="2800" spc="-1" strike="noStrike">
+              <a:solidFill>
+                <a:srgbClr val="000000"/>
+              </a:solidFill>
+              <a:uFill>
+                <a:solidFill>
+                  <a:srgbClr val="ffffff"/>
+                </a:solidFill>
+              </a:uFill>
+              <a:latin typeface="Arial"/>
+            </a:endParaRPr>
+          </a:p>
+        </p:txBody>
+      </p:sp>
+    </p:spTree>
+  </p:cSld>
+  <p:timing>
+    <p:tnLst>
+      <p:par>
+        <p:cTn id="9" dur="indefinite" restart="never" nodeType="tmRoot">
+          <p:childTnLst>
+            <p:seq>
+              <p:cTn id="10" nodeType="mainSeq"/>
+              <p:prevCondLst>
+                <p:cond delay="0" evt="onPrev">
+                  <p:tgtEl>
+                    <p:sldTgt/>
+                  </p:tgtEl>
+                </p:cond>
+              </p:prevCondLst>
+              <p:nextCondLst>
+                <p:cond delay="0" evt="onNext">
+                  <p:tgtEl>
+                    <p:sldTgt/>
+                  </p:tgtEl>
+                </p:cond>
+              </p:nextCondLst>
+            </p:seq>
+          </p:childTnLst>
+        </p:cTn>
+      </p:par>
+    </p:tnLst>
+  </p:timing>
 </p:sld>
 </file>
 
@@ -5359,4 +9147,227 @@
     </a:fmtScheme>
   </a:themeElements>
 </a:theme>
+</file>
+
+<file path=ppt/theme/theme4.xml><?xml version="1.0" encoding="utf-8"?>
+<a:theme xmlns:a="http://schemas.openxmlformats.org/drawingml/2006/main" name="Office Theme">
+  <a:themeElements>
+    <a:clrScheme name="Office">
+      <a:dk1>
+        <a:sysClr val="windowText" lastClr="000000"/>
+      </a:dk1>
+      <a:lt1>
+        <a:sysClr val="window" lastClr="FFFFFF"/>
+      </a:lt1>
+      <a:dk2>
+        <a:srgbClr val="1F497D"/>
+      </a:dk2>
+      <a:lt2>
+        <a:srgbClr val="EEECE1"/>
+      </a:lt2>
+      <a:accent1>
+        <a:srgbClr val="4F81BD"/>
+      </a:accent1>
+      <a:accent2>
+        <a:srgbClr val="C0504D"/>
+      </a:accent2>
+      <a:accent3>
+        <a:srgbClr val="9BBB59"/>
+      </a:accent3>
+      <a:accent4>
+        <a:srgbClr val="8064A2"/>
+      </a:accent4>
+      <a:accent5>
+        <a:srgbClr val="4BACC6"/>
+      </a:accent5>
+      <a:accent6>
+        <a:srgbClr val="F79646"/>
+      </a:accent6>
+      <a:hlink>
+        <a:srgbClr val="0000FF"/>
+      </a:hlink>
+      <a:folHlink>
+        <a:srgbClr val="800080"/>
+      </a:folHlink>
+    </a:clrScheme>
+    <a:fontScheme name="Office">
+      <a:majorFont>
+        <a:latin typeface="Arial"/>
+        <a:ea typeface="DejaVu Sans"/>
+        <a:cs typeface="DejaVu Sans"/>
+      </a:majorFont>
+      <a:minorFont>
+        <a:latin typeface="Arial"/>
+        <a:ea typeface="DejaVu Sans"/>
+        <a:cs typeface="DejaVu Sans"/>
+      </a:minorFont>
+    </a:fontScheme>
+    <a:fmtScheme name="Office">
+      <a:fillStyleLst>
+        <a:solidFill>
+          <a:schemeClr val="phClr"/>
+        </a:solidFill>
+        <a:gradFill rotWithShape="1">
+          <a:gsLst>
+            <a:gs pos="0">
+              <a:schemeClr val="phClr">
+                <a:tint val="50000"/>
+                <a:satMod val="300000"/>
+              </a:schemeClr>
+            </a:gs>
+            <a:gs pos="35000">
+              <a:schemeClr val="phClr">
+                <a:tint val="37000"/>
+                <a:satMod val="300000"/>
+              </a:schemeClr>
+            </a:gs>
+            <a:gs pos="100000">
+              <a:schemeClr val="phClr">
+                <a:tint val="15000"/>
+                <a:satMod val="350000"/>
+              </a:schemeClr>
+            </a:gs>
+          </a:gsLst>
+          <a:lin ang="16200000" scaled="1"/>
+        </a:gradFill>
+        <a:gradFill rotWithShape="1">
+          <a:gsLst>
+            <a:gs pos="0">
+              <a:schemeClr val="phClr">
+                <a:shade val="51000"/>
+                <a:satMod val="130000"/>
+              </a:schemeClr>
+            </a:gs>
+            <a:gs pos="80000">
+              <a:schemeClr val="phClr">
+                <a:shade val="93000"/>
+                <a:satMod val="130000"/>
+              </a:schemeClr>
+            </a:gs>
+            <a:gs pos="100000">
+              <a:schemeClr val="phClr">
+                <a:shade val="94000"/>
+                <a:satMod val="135000"/>
+              </a:schemeClr>
+            </a:gs>
+          </a:gsLst>
+          <a:lin ang="16200000" scaled="0"/>
+        </a:gradFill>
+      </a:fillStyleLst>
+      <a:lnStyleLst>
+        <a:ln w="9525" cap="flat" cmpd="sng" algn="ctr">
+          <a:solidFill>
+            <a:schemeClr val="phClr">
+              <a:shade val="95000"/>
+              <a:satMod val="105000"/>
+            </a:schemeClr>
+          </a:solidFill>
+          <a:prstDash val="solid"/>
+        </a:ln>
+        <a:ln w="25400" cap="flat" cmpd="sng" algn="ctr">
+          <a:solidFill>
+            <a:schemeClr val="phClr"/>
+          </a:solidFill>
+          <a:prstDash val="solid"/>
+        </a:ln>
+        <a:ln w="38100" cap="flat" cmpd="sng" algn="ctr">
+          <a:solidFill>
+            <a:schemeClr val="phClr"/>
+          </a:solidFill>
+          <a:prstDash val="solid"/>
+        </a:ln>
+      </a:lnStyleLst>
+      <a:effectStyleLst>
+        <a:effectStyle>
+          <a:effectLst>
+            <a:outerShdw blurRad="40000" dist="20000" dir="5400000" rotWithShape="0">
+              <a:srgbClr val="000000">
+                <a:alpha val="38000"/>
+              </a:srgbClr>
+            </a:outerShdw>
+          </a:effectLst>
+        </a:effectStyle>
+        <a:effectStyle>
+          <a:effectLst>
+            <a:outerShdw blurRad="40000" dist="23000" dir="5400000" rotWithShape="0">
+              <a:srgbClr val="000000">
+                <a:alpha val="35000"/>
+              </a:srgbClr>
+            </a:outerShdw>
+          </a:effectLst>
+        </a:effectStyle>
+        <a:effectStyle>
+          <a:effectLst>
+            <a:outerShdw blurRad="40000" dist="23000" dir="5400000" rotWithShape="0">
+              <a:srgbClr val="000000">
+                <a:alpha val="35000"/>
+              </a:srgbClr>
+            </a:outerShdw>
+          </a:effectLst>
+          <a:scene3d>
+            <a:camera prst="orthographicFront">
+              <a:rot lat="0" lon="0" rev="0"/>
+            </a:camera>
+            <a:lightRig rig="threePt" dir="t">
+              <a:rot lat="0" lon="0" rev="1200000"/>
+            </a:lightRig>
+          </a:scene3d>
+          <a:sp3d>
+            <a:bevelT w="63500" h="25400"/>
+          </a:sp3d>
+        </a:effectStyle>
+      </a:effectStyleLst>
+      <a:bgFillStyleLst>
+        <a:solidFill>
+          <a:schemeClr val="phClr"/>
+        </a:solidFill>
+        <a:gradFill rotWithShape="1">
+          <a:gsLst>
+            <a:gs pos="0">
+              <a:schemeClr val="phClr">
+                <a:tint val="40000"/>
+                <a:satMod val="350000"/>
+              </a:schemeClr>
+            </a:gs>
+            <a:gs pos="40000">
+              <a:schemeClr val="phClr">
+                <a:tint val="45000"/>
+                <a:shade val="99000"/>
+                <a:satMod val="350000"/>
+              </a:schemeClr>
+            </a:gs>
+            <a:gs pos="100000">
+              <a:schemeClr val="phClr">
+                <a:shade val="20000"/>
+                <a:satMod val="255000"/>
+              </a:schemeClr>
+            </a:gs>
+          </a:gsLst>
+          <a:path path="circle">
+            <a:fillToRect l="50000" t="-80000" r="50000" b="180000"/>
+          </a:path>
+        </a:gradFill>
+        <a:gradFill rotWithShape="1">
+          <a:gsLst>
+            <a:gs pos="0">
+              <a:schemeClr val="phClr">
+                <a:tint val="80000"/>
+                <a:satMod val="300000"/>
+              </a:schemeClr>
+            </a:gs>
+            <a:gs pos="100000">
+              <a:schemeClr val="phClr">
+                <a:shade val="30000"/>
+                <a:satMod val="200000"/>
+              </a:schemeClr>
+            </a:gs>
+          </a:gsLst>
+          <a:path path="circle">
+            <a:fillToRect l="50000" t="50000" r="50000" b="50000"/>
+          </a:path>
+        </a:gradFill>
+      </a:bgFillStyleLst>
+    </a:fmtScheme>
+  </a:themeElements>
+</a:theme>
 </file>
--- a/slides/prelim.pptx
+++ b/slides/prelim.pptx
@@ -5,16 +5,21 @@
     <p:sldMasterId id="2147483648" r:id="rId2"/>
     <p:sldMasterId id="2147483661" r:id="rId3"/>
     <p:sldMasterId id="2147483674" r:id="rId4"/>
+    <p:sldMasterId id="2147483687" r:id="rId5"/>
   </p:sldMasterIdLst>
   <p:notesMasterIdLst>
-    <p:notesMasterId r:id="rId5"/>
+    <p:notesMasterId r:id="rId6"/>
   </p:notesMasterIdLst>
   <p:sldIdLst>
-    <p:sldId id="256" r:id="rId6"/>
-    <p:sldId id="257" r:id="rId7"/>
-    <p:sldId id="258" r:id="rId8"/>
-    <p:sldId id="259" r:id="rId9"/>
-    <p:sldId id="260" r:id="rId10"/>
+    <p:sldId id="256" r:id="rId7"/>
+    <p:sldId id="257" r:id="rId8"/>
+    <p:sldId id="258" r:id="rId9"/>
+    <p:sldId id="259" r:id="rId10"/>
+    <p:sldId id="260" r:id="rId11"/>
+    <p:sldId id="261" r:id="rId12"/>
+    <p:sldId id="262" r:id="rId13"/>
+    <p:sldId id="263" r:id="rId14"/>
+    <p:sldId id="264" r:id="rId15"/>
   </p:sldIdLst>
   <p:sldSz cx="10080625" cy="7559675"/>
   <p:notesSz cx="7772400" cy="10058400"/>
@@ -40,7 +45,7 @@
       </p:grpSpPr>
       <p:sp>
         <p:nvSpPr>
-          <p:cNvPr id="108" name="PlaceHolder 1"/>
+          <p:cNvPr id="144" name="PlaceHolder 1"/>
           <p:cNvSpPr>
             <a:spLocks noGrp="1"/>
           </p:cNvSpPr>
@@ -90,7 +95,7 @@
       </p:sp>
       <p:sp>
         <p:nvSpPr>
-          <p:cNvPr id="109" name="PlaceHolder 2"/>
+          <p:cNvPr id="145" name="PlaceHolder 2"/>
           <p:cNvSpPr>
             <a:spLocks noGrp="1"/>
           </p:cNvSpPr>
@@ -122,7 +127,7 @@
                 </a:uFill>
                 <a:latin typeface="Times New Roman"/>
               </a:rPr>
-              <a:t> </a:t>
+              <a:t>&lt;header&gt;</a:t>
             </a:r>
             <a:endParaRPr b="0" lang="en-US" sz="1400" spc="-1" strike="noStrike">
               <a:solidFill>
@@ -140,7 +145,7 @@
       </p:sp>
       <p:sp>
         <p:nvSpPr>
-          <p:cNvPr id="110" name="PlaceHolder 3"/>
+          <p:cNvPr id="146" name="PlaceHolder 3"/>
           <p:cNvSpPr>
             <a:spLocks noGrp="1"/>
           </p:cNvSpPr>
@@ -173,7 +178,7 @@
                 </a:uFill>
                 <a:latin typeface="Times New Roman"/>
               </a:rPr>
-              <a:t> </a:t>
+              <a:t>&lt;date/time&gt;</a:t>
             </a:r>
             <a:endParaRPr b="0" lang="en-US" sz="1400" spc="-1" strike="noStrike">
               <a:solidFill>
@@ -191,7 +196,7 @@
       </p:sp>
       <p:sp>
         <p:nvSpPr>
-          <p:cNvPr id="111" name="PlaceHolder 4"/>
+          <p:cNvPr id="147" name="PlaceHolder 4"/>
           <p:cNvSpPr>
             <a:spLocks noGrp="1"/>
           </p:cNvSpPr>
@@ -223,7 +228,7 @@
                 </a:uFill>
                 <a:latin typeface="Times New Roman"/>
               </a:rPr>
-              <a:t> </a:t>
+              <a:t>&lt;footer&gt;</a:t>
             </a:r>
             <a:endParaRPr b="0" lang="en-US" sz="1400" spc="-1" strike="noStrike">
               <a:solidFill>
@@ -241,7 +246,7 @@
       </p:sp>
       <p:sp>
         <p:nvSpPr>
-          <p:cNvPr id="112" name="PlaceHolder 5"/>
+          <p:cNvPr id="148" name="PlaceHolder 5"/>
           <p:cNvSpPr>
             <a:spLocks noGrp="1"/>
           </p:cNvSpPr>
@@ -262,7 +267,7 @@
           <a:bodyPr lIns="0" rIns="0" tIns="0" bIns="0" anchor="b"/>
           <a:p>
             <a:pPr algn="r"/>
-            <a:fld id="{EFFD5A8E-4691-4936-89BF-49171DD81063}" type="slidenum">
+            <a:fld id="{FF0FF429-0ED2-48F0-A32A-6E8186C4C6F8}" type="slidenum">
               <a:rPr b="0" lang="en-US" sz="1400" spc="-1" strike="noStrike">
                 <a:solidFill>
                   <a:srgbClr val="000000"/>
@@ -274,7 +279,7 @@
                 </a:uFill>
                 <a:latin typeface="Times New Roman"/>
               </a:rPr>
-              <a:t>1</a:t>
+              <a:t>&lt;number&gt;</a:t>
             </a:fld>
             <a:endParaRPr b="0" lang="en-US" sz="1400" spc="-1" strike="noStrike">
               <a:solidFill>
@@ -315,7 +320,7 @@
       </p:grpSpPr>
       <p:sp>
         <p:nvSpPr>
-          <p:cNvPr id="127" name="PlaceHolder 1"/>
+          <p:cNvPr id="176" name="PlaceHolder 1"/>
           <p:cNvSpPr>
             <a:spLocks noGrp="1"/>
           </p:cNvSpPr>
@@ -326,7 +331,7 @@
         <p:spPr>
           <a:xfrm>
             <a:off x="777240" y="4777560"/>
-            <a:ext cx="6216480" cy="4524840"/>
+            <a:ext cx="6215400" cy="4523760"/>
           </a:xfrm>
           <a:prstGeom prst="rect">
             <a:avLst/>
@@ -711,7 +716,7 @@
       </p:grpSpPr>
       <p:sp>
         <p:nvSpPr>
-          <p:cNvPr id="128" name="PlaceHolder 1"/>
+          <p:cNvPr id="177" name="PlaceHolder 1"/>
           <p:cNvSpPr>
             <a:spLocks noGrp="1"/>
           </p:cNvSpPr>
@@ -722,7 +727,7 @@
         <p:spPr>
           <a:xfrm>
             <a:off x="777240" y="4777560"/>
-            <a:ext cx="6217560" cy="4525920"/>
+            <a:ext cx="6216480" cy="4524840"/>
           </a:xfrm>
           <a:prstGeom prst="rect">
             <a:avLst/>
@@ -1205,7 +1210,7 @@
       </p:grpSpPr>
       <p:sp>
         <p:nvSpPr>
-          <p:cNvPr id="129" name="PlaceHolder 1"/>
+          <p:cNvPr id="178" name="PlaceHolder 1"/>
           <p:cNvSpPr>
             <a:spLocks noGrp="1"/>
           </p:cNvSpPr>
@@ -1216,7 +1221,7 @@
         <p:spPr>
           <a:xfrm>
             <a:off x="777240" y="4777560"/>
-            <a:ext cx="6217560" cy="4525920"/>
+            <a:ext cx="6216480" cy="4524840"/>
           </a:xfrm>
           <a:prstGeom prst="rect">
             <a:avLst/>
@@ -1510,6 +1515,1154 @@
                 <a:latin typeface="Arial"/>
               </a:rPr>
               <a:t>infrequent long computations speed up queries</a:t>
+            </a:r>
+            <a:endParaRPr b="0" lang="en-US" sz="2000" spc="-1" strike="noStrike">
+              <a:solidFill>
+                <a:srgbClr val="000000"/>
+              </a:solidFill>
+              <a:uFill>
+                <a:solidFill>
+                  <a:srgbClr val="ffffff"/>
+                </a:solidFill>
+              </a:uFill>
+              <a:latin typeface="Arial"/>
+            </a:endParaRPr>
+          </a:p>
+        </p:txBody>
+      </p:sp>
+    </p:spTree>
+  </p:cSld>
+</p:notes>
+</file>
+
+<file path=ppt/notesSlides/notesSlide6.xml><?xml version="1.0" encoding="utf-8"?>
+<p:notes xmlns:a="http://schemas.openxmlformats.org/drawingml/2006/main" xmlns:p="http://schemas.openxmlformats.org/presentationml/2006/main" xmlns:r="http://schemas.openxmlformats.org/officeDocument/2006/relationships" xmlns:p14="http://schemas.microsoft.com/office/powerpoint/2010/main" xmlns:p15="http://schemas.microsoft.com/office/powerpoint/2012/main" xmlns:mc="http://schemas.openxmlformats.org/markup-compatibility/2006">
+  <p:cSld>
+    <p:spTree>
+      <p:nvGrpSpPr>
+        <p:cNvPr id="1" name=""/>
+        <p:cNvGrpSpPr/>
+        <p:nvPr/>
+      </p:nvGrpSpPr>
+      <p:grpSpPr>
+        <a:xfrm>
+          <a:off x="0" y="0"/>
+          <a:ext cx="0" cy="0"/>
+          <a:chOff x="0" y="0"/>
+          <a:chExt cx="0" cy="0"/>
+        </a:xfrm>
+      </p:grpSpPr>
+      <p:sp>
+        <p:nvSpPr>
+          <p:cNvPr id="179" name="PlaceHolder 1"/>
+          <p:cNvSpPr>
+            <a:spLocks noGrp="1"/>
+          </p:cNvSpPr>
+          <p:nvPr>
+            <p:ph type="body"/>
+          </p:nvPr>
+        </p:nvSpPr>
+        <p:spPr>
+          <a:xfrm>
+            <a:off x="777240" y="4777560"/>
+            <a:ext cx="6216480" cy="4524840"/>
+          </a:xfrm>
+          <a:prstGeom prst="rect">
+            <a:avLst/>
+          </a:prstGeom>
+        </p:spPr>
+        <p:txBody>
+          <a:bodyPr lIns="0" rIns="0" tIns="0" bIns="0"/>
+          <a:p>
+            <a:r>
+              <a:rPr b="0" lang="en-US" sz="2000" spc="-1" strike="noStrike">
+                <a:solidFill>
+                  <a:srgbClr val="000000"/>
+                </a:solidFill>
+                <a:uFill>
+                  <a:solidFill>
+                    <a:srgbClr val="ffffff"/>
+                  </a:solidFill>
+                </a:uFill>
+                <a:latin typeface="Arial"/>
+              </a:rPr>
+              <a:t>Presence discovery deals with how to discover who is online</a:t>
+            </a:r>
+            <a:endParaRPr b="0" lang="en-US" sz="2000" spc="-1" strike="noStrike">
+              <a:solidFill>
+                <a:srgbClr val="000000"/>
+              </a:solidFill>
+              <a:uFill>
+                <a:solidFill>
+                  <a:srgbClr val="ffffff"/>
+                </a:solidFill>
+              </a:uFill>
+              <a:latin typeface="Arial"/>
+            </a:endParaRPr>
+          </a:p>
+          <a:p>
+            <a:endParaRPr b="0" lang="en-US" sz="2000" spc="-1" strike="noStrike">
+              <a:solidFill>
+                <a:srgbClr val="000000"/>
+              </a:solidFill>
+              <a:uFill>
+                <a:solidFill>
+                  <a:srgbClr val="ffffff"/>
+                </a:solidFill>
+              </a:uFill>
+              <a:latin typeface="Arial"/>
+            </a:endParaRPr>
+          </a:p>
+          <a:p>
+            <a:r>
+              <a:rPr b="0" lang="en-US" sz="2000" spc="-1" strike="noStrike">
+                <a:solidFill>
+                  <a:srgbClr val="000000"/>
+                </a:solidFill>
+                <a:uFill>
+                  <a:solidFill>
+                    <a:srgbClr val="ffffff"/>
+                  </a:solidFill>
+                </a:uFill>
+                <a:latin typeface="Arial"/>
+              </a:rPr>
+              <a:t>PIR being expensive depends on context</a:t>
+            </a:r>
+            <a:endParaRPr b="0" lang="en-US" sz="2000" spc="-1" strike="noStrike">
+              <a:solidFill>
+                <a:srgbClr val="000000"/>
+              </a:solidFill>
+              <a:uFill>
+                <a:solidFill>
+                  <a:srgbClr val="ffffff"/>
+                </a:solidFill>
+              </a:uFill>
+              <a:latin typeface="Arial"/>
+            </a:endParaRPr>
+          </a:p>
+          <a:p>
+            <a:endParaRPr b="0" lang="en-US" sz="2000" spc="-1" strike="noStrike">
+              <a:solidFill>
+                <a:srgbClr val="000000"/>
+              </a:solidFill>
+              <a:uFill>
+                <a:solidFill>
+                  <a:srgbClr val="ffffff"/>
+                </a:solidFill>
+              </a:uFill>
+              <a:latin typeface="Arial"/>
+            </a:endParaRPr>
+          </a:p>
+          <a:p>
+            <a:r>
+              <a:rPr b="0" lang="en-US" sz="2000" spc="-1" strike="noStrike">
+                <a:solidFill>
+                  <a:srgbClr val="000000"/>
+                </a:solidFill>
+                <a:uFill>
+                  <a:solidFill>
+                    <a:srgbClr val="ffffff"/>
+                  </a:solidFill>
+                </a:uFill>
+                <a:latin typeface="Arial"/>
+              </a:rPr>
+              <a:t>DP5 </a:t>
+            </a:r>
+            <a:endParaRPr b="0" lang="en-US" sz="2000" spc="-1" strike="noStrike">
+              <a:solidFill>
+                <a:srgbClr val="000000"/>
+              </a:solidFill>
+              <a:uFill>
+                <a:solidFill>
+                  <a:srgbClr val="ffffff"/>
+                </a:solidFill>
+              </a:uFill>
+              <a:latin typeface="Arial"/>
+            </a:endParaRPr>
+          </a:p>
+          <a:p>
+            <a:r>
+              <a:rPr b="0" lang="en-US" sz="2000" spc="-1" strike="noStrike">
+                <a:solidFill>
+                  <a:srgbClr val="000000"/>
+                </a:solidFill>
+                <a:uFill>
+                  <a:solidFill>
+                    <a:srgbClr val="ffffff"/>
+                  </a:solidFill>
+                </a:uFill>
+                <a:latin typeface="Arial"/>
+              </a:rPr>
+              <a:t>	</a:t>
+            </a:r>
+            <a:r>
+              <a:rPr b="0" lang="en-US" sz="2000" spc="-1" strike="noStrike">
+                <a:solidFill>
+                  <a:srgbClr val="000000"/>
+                </a:solidFill>
+                <a:uFill>
+                  <a:solidFill>
+                    <a:srgbClr val="ffffff"/>
+                  </a:solidFill>
+                </a:uFill>
+                <a:latin typeface="Arial"/>
+              </a:rPr>
+              <a:t>PIR</a:t>
+            </a:r>
+            <a:endParaRPr b="0" lang="en-US" sz="2000" spc="-1" strike="noStrike">
+              <a:solidFill>
+                <a:srgbClr val="000000"/>
+              </a:solidFill>
+              <a:uFill>
+                <a:solidFill>
+                  <a:srgbClr val="ffffff"/>
+                </a:solidFill>
+              </a:uFill>
+              <a:latin typeface="Arial"/>
+            </a:endParaRPr>
+          </a:p>
+          <a:p>
+            <a:r>
+              <a:rPr b="0" lang="en-US" sz="2000" spc="-1" strike="noStrike">
+                <a:solidFill>
+                  <a:srgbClr val="000000"/>
+                </a:solidFill>
+                <a:uFill>
+                  <a:solidFill>
+                    <a:srgbClr val="ffffff"/>
+                  </a:solidFill>
+                </a:uFill>
+                <a:latin typeface="Arial"/>
+              </a:rPr>
+              <a:t>	</a:t>
+            </a:r>
+            <a:r>
+              <a:rPr b="0" lang="en-US" sz="2000" spc="-1" strike="noStrike">
+                <a:solidFill>
+                  <a:srgbClr val="000000"/>
+                </a:solidFill>
+                <a:uFill>
+                  <a:solidFill>
+                    <a:srgbClr val="ffffff"/>
+                  </a:solidFill>
+                </a:uFill>
+                <a:latin typeface="Arial"/>
+              </a:rPr>
+              <a:t>2 databases </a:t>
+            </a:r>
+            <a:endParaRPr b="0" lang="en-US" sz="2000" spc="-1" strike="noStrike">
+              <a:solidFill>
+                <a:srgbClr val="000000"/>
+              </a:solidFill>
+              <a:uFill>
+                <a:solidFill>
+                  <a:srgbClr val="ffffff"/>
+                </a:solidFill>
+              </a:uFill>
+              <a:latin typeface="Arial"/>
+            </a:endParaRPr>
+          </a:p>
+          <a:p>
+            <a:endParaRPr b="0" lang="en-US" sz="2000" spc="-1" strike="noStrike">
+              <a:solidFill>
+                <a:srgbClr val="000000"/>
+              </a:solidFill>
+              <a:uFill>
+                <a:solidFill>
+                  <a:srgbClr val="ffffff"/>
+                </a:solidFill>
+              </a:uFill>
+              <a:latin typeface="Arial"/>
+            </a:endParaRPr>
+          </a:p>
+          <a:p>
+            <a:r>
+              <a:rPr b="0" lang="en-US" sz="2000" spc="-1" strike="noStrike">
+                <a:solidFill>
+                  <a:srgbClr val="000000"/>
+                </a:solidFill>
+                <a:uFill>
+                  <a:solidFill>
+                    <a:srgbClr val="ffffff"/>
+                  </a:solidFill>
+                </a:uFill>
+                <a:latin typeface="Arial"/>
+              </a:rPr>
+              <a:t>one large database queried infrequently, once per day</a:t>
+            </a:r>
+            <a:endParaRPr b="0" lang="en-US" sz="2000" spc="-1" strike="noStrike">
+              <a:solidFill>
+                <a:srgbClr val="000000"/>
+              </a:solidFill>
+              <a:uFill>
+                <a:solidFill>
+                  <a:srgbClr val="ffffff"/>
+                </a:solidFill>
+              </a:uFill>
+              <a:latin typeface="Arial"/>
+            </a:endParaRPr>
+          </a:p>
+          <a:p>
+            <a:endParaRPr b="0" lang="en-US" sz="2000" spc="-1" strike="noStrike">
+              <a:solidFill>
+                <a:srgbClr val="000000"/>
+              </a:solidFill>
+              <a:uFill>
+                <a:solidFill>
+                  <a:srgbClr val="ffffff"/>
+                </a:solidFill>
+              </a:uFill>
+              <a:latin typeface="Arial"/>
+            </a:endParaRPr>
+          </a:p>
+          <a:p>
+            <a:r>
+              <a:rPr b="0" lang="en-US" sz="2000" spc="-1" strike="noStrike">
+                <a:solidFill>
+                  <a:srgbClr val="000000"/>
+                </a:solidFill>
+                <a:uFill>
+                  <a:solidFill>
+                    <a:srgbClr val="ffffff"/>
+                  </a:solidFill>
+                </a:uFill>
+                <a:latin typeface="Arial"/>
+              </a:rPr>
+              <a:t>And one small database queried every few minutes</a:t>
+            </a:r>
+            <a:endParaRPr b="0" lang="en-US" sz="2000" spc="-1" strike="noStrike">
+              <a:solidFill>
+                <a:srgbClr val="000000"/>
+              </a:solidFill>
+              <a:uFill>
+                <a:solidFill>
+                  <a:srgbClr val="ffffff"/>
+                </a:solidFill>
+              </a:uFill>
+              <a:latin typeface="Arial"/>
+            </a:endParaRPr>
+          </a:p>
+        </p:txBody>
+      </p:sp>
+    </p:spTree>
+  </p:cSld>
+</p:notes>
+</file>
+
+<file path=ppt/notesSlides/notesSlide7.xml><?xml version="1.0" encoding="utf-8"?>
+<p:notes xmlns:a="http://schemas.openxmlformats.org/drawingml/2006/main" xmlns:p="http://schemas.openxmlformats.org/presentationml/2006/main" xmlns:r="http://schemas.openxmlformats.org/officeDocument/2006/relationships" xmlns:p14="http://schemas.microsoft.com/office/powerpoint/2010/main" xmlns:p15="http://schemas.microsoft.com/office/powerpoint/2012/main" xmlns:mc="http://schemas.openxmlformats.org/markup-compatibility/2006">
+  <p:cSld>
+    <p:spTree>
+      <p:nvGrpSpPr>
+        <p:cNvPr id="1" name=""/>
+        <p:cNvGrpSpPr/>
+        <p:nvPr/>
+      </p:nvGrpSpPr>
+      <p:grpSpPr>
+        <a:xfrm>
+          <a:off x="0" y="0"/>
+          <a:ext cx="0" cy="0"/>
+          <a:chOff x="0" y="0"/>
+          <a:chExt cx="0" cy="0"/>
+        </a:xfrm>
+      </p:grpSpPr>
+      <p:sp>
+        <p:nvSpPr>
+          <p:cNvPr id="180" name="PlaceHolder 1"/>
+          <p:cNvSpPr>
+            <a:spLocks noGrp="1"/>
+          </p:cNvSpPr>
+          <p:nvPr>
+            <p:ph type="body"/>
+          </p:nvPr>
+        </p:nvSpPr>
+        <p:spPr>
+          <a:xfrm>
+            <a:off x="777240" y="4777560"/>
+            <a:ext cx="6216480" cy="5099040"/>
+          </a:xfrm>
+          <a:prstGeom prst="rect">
+            <a:avLst/>
+          </a:prstGeom>
+        </p:spPr>
+        <p:txBody>
+          <a:bodyPr lIns="0" rIns="0" tIns="0" bIns="0"/>
+          <a:p>
+            <a:r>
+              <a:rPr b="0" lang="en-US" sz="2000" spc="-1" strike="noStrike">
+                <a:solidFill>
+                  <a:srgbClr val="000000"/>
+                </a:solidFill>
+                <a:uFill>
+                  <a:solidFill>
+                    <a:srgbClr val="ffffff"/>
+                  </a:solidFill>
+                </a:uFill>
+                <a:latin typeface="Arial"/>
+              </a:rPr>
+              <a:t>Trade-off</a:t>
+            </a:r>
+            <a:endParaRPr b="0" lang="en-US" sz="2000" spc="-1" strike="noStrike">
+              <a:solidFill>
+                <a:srgbClr val="000000"/>
+              </a:solidFill>
+              <a:uFill>
+                <a:solidFill>
+                  <a:srgbClr val="ffffff"/>
+                </a:solidFill>
+              </a:uFill>
+              <a:latin typeface="Arial"/>
+            </a:endParaRPr>
+          </a:p>
+          <a:p>
+            <a:endParaRPr b="0" lang="en-US" sz="2000" spc="-1" strike="noStrike">
+              <a:solidFill>
+                <a:srgbClr val="000000"/>
+              </a:solidFill>
+              <a:uFill>
+                <a:solidFill>
+                  <a:srgbClr val="ffffff"/>
+                </a:solidFill>
+              </a:uFill>
+              <a:latin typeface="Arial"/>
+            </a:endParaRPr>
+          </a:p>
+          <a:p>
+            <a:r>
+              <a:rPr b="0" lang="en-US" sz="2000" spc="-1" strike="noStrike">
+                <a:solidFill>
+                  <a:srgbClr val="000000"/>
+                </a:solidFill>
+                <a:uFill>
+                  <a:solidFill>
+                    <a:srgbClr val="ffffff"/>
+                  </a:solidFill>
+                </a:uFill>
+                <a:latin typeface="Arial"/>
+              </a:rPr>
+              <a:t>Tor </a:t>
+            </a:r>
+            <a:endParaRPr b="0" lang="en-US" sz="2000" spc="-1" strike="noStrike">
+              <a:solidFill>
+                <a:srgbClr val="000000"/>
+              </a:solidFill>
+              <a:uFill>
+                <a:solidFill>
+                  <a:srgbClr val="ffffff"/>
+                </a:solidFill>
+              </a:uFill>
+              <a:latin typeface="Arial"/>
+            </a:endParaRPr>
+          </a:p>
+          <a:p>
+            <a:r>
+              <a:rPr b="0" lang="en-US" sz="2000" spc="-1" strike="noStrike">
+                <a:solidFill>
+                  <a:srgbClr val="000000"/>
+                </a:solidFill>
+                <a:uFill>
+                  <a:solidFill>
+                    <a:srgbClr val="ffffff"/>
+                  </a:solidFill>
+                </a:uFill>
+                <a:latin typeface="Arial"/>
+              </a:rPr>
+              <a:t>	</a:t>
+            </a:r>
+            <a:r>
+              <a:rPr b="0" lang="en-US" sz="2000" spc="-1" strike="noStrike">
+                <a:solidFill>
+                  <a:srgbClr val="000000"/>
+                </a:solidFill>
+                <a:uFill>
+                  <a:solidFill>
+                    <a:srgbClr val="ffffff"/>
+                  </a:solidFill>
+                </a:uFill>
+                <a:latin typeface="Arial"/>
+              </a:rPr>
+              <a:t>2 million users daily </a:t>
+            </a:r>
+            <a:endParaRPr b="0" lang="en-US" sz="2000" spc="-1" strike="noStrike">
+              <a:solidFill>
+                <a:srgbClr val="000000"/>
+              </a:solidFill>
+              <a:uFill>
+                <a:solidFill>
+                  <a:srgbClr val="ffffff"/>
+                </a:solidFill>
+              </a:uFill>
+              <a:latin typeface="Arial"/>
+            </a:endParaRPr>
+          </a:p>
+          <a:p>
+            <a:r>
+              <a:rPr b="0" lang="en-US" sz="2000" spc="-1" strike="noStrike">
+                <a:solidFill>
+                  <a:srgbClr val="000000"/>
+                </a:solidFill>
+                <a:uFill>
+                  <a:solidFill>
+                    <a:srgbClr val="ffffff"/>
+                  </a:solidFill>
+                </a:uFill>
+                <a:latin typeface="Arial"/>
+              </a:rPr>
+              <a:t>	</a:t>
+            </a:r>
+            <a:r>
+              <a:rPr b="0" lang="en-US" sz="2000" spc="-1" strike="noStrike">
+                <a:solidFill>
+                  <a:srgbClr val="000000"/>
+                </a:solidFill>
+                <a:uFill>
+                  <a:solidFill>
+                    <a:srgbClr val="ffffff"/>
+                  </a:solidFill>
+                </a:uFill>
+                <a:latin typeface="Arial"/>
+              </a:rPr>
+              <a:t>traffic analysis </a:t>
+            </a:r>
+            <a:endParaRPr b="0" lang="en-US" sz="2000" spc="-1" strike="noStrike">
+              <a:solidFill>
+                <a:srgbClr val="000000"/>
+              </a:solidFill>
+              <a:uFill>
+                <a:solidFill>
+                  <a:srgbClr val="ffffff"/>
+                </a:solidFill>
+              </a:uFill>
+              <a:latin typeface="Arial"/>
+            </a:endParaRPr>
+          </a:p>
+          <a:p>
+            <a:r>
+              <a:rPr b="0" lang="en-US" sz="2000" spc="-1" strike="noStrike">
+                <a:solidFill>
+                  <a:srgbClr val="000000"/>
+                </a:solidFill>
+                <a:uFill>
+                  <a:solidFill>
+                    <a:srgbClr val="ffffff"/>
+                  </a:solidFill>
+                </a:uFill>
+                <a:latin typeface="Arial"/>
+              </a:rPr>
+              <a:t>	</a:t>
+            </a:r>
+            <a:r>
+              <a:rPr b="0" lang="en-US" sz="2000" spc="-1" strike="noStrike">
+                <a:solidFill>
+                  <a:srgbClr val="000000"/>
+                </a:solidFill>
+                <a:uFill>
+                  <a:solidFill>
+                    <a:srgbClr val="ffffff"/>
+                  </a:solidFill>
+                </a:uFill>
+                <a:latin typeface="Arial"/>
+              </a:rPr>
+              <a:t>compromised nodes</a:t>
+            </a:r>
+            <a:endParaRPr b="0" lang="en-US" sz="2000" spc="-1" strike="noStrike">
+              <a:solidFill>
+                <a:srgbClr val="000000"/>
+              </a:solidFill>
+              <a:uFill>
+                <a:solidFill>
+                  <a:srgbClr val="ffffff"/>
+                </a:solidFill>
+              </a:uFill>
+              <a:latin typeface="Arial"/>
+            </a:endParaRPr>
+          </a:p>
+          <a:p>
+            <a:endParaRPr b="0" lang="en-US" sz="2000" spc="-1" strike="noStrike">
+              <a:solidFill>
+                <a:srgbClr val="000000"/>
+              </a:solidFill>
+              <a:uFill>
+                <a:solidFill>
+                  <a:srgbClr val="ffffff"/>
+                </a:solidFill>
+              </a:uFill>
+              <a:latin typeface="Arial"/>
+            </a:endParaRPr>
+          </a:p>
+          <a:p>
+            <a:r>
+              <a:rPr b="0" lang="en-US" sz="2000" spc="-1" strike="noStrike">
+                <a:solidFill>
+                  <a:srgbClr val="000000"/>
+                </a:solidFill>
+                <a:uFill>
+                  <a:solidFill>
+                    <a:srgbClr val="ffffff"/>
+                  </a:solidFill>
+                </a:uFill>
+                <a:latin typeface="Arial"/>
+              </a:rPr>
+              <a:t>Vuvuzela </a:t>
+            </a:r>
+            <a:endParaRPr b="0" lang="en-US" sz="2000" spc="-1" strike="noStrike">
+              <a:solidFill>
+                <a:srgbClr val="000000"/>
+              </a:solidFill>
+              <a:uFill>
+                <a:solidFill>
+                  <a:srgbClr val="ffffff"/>
+                </a:solidFill>
+              </a:uFill>
+              <a:latin typeface="Arial"/>
+            </a:endParaRPr>
+          </a:p>
+          <a:p>
+            <a:r>
+              <a:rPr b="0" lang="en-US" sz="2000" spc="-1" strike="noStrike">
+                <a:solidFill>
+                  <a:srgbClr val="000000"/>
+                </a:solidFill>
+                <a:uFill>
+                  <a:solidFill>
+                    <a:srgbClr val="ffffff"/>
+                  </a:solidFill>
+                </a:uFill>
+                <a:latin typeface="Arial"/>
+              </a:rPr>
+              <a:t>	</a:t>
+            </a:r>
+            <a:r>
+              <a:rPr b="0" lang="en-US" sz="2000" spc="-1" strike="noStrike">
+                <a:solidFill>
+                  <a:srgbClr val="000000"/>
+                </a:solidFill>
+                <a:uFill>
+                  <a:solidFill>
+                    <a:srgbClr val="ffffff"/>
+                  </a:solidFill>
+                </a:uFill>
+                <a:latin typeface="Arial"/>
+              </a:rPr>
+              <a:t>68,000 mess/s </a:t>
+            </a:r>
+            <a:endParaRPr b="0" lang="en-US" sz="2000" spc="-1" strike="noStrike">
+              <a:solidFill>
+                <a:srgbClr val="000000"/>
+              </a:solidFill>
+              <a:uFill>
+                <a:solidFill>
+                  <a:srgbClr val="ffffff"/>
+                </a:solidFill>
+              </a:uFill>
+              <a:latin typeface="Arial"/>
+            </a:endParaRPr>
+          </a:p>
+          <a:p>
+            <a:r>
+              <a:rPr b="0" lang="en-US" sz="2000" spc="-1" strike="noStrike">
+                <a:solidFill>
+                  <a:srgbClr val="000000"/>
+                </a:solidFill>
+                <a:uFill>
+                  <a:solidFill>
+                    <a:srgbClr val="ffffff"/>
+                  </a:solidFill>
+                </a:uFill>
+                <a:latin typeface="Arial"/>
+              </a:rPr>
+              <a:t>	</a:t>
+            </a:r>
+            <a:r>
+              <a:rPr b="0" lang="en-US" sz="2000" spc="-1" strike="noStrike">
+                <a:solidFill>
+                  <a:srgbClr val="000000"/>
+                </a:solidFill>
+                <a:uFill>
+                  <a:solidFill>
+                    <a:srgbClr val="ffffff"/>
+                  </a:solidFill>
+                </a:uFill>
+                <a:latin typeface="Arial"/>
+              </a:rPr>
+              <a:t>1 million users  </a:t>
+            </a:r>
+            <a:endParaRPr b="0" lang="en-US" sz="2000" spc="-1" strike="noStrike">
+              <a:solidFill>
+                <a:srgbClr val="000000"/>
+              </a:solidFill>
+              <a:uFill>
+                <a:solidFill>
+                  <a:srgbClr val="ffffff"/>
+                </a:solidFill>
+              </a:uFill>
+              <a:latin typeface="Arial"/>
+            </a:endParaRPr>
+          </a:p>
+          <a:p>
+            <a:r>
+              <a:rPr b="0" lang="en-US" sz="2000" spc="-1" strike="noStrike">
+                <a:solidFill>
+                  <a:srgbClr val="000000"/>
+                </a:solidFill>
+                <a:uFill>
+                  <a:solidFill>
+                    <a:srgbClr val="ffffff"/>
+                  </a:solidFill>
+                </a:uFill>
+                <a:latin typeface="Arial"/>
+              </a:rPr>
+              <a:t>	</a:t>
+            </a:r>
+            <a:r>
+              <a:rPr b="0" lang="en-US" sz="2000" spc="-1" strike="noStrike">
+                <a:solidFill>
+                  <a:srgbClr val="000000"/>
+                </a:solidFill>
+                <a:uFill>
+                  <a:solidFill>
+                    <a:srgbClr val="ffffff"/>
+                  </a:solidFill>
+                </a:uFill>
+                <a:latin typeface="Arial"/>
+              </a:rPr>
+              <a:t>37s latency  </a:t>
+            </a:r>
+            <a:endParaRPr b="0" lang="en-US" sz="2000" spc="-1" strike="noStrike">
+              <a:solidFill>
+                <a:srgbClr val="000000"/>
+              </a:solidFill>
+              <a:uFill>
+                <a:solidFill>
+                  <a:srgbClr val="ffffff"/>
+                </a:solidFill>
+              </a:uFill>
+              <a:latin typeface="Arial"/>
+            </a:endParaRPr>
+          </a:p>
+          <a:p>
+            <a:r>
+              <a:rPr b="0" lang="en-US" sz="2000" spc="-1" strike="noStrike">
+                <a:solidFill>
+                  <a:srgbClr val="000000"/>
+                </a:solidFill>
+                <a:uFill>
+                  <a:solidFill>
+                    <a:srgbClr val="ffffff"/>
+                  </a:solidFill>
+                </a:uFill>
+                <a:latin typeface="Arial"/>
+              </a:rPr>
+              <a:t>	</a:t>
+            </a:r>
+            <a:r>
+              <a:rPr b="0" lang="en-US" sz="2000" spc="-1" strike="noStrike">
+                <a:solidFill>
+                  <a:srgbClr val="000000"/>
+                </a:solidFill>
+                <a:uFill>
+                  <a:solidFill>
+                    <a:srgbClr val="ffffff"/>
+                  </a:solidFill>
+                </a:uFill>
+                <a:latin typeface="Arial"/>
+              </a:rPr>
+              <a:t>mixnets and dead drops</a:t>
+            </a:r>
+            <a:endParaRPr b="0" lang="en-US" sz="2000" spc="-1" strike="noStrike">
+              <a:solidFill>
+                <a:srgbClr val="000000"/>
+              </a:solidFill>
+              <a:uFill>
+                <a:solidFill>
+                  <a:srgbClr val="ffffff"/>
+                </a:solidFill>
+              </a:uFill>
+              <a:latin typeface="Arial"/>
+            </a:endParaRPr>
+          </a:p>
+          <a:p>
+            <a:endParaRPr b="0" lang="en-US" sz="2000" spc="-1" strike="noStrike">
+              <a:solidFill>
+                <a:srgbClr val="000000"/>
+              </a:solidFill>
+              <a:uFill>
+                <a:solidFill>
+                  <a:srgbClr val="ffffff"/>
+                </a:solidFill>
+              </a:uFill>
+              <a:latin typeface="Arial"/>
+            </a:endParaRPr>
+          </a:p>
+          <a:p>
+            <a:r>
+              <a:rPr b="0" lang="en-US" sz="2000" spc="-1" strike="noStrike">
+                <a:solidFill>
+                  <a:srgbClr val="000000"/>
+                </a:solidFill>
+                <a:uFill>
+                  <a:solidFill>
+                    <a:srgbClr val="ffffff"/>
+                  </a:solidFill>
+                </a:uFill>
+                <a:latin typeface="Arial"/>
+              </a:rPr>
+              <a:t>Dissent</a:t>
+            </a:r>
+            <a:endParaRPr b="0" lang="en-US" sz="2000" spc="-1" strike="noStrike">
+              <a:solidFill>
+                <a:srgbClr val="000000"/>
+              </a:solidFill>
+              <a:uFill>
+                <a:solidFill>
+                  <a:srgbClr val="ffffff"/>
+                </a:solidFill>
+              </a:uFill>
+              <a:latin typeface="Arial"/>
+            </a:endParaRPr>
+          </a:p>
+          <a:p>
+            <a:r>
+              <a:rPr b="0" lang="en-US" sz="2000" spc="-1" strike="noStrike">
+                <a:solidFill>
+                  <a:srgbClr val="000000"/>
+                </a:solidFill>
+                <a:uFill>
+                  <a:solidFill>
+                    <a:srgbClr val="ffffff"/>
+                  </a:solidFill>
+                </a:uFill>
+                <a:latin typeface="Arial"/>
+              </a:rPr>
+              <a:t>	</a:t>
+            </a:r>
+            <a:r>
+              <a:rPr b="0" lang="en-US" sz="2000" spc="-1" strike="noStrike">
+                <a:solidFill>
+                  <a:srgbClr val="000000"/>
+                </a:solidFill>
+                <a:uFill>
+                  <a:solidFill>
+                    <a:srgbClr val="ffffff"/>
+                  </a:solidFill>
+                </a:uFill>
+                <a:latin typeface="Arial"/>
+              </a:rPr>
+              <a:t>DC-Nets</a:t>
+            </a:r>
+            <a:endParaRPr b="0" lang="en-US" sz="2000" spc="-1" strike="noStrike">
+              <a:solidFill>
+                <a:srgbClr val="000000"/>
+              </a:solidFill>
+              <a:uFill>
+                <a:solidFill>
+                  <a:srgbClr val="ffffff"/>
+                </a:solidFill>
+              </a:uFill>
+              <a:latin typeface="Arial"/>
+            </a:endParaRPr>
+          </a:p>
+          <a:p>
+            <a:r>
+              <a:rPr b="0" lang="en-US" sz="2000" spc="-1" strike="noStrike">
+                <a:solidFill>
+                  <a:srgbClr val="000000"/>
+                </a:solidFill>
+                <a:uFill>
+                  <a:solidFill>
+                    <a:srgbClr val="ffffff"/>
+                  </a:solidFill>
+                </a:uFill>
+                <a:latin typeface="Arial"/>
+              </a:rPr>
+              <a:t>	</a:t>
+            </a:r>
+            <a:r>
+              <a:rPr b="0" lang="en-US" sz="2000" spc="-1" strike="noStrike">
+                <a:solidFill>
+                  <a:srgbClr val="000000"/>
+                </a:solidFill>
+                <a:uFill>
+                  <a:solidFill>
+                    <a:srgbClr val="ffffff"/>
+                  </a:solidFill>
+                </a:uFill>
+                <a:latin typeface="Arial"/>
+              </a:rPr>
+              <a:t>5000 simultaneous</a:t>
+            </a:r>
+            <a:endParaRPr b="0" lang="en-US" sz="2000" spc="-1" strike="noStrike">
+              <a:solidFill>
+                <a:srgbClr val="000000"/>
+              </a:solidFill>
+              <a:uFill>
+                <a:solidFill>
+                  <a:srgbClr val="ffffff"/>
+                </a:solidFill>
+              </a:uFill>
+              <a:latin typeface="Arial"/>
+            </a:endParaRPr>
+          </a:p>
+          <a:p>
+            <a:endParaRPr b="0" lang="en-US" sz="2000" spc="-1" strike="noStrike">
+              <a:solidFill>
+                <a:srgbClr val="000000"/>
+              </a:solidFill>
+              <a:uFill>
+                <a:solidFill>
+                  <a:srgbClr val="ffffff"/>
+                </a:solidFill>
+              </a:uFill>
+              <a:latin typeface="Arial"/>
+            </a:endParaRPr>
+          </a:p>
+          <a:p>
+            <a:r>
+              <a:rPr b="0" lang="en-US" sz="2000" spc="-1" strike="noStrike">
+                <a:solidFill>
+                  <a:srgbClr val="000000"/>
+                </a:solidFill>
+                <a:uFill>
+                  <a:solidFill>
+                    <a:srgbClr val="ffffff"/>
+                  </a:solidFill>
+                </a:uFill>
+                <a:latin typeface="Arial"/>
+              </a:rPr>
+              <a:t>Both act under anytrust model</a:t>
+            </a:r>
+            <a:endParaRPr b="0" lang="en-US" sz="2000" spc="-1" strike="noStrike">
+              <a:solidFill>
+                <a:srgbClr val="000000"/>
+              </a:solidFill>
+              <a:uFill>
+                <a:solidFill>
+                  <a:srgbClr val="ffffff"/>
+                </a:solidFill>
+              </a:uFill>
+              <a:latin typeface="Arial"/>
+            </a:endParaRPr>
+          </a:p>
+        </p:txBody>
+      </p:sp>
+    </p:spTree>
+  </p:cSld>
+</p:notes>
+</file>
+
+<file path=ppt/notesSlides/notesSlide9.xml><?xml version="1.0" encoding="utf-8"?>
+<p:notes xmlns:a="http://schemas.openxmlformats.org/drawingml/2006/main" xmlns:p="http://schemas.openxmlformats.org/presentationml/2006/main" xmlns:r="http://schemas.openxmlformats.org/officeDocument/2006/relationships" xmlns:p14="http://schemas.microsoft.com/office/powerpoint/2010/main" xmlns:p15="http://schemas.microsoft.com/office/powerpoint/2012/main" xmlns:mc="http://schemas.openxmlformats.org/markup-compatibility/2006">
+  <p:cSld>
+    <p:spTree>
+      <p:nvGrpSpPr>
+        <p:cNvPr id="1" name=""/>
+        <p:cNvGrpSpPr/>
+        <p:nvPr/>
+      </p:nvGrpSpPr>
+      <p:grpSpPr>
+        <a:xfrm>
+          <a:off x="0" y="0"/>
+          <a:ext cx="0" cy="0"/>
+          <a:chOff x="0" y="0"/>
+          <a:chExt cx="0" cy="0"/>
+        </a:xfrm>
+      </p:grpSpPr>
+      <p:sp>
+        <p:nvSpPr>
+          <p:cNvPr id="181" name="PlaceHolder 1"/>
+          <p:cNvSpPr>
+            <a:spLocks noGrp="1"/>
+          </p:cNvSpPr>
+          <p:nvPr>
+            <p:ph type="body"/>
+          </p:nvPr>
+        </p:nvSpPr>
+        <p:spPr>
+          <a:xfrm>
+            <a:off x="777240" y="4777560"/>
+            <a:ext cx="6216840" cy="4816080"/>
+          </a:xfrm>
+          <a:prstGeom prst="rect">
+            <a:avLst/>
+          </a:prstGeom>
+        </p:spPr>
+        <p:txBody>
+          <a:bodyPr lIns="0" rIns="0" tIns="0" bIns="0"/>
+          <a:p>
+            <a:r>
+              <a:rPr b="0" lang="en-US" sz="2000" spc="-1" strike="noStrike">
+                <a:solidFill>
+                  <a:srgbClr val="000000"/>
+                </a:solidFill>
+                <a:uFill>
+                  <a:solidFill>
+                    <a:srgbClr val="ffffff"/>
+                  </a:solidFill>
+                </a:uFill>
+                <a:latin typeface="Arial"/>
+              </a:rPr>
+              <a:t>Two entities </a:t>
+            </a:r>
+            <a:endParaRPr b="0" lang="en-US" sz="2000" spc="-1" strike="noStrike">
+              <a:solidFill>
+                <a:srgbClr val="000000"/>
+              </a:solidFill>
+              <a:uFill>
+                <a:solidFill>
+                  <a:srgbClr val="ffffff"/>
+                </a:solidFill>
+              </a:uFill>
+              <a:latin typeface="Arial"/>
+            </a:endParaRPr>
+          </a:p>
+          <a:p>
+            <a:r>
+              <a:rPr b="0" lang="en-US" sz="2000" spc="-1" strike="noStrike">
+                <a:solidFill>
+                  <a:srgbClr val="000000"/>
+                </a:solidFill>
+                <a:uFill>
+                  <a:solidFill>
+                    <a:srgbClr val="ffffff"/>
+                  </a:solidFill>
+                </a:uFill>
+                <a:latin typeface="Arial"/>
+              </a:rPr>
+              <a:t>	</a:t>
+            </a:r>
+            <a:r>
+              <a:rPr b="0" lang="en-US" sz="2000" spc="-1" strike="noStrike">
+                <a:solidFill>
+                  <a:srgbClr val="000000"/>
+                </a:solidFill>
+                <a:uFill>
+                  <a:solidFill>
+                    <a:srgbClr val="ffffff"/>
+                  </a:solidFill>
+                </a:uFill>
+                <a:latin typeface="Arial"/>
+              </a:rPr>
+              <a:t>Hospital Example</a:t>
+            </a:r>
+            <a:endParaRPr b="0" lang="en-US" sz="2000" spc="-1" strike="noStrike">
+              <a:solidFill>
+                <a:srgbClr val="000000"/>
+              </a:solidFill>
+              <a:uFill>
+                <a:solidFill>
+                  <a:srgbClr val="ffffff"/>
+                </a:solidFill>
+              </a:uFill>
+              <a:latin typeface="Arial"/>
+            </a:endParaRPr>
+          </a:p>
+          <a:p>
+            <a:endParaRPr b="0" lang="en-US" sz="2000" spc="-1" strike="noStrike">
+              <a:solidFill>
+                <a:srgbClr val="000000"/>
+              </a:solidFill>
+              <a:uFill>
+                <a:solidFill>
+                  <a:srgbClr val="ffffff"/>
+                </a:solidFill>
+              </a:uFill>
+              <a:latin typeface="Arial"/>
+            </a:endParaRPr>
+          </a:p>
+          <a:p>
+            <a:r>
+              <a:rPr b="0" lang="en-US" sz="2000" spc="-1" strike="noStrike">
+                <a:solidFill>
+                  <a:srgbClr val="000000"/>
+                </a:solidFill>
+                <a:uFill>
+                  <a:solidFill>
+                    <a:srgbClr val="ffffff"/>
+                  </a:solidFill>
+                </a:uFill>
+                <a:latin typeface="Arial"/>
+              </a:rPr>
+              <a:t>Ideally a trusted third party would take both data sets, perform the computation, report results which everyone would trust, and delete the data</a:t>
+            </a:r>
+            <a:endParaRPr b="0" lang="en-US" sz="2000" spc="-1" strike="noStrike">
+              <a:solidFill>
+                <a:srgbClr val="000000"/>
+              </a:solidFill>
+              <a:uFill>
+                <a:solidFill>
+                  <a:srgbClr val="ffffff"/>
+                </a:solidFill>
+              </a:uFill>
+              <a:latin typeface="Arial"/>
+            </a:endParaRPr>
+          </a:p>
+          <a:p>
+            <a:endParaRPr b="0" lang="en-US" sz="2000" spc="-1" strike="noStrike">
+              <a:solidFill>
+                <a:srgbClr val="000000"/>
+              </a:solidFill>
+              <a:uFill>
+                <a:solidFill>
+                  <a:srgbClr val="ffffff"/>
+                </a:solidFill>
+              </a:uFill>
+              <a:latin typeface="Arial"/>
+            </a:endParaRPr>
+          </a:p>
+          <a:p>
+            <a:r>
+              <a:rPr b="0" lang="en-US" sz="2000" spc="-1" strike="noStrike">
+                <a:solidFill>
+                  <a:srgbClr val="000000"/>
+                </a:solidFill>
+                <a:uFill>
+                  <a:solidFill>
+                    <a:srgbClr val="ffffff"/>
+                  </a:solidFill>
+                </a:uFill>
+                <a:latin typeface="Arial"/>
+              </a:rPr>
+              <a:t>Real world schemes must prove they are just as secure as the ideal world, i.e. proving that attacks on their scheme would lead to attacks on the ideal world</a:t>
+            </a:r>
+            <a:endParaRPr b="0" lang="en-US" sz="2000" spc="-1" strike="noStrike">
+              <a:solidFill>
+                <a:srgbClr val="000000"/>
+              </a:solidFill>
+              <a:uFill>
+                <a:solidFill>
+                  <a:srgbClr val="ffffff"/>
+                </a:solidFill>
+              </a:uFill>
+              <a:latin typeface="Arial"/>
+            </a:endParaRPr>
+          </a:p>
+          <a:p>
+            <a:endParaRPr b="0" lang="en-US" sz="2000" spc="-1" strike="noStrike">
+              <a:solidFill>
+                <a:srgbClr val="000000"/>
+              </a:solidFill>
+              <a:uFill>
+                <a:solidFill>
+                  <a:srgbClr val="ffffff"/>
+                </a:solidFill>
+              </a:uFill>
+              <a:latin typeface="Arial"/>
+            </a:endParaRPr>
+          </a:p>
+          <a:p>
+            <a:r>
+              <a:rPr b="0" lang="en-US" sz="2000" spc="-1" strike="noStrike">
+                <a:solidFill>
+                  <a:srgbClr val="000000"/>
+                </a:solidFill>
+                <a:uFill>
+                  <a:solidFill>
+                    <a:srgbClr val="ffffff"/>
+                  </a:solidFill>
+                </a:uFill>
+                <a:latin typeface="Arial"/>
+              </a:rPr>
+              <a:t>One practical implementation leverages Shamir secret sharing to compute market prices on an auction without participants having to announce all prices, only winners.</a:t>
             </a:r>
             <a:endParaRPr b="0" lang="en-US" sz="2000" spc="-1" strike="noStrike">
               <a:solidFill>
@@ -1582,7 +2735,7 @@
         <p:spPr>
           <a:xfrm>
             <a:off x="504000" y="301320"/>
-            <a:ext cx="9071640" cy="1261440"/>
+            <a:ext cx="9072000" cy="1261800"/>
           </a:xfrm>
           <a:prstGeom prst="rect">
             <a:avLst/>
@@ -1619,7 +2772,7 @@
         <p:spPr>
           <a:xfrm>
             <a:off x="504000" y="1768680"/>
-            <a:ext cx="9071640" cy="2090880"/>
+            <a:ext cx="9072000" cy="2090880"/>
           </a:xfrm>
           <a:prstGeom prst="rect">
             <a:avLst/>
@@ -1655,7 +2808,7 @@
         <p:spPr>
           <a:xfrm>
             <a:off x="504000" y="4058640"/>
-            <a:ext cx="9071640" cy="2090880"/>
+            <a:ext cx="9072000" cy="2090880"/>
           </a:xfrm>
           <a:prstGeom prst="rect">
             <a:avLst/>
@@ -1713,7 +2866,7 @@
         <p:spPr>
           <a:xfrm>
             <a:off x="504000" y="301320"/>
-            <a:ext cx="9071640" cy="1261440"/>
+            <a:ext cx="9072000" cy="1261800"/>
           </a:xfrm>
           <a:prstGeom prst="rect">
             <a:avLst/>
@@ -1916,7 +3069,7 @@
         <p:spPr>
           <a:xfrm>
             <a:off x="504000" y="301320"/>
-            <a:ext cx="9071640" cy="1261440"/>
+            <a:ext cx="9072000" cy="1261800"/>
           </a:xfrm>
           <a:prstGeom prst="rect">
             <a:avLst/>
@@ -1953,7 +3106,7 @@
         <p:spPr>
           <a:xfrm>
             <a:off x="504000" y="1768680"/>
-            <a:ext cx="9071640" cy="4383720"/>
+            <a:ext cx="9072000" cy="4384080"/>
           </a:xfrm>
           <a:prstGeom prst="rect">
             <a:avLst/>
@@ -1989,7 +3142,7 @@
         <p:spPr>
           <a:xfrm>
             <a:off x="504000" y="1768680"/>
-            <a:ext cx="9071640" cy="4383720"/>
+            <a:ext cx="9072000" cy="4384080"/>
           </a:xfrm>
           <a:prstGeom prst="rect">
             <a:avLst/>
@@ -2024,8 +3177,8 @@
         </p:blipFill>
         <p:spPr>
           <a:xfrm>
-            <a:off x="2292480" y="1768320"/>
-            <a:ext cx="5494320" cy="4383720"/>
+            <a:off x="2292480" y="1768680"/>
+            <a:ext cx="5494680" cy="4384080"/>
           </a:xfrm>
           <a:prstGeom prst="rect">
             <a:avLst/>
@@ -2047,8 +3200,8 @@
         </p:blipFill>
         <p:spPr>
           <a:xfrm>
-            <a:off x="2292480" y="1768320"/>
-            <a:ext cx="5494320" cy="4383720"/>
+            <a:off x="2292480" y="1768680"/>
+            <a:ext cx="5494680" cy="4384080"/>
           </a:xfrm>
           <a:prstGeom prst="rect">
             <a:avLst/>
@@ -2115,7 +3268,7 @@
         <p:spPr>
           <a:xfrm>
             <a:off x="504000" y="301320"/>
-            <a:ext cx="9071640" cy="1261440"/>
+            <a:ext cx="9072000" cy="1261800"/>
           </a:xfrm>
           <a:prstGeom prst="rect">
             <a:avLst/>
@@ -2152,7 +3305,7 @@
         <p:spPr>
           <a:xfrm>
             <a:off x="504000" y="1768680"/>
-            <a:ext cx="9071640" cy="4383720"/>
+            <a:ext cx="9072000" cy="4384080"/>
           </a:xfrm>
           <a:prstGeom prst="rect">
             <a:avLst/>
@@ -2211,7 +3364,7 @@
         <p:spPr>
           <a:xfrm>
             <a:off x="504000" y="301320"/>
-            <a:ext cx="9071640" cy="1261440"/>
+            <a:ext cx="9072000" cy="1261800"/>
           </a:xfrm>
           <a:prstGeom prst="rect">
             <a:avLst/>
@@ -2248,7 +3401,7 @@
         <p:spPr>
           <a:xfrm>
             <a:off x="504000" y="1768680"/>
-            <a:ext cx="9071640" cy="4383720"/>
+            <a:ext cx="9072000" cy="4384080"/>
           </a:xfrm>
           <a:prstGeom prst="rect">
             <a:avLst/>
@@ -2306,7 +3459,7 @@
         <p:spPr>
           <a:xfrm>
             <a:off x="504000" y="301320"/>
-            <a:ext cx="9071640" cy="1261440"/>
+            <a:ext cx="9072000" cy="1261800"/>
           </a:xfrm>
           <a:prstGeom prst="rect">
             <a:avLst/>
@@ -2343,7 +3496,7 @@
         <p:spPr>
           <a:xfrm>
             <a:off x="504000" y="1768680"/>
-            <a:ext cx="4426920" cy="4383720"/>
+            <a:ext cx="4426920" cy="4384080"/>
           </a:xfrm>
           <a:prstGeom prst="rect">
             <a:avLst/>
@@ -2379,7 +3532,7 @@
         <p:spPr>
           <a:xfrm>
             <a:off x="5152680" y="1768680"/>
-            <a:ext cx="4426920" cy="4383720"/>
+            <a:ext cx="4426920" cy="4384080"/>
           </a:xfrm>
           <a:prstGeom prst="rect">
             <a:avLst/>
@@ -2437,7 +3590,7 @@
         <p:spPr>
           <a:xfrm>
             <a:off x="504000" y="301320"/>
-            <a:ext cx="9071640" cy="1261440"/>
+            <a:ext cx="9072000" cy="1261800"/>
           </a:xfrm>
           <a:prstGeom prst="rect">
             <a:avLst/>
@@ -2496,7 +3649,7 @@
         <p:spPr>
           <a:xfrm>
             <a:off x="504000" y="301320"/>
-            <a:ext cx="9071640" cy="5848560"/>
+            <a:ext cx="9072000" cy="5850360"/>
           </a:xfrm>
           <a:prstGeom prst="rect">
             <a:avLst/>
@@ -2555,7 +3708,7 @@
         <p:spPr>
           <a:xfrm>
             <a:off x="504000" y="301320"/>
-            <a:ext cx="9071640" cy="1261440"/>
+            <a:ext cx="9072000" cy="1261800"/>
           </a:xfrm>
           <a:prstGeom prst="rect">
             <a:avLst/>
@@ -2664,7 +3817,7 @@
         <p:spPr>
           <a:xfrm>
             <a:off x="5152680" y="1768680"/>
-            <a:ext cx="4426920" cy="4383720"/>
+            <a:ext cx="4426920" cy="4384080"/>
           </a:xfrm>
           <a:prstGeom prst="rect">
             <a:avLst/>
@@ -2722,7 +3875,7 @@
         <p:spPr>
           <a:xfrm>
             <a:off x="504000" y="301320"/>
-            <a:ext cx="9071640" cy="1261440"/>
+            <a:ext cx="9072000" cy="1261800"/>
           </a:xfrm>
           <a:prstGeom prst="rect">
             <a:avLst/>
@@ -2759,7 +3912,7 @@
         <p:spPr>
           <a:xfrm>
             <a:off x="504000" y="1768680"/>
-            <a:ext cx="9071640" cy="4383720"/>
+            <a:ext cx="9072000" cy="4384080"/>
           </a:xfrm>
           <a:prstGeom prst="rect">
             <a:avLst/>
@@ -2818,7 +3971,7 @@
         <p:spPr>
           <a:xfrm>
             <a:off x="504000" y="301320"/>
-            <a:ext cx="9071640" cy="1261440"/>
+            <a:ext cx="9072000" cy="1261800"/>
           </a:xfrm>
           <a:prstGeom prst="rect">
             <a:avLst/>
@@ -2855,7 +4008,7 @@
         <p:spPr>
           <a:xfrm>
             <a:off x="504000" y="1768680"/>
-            <a:ext cx="4426920" cy="4383720"/>
+            <a:ext cx="4426920" cy="4384080"/>
           </a:xfrm>
           <a:prstGeom prst="rect">
             <a:avLst/>
@@ -2985,7 +4138,7 @@
         <p:spPr>
           <a:xfrm>
             <a:off x="504000" y="301320"/>
-            <a:ext cx="9071640" cy="1261440"/>
+            <a:ext cx="9072000" cy="1261800"/>
           </a:xfrm>
           <a:prstGeom prst="rect">
             <a:avLst/>
@@ -3094,7 +4247,7 @@
         <p:spPr>
           <a:xfrm>
             <a:off x="504000" y="4058640"/>
-            <a:ext cx="9071640" cy="2090880"/>
+            <a:ext cx="9072000" cy="2090880"/>
           </a:xfrm>
           <a:prstGeom prst="rect">
             <a:avLst/>
@@ -3152,7 +4305,7 @@
         <p:spPr>
           <a:xfrm>
             <a:off x="504000" y="301320"/>
-            <a:ext cx="9071640" cy="1261440"/>
+            <a:ext cx="9072000" cy="1261800"/>
           </a:xfrm>
           <a:prstGeom prst="rect">
             <a:avLst/>
@@ -3189,7 +4342,7 @@
         <p:spPr>
           <a:xfrm>
             <a:off x="504000" y="1768680"/>
-            <a:ext cx="9071640" cy="2090880"/>
+            <a:ext cx="9072000" cy="2090880"/>
           </a:xfrm>
           <a:prstGeom prst="rect">
             <a:avLst/>
@@ -3225,7 +4378,7 @@
         <p:spPr>
           <a:xfrm>
             <a:off x="504000" y="4058640"/>
-            <a:ext cx="9071640" cy="2090880"/>
+            <a:ext cx="9072000" cy="2090880"/>
           </a:xfrm>
           <a:prstGeom prst="rect">
             <a:avLst/>
@@ -3283,7 +4436,7 @@
         <p:spPr>
           <a:xfrm>
             <a:off x="504000" y="301320"/>
-            <a:ext cx="9071640" cy="1261440"/>
+            <a:ext cx="9072000" cy="1261800"/>
           </a:xfrm>
           <a:prstGeom prst="rect">
             <a:avLst/>
@@ -3486,7 +4639,7 @@
         <p:spPr>
           <a:xfrm>
             <a:off x="504000" y="301320"/>
-            <a:ext cx="9071640" cy="1261440"/>
+            <a:ext cx="9072000" cy="1261800"/>
           </a:xfrm>
           <a:prstGeom prst="rect">
             <a:avLst/>
@@ -3523,7 +4676,7 @@
         <p:spPr>
           <a:xfrm>
             <a:off x="504000" y="1768680"/>
-            <a:ext cx="9071640" cy="4383720"/>
+            <a:ext cx="9072000" cy="4384080"/>
           </a:xfrm>
           <a:prstGeom prst="rect">
             <a:avLst/>
@@ -3559,7 +4712,7 @@
         <p:spPr>
           <a:xfrm>
             <a:off x="504000" y="1768680"/>
-            <a:ext cx="9071640" cy="4383720"/>
+            <a:ext cx="9072000" cy="4384080"/>
           </a:xfrm>
           <a:prstGeom prst="rect">
             <a:avLst/>
@@ -3594,8 +4747,8 @@
         </p:blipFill>
         <p:spPr>
           <a:xfrm>
-            <a:off x="2292480" y="1768320"/>
-            <a:ext cx="5494320" cy="4383720"/>
+            <a:off x="2292480" y="1768680"/>
+            <a:ext cx="5494680" cy="4384080"/>
           </a:xfrm>
           <a:prstGeom prst="rect">
             <a:avLst/>
@@ -3617,8 +4770,8 @@
         </p:blipFill>
         <p:spPr>
           <a:xfrm>
-            <a:off x="2292480" y="1768320"/>
-            <a:ext cx="5494320" cy="4383720"/>
+            <a:off x="2292480" y="1768680"/>
+            <a:ext cx="5494680" cy="4384080"/>
           </a:xfrm>
           <a:prstGeom prst="rect">
             <a:avLst/>
@@ -3685,7 +4838,7 @@
         <p:spPr>
           <a:xfrm>
             <a:off x="504000" y="301320"/>
-            <a:ext cx="9071640" cy="1261440"/>
+            <a:ext cx="9072000" cy="1261800"/>
           </a:xfrm>
           <a:prstGeom prst="rect">
             <a:avLst/>
@@ -3722,7 +4875,7 @@
         <p:spPr>
           <a:xfrm>
             <a:off x="504000" y="1768680"/>
-            <a:ext cx="9071640" cy="4383720"/>
+            <a:ext cx="9072000" cy="4384080"/>
           </a:xfrm>
           <a:prstGeom prst="rect">
             <a:avLst/>
@@ -3781,7 +4934,7 @@
         <p:spPr>
           <a:xfrm>
             <a:off x="504000" y="301320"/>
-            <a:ext cx="9071640" cy="1261440"/>
+            <a:ext cx="9072000" cy="1261800"/>
           </a:xfrm>
           <a:prstGeom prst="rect">
             <a:avLst/>
@@ -3818,7 +4971,7 @@
         <p:spPr>
           <a:xfrm>
             <a:off x="504000" y="1768680"/>
-            <a:ext cx="9071640" cy="4383720"/>
+            <a:ext cx="9072000" cy="4384080"/>
           </a:xfrm>
           <a:prstGeom prst="rect">
             <a:avLst/>
@@ -3876,7 +5029,7 @@
         <p:spPr>
           <a:xfrm>
             <a:off x="504000" y="301320"/>
-            <a:ext cx="9071640" cy="1261440"/>
+            <a:ext cx="9072000" cy="1261800"/>
           </a:xfrm>
           <a:prstGeom prst="rect">
             <a:avLst/>
@@ -3913,7 +5066,7 @@
         <p:spPr>
           <a:xfrm>
             <a:off x="504000" y="1768680"/>
-            <a:ext cx="4426920" cy="4383720"/>
+            <a:ext cx="4426920" cy="4384080"/>
           </a:xfrm>
           <a:prstGeom prst="rect">
             <a:avLst/>
@@ -3949,7 +5102,7 @@
         <p:spPr>
           <a:xfrm>
             <a:off x="5152680" y="1768680"/>
-            <a:ext cx="4426920" cy="4383720"/>
+            <a:ext cx="4426920" cy="4384080"/>
           </a:xfrm>
           <a:prstGeom prst="rect">
             <a:avLst/>
@@ -4007,7 +5160,7 @@
         <p:spPr>
           <a:xfrm>
             <a:off x="504000" y="301320"/>
-            <a:ext cx="9071640" cy="1261440"/>
+            <a:ext cx="9072000" cy="1261800"/>
           </a:xfrm>
           <a:prstGeom prst="rect">
             <a:avLst/>
@@ -4066,7 +5219,7 @@
         <p:spPr>
           <a:xfrm>
             <a:off x="504000" y="301320"/>
-            <a:ext cx="9071640" cy="1261440"/>
+            <a:ext cx="9072000" cy="1261800"/>
           </a:xfrm>
           <a:prstGeom prst="rect">
             <a:avLst/>
@@ -4103,7 +5256,7 @@
         <p:spPr>
           <a:xfrm>
             <a:off x="504000" y="1768680"/>
-            <a:ext cx="9071640" cy="4383720"/>
+            <a:ext cx="9072000" cy="4384080"/>
           </a:xfrm>
           <a:prstGeom prst="rect">
             <a:avLst/>
@@ -4161,7 +5314,7 @@
         <p:spPr>
           <a:xfrm>
             <a:off x="504000" y="301320"/>
-            <a:ext cx="9071640" cy="5848560"/>
+            <a:ext cx="9072000" cy="5850360"/>
           </a:xfrm>
           <a:prstGeom prst="rect">
             <a:avLst/>
@@ -4220,7 +5373,7 @@
         <p:spPr>
           <a:xfrm>
             <a:off x="504000" y="301320"/>
-            <a:ext cx="9071640" cy="1261440"/>
+            <a:ext cx="9072000" cy="1261800"/>
           </a:xfrm>
           <a:prstGeom prst="rect">
             <a:avLst/>
@@ -4329,7 +5482,7 @@
         <p:spPr>
           <a:xfrm>
             <a:off x="5152680" y="1768680"/>
-            <a:ext cx="4426920" cy="4383720"/>
+            <a:ext cx="4426920" cy="4384080"/>
           </a:xfrm>
           <a:prstGeom prst="rect">
             <a:avLst/>
@@ -4387,7 +5540,7 @@
         <p:spPr>
           <a:xfrm>
             <a:off x="504000" y="301320"/>
-            <a:ext cx="9071640" cy="1261440"/>
+            <a:ext cx="9072000" cy="1261800"/>
           </a:xfrm>
           <a:prstGeom prst="rect">
             <a:avLst/>
@@ -4424,7 +5577,7 @@
         <p:spPr>
           <a:xfrm>
             <a:off x="504000" y="1768680"/>
-            <a:ext cx="4426920" cy="4383720"/>
+            <a:ext cx="4426920" cy="4384080"/>
           </a:xfrm>
           <a:prstGeom prst="rect">
             <a:avLst/>
@@ -4554,7 +5707,7 @@
         <p:spPr>
           <a:xfrm>
             <a:off x="504000" y="301320"/>
-            <a:ext cx="9071640" cy="1261440"/>
+            <a:ext cx="9072000" cy="1261800"/>
           </a:xfrm>
           <a:prstGeom prst="rect">
             <a:avLst/>
@@ -4663,7 +5816,7 @@
         <p:spPr>
           <a:xfrm>
             <a:off x="504000" y="4058640"/>
-            <a:ext cx="9071640" cy="2090880"/>
+            <a:ext cx="9072000" cy="2090880"/>
           </a:xfrm>
           <a:prstGeom prst="rect">
             <a:avLst/>
@@ -4721,7 +5874,7 @@
         <p:spPr>
           <a:xfrm>
             <a:off x="504000" y="301320"/>
-            <a:ext cx="9071640" cy="1261440"/>
+            <a:ext cx="9072000" cy="1261800"/>
           </a:xfrm>
           <a:prstGeom prst="rect">
             <a:avLst/>
@@ -4758,7 +5911,7 @@
         <p:spPr>
           <a:xfrm>
             <a:off x="504000" y="1768680"/>
-            <a:ext cx="9071640" cy="2090880"/>
+            <a:ext cx="9072000" cy="2090880"/>
           </a:xfrm>
           <a:prstGeom prst="rect">
             <a:avLst/>
@@ -4794,7 +5947,7 @@
         <p:spPr>
           <a:xfrm>
             <a:off x="504000" y="4058640"/>
-            <a:ext cx="9071640" cy="2090880"/>
+            <a:ext cx="9072000" cy="2090880"/>
           </a:xfrm>
           <a:prstGeom prst="rect">
             <a:avLst/>
@@ -4852,7 +6005,7 @@
         <p:spPr>
           <a:xfrm>
             <a:off x="504000" y="301320"/>
-            <a:ext cx="9071640" cy="1261440"/>
+            <a:ext cx="9072000" cy="1261800"/>
           </a:xfrm>
           <a:prstGeom prst="rect">
             <a:avLst/>
@@ -5055,7 +6208,7 @@
         <p:spPr>
           <a:xfrm>
             <a:off x="504000" y="301320"/>
-            <a:ext cx="9071640" cy="1261440"/>
+            <a:ext cx="9072000" cy="1261800"/>
           </a:xfrm>
           <a:prstGeom prst="rect">
             <a:avLst/>
@@ -5092,7 +6245,7 @@
         <p:spPr>
           <a:xfrm>
             <a:off x="504000" y="1768680"/>
-            <a:ext cx="9071640" cy="4383720"/>
+            <a:ext cx="9072000" cy="4384080"/>
           </a:xfrm>
           <a:prstGeom prst="rect">
             <a:avLst/>
@@ -5128,7 +6281,7 @@
         <p:spPr>
           <a:xfrm>
             <a:off x="504000" y="1768680"/>
-            <a:ext cx="9071640" cy="4383720"/>
+            <a:ext cx="9072000" cy="4384080"/>
           </a:xfrm>
           <a:prstGeom prst="rect">
             <a:avLst/>
@@ -5163,8 +6316,8 @@
         </p:blipFill>
         <p:spPr>
           <a:xfrm>
-            <a:off x="2292480" y="1768320"/>
-            <a:ext cx="5494320" cy="4383720"/>
+            <a:off x="2292480" y="1768680"/>
+            <a:ext cx="5494680" cy="4384080"/>
           </a:xfrm>
           <a:prstGeom prst="rect">
             <a:avLst/>
@@ -5186,8 +6339,8 @@
         </p:blipFill>
         <p:spPr>
           <a:xfrm>
-            <a:off x="2292480" y="1768320"/>
-            <a:ext cx="5494320" cy="4383720"/>
+            <a:off x="2292480" y="1768680"/>
+            <a:ext cx="5494680" cy="4384080"/>
           </a:xfrm>
           <a:prstGeom prst="rect">
             <a:avLst/>
@@ -5197,6 +6350,219 @@
           </a:ln>
         </p:spPr>
       </p:pic>
+    </p:spTree>
+  </p:cSld>
+</p:sldLayout>
+</file>
+
+<file path=ppt/slideLayouts/slideLayout37.xml><?xml version="1.0" encoding="utf-8"?>
+<p:sldLayout xmlns:a="http://schemas.openxmlformats.org/drawingml/2006/main" xmlns:p="http://schemas.openxmlformats.org/presentationml/2006/main" xmlns:r="http://schemas.openxmlformats.org/officeDocument/2006/relationships" xmlns:p14="http://schemas.microsoft.com/office/powerpoint/2010/main" xmlns:p15="http://schemas.microsoft.com/office/powerpoint/2012/main" xmlns:mc="http://schemas.openxmlformats.org/markup-compatibility/2006" type="blank" preserve="1">
+  <p:cSld name="Blank Slide">
+    <p:spTree>
+      <p:nvGrpSpPr>
+        <p:cNvPr id="1" name=""/>
+        <p:cNvGrpSpPr/>
+        <p:nvPr/>
+      </p:nvGrpSpPr>
+      <p:grpSpPr>
+        <a:xfrm>
+          <a:off x="0" y="0"/>
+          <a:ext cx="0" cy="0"/>
+          <a:chOff x="0" y="0"/>
+          <a:chExt cx="0" cy="0"/>
+        </a:xfrm>
+      </p:grpSpPr>
+    </p:spTree>
+  </p:cSld>
+</p:sldLayout>
+</file>
+
+<file path=ppt/slideLayouts/slideLayout38.xml><?xml version="1.0" encoding="utf-8"?>
+<p:sldLayout xmlns:a="http://schemas.openxmlformats.org/drawingml/2006/main" xmlns:p="http://schemas.openxmlformats.org/presentationml/2006/main" xmlns:r="http://schemas.openxmlformats.org/officeDocument/2006/relationships" xmlns:p14="http://schemas.microsoft.com/office/powerpoint/2010/main" xmlns:p15="http://schemas.microsoft.com/office/powerpoint/2012/main" xmlns:mc="http://schemas.openxmlformats.org/markup-compatibility/2006" type="tx" preserve="1">
+  <p:cSld name="Title Slide">
+    <p:spTree>
+      <p:nvGrpSpPr>
+        <p:cNvPr id="1" name=""/>
+        <p:cNvGrpSpPr/>
+        <p:nvPr/>
+      </p:nvGrpSpPr>
+      <p:grpSpPr>
+        <a:xfrm>
+          <a:off x="0" y="0"/>
+          <a:ext cx="0" cy="0"/>
+          <a:chOff x="0" y="0"/>
+          <a:chExt cx="0" cy="0"/>
+        </a:xfrm>
+      </p:grpSpPr>
+      <p:sp>
+        <p:nvSpPr>
+          <p:cNvPr id="110" name="PlaceHolder 1"/>
+          <p:cNvSpPr>
+            <a:spLocks noGrp="1"/>
+          </p:cNvSpPr>
+          <p:nvPr>
+            <p:ph type="title"/>
+          </p:nvPr>
+        </p:nvSpPr>
+        <p:spPr>
+          <a:xfrm>
+            <a:off x="504000" y="301320"/>
+            <a:ext cx="9072000" cy="1261800"/>
+          </a:xfrm>
+          <a:prstGeom prst="rect">
+            <a:avLst/>
+          </a:prstGeom>
+        </p:spPr>
+        <p:txBody>
+          <a:bodyPr lIns="0" rIns="0" tIns="0" bIns="0" anchor="ctr"/>
+          <a:p>
+            <a:pPr algn="ctr"/>
+            <a:endParaRPr b="0" lang="en-US" sz="4400" spc="-1" strike="noStrike">
+              <a:solidFill>
+                <a:srgbClr val="000000"/>
+              </a:solidFill>
+              <a:uFill>
+                <a:solidFill>
+                  <a:srgbClr val="ffffff"/>
+                </a:solidFill>
+              </a:uFill>
+              <a:latin typeface="Arial"/>
+            </a:endParaRPr>
+          </a:p>
+        </p:txBody>
+      </p:sp>
+      <p:sp>
+        <p:nvSpPr>
+          <p:cNvPr id="111" name="PlaceHolder 2"/>
+          <p:cNvSpPr>
+            <a:spLocks noGrp="1"/>
+          </p:cNvSpPr>
+          <p:nvPr>
+            <p:ph type="subTitle"/>
+          </p:nvPr>
+        </p:nvSpPr>
+        <p:spPr>
+          <a:xfrm>
+            <a:off x="504000" y="1768680"/>
+            <a:ext cx="9072000" cy="4384080"/>
+          </a:xfrm>
+          <a:prstGeom prst="rect">
+            <a:avLst/>
+          </a:prstGeom>
+        </p:spPr>
+        <p:txBody>
+          <a:bodyPr lIns="0" rIns="0" tIns="0" bIns="0" anchor="ctr"/>
+          <a:p>
+            <a:pPr algn="ctr"/>
+            <a:endParaRPr b="0" lang="en-US" sz="3200" spc="-1" strike="noStrike">
+              <a:solidFill>
+                <a:srgbClr val="000000"/>
+              </a:solidFill>
+              <a:uFill>
+                <a:solidFill>
+                  <a:srgbClr val="ffffff"/>
+                </a:solidFill>
+              </a:uFill>
+              <a:latin typeface="Arial"/>
+            </a:endParaRPr>
+          </a:p>
+        </p:txBody>
+      </p:sp>
+    </p:spTree>
+  </p:cSld>
+</p:sldLayout>
+</file>
+
+<file path=ppt/slideLayouts/slideLayout39.xml><?xml version="1.0" encoding="utf-8"?>
+<p:sldLayout xmlns:a="http://schemas.openxmlformats.org/drawingml/2006/main" xmlns:p="http://schemas.openxmlformats.org/presentationml/2006/main" xmlns:r="http://schemas.openxmlformats.org/officeDocument/2006/relationships" xmlns:p14="http://schemas.microsoft.com/office/powerpoint/2010/main" xmlns:p15="http://schemas.microsoft.com/office/powerpoint/2012/main" xmlns:mc="http://schemas.openxmlformats.org/markup-compatibility/2006" type="obj" preserve="1">
+  <p:cSld name="Title, Content">
+    <p:spTree>
+      <p:nvGrpSpPr>
+        <p:cNvPr id="1" name=""/>
+        <p:cNvGrpSpPr/>
+        <p:nvPr/>
+      </p:nvGrpSpPr>
+      <p:grpSpPr>
+        <a:xfrm>
+          <a:off x="0" y="0"/>
+          <a:ext cx="0" cy="0"/>
+          <a:chOff x="0" y="0"/>
+          <a:chExt cx="0" cy="0"/>
+        </a:xfrm>
+      </p:grpSpPr>
+      <p:sp>
+        <p:nvSpPr>
+          <p:cNvPr id="112" name="PlaceHolder 1"/>
+          <p:cNvSpPr>
+            <a:spLocks noGrp="1"/>
+          </p:cNvSpPr>
+          <p:nvPr>
+            <p:ph type="title"/>
+          </p:nvPr>
+        </p:nvSpPr>
+        <p:spPr>
+          <a:xfrm>
+            <a:off x="504000" y="301320"/>
+            <a:ext cx="9072000" cy="1261800"/>
+          </a:xfrm>
+          <a:prstGeom prst="rect">
+            <a:avLst/>
+          </a:prstGeom>
+        </p:spPr>
+        <p:txBody>
+          <a:bodyPr lIns="0" rIns="0" tIns="0" bIns="0" anchor="ctr"/>
+          <a:p>
+            <a:pPr algn="ctr"/>
+            <a:endParaRPr b="0" lang="en-US" sz="4400" spc="-1" strike="noStrike">
+              <a:solidFill>
+                <a:srgbClr val="000000"/>
+              </a:solidFill>
+              <a:uFill>
+                <a:solidFill>
+                  <a:srgbClr val="ffffff"/>
+                </a:solidFill>
+              </a:uFill>
+              <a:latin typeface="Arial"/>
+            </a:endParaRPr>
+          </a:p>
+        </p:txBody>
+      </p:sp>
+      <p:sp>
+        <p:nvSpPr>
+          <p:cNvPr id="113" name="PlaceHolder 2"/>
+          <p:cNvSpPr>
+            <a:spLocks noGrp="1"/>
+          </p:cNvSpPr>
+          <p:nvPr>
+            <p:ph type="body"/>
+          </p:nvPr>
+        </p:nvSpPr>
+        <p:spPr>
+          <a:xfrm>
+            <a:off x="504000" y="1768680"/>
+            <a:ext cx="9072000" cy="4384080"/>
+          </a:xfrm>
+          <a:prstGeom prst="rect">
+            <a:avLst/>
+          </a:prstGeom>
+        </p:spPr>
+        <p:txBody>
+          <a:bodyPr lIns="0" rIns="0" tIns="0" bIns="0"/>
+          <a:p>
+            <a:endParaRPr b="0" lang="en-US" sz="3200" spc="-1" strike="noStrike">
+              <a:solidFill>
+                <a:srgbClr val="000000"/>
+              </a:solidFill>
+              <a:uFill>
+                <a:solidFill>
+                  <a:srgbClr val="ffffff"/>
+                </a:solidFill>
+              </a:uFill>
+              <a:latin typeface="Arial"/>
+            </a:endParaRPr>
+          </a:p>
+        </p:txBody>
+      </p:sp>
     </p:spTree>
   </p:cSld>
 </p:sldLayout>
@@ -5232,7 +6598,7 @@
         <p:spPr>
           <a:xfrm>
             <a:off x="504000" y="301320"/>
-            <a:ext cx="9071640" cy="1261440"/>
+            <a:ext cx="9072000" cy="1261800"/>
           </a:xfrm>
           <a:prstGeom prst="rect">
             <a:avLst/>
@@ -5269,7 +6635,7 @@
         <p:spPr>
           <a:xfrm>
             <a:off x="504000" y="1768680"/>
-            <a:ext cx="4426920" cy="4383720"/>
+            <a:ext cx="4426920" cy="4384080"/>
           </a:xfrm>
           <a:prstGeom prst="rect">
             <a:avLst/>
@@ -5305,7 +6671,7 @@
         <p:spPr>
           <a:xfrm>
             <a:off x="5152680" y="1768680"/>
-            <a:ext cx="4426920" cy="4383720"/>
+            <a:ext cx="4426920" cy="4384080"/>
           </a:xfrm>
           <a:prstGeom prst="rect">
             <a:avLst/>
@@ -5328,6 +6694,1267 @@
           </a:p>
         </p:txBody>
       </p:sp>
+    </p:spTree>
+  </p:cSld>
+</p:sldLayout>
+</file>
+
+<file path=ppt/slideLayouts/slideLayout40.xml><?xml version="1.0" encoding="utf-8"?>
+<p:sldLayout xmlns:a="http://schemas.openxmlformats.org/drawingml/2006/main" xmlns:p="http://schemas.openxmlformats.org/presentationml/2006/main" xmlns:r="http://schemas.openxmlformats.org/officeDocument/2006/relationships" xmlns:p14="http://schemas.microsoft.com/office/powerpoint/2010/main" xmlns:p15="http://schemas.microsoft.com/office/powerpoint/2012/main" xmlns:mc="http://schemas.openxmlformats.org/markup-compatibility/2006" type="twoObj" preserve="1">
+  <p:cSld name="Title, 2 Content">
+    <p:spTree>
+      <p:nvGrpSpPr>
+        <p:cNvPr id="1" name=""/>
+        <p:cNvGrpSpPr/>
+        <p:nvPr/>
+      </p:nvGrpSpPr>
+      <p:grpSpPr>
+        <a:xfrm>
+          <a:off x="0" y="0"/>
+          <a:ext cx="0" cy="0"/>
+          <a:chOff x="0" y="0"/>
+          <a:chExt cx="0" cy="0"/>
+        </a:xfrm>
+      </p:grpSpPr>
+      <p:sp>
+        <p:nvSpPr>
+          <p:cNvPr id="114" name="PlaceHolder 1"/>
+          <p:cNvSpPr>
+            <a:spLocks noGrp="1"/>
+          </p:cNvSpPr>
+          <p:nvPr>
+            <p:ph type="title"/>
+          </p:nvPr>
+        </p:nvSpPr>
+        <p:spPr>
+          <a:xfrm>
+            <a:off x="504000" y="301320"/>
+            <a:ext cx="9072000" cy="1261800"/>
+          </a:xfrm>
+          <a:prstGeom prst="rect">
+            <a:avLst/>
+          </a:prstGeom>
+        </p:spPr>
+        <p:txBody>
+          <a:bodyPr lIns="0" rIns="0" tIns="0" bIns="0" anchor="ctr"/>
+          <a:p>
+            <a:pPr algn="ctr"/>
+            <a:endParaRPr b="0" lang="en-US" sz="4400" spc="-1" strike="noStrike">
+              <a:solidFill>
+                <a:srgbClr val="000000"/>
+              </a:solidFill>
+              <a:uFill>
+                <a:solidFill>
+                  <a:srgbClr val="ffffff"/>
+                </a:solidFill>
+              </a:uFill>
+              <a:latin typeface="Arial"/>
+            </a:endParaRPr>
+          </a:p>
+        </p:txBody>
+      </p:sp>
+      <p:sp>
+        <p:nvSpPr>
+          <p:cNvPr id="115" name="PlaceHolder 2"/>
+          <p:cNvSpPr>
+            <a:spLocks noGrp="1"/>
+          </p:cNvSpPr>
+          <p:nvPr>
+            <p:ph type="body"/>
+          </p:nvPr>
+        </p:nvSpPr>
+        <p:spPr>
+          <a:xfrm>
+            <a:off x="504000" y="1768680"/>
+            <a:ext cx="4426920" cy="4384080"/>
+          </a:xfrm>
+          <a:prstGeom prst="rect">
+            <a:avLst/>
+          </a:prstGeom>
+        </p:spPr>
+        <p:txBody>
+          <a:bodyPr lIns="0" rIns="0" tIns="0" bIns="0"/>
+          <a:p>
+            <a:endParaRPr b="0" lang="en-US" sz="3200" spc="-1" strike="noStrike">
+              <a:solidFill>
+                <a:srgbClr val="000000"/>
+              </a:solidFill>
+              <a:uFill>
+                <a:solidFill>
+                  <a:srgbClr val="ffffff"/>
+                </a:solidFill>
+              </a:uFill>
+              <a:latin typeface="Arial"/>
+            </a:endParaRPr>
+          </a:p>
+        </p:txBody>
+      </p:sp>
+      <p:sp>
+        <p:nvSpPr>
+          <p:cNvPr id="116" name="PlaceHolder 3"/>
+          <p:cNvSpPr>
+            <a:spLocks noGrp="1"/>
+          </p:cNvSpPr>
+          <p:nvPr>
+            <p:ph type="body"/>
+          </p:nvPr>
+        </p:nvSpPr>
+        <p:spPr>
+          <a:xfrm>
+            <a:off x="5152680" y="1768680"/>
+            <a:ext cx="4426920" cy="4384080"/>
+          </a:xfrm>
+          <a:prstGeom prst="rect">
+            <a:avLst/>
+          </a:prstGeom>
+        </p:spPr>
+        <p:txBody>
+          <a:bodyPr lIns="0" rIns="0" tIns="0" bIns="0"/>
+          <a:p>
+            <a:endParaRPr b="0" lang="en-US" sz="3200" spc="-1" strike="noStrike">
+              <a:solidFill>
+                <a:srgbClr val="000000"/>
+              </a:solidFill>
+              <a:uFill>
+                <a:solidFill>
+                  <a:srgbClr val="ffffff"/>
+                </a:solidFill>
+              </a:uFill>
+              <a:latin typeface="Arial"/>
+            </a:endParaRPr>
+          </a:p>
+        </p:txBody>
+      </p:sp>
+    </p:spTree>
+  </p:cSld>
+</p:sldLayout>
+</file>
+
+<file path=ppt/slideLayouts/slideLayout41.xml><?xml version="1.0" encoding="utf-8"?>
+<p:sldLayout xmlns:a="http://schemas.openxmlformats.org/drawingml/2006/main" xmlns:p="http://schemas.openxmlformats.org/presentationml/2006/main" xmlns:r="http://schemas.openxmlformats.org/officeDocument/2006/relationships" xmlns:p14="http://schemas.microsoft.com/office/powerpoint/2010/main" xmlns:p15="http://schemas.microsoft.com/office/powerpoint/2012/main" xmlns:mc="http://schemas.openxmlformats.org/markup-compatibility/2006" type="titleOnly" preserve="1">
+  <p:cSld name="Title Only">
+    <p:spTree>
+      <p:nvGrpSpPr>
+        <p:cNvPr id="1" name=""/>
+        <p:cNvGrpSpPr/>
+        <p:nvPr/>
+      </p:nvGrpSpPr>
+      <p:grpSpPr>
+        <a:xfrm>
+          <a:off x="0" y="0"/>
+          <a:ext cx="0" cy="0"/>
+          <a:chOff x="0" y="0"/>
+          <a:chExt cx="0" cy="0"/>
+        </a:xfrm>
+      </p:grpSpPr>
+      <p:sp>
+        <p:nvSpPr>
+          <p:cNvPr id="117" name="PlaceHolder 1"/>
+          <p:cNvSpPr>
+            <a:spLocks noGrp="1"/>
+          </p:cNvSpPr>
+          <p:nvPr>
+            <p:ph type="title"/>
+          </p:nvPr>
+        </p:nvSpPr>
+        <p:spPr>
+          <a:xfrm>
+            <a:off x="504000" y="301320"/>
+            <a:ext cx="9072000" cy="1261800"/>
+          </a:xfrm>
+          <a:prstGeom prst="rect">
+            <a:avLst/>
+          </a:prstGeom>
+        </p:spPr>
+        <p:txBody>
+          <a:bodyPr lIns="0" rIns="0" tIns="0" bIns="0" anchor="ctr"/>
+          <a:p>
+            <a:pPr algn="ctr"/>
+            <a:endParaRPr b="0" lang="en-US" sz="4400" spc="-1" strike="noStrike">
+              <a:solidFill>
+                <a:srgbClr val="000000"/>
+              </a:solidFill>
+              <a:uFill>
+                <a:solidFill>
+                  <a:srgbClr val="ffffff"/>
+                </a:solidFill>
+              </a:uFill>
+              <a:latin typeface="Arial"/>
+            </a:endParaRPr>
+          </a:p>
+        </p:txBody>
+      </p:sp>
+    </p:spTree>
+  </p:cSld>
+</p:sldLayout>
+</file>
+
+<file path=ppt/slideLayouts/slideLayout42.xml><?xml version="1.0" encoding="utf-8"?>
+<p:sldLayout xmlns:a="http://schemas.openxmlformats.org/drawingml/2006/main" xmlns:p="http://schemas.openxmlformats.org/presentationml/2006/main" xmlns:r="http://schemas.openxmlformats.org/officeDocument/2006/relationships" xmlns:p14="http://schemas.microsoft.com/office/powerpoint/2010/main" xmlns:p15="http://schemas.microsoft.com/office/powerpoint/2012/main" xmlns:mc="http://schemas.openxmlformats.org/markup-compatibility/2006" type="objOnly" preserve="1">
+  <p:cSld name="Centered Text">
+    <p:spTree>
+      <p:nvGrpSpPr>
+        <p:cNvPr id="1" name=""/>
+        <p:cNvGrpSpPr/>
+        <p:nvPr/>
+      </p:nvGrpSpPr>
+      <p:grpSpPr>
+        <a:xfrm>
+          <a:off x="0" y="0"/>
+          <a:ext cx="0" cy="0"/>
+          <a:chOff x="0" y="0"/>
+          <a:chExt cx="0" cy="0"/>
+        </a:xfrm>
+      </p:grpSpPr>
+      <p:sp>
+        <p:nvSpPr>
+          <p:cNvPr id="118" name="PlaceHolder 1"/>
+          <p:cNvSpPr>
+            <a:spLocks noGrp="1"/>
+          </p:cNvSpPr>
+          <p:nvPr>
+            <p:ph type="subTitle"/>
+          </p:nvPr>
+        </p:nvSpPr>
+        <p:spPr>
+          <a:xfrm>
+            <a:off x="504000" y="301320"/>
+            <a:ext cx="9072000" cy="5850360"/>
+          </a:xfrm>
+          <a:prstGeom prst="rect">
+            <a:avLst/>
+          </a:prstGeom>
+        </p:spPr>
+        <p:txBody>
+          <a:bodyPr lIns="0" rIns="0" tIns="0" bIns="0" anchor="ctr"/>
+          <a:p>
+            <a:pPr algn="ctr"/>
+            <a:endParaRPr b="0" lang="en-US" sz="3200" spc="-1" strike="noStrike">
+              <a:solidFill>
+                <a:srgbClr val="000000"/>
+              </a:solidFill>
+              <a:uFill>
+                <a:solidFill>
+                  <a:srgbClr val="ffffff"/>
+                </a:solidFill>
+              </a:uFill>
+              <a:latin typeface="Arial"/>
+            </a:endParaRPr>
+          </a:p>
+        </p:txBody>
+      </p:sp>
+    </p:spTree>
+  </p:cSld>
+</p:sldLayout>
+</file>
+
+<file path=ppt/slideLayouts/slideLayout43.xml><?xml version="1.0" encoding="utf-8"?>
+<p:sldLayout xmlns:a="http://schemas.openxmlformats.org/drawingml/2006/main" xmlns:p="http://schemas.openxmlformats.org/presentationml/2006/main" xmlns:r="http://schemas.openxmlformats.org/officeDocument/2006/relationships" xmlns:p14="http://schemas.microsoft.com/office/powerpoint/2010/main" xmlns:p15="http://schemas.microsoft.com/office/powerpoint/2012/main" xmlns:mc="http://schemas.openxmlformats.org/markup-compatibility/2006" type="twoObjAndObj" preserve="1">
+  <p:cSld name="Title, 2 Content and Content">
+    <p:spTree>
+      <p:nvGrpSpPr>
+        <p:cNvPr id="1" name=""/>
+        <p:cNvGrpSpPr/>
+        <p:nvPr/>
+      </p:nvGrpSpPr>
+      <p:grpSpPr>
+        <a:xfrm>
+          <a:off x="0" y="0"/>
+          <a:ext cx="0" cy="0"/>
+          <a:chOff x="0" y="0"/>
+          <a:chExt cx="0" cy="0"/>
+        </a:xfrm>
+      </p:grpSpPr>
+      <p:sp>
+        <p:nvSpPr>
+          <p:cNvPr id="119" name="PlaceHolder 1"/>
+          <p:cNvSpPr>
+            <a:spLocks noGrp="1"/>
+          </p:cNvSpPr>
+          <p:nvPr>
+            <p:ph type="title"/>
+          </p:nvPr>
+        </p:nvSpPr>
+        <p:spPr>
+          <a:xfrm>
+            <a:off x="504000" y="301320"/>
+            <a:ext cx="9072000" cy="1261800"/>
+          </a:xfrm>
+          <a:prstGeom prst="rect">
+            <a:avLst/>
+          </a:prstGeom>
+        </p:spPr>
+        <p:txBody>
+          <a:bodyPr lIns="0" rIns="0" tIns="0" bIns="0" anchor="ctr"/>
+          <a:p>
+            <a:pPr algn="ctr"/>
+            <a:endParaRPr b="0" lang="en-US" sz="4400" spc="-1" strike="noStrike">
+              <a:solidFill>
+                <a:srgbClr val="000000"/>
+              </a:solidFill>
+              <a:uFill>
+                <a:solidFill>
+                  <a:srgbClr val="ffffff"/>
+                </a:solidFill>
+              </a:uFill>
+              <a:latin typeface="Arial"/>
+            </a:endParaRPr>
+          </a:p>
+        </p:txBody>
+      </p:sp>
+      <p:sp>
+        <p:nvSpPr>
+          <p:cNvPr id="120" name="PlaceHolder 2"/>
+          <p:cNvSpPr>
+            <a:spLocks noGrp="1"/>
+          </p:cNvSpPr>
+          <p:nvPr>
+            <p:ph type="body"/>
+          </p:nvPr>
+        </p:nvSpPr>
+        <p:spPr>
+          <a:xfrm>
+            <a:off x="504000" y="1768680"/>
+            <a:ext cx="4426920" cy="2090880"/>
+          </a:xfrm>
+          <a:prstGeom prst="rect">
+            <a:avLst/>
+          </a:prstGeom>
+        </p:spPr>
+        <p:txBody>
+          <a:bodyPr lIns="0" rIns="0" tIns="0" bIns="0"/>
+          <a:p>
+            <a:endParaRPr b="0" lang="en-US" sz="3200" spc="-1" strike="noStrike">
+              <a:solidFill>
+                <a:srgbClr val="000000"/>
+              </a:solidFill>
+              <a:uFill>
+                <a:solidFill>
+                  <a:srgbClr val="ffffff"/>
+                </a:solidFill>
+              </a:uFill>
+              <a:latin typeface="Arial"/>
+            </a:endParaRPr>
+          </a:p>
+        </p:txBody>
+      </p:sp>
+      <p:sp>
+        <p:nvSpPr>
+          <p:cNvPr id="121" name="PlaceHolder 3"/>
+          <p:cNvSpPr>
+            <a:spLocks noGrp="1"/>
+          </p:cNvSpPr>
+          <p:nvPr>
+            <p:ph type="body"/>
+          </p:nvPr>
+        </p:nvSpPr>
+        <p:spPr>
+          <a:xfrm>
+            <a:off x="504000" y="4058640"/>
+            <a:ext cx="4426920" cy="2090880"/>
+          </a:xfrm>
+          <a:prstGeom prst="rect">
+            <a:avLst/>
+          </a:prstGeom>
+        </p:spPr>
+        <p:txBody>
+          <a:bodyPr lIns="0" rIns="0" tIns="0" bIns="0"/>
+          <a:p>
+            <a:endParaRPr b="0" lang="en-US" sz="3200" spc="-1" strike="noStrike">
+              <a:solidFill>
+                <a:srgbClr val="000000"/>
+              </a:solidFill>
+              <a:uFill>
+                <a:solidFill>
+                  <a:srgbClr val="ffffff"/>
+                </a:solidFill>
+              </a:uFill>
+              <a:latin typeface="Arial"/>
+            </a:endParaRPr>
+          </a:p>
+        </p:txBody>
+      </p:sp>
+      <p:sp>
+        <p:nvSpPr>
+          <p:cNvPr id="122" name="PlaceHolder 4"/>
+          <p:cNvSpPr>
+            <a:spLocks noGrp="1"/>
+          </p:cNvSpPr>
+          <p:nvPr>
+            <p:ph type="body"/>
+          </p:nvPr>
+        </p:nvSpPr>
+        <p:spPr>
+          <a:xfrm>
+            <a:off x="5152680" y="1768680"/>
+            <a:ext cx="4426920" cy="4384080"/>
+          </a:xfrm>
+          <a:prstGeom prst="rect">
+            <a:avLst/>
+          </a:prstGeom>
+        </p:spPr>
+        <p:txBody>
+          <a:bodyPr lIns="0" rIns="0" tIns="0" bIns="0"/>
+          <a:p>
+            <a:endParaRPr b="0" lang="en-US" sz="3200" spc="-1" strike="noStrike">
+              <a:solidFill>
+                <a:srgbClr val="000000"/>
+              </a:solidFill>
+              <a:uFill>
+                <a:solidFill>
+                  <a:srgbClr val="ffffff"/>
+                </a:solidFill>
+              </a:uFill>
+              <a:latin typeface="Arial"/>
+            </a:endParaRPr>
+          </a:p>
+        </p:txBody>
+      </p:sp>
+    </p:spTree>
+  </p:cSld>
+</p:sldLayout>
+</file>
+
+<file path=ppt/slideLayouts/slideLayout44.xml><?xml version="1.0" encoding="utf-8"?>
+<p:sldLayout xmlns:a="http://schemas.openxmlformats.org/drawingml/2006/main" xmlns:p="http://schemas.openxmlformats.org/presentationml/2006/main" xmlns:r="http://schemas.openxmlformats.org/officeDocument/2006/relationships" xmlns:p14="http://schemas.microsoft.com/office/powerpoint/2010/main" xmlns:p15="http://schemas.microsoft.com/office/powerpoint/2012/main" xmlns:mc="http://schemas.openxmlformats.org/markup-compatibility/2006" type="objAndTwoObj" preserve="1">
+  <p:cSld name="Title Content and 2 Content">
+    <p:spTree>
+      <p:nvGrpSpPr>
+        <p:cNvPr id="1" name=""/>
+        <p:cNvGrpSpPr/>
+        <p:nvPr/>
+      </p:nvGrpSpPr>
+      <p:grpSpPr>
+        <a:xfrm>
+          <a:off x="0" y="0"/>
+          <a:ext cx="0" cy="0"/>
+          <a:chOff x="0" y="0"/>
+          <a:chExt cx="0" cy="0"/>
+        </a:xfrm>
+      </p:grpSpPr>
+      <p:sp>
+        <p:nvSpPr>
+          <p:cNvPr id="123" name="PlaceHolder 1"/>
+          <p:cNvSpPr>
+            <a:spLocks noGrp="1"/>
+          </p:cNvSpPr>
+          <p:nvPr>
+            <p:ph type="title"/>
+          </p:nvPr>
+        </p:nvSpPr>
+        <p:spPr>
+          <a:xfrm>
+            <a:off x="504000" y="301320"/>
+            <a:ext cx="9072000" cy="1261800"/>
+          </a:xfrm>
+          <a:prstGeom prst="rect">
+            <a:avLst/>
+          </a:prstGeom>
+        </p:spPr>
+        <p:txBody>
+          <a:bodyPr lIns="0" rIns="0" tIns="0" bIns="0" anchor="ctr"/>
+          <a:p>
+            <a:pPr algn="ctr"/>
+            <a:endParaRPr b="0" lang="en-US" sz="4400" spc="-1" strike="noStrike">
+              <a:solidFill>
+                <a:srgbClr val="000000"/>
+              </a:solidFill>
+              <a:uFill>
+                <a:solidFill>
+                  <a:srgbClr val="ffffff"/>
+                </a:solidFill>
+              </a:uFill>
+              <a:latin typeface="Arial"/>
+            </a:endParaRPr>
+          </a:p>
+        </p:txBody>
+      </p:sp>
+      <p:sp>
+        <p:nvSpPr>
+          <p:cNvPr id="124" name="PlaceHolder 2"/>
+          <p:cNvSpPr>
+            <a:spLocks noGrp="1"/>
+          </p:cNvSpPr>
+          <p:nvPr>
+            <p:ph type="body"/>
+          </p:nvPr>
+        </p:nvSpPr>
+        <p:spPr>
+          <a:xfrm>
+            <a:off x="504000" y="1768680"/>
+            <a:ext cx="4426920" cy="4384080"/>
+          </a:xfrm>
+          <a:prstGeom prst="rect">
+            <a:avLst/>
+          </a:prstGeom>
+        </p:spPr>
+        <p:txBody>
+          <a:bodyPr lIns="0" rIns="0" tIns="0" bIns="0"/>
+          <a:p>
+            <a:endParaRPr b="0" lang="en-US" sz="3200" spc="-1" strike="noStrike">
+              <a:solidFill>
+                <a:srgbClr val="000000"/>
+              </a:solidFill>
+              <a:uFill>
+                <a:solidFill>
+                  <a:srgbClr val="ffffff"/>
+                </a:solidFill>
+              </a:uFill>
+              <a:latin typeface="Arial"/>
+            </a:endParaRPr>
+          </a:p>
+        </p:txBody>
+      </p:sp>
+      <p:sp>
+        <p:nvSpPr>
+          <p:cNvPr id="125" name="PlaceHolder 3"/>
+          <p:cNvSpPr>
+            <a:spLocks noGrp="1"/>
+          </p:cNvSpPr>
+          <p:nvPr>
+            <p:ph type="body"/>
+          </p:nvPr>
+        </p:nvSpPr>
+        <p:spPr>
+          <a:xfrm>
+            <a:off x="5152680" y="1768680"/>
+            <a:ext cx="4426920" cy="2090880"/>
+          </a:xfrm>
+          <a:prstGeom prst="rect">
+            <a:avLst/>
+          </a:prstGeom>
+        </p:spPr>
+        <p:txBody>
+          <a:bodyPr lIns="0" rIns="0" tIns="0" bIns="0"/>
+          <a:p>
+            <a:endParaRPr b="0" lang="en-US" sz="3200" spc="-1" strike="noStrike">
+              <a:solidFill>
+                <a:srgbClr val="000000"/>
+              </a:solidFill>
+              <a:uFill>
+                <a:solidFill>
+                  <a:srgbClr val="ffffff"/>
+                </a:solidFill>
+              </a:uFill>
+              <a:latin typeface="Arial"/>
+            </a:endParaRPr>
+          </a:p>
+        </p:txBody>
+      </p:sp>
+      <p:sp>
+        <p:nvSpPr>
+          <p:cNvPr id="126" name="PlaceHolder 4"/>
+          <p:cNvSpPr>
+            <a:spLocks noGrp="1"/>
+          </p:cNvSpPr>
+          <p:nvPr>
+            <p:ph type="body"/>
+          </p:nvPr>
+        </p:nvSpPr>
+        <p:spPr>
+          <a:xfrm>
+            <a:off x="5152680" y="4058640"/>
+            <a:ext cx="4426920" cy="2090880"/>
+          </a:xfrm>
+          <a:prstGeom prst="rect">
+            <a:avLst/>
+          </a:prstGeom>
+        </p:spPr>
+        <p:txBody>
+          <a:bodyPr lIns="0" rIns="0" tIns="0" bIns="0"/>
+          <a:p>
+            <a:endParaRPr b="0" lang="en-US" sz="3200" spc="-1" strike="noStrike">
+              <a:solidFill>
+                <a:srgbClr val="000000"/>
+              </a:solidFill>
+              <a:uFill>
+                <a:solidFill>
+                  <a:srgbClr val="ffffff"/>
+                </a:solidFill>
+              </a:uFill>
+              <a:latin typeface="Arial"/>
+            </a:endParaRPr>
+          </a:p>
+        </p:txBody>
+      </p:sp>
+    </p:spTree>
+  </p:cSld>
+</p:sldLayout>
+</file>
+
+<file path=ppt/slideLayouts/slideLayout45.xml><?xml version="1.0" encoding="utf-8"?>
+<p:sldLayout xmlns:a="http://schemas.openxmlformats.org/drawingml/2006/main" xmlns:p="http://schemas.openxmlformats.org/presentationml/2006/main" xmlns:r="http://schemas.openxmlformats.org/officeDocument/2006/relationships" xmlns:p14="http://schemas.microsoft.com/office/powerpoint/2010/main" xmlns:p15="http://schemas.microsoft.com/office/powerpoint/2012/main" xmlns:mc="http://schemas.openxmlformats.org/markup-compatibility/2006" type="twoObjOverTx" preserve="1">
+  <p:cSld name="Title, 2 Content over Content">
+    <p:spTree>
+      <p:nvGrpSpPr>
+        <p:cNvPr id="1" name=""/>
+        <p:cNvGrpSpPr/>
+        <p:nvPr/>
+      </p:nvGrpSpPr>
+      <p:grpSpPr>
+        <a:xfrm>
+          <a:off x="0" y="0"/>
+          <a:ext cx="0" cy="0"/>
+          <a:chOff x="0" y="0"/>
+          <a:chExt cx="0" cy="0"/>
+        </a:xfrm>
+      </p:grpSpPr>
+      <p:sp>
+        <p:nvSpPr>
+          <p:cNvPr id="127" name="PlaceHolder 1"/>
+          <p:cNvSpPr>
+            <a:spLocks noGrp="1"/>
+          </p:cNvSpPr>
+          <p:nvPr>
+            <p:ph type="title"/>
+          </p:nvPr>
+        </p:nvSpPr>
+        <p:spPr>
+          <a:xfrm>
+            <a:off x="504000" y="301320"/>
+            <a:ext cx="9072000" cy="1261800"/>
+          </a:xfrm>
+          <a:prstGeom prst="rect">
+            <a:avLst/>
+          </a:prstGeom>
+        </p:spPr>
+        <p:txBody>
+          <a:bodyPr lIns="0" rIns="0" tIns="0" bIns="0" anchor="ctr"/>
+          <a:p>
+            <a:pPr algn="ctr"/>
+            <a:endParaRPr b="0" lang="en-US" sz="4400" spc="-1" strike="noStrike">
+              <a:solidFill>
+                <a:srgbClr val="000000"/>
+              </a:solidFill>
+              <a:uFill>
+                <a:solidFill>
+                  <a:srgbClr val="ffffff"/>
+                </a:solidFill>
+              </a:uFill>
+              <a:latin typeface="Arial"/>
+            </a:endParaRPr>
+          </a:p>
+        </p:txBody>
+      </p:sp>
+      <p:sp>
+        <p:nvSpPr>
+          <p:cNvPr id="128" name="PlaceHolder 2"/>
+          <p:cNvSpPr>
+            <a:spLocks noGrp="1"/>
+          </p:cNvSpPr>
+          <p:nvPr>
+            <p:ph type="body"/>
+          </p:nvPr>
+        </p:nvSpPr>
+        <p:spPr>
+          <a:xfrm>
+            <a:off x="504000" y="1768680"/>
+            <a:ext cx="4426920" cy="2090880"/>
+          </a:xfrm>
+          <a:prstGeom prst="rect">
+            <a:avLst/>
+          </a:prstGeom>
+        </p:spPr>
+        <p:txBody>
+          <a:bodyPr lIns="0" rIns="0" tIns="0" bIns="0"/>
+          <a:p>
+            <a:endParaRPr b="0" lang="en-US" sz="3200" spc="-1" strike="noStrike">
+              <a:solidFill>
+                <a:srgbClr val="000000"/>
+              </a:solidFill>
+              <a:uFill>
+                <a:solidFill>
+                  <a:srgbClr val="ffffff"/>
+                </a:solidFill>
+              </a:uFill>
+              <a:latin typeface="Arial"/>
+            </a:endParaRPr>
+          </a:p>
+        </p:txBody>
+      </p:sp>
+      <p:sp>
+        <p:nvSpPr>
+          <p:cNvPr id="129" name="PlaceHolder 3"/>
+          <p:cNvSpPr>
+            <a:spLocks noGrp="1"/>
+          </p:cNvSpPr>
+          <p:nvPr>
+            <p:ph type="body"/>
+          </p:nvPr>
+        </p:nvSpPr>
+        <p:spPr>
+          <a:xfrm>
+            <a:off x="5152680" y="1768680"/>
+            <a:ext cx="4426920" cy="2090880"/>
+          </a:xfrm>
+          <a:prstGeom prst="rect">
+            <a:avLst/>
+          </a:prstGeom>
+        </p:spPr>
+        <p:txBody>
+          <a:bodyPr lIns="0" rIns="0" tIns="0" bIns="0"/>
+          <a:p>
+            <a:endParaRPr b="0" lang="en-US" sz="3200" spc="-1" strike="noStrike">
+              <a:solidFill>
+                <a:srgbClr val="000000"/>
+              </a:solidFill>
+              <a:uFill>
+                <a:solidFill>
+                  <a:srgbClr val="ffffff"/>
+                </a:solidFill>
+              </a:uFill>
+              <a:latin typeface="Arial"/>
+            </a:endParaRPr>
+          </a:p>
+        </p:txBody>
+      </p:sp>
+      <p:sp>
+        <p:nvSpPr>
+          <p:cNvPr id="130" name="PlaceHolder 4"/>
+          <p:cNvSpPr>
+            <a:spLocks noGrp="1"/>
+          </p:cNvSpPr>
+          <p:nvPr>
+            <p:ph type="body"/>
+          </p:nvPr>
+        </p:nvSpPr>
+        <p:spPr>
+          <a:xfrm>
+            <a:off x="504000" y="4058640"/>
+            <a:ext cx="9072000" cy="2090880"/>
+          </a:xfrm>
+          <a:prstGeom prst="rect">
+            <a:avLst/>
+          </a:prstGeom>
+        </p:spPr>
+        <p:txBody>
+          <a:bodyPr lIns="0" rIns="0" tIns="0" bIns="0"/>
+          <a:p>
+            <a:endParaRPr b="0" lang="en-US" sz="3200" spc="-1" strike="noStrike">
+              <a:solidFill>
+                <a:srgbClr val="000000"/>
+              </a:solidFill>
+              <a:uFill>
+                <a:solidFill>
+                  <a:srgbClr val="ffffff"/>
+                </a:solidFill>
+              </a:uFill>
+              <a:latin typeface="Arial"/>
+            </a:endParaRPr>
+          </a:p>
+        </p:txBody>
+      </p:sp>
+    </p:spTree>
+  </p:cSld>
+</p:sldLayout>
+</file>
+
+<file path=ppt/slideLayouts/slideLayout46.xml><?xml version="1.0" encoding="utf-8"?>
+<p:sldLayout xmlns:a="http://schemas.openxmlformats.org/drawingml/2006/main" xmlns:p="http://schemas.openxmlformats.org/presentationml/2006/main" xmlns:r="http://schemas.openxmlformats.org/officeDocument/2006/relationships" xmlns:p14="http://schemas.microsoft.com/office/powerpoint/2010/main" xmlns:p15="http://schemas.microsoft.com/office/powerpoint/2012/main" xmlns:mc="http://schemas.openxmlformats.org/markup-compatibility/2006" type="objOverTx" preserve="1">
+  <p:cSld name="Title, Content over Content">
+    <p:spTree>
+      <p:nvGrpSpPr>
+        <p:cNvPr id="1" name=""/>
+        <p:cNvGrpSpPr/>
+        <p:nvPr/>
+      </p:nvGrpSpPr>
+      <p:grpSpPr>
+        <a:xfrm>
+          <a:off x="0" y="0"/>
+          <a:ext cx="0" cy="0"/>
+          <a:chOff x="0" y="0"/>
+          <a:chExt cx="0" cy="0"/>
+        </a:xfrm>
+      </p:grpSpPr>
+      <p:sp>
+        <p:nvSpPr>
+          <p:cNvPr id="131" name="PlaceHolder 1"/>
+          <p:cNvSpPr>
+            <a:spLocks noGrp="1"/>
+          </p:cNvSpPr>
+          <p:nvPr>
+            <p:ph type="title"/>
+          </p:nvPr>
+        </p:nvSpPr>
+        <p:spPr>
+          <a:xfrm>
+            <a:off x="504000" y="301320"/>
+            <a:ext cx="9072000" cy="1261800"/>
+          </a:xfrm>
+          <a:prstGeom prst="rect">
+            <a:avLst/>
+          </a:prstGeom>
+        </p:spPr>
+        <p:txBody>
+          <a:bodyPr lIns="0" rIns="0" tIns="0" bIns="0" anchor="ctr"/>
+          <a:p>
+            <a:pPr algn="ctr"/>
+            <a:endParaRPr b="0" lang="en-US" sz="4400" spc="-1" strike="noStrike">
+              <a:solidFill>
+                <a:srgbClr val="000000"/>
+              </a:solidFill>
+              <a:uFill>
+                <a:solidFill>
+                  <a:srgbClr val="ffffff"/>
+                </a:solidFill>
+              </a:uFill>
+              <a:latin typeface="Arial"/>
+            </a:endParaRPr>
+          </a:p>
+        </p:txBody>
+      </p:sp>
+      <p:sp>
+        <p:nvSpPr>
+          <p:cNvPr id="132" name="PlaceHolder 2"/>
+          <p:cNvSpPr>
+            <a:spLocks noGrp="1"/>
+          </p:cNvSpPr>
+          <p:nvPr>
+            <p:ph type="body"/>
+          </p:nvPr>
+        </p:nvSpPr>
+        <p:spPr>
+          <a:xfrm>
+            <a:off x="504000" y="1768680"/>
+            <a:ext cx="9072000" cy="2090880"/>
+          </a:xfrm>
+          <a:prstGeom prst="rect">
+            <a:avLst/>
+          </a:prstGeom>
+        </p:spPr>
+        <p:txBody>
+          <a:bodyPr lIns="0" rIns="0" tIns="0" bIns="0"/>
+          <a:p>
+            <a:endParaRPr b="0" lang="en-US" sz="3200" spc="-1" strike="noStrike">
+              <a:solidFill>
+                <a:srgbClr val="000000"/>
+              </a:solidFill>
+              <a:uFill>
+                <a:solidFill>
+                  <a:srgbClr val="ffffff"/>
+                </a:solidFill>
+              </a:uFill>
+              <a:latin typeface="Arial"/>
+            </a:endParaRPr>
+          </a:p>
+        </p:txBody>
+      </p:sp>
+      <p:sp>
+        <p:nvSpPr>
+          <p:cNvPr id="133" name="PlaceHolder 3"/>
+          <p:cNvSpPr>
+            <a:spLocks noGrp="1"/>
+          </p:cNvSpPr>
+          <p:nvPr>
+            <p:ph type="body"/>
+          </p:nvPr>
+        </p:nvSpPr>
+        <p:spPr>
+          <a:xfrm>
+            <a:off x="504000" y="4058640"/>
+            <a:ext cx="9072000" cy="2090880"/>
+          </a:xfrm>
+          <a:prstGeom prst="rect">
+            <a:avLst/>
+          </a:prstGeom>
+        </p:spPr>
+        <p:txBody>
+          <a:bodyPr lIns="0" rIns="0" tIns="0" bIns="0"/>
+          <a:p>
+            <a:endParaRPr b="0" lang="en-US" sz="3200" spc="-1" strike="noStrike">
+              <a:solidFill>
+                <a:srgbClr val="000000"/>
+              </a:solidFill>
+              <a:uFill>
+                <a:solidFill>
+                  <a:srgbClr val="ffffff"/>
+                </a:solidFill>
+              </a:uFill>
+              <a:latin typeface="Arial"/>
+            </a:endParaRPr>
+          </a:p>
+        </p:txBody>
+      </p:sp>
+    </p:spTree>
+  </p:cSld>
+</p:sldLayout>
+</file>
+
+<file path=ppt/slideLayouts/slideLayout47.xml><?xml version="1.0" encoding="utf-8"?>
+<p:sldLayout xmlns:a="http://schemas.openxmlformats.org/drawingml/2006/main" xmlns:p="http://schemas.openxmlformats.org/presentationml/2006/main" xmlns:r="http://schemas.openxmlformats.org/officeDocument/2006/relationships" xmlns:p14="http://schemas.microsoft.com/office/powerpoint/2010/main" xmlns:p15="http://schemas.microsoft.com/office/powerpoint/2012/main" xmlns:mc="http://schemas.openxmlformats.org/markup-compatibility/2006" type="fourObj" preserve="1">
+  <p:cSld name="Title, 4 Content">
+    <p:spTree>
+      <p:nvGrpSpPr>
+        <p:cNvPr id="1" name=""/>
+        <p:cNvGrpSpPr/>
+        <p:nvPr/>
+      </p:nvGrpSpPr>
+      <p:grpSpPr>
+        <a:xfrm>
+          <a:off x="0" y="0"/>
+          <a:ext cx="0" cy="0"/>
+          <a:chOff x="0" y="0"/>
+          <a:chExt cx="0" cy="0"/>
+        </a:xfrm>
+      </p:grpSpPr>
+      <p:sp>
+        <p:nvSpPr>
+          <p:cNvPr id="134" name="PlaceHolder 1"/>
+          <p:cNvSpPr>
+            <a:spLocks noGrp="1"/>
+          </p:cNvSpPr>
+          <p:nvPr>
+            <p:ph type="title"/>
+          </p:nvPr>
+        </p:nvSpPr>
+        <p:spPr>
+          <a:xfrm>
+            <a:off x="504000" y="301320"/>
+            <a:ext cx="9072000" cy="1261800"/>
+          </a:xfrm>
+          <a:prstGeom prst="rect">
+            <a:avLst/>
+          </a:prstGeom>
+        </p:spPr>
+        <p:txBody>
+          <a:bodyPr lIns="0" rIns="0" tIns="0" bIns="0" anchor="ctr"/>
+          <a:p>
+            <a:pPr algn="ctr"/>
+            <a:endParaRPr b="0" lang="en-US" sz="4400" spc="-1" strike="noStrike">
+              <a:solidFill>
+                <a:srgbClr val="000000"/>
+              </a:solidFill>
+              <a:uFill>
+                <a:solidFill>
+                  <a:srgbClr val="ffffff"/>
+                </a:solidFill>
+              </a:uFill>
+              <a:latin typeface="Arial"/>
+            </a:endParaRPr>
+          </a:p>
+        </p:txBody>
+      </p:sp>
+      <p:sp>
+        <p:nvSpPr>
+          <p:cNvPr id="135" name="PlaceHolder 2"/>
+          <p:cNvSpPr>
+            <a:spLocks noGrp="1"/>
+          </p:cNvSpPr>
+          <p:nvPr>
+            <p:ph type="body"/>
+          </p:nvPr>
+        </p:nvSpPr>
+        <p:spPr>
+          <a:xfrm>
+            <a:off x="504000" y="1768680"/>
+            <a:ext cx="4426920" cy="2090880"/>
+          </a:xfrm>
+          <a:prstGeom prst="rect">
+            <a:avLst/>
+          </a:prstGeom>
+        </p:spPr>
+        <p:txBody>
+          <a:bodyPr lIns="0" rIns="0" tIns="0" bIns="0"/>
+          <a:p>
+            <a:endParaRPr b="0" lang="en-US" sz="3200" spc="-1" strike="noStrike">
+              <a:solidFill>
+                <a:srgbClr val="000000"/>
+              </a:solidFill>
+              <a:uFill>
+                <a:solidFill>
+                  <a:srgbClr val="ffffff"/>
+                </a:solidFill>
+              </a:uFill>
+              <a:latin typeface="Arial"/>
+            </a:endParaRPr>
+          </a:p>
+        </p:txBody>
+      </p:sp>
+      <p:sp>
+        <p:nvSpPr>
+          <p:cNvPr id="136" name="PlaceHolder 3"/>
+          <p:cNvSpPr>
+            <a:spLocks noGrp="1"/>
+          </p:cNvSpPr>
+          <p:nvPr>
+            <p:ph type="body"/>
+          </p:nvPr>
+        </p:nvSpPr>
+        <p:spPr>
+          <a:xfrm>
+            <a:off x="5152680" y="1768680"/>
+            <a:ext cx="4426920" cy="2090880"/>
+          </a:xfrm>
+          <a:prstGeom prst="rect">
+            <a:avLst/>
+          </a:prstGeom>
+        </p:spPr>
+        <p:txBody>
+          <a:bodyPr lIns="0" rIns="0" tIns="0" bIns="0"/>
+          <a:p>
+            <a:endParaRPr b="0" lang="en-US" sz="3200" spc="-1" strike="noStrike">
+              <a:solidFill>
+                <a:srgbClr val="000000"/>
+              </a:solidFill>
+              <a:uFill>
+                <a:solidFill>
+                  <a:srgbClr val="ffffff"/>
+                </a:solidFill>
+              </a:uFill>
+              <a:latin typeface="Arial"/>
+            </a:endParaRPr>
+          </a:p>
+        </p:txBody>
+      </p:sp>
+      <p:sp>
+        <p:nvSpPr>
+          <p:cNvPr id="137" name="PlaceHolder 4"/>
+          <p:cNvSpPr>
+            <a:spLocks noGrp="1"/>
+          </p:cNvSpPr>
+          <p:nvPr>
+            <p:ph type="body"/>
+          </p:nvPr>
+        </p:nvSpPr>
+        <p:spPr>
+          <a:xfrm>
+            <a:off x="5152680" y="4058640"/>
+            <a:ext cx="4426920" cy="2090880"/>
+          </a:xfrm>
+          <a:prstGeom prst="rect">
+            <a:avLst/>
+          </a:prstGeom>
+        </p:spPr>
+        <p:txBody>
+          <a:bodyPr lIns="0" rIns="0" tIns="0" bIns="0"/>
+          <a:p>
+            <a:endParaRPr b="0" lang="en-US" sz="3200" spc="-1" strike="noStrike">
+              <a:solidFill>
+                <a:srgbClr val="000000"/>
+              </a:solidFill>
+              <a:uFill>
+                <a:solidFill>
+                  <a:srgbClr val="ffffff"/>
+                </a:solidFill>
+              </a:uFill>
+              <a:latin typeface="Arial"/>
+            </a:endParaRPr>
+          </a:p>
+        </p:txBody>
+      </p:sp>
+      <p:sp>
+        <p:nvSpPr>
+          <p:cNvPr id="138" name="PlaceHolder 5"/>
+          <p:cNvSpPr>
+            <a:spLocks noGrp="1"/>
+          </p:cNvSpPr>
+          <p:nvPr>
+            <p:ph type="body"/>
+          </p:nvPr>
+        </p:nvSpPr>
+        <p:spPr>
+          <a:xfrm>
+            <a:off x="504000" y="4058640"/>
+            <a:ext cx="4426920" cy="2090880"/>
+          </a:xfrm>
+          <a:prstGeom prst="rect">
+            <a:avLst/>
+          </a:prstGeom>
+        </p:spPr>
+        <p:txBody>
+          <a:bodyPr lIns="0" rIns="0" tIns="0" bIns="0"/>
+          <a:p>
+            <a:endParaRPr b="0" lang="en-US" sz="3200" spc="-1" strike="noStrike">
+              <a:solidFill>
+                <a:srgbClr val="000000"/>
+              </a:solidFill>
+              <a:uFill>
+                <a:solidFill>
+                  <a:srgbClr val="ffffff"/>
+                </a:solidFill>
+              </a:uFill>
+              <a:latin typeface="Arial"/>
+            </a:endParaRPr>
+          </a:p>
+        </p:txBody>
+      </p:sp>
+    </p:spTree>
+  </p:cSld>
+</p:sldLayout>
+</file>
+
+<file path=ppt/slideLayouts/slideLayout48.xml><?xml version="1.0" encoding="utf-8"?>
+<p:sldLayout xmlns:a="http://schemas.openxmlformats.org/drawingml/2006/main" xmlns:p="http://schemas.openxmlformats.org/presentationml/2006/main" xmlns:r="http://schemas.openxmlformats.org/officeDocument/2006/relationships" xmlns:p14="http://schemas.microsoft.com/office/powerpoint/2010/main" xmlns:p15="http://schemas.microsoft.com/office/powerpoint/2012/main" xmlns:mc="http://schemas.openxmlformats.org/markup-compatibility/2006" type="blank" preserve="1">
+  <p:cSld name="Title, 6 Content">
+    <p:spTree>
+      <p:nvGrpSpPr>
+        <p:cNvPr id="1" name=""/>
+        <p:cNvGrpSpPr/>
+        <p:nvPr/>
+      </p:nvGrpSpPr>
+      <p:grpSpPr>
+        <a:xfrm>
+          <a:off x="0" y="0"/>
+          <a:ext cx="0" cy="0"/>
+          <a:chOff x="0" y="0"/>
+          <a:chExt cx="0" cy="0"/>
+        </a:xfrm>
+      </p:grpSpPr>
+      <p:sp>
+        <p:nvSpPr>
+          <p:cNvPr id="139" name="PlaceHolder 1"/>
+          <p:cNvSpPr>
+            <a:spLocks noGrp="1"/>
+          </p:cNvSpPr>
+          <p:nvPr>
+            <p:ph type="title"/>
+          </p:nvPr>
+        </p:nvSpPr>
+        <p:spPr>
+          <a:xfrm>
+            <a:off x="504000" y="301320"/>
+            <a:ext cx="9072000" cy="1261800"/>
+          </a:xfrm>
+          <a:prstGeom prst="rect">
+            <a:avLst/>
+          </a:prstGeom>
+        </p:spPr>
+        <p:txBody>
+          <a:bodyPr lIns="0" rIns="0" tIns="0" bIns="0" anchor="ctr"/>
+          <a:p>
+            <a:pPr algn="ctr"/>
+            <a:endParaRPr b="0" lang="en-US" sz="4400" spc="-1" strike="noStrike">
+              <a:solidFill>
+                <a:srgbClr val="000000"/>
+              </a:solidFill>
+              <a:uFill>
+                <a:solidFill>
+                  <a:srgbClr val="ffffff"/>
+                </a:solidFill>
+              </a:uFill>
+              <a:latin typeface="Arial"/>
+            </a:endParaRPr>
+          </a:p>
+        </p:txBody>
+      </p:sp>
+      <p:sp>
+        <p:nvSpPr>
+          <p:cNvPr id="140" name="PlaceHolder 2"/>
+          <p:cNvSpPr>
+            <a:spLocks noGrp="1"/>
+          </p:cNvSpPr>
+          <p:nvPr>
+            <p:ph type="body"/>
+          </p:nvPr>
+        </p:nvSpPr>
+        <p:spPr>
+          <a:xfrm>
+            <a:off x="504000" y="1768680"/>
+            <a:ext cx="9072000" cy="4384080"/>
+          </a:xfrm>
+          <a:prstGeom prst="rect">
+            <a:avLst/>
+          </a:prstGeom>
+        </p:spPr>
+        <p:txBody>
+          <a:bodyPr lIns="0" rIns="0" tIns="0" bIns="0"/>
+          <a:p>
+            <a:endParaRPr b="0" lang="en-US" sz="3200" spc="-1" strike="noStrike">
+              <a:solidFill>
+                <a:srgbClr val="000000"/>
+              </a:solidFill>
+              <a:uFill>
+                <a:solidFill>
+                  <a:srgbClr val="ffffff"/>
+                </a:solidFill>
+              </a:uFill>
+              <a:latin typeface="Arial"/>
+            </a:endParaRPr>
+          </a:p>
+        </p:txBody>
+      </p:sp>
+      <p:sp>
+        <p:nvSpPr>
+          <p:cNvPr id="141" name="PlaceHolder 3"/>
+          <p:cNvSpPr>
+            <a:spLocks noGrp="1"/>
+          </p:cNvSpPr>
+          <p:nvPr>
+            <p:ph type="body"/>
+          </p:nvPr>
+        </p:nvSpPr>
+        <p:spPr>
+          <a:xfrm>
+            <a:off x="504000" y="1768680"/>
+            <a:ext cx="9072000" cy="4384080"/>
+          </a:xfrm>
+          <a:prstGeom prst="rect">
+            <a:avLst/>
+          </a:prstGeom>
+        </p:spPr>
+        <p:txBody>
+          <a:bodyPr lIns="0" rIns="0" tIns="0" bIns="0"/>
+          <a:p>
+            <a:endParaRPr b="0" lang="en-US" sz="3200" spc="-1" strike="noStrike">
+              <a:solidFill>
+                <a:srgbClr val="000000"/>
+              </a:solidFill>
+              <a:uFill>
+                <a:solidFill>
+                  <a:srgbClr val="ffffff"/>
+                </a:solidFill>
+              </a:uFill>
+              <a:latin typeface="Arial"/>
+            </a:endParaRPr>
+          </a:p>
+        </p:txBody>
+      </p:sp>
+      <p:pic>
+        <p:nvPicPr>
+          <p:cNvPr id="142" name="" descr=""/>
+          <p:cNvPicPr/>
+          <p:nvPr/>
+        </p:nvPicPr>
+        <p:blipFill>
+          <a:blip r:embed="rId2"/>
+          <a:stretch/>
+        </p:blipFill>
+        <p:spPr>
+          <a:xfrm>
+            <a:off x="2292480" y="1768680"/>
+            <a:ext cx="5494680" cy="4384080"/>
+          </a:xfrm>
+          <a:prstGeom prst="rect">
+            <a:avLst/>
+          </a:prstGeom>
+          <a:ln>
+            <a:noFill/>
+          </a:ln>
+        </p:spPr>
+      </p:pic>
+      <p:pic>
+        <p:nvPicPr>
+          <p:cNvPr id="143" name="" descr=""/>
+          <p:cNvPicPr/>
+          <p:nvPr/>
+        </p:nvPicPr>
+        <p:blipFill>
+          <a:blip r:embed="rId3"/>
+          <a:stretch/>
+        </p:blipFill>
+        <p:spPr>
+          <a:xfrm>
+            <a:off x="2292480" y="1768680"/>
+            <a:ext cx="5494680" cy="4384080"/>
+          </a:xfrm>
+          <a:prstGeom prst="rect">
+            <a:avLst/>
+          </a:prstGeom>
+          <a:ln>
+            <a:noFill/>
+          </a:ln>
+        </p:spPr>
+      </p:pic>
     </p:spTree>
   </p:cSld>
 </p:sldLayout>
@@ -5363,7 +7990,7 @@
         <p:spPr>
           <a:xfrm>
             <a:off x="504000" y="301320"/>
-            <a:ext cx="9071640" cy="1261440"/>
+            <a:ext cx="9072000" cy="1261800"/>
           </a:xfrm>
           <a:prstGeom prst="rect">
             <a:avLst/>
@@ -5422,7 +8049,7 @@
         <p:spPr>
           <a:xfrm>
             <a:off x="504000" y="301320"/>
-            <a:ext cx="9071640" cy="5848560"/>
+            <a:ext cx="9072000" cy="5850360"/>
           </a:xfrm>
           <a:prstGeom prst="rect">
             <a:avLst/>
@@ -5481,7 +8108,7 @@
         <p:spPr>
           <a:xfrm>
             <a:off x="504000" y="301320"/>
-            <a:ext cx="9071640" cy="1261440"/>
+            <a:ext cx="9072000" cy="1261800"/>
           </a:xfrm>
           <a:prstGeom prst="rect">
             <a:avLst/>
@@ -5590,7 +8217,7 @@
         <p:spPr>
           <a:xfrm>
             <a:off x="5152680" y="1768680"/>
-            <a:ext cx="4426920" cy="4383720"/>
+            <a:ext cx="4426920" cy="4384080"/>
           </a:xfrm>
           <a:prstGeom prst="rect">
             <a:avLst/>
@@ -5648,7 +8275,7 @@
         <p:spPr>
           <a:xfrm>
             <a:off x="504000" y="301320"/>
-            <a:ext cx="9071640" cy="1261440"/>
+            <a:ext cx="9072000" cy="1261800"/>
           </a:xfrm>
           <a:prstGeom prst="rect">
             <a:avLst/>
@@ -5685,7 +8312,7 @@
         <p:spPr>
           <a:xfrm>
             <a:off x="504000" y="1768680"/>
-            <a:ext cx="4426920" cy="4383720"/>
+            <a:ext cx="4426920" cy="4384080"/>
           </a:xfrm>
           <a:prstGeom prst="rect">
             <a:avLst/>
@@ -5815,7 +8442,7 @@
         <p:spPr>
           <a:xfrm>
             <a:off x="504000" y="301320"/>
-            <a:ext cx="9071640" cy="1261440"/>
+            <a:ext cx="9072000" cy="1261800"/>
           </a:xfrm>
           <a:prstGeom prst="rect">
             <a:avLst/>
@@ -5924,7 +8551,7 @@
         <p:spPr>
           <a:xfrm>
             <a:off x="504000" y="4058640"/>
-            <a:ext cx="9071640" cy="2090880"/>
+            <a:ext cx="9072000" cy="2090880"/>
           </a:xfrm>
           <a:prstGeom prst="rect">
             <a:avLst/>
@@ -6694,7 +9321,7 @@
         <p:spPr>
           <a:xfrm>
             <a:off x="504000" y="301320"/>
-            <a:ext cx="9071640" cy="1261440"/>
+            <a:ext cx="9072000" cy="1261800"/>
           </a:xfrm>
           <a:prstGeom prst="rect">
             <a:avLst/>
@@ -6704,6 +9331,20 @@
           <a:bodyPr lIns="0" rIns="0" tIns="0" bIns="0" anchor="ctr"/>
           <a:p>
             <a:pPr algn="ctr"/>
+            <a:r>
+              <a:rPr b="0" lang="en-US" sz="4400" spc="-1" strike="noStrike">
+                <a:solidFill>
+                  <a:srgbClr val="000000"/>
+                </a:solidFill>
+                <a:uFill>
+                  <a:solidFill>
+                    <a:srgbClr val="ffffff"/>
+                  </a:solidFill>
+                </a:uFill>
+                <a:latin typeface="Arial"/>
+              </a:rPr>
+              <a:t>Click to edit the title text format</a:t>
+            </a:r>
             <a:endParaRPr b="0" lang="en-US" sz="4400" spc="-1" strike="noStrike">
               <a:solidFill>
                 <a:srgbClr val="000000"/>
@@ -6731,7 +9372,7 @@
         <p:spPr>
           <a:xfrm>
             <a:off x="504000" y="1768680"/>
-            <a:ext cx="9071640" cy="4383720"/>
+            <a:ext cx="9072000" cy="4384080"/>
           </a:xfrm>
           <a:prstGeom prst="rect">
             <a:avLst/>
@@ -6749,7 +9390,7 @@
               <a:buChar char=""/>
             </a:pPr>
             <a:r>
-              <a:rPr b="0" lang="en-US" sz="1800" spc="-1" strike="noStrike">
+              <a:rPr b="0" lang="en-US" sz="3200" spc="-1" strike="noStrike">
                 <a:solidFill>
                   <a:srgbClr val="000000"/>
                 </a:solidFill>
@@ -6762,7 +9403,7 @@
               </a:rPr>
               <a:t>Click to edit the outline text format</a:t>
             </a:r>
-            <a:endParaRPr b="0" lang="en-US" sz="1800" spc="-1" strike="noStrike">
+            <a:endParaRPr b="0" lang="en-US" sz="3200" spc="-1" strike="noStrike">
               <a:solidFill>
                 <a:srgbClr val="000000"/>
               </a:solidFill>
@@ -6784,7 +9425,7 @@
               <a:buChar char=""/>
             </a:pPr>
             <a:r>
-              <a:rPr b="0" lang="en-US" sz="1800" spc="-1" strike="noStrike">
+              <a:rPr b="0" lang="en-US" sz="2800" spc="-1" strike="noStrike">
                 <a:solidFill>
                   <a:srgbClr val="000000"/>
                 </a:solidFill>
@@ -6797,7 +9438,7 @@
               </a:rPr>
               <a:t>Second Outline Level</a:t>
             </a:r>
-            <a:endParaRPr b="0" lang="en-US" sz="1800" spc="-1" strike="noStrike">
+            <a:endParaRPr b="0" lang="en-US" sz="2800" spc="-1" strike="noStrike">
               <a:solidFill>
                 <a:srgbClr val="000000"/>
               </a:solidFill>
@@ -6819,7 +9460,7 @@
               <a:buChar char=""/>
             </a:pPr>
             <a:r>
-              <a:rPr b="0" lang="en-US" sz="1800" spc="-1" strike="noStrike">
+              <a:rPr b="0" lang="en-US" sz="2400" spc="-1" strike="noStrike">
                 <a:solidFill>
                   <a:srgbClr val="000000"/>
                 </a:solidFill>
@@ -6832,7 +9473,7 @@
               </a:rPr>
               <a:t>Third Outline Level</a:t>
             </a:r>
-            <a:endParaRPr b="0" lang="en-US" sz="1800" spc="-1" strike="noStrike">
+            <a:endParaRPr b="0" lang="en-US" sz="2400" spc="-1" strike="noStrike">
               <a:solidFill>
                 <a:srgbClr val="000000"/>
               </a:solidFill>
@@ -6854,7 +9495,7 @@
               <a:buChar char=""/>
             </a:pPr>
             <a:r>
-              <a:rPr b="0" lang="en-US" sz="1800" spc="-1" strike="noStrike">
+              <a:rPr b="0" lang="en-US" sz="2000" spc="-1" strike="noStrike">
                 <a:solidFill>
                   <a:srgbClr val="000000"/>
                 </a:solidFill>
@@ -6867,7 +9508,7 @@
               </a:rPr>
               <a:t>Fourth Outline Level</a:t>
             </a:r>
-            <a:endParaRPr b="0" lang="en-US" sz="1800" spc="-1" strike="noStrike">
+            <a:endParaRPr b="0" lang="en-US" sz="2000" spc="-1" strike="noStrike">
               <a:solidFill>
                 <a:srgbClr val="000000"/>
               </a:solidFill>
@@ -6889,7 +9530,7 @@
               <a:buChar char=""/>
             </a:pPr>
             <a:r>
-              <a:rPr b="0" lang="en-US" sz="1800" spc="-1" strike="noStrike">
+              <a:rPr b="0" lang="en-US" sz="2000" spc="-1" strike="noStrike">
                 <a:solidFill>
                   <a:srgbClr val="000000"/>
                 </a:solidFill>
@@ -6902,7 +9543,7 @@
               </a:rPr>
               <a:t>Fifth Outline Level</a:t>
             </a:r>
-            <a:endParaRPr b="0" lang="en-US" sz="1800" spc="-1" strike="noStrike">
+            <a:endParaRPr b="0" lang="en-US" sz="2000" spc="-1" strike="noStrike">
               <a:solidFill>
                 <a:srgbClr val="000000"/>
               </a:solidFill>
@@ -6924,7 +9565,7 @@
               <a:buChar char=""/>
             </a:pPr>
             <a:r>
-              <a:rPr b="0" lang="en-US" sz="1800" spc="-1" strike="noStrike">
+              <a:rPr b="0" lang="en-US" sz="2000" spc="-1" strike="noStrike">
                 <a:solidFill>
                   <a:srgbClr val="000000"/>
                 </a:solidFill>
@@ -6937,7 +9578,7 @@
               </a:rPr>
               <a:t>Sixth Outline Level</a:t>
             </a:r>
-            <a:endParaRPr b="0" lang="en-US" sz="1800" spc="-1" strike="noStrike">
+            <a:endParaRPr b="0" lang="en-US" sz="2000" spc="-1" strike="noStrike">
               <a:solidFill>
                 <a:srgbClr val="000000"/>
               </a:solidFill>
@@ -6959,7 +9600,7 @@
               <a:buChar char=""/>
             </a:pPr>
             <a:r>
-              <a:rPr b="0" lang="en-US" sz="1800" spc="-1" strike="noStrike">
+              <a:rPr b="0" lang="en-US" sz="2000" spc="-1" strike="noStrike">
                 <a:solidFill>
                   <a:srgbClr val="000000"/>
                 </a:solidFill>
@@ -6972,7 +9613,7 @@
               </a:rPr>
               <a:t>Seventh Outline Level</a:t>
             </a:r>
-            <a:endParaRPr b="0" lang="en-US" sz="1800" spc="-1" strike="noStrike">
+            <a:endParaRPr b="0" lang="en-US" sz="2000" spc="-1" strike="noStrike">
               <a:solidFill>
                 <a:srgbClr val="000000"/>
               </a:solidFill>
@@ -7002,6 +9643,362 @@
     <p:sldLayoutId id="2147483684" r:id="rId11"/>
     <p:sldLayoutId id="2147483685" r:id="rId12"/>
     <p:sldLayoutId id="2147483686" r:id="rId13"/>
+  </p:sldLayoutIdLst>
+</p:sldMaster>
+</file>
+
+<file path=ppt/slideMasters/slideMaster4.xml><?xml version="1.0" encoding="utf-8"?>
+<p:sldMaster xmlns:a="http://schemas.openxmlformats.org/drawingml/2006/main" xmlns:p="http://schemas.openxmlformats.org/presentationml/2006/main" xmlns:r="http://schemas.openxmlformats.org/officeDocument/2006/relationships" xmlns:p14="http://schemas.microsoft.com/office/powerpoint/2010/main" xmlns:p15="http://schemas.microsoft.com/office/powerpoint/2012/main" xmlns:mc="http://schemas.openxmlformats.org/markup-compatibility/2006">
+  <p:cSld>
+    <p:spTree>
+      <p:nvGrpSpPr>
+        <p:cNvPr id="1" name=""/>
+        <p:cNvGrpSpPr/>
+        <p:nvPr/>
+      </p:nvGrpSpPr>
+      <p:grpSpPr>
+        <a:xfrm>
+          <a:off x="0" y="0"/>
+          <a:ext cx="0" cy="0"/>
+          <a:chOff x="0" y="0"/>
+          <a:chExt cx="0" cy="0"/>
+        </a:xfrm>
+      </p:grpSpPr>
+      <p:sp>
+        <p:nvSpPr>
+          <p:cNvPr id="108" name="PlaceHolder 1"/>
+          <p:cNvSpPr>
+            <a:spLocks noGrp="1"/>
+          </p:cNvSpPr>
+          <p:nvPr>
+            <p:ph type="title"/>
+          </p:nvPr>
+        </p:nvSpPr>
+        <p:spPr>
+          <a:xfrm>
+            <a:off x="504000" y="301320"/>
+            <a:ext cx="9072000" cy="1261800"/>
+          </a:xfrm>
+          <a:prstGeom prst="rect">
+            <a:avLst/>
+          </a:prstGeom>
+        </p:spPr>
+        <p:txBody>
+          <a:bodyPr lIns="0" rIns="0" tIns="0" bIns="0" anchor="ctr"/>
+          <a:p>
+            <a:pPr algn="ctr"/>
+            <a:r>
+              <a:rPr b="0" lang="en-US" sz="4400" spc="-1" strike="noStrike">
+                <a:solidFill>
+                  <a:srgbClr val="000000"/>
+                </a:solidFill>
+                <a:uFill>
+                  <a:solidFill>
+                    <a:srgbClr val="ffffff"/>
+                  </a:solidFill>
+                </a:uFill>
+                <a:latin typeface="Arial"/>
+              </a:rPr>
+              <a:t>Click to edit the title text format</a:t>
+            </a:r>
+            <a:endParaRPr b="0" lang="en-US" sz="4400" spc="-1" strike="noStrike">
+              <a:solidFill>
+                <a:srgbClr val="000000"/>
+              </a:solidFill>
+              <a:uFill>
+                <a:solidFill>
+                  <a:srgbClr val="ffffff"/>
+                </a:solidFill>
+              </a:uFill>
+              <a:latin typeface="Arial"/>
+            </a:endParaRPr>
+          </a:p>
+        </p:txBody>
+      </p:sp>
+      <p:sp>
+        <p:nvSpPr>
+          <p:cNvPr id="109" name="PlaceHolder 2"/>
+          <p:cNvSpPr>
+            <a:spLocks noGrp="1"/>
+          </p:cNvSpPr>
+          <p:nvPr>
+            <p:ph type="body"/>
+          </p:nvPr>
+        </p:nvSpPr>
+        <p:spPr>
+          <a:xfrm>
+            <a:off x="504000" y="1768680"/>
+            <a:ext cx="9072000" cy="4384080"/>
+          </a:xfrm>
+          <a:prstGeom prst="rect">
+            <a:avLst/>
+          </a:prstGeom>
+        </p:spPr>
+        <p:txBody>
+          <a:bodyPr lIns="0" rIns="0" tIns="0" bIns="0"/>
+          <a:p>
+            <a:pPr marL="432000" indent="-324000">
+              <a:buClr>
+                <a:srgbClr val="000000"/>
+              </a:buClr>
+              <a:buSzPct val="45000"/>
+              <a:buFont typeface="Wingdings" charset="2"/>
+              <a:buChar char=""/>
+            </a:pPr>
+            <a:r>
+              <a:rPr b="0" lang="en-US" sz="3200" spc="-1" strike="noStrike">
+                <a:solidFill>
+                  <a:srgbClr val="000000"/>
+                </a:solidFill>
+                <a:uFill>
+                  <a:solidFill>
+                    <a:srgbClr val="ffffff"/>
+                  </a:solidFill>
+                </a:uFill>
+                <a:latin typeface="Arial"/>
+              </a:rPr>
+              <a:t>Click to edit the outline text format</a:t>
+            </a:r>
+            <a:endParaRPr b="0" lang="en-US" sz="3200" spc="-1" strike="noStrike">
+              <a:solidFill>
+                <a:srgbClr val="000000"/>
+              </a:solidFill>
+              <a:uFill>
+                <a:solidFill>
+                  <a:srgbClr val="ffffff"/>
+                </a:solidFill>
+              </a:uFill>
+              <a:latin typeface="Arial"/>
+            </a:endParaRPr>
+          </a:p>
+          <a:p>
+            <a:pPr lvl="1" marL="864000" indent="-324000">
+              <a:buClr>
+                <a:srgbClr val="000000"/>
+              </a:buClr>
+              <a:buSzPct val="75000"/>
+              <a:buFont typeface="Symbol" charset="2"/>
+              <a:buChar char=""/>
+            </a:pPr>
+            <a:r>
+              <a:rPr b="0" lang="en-US" sz="2800" spc="-1" strike="noStrike">
+                <a:solidFill>
+                  <a:srgbClr val="000000"/>
+                </a:solidFill>
+                <a:uFill>
+                  <a:solidFill>
+                    <a:srgbClr val="ffffff"/>
+                  </a:solidFill>
+                </a:uFill>
+                <a:latin typeface="Arial"/>
+              </a:rPr>
+              <a:t>Second Outline Level</a:t>
+            </a:r>
+            <a:endParaRPr b="0" lang="en-US" sz="2800" spc="-1" strike="noStrike">
+              <a:solidFill>
+                <a:srgbClr val="000000"/>
+              </a:solidFill>
+              <a:uFill>
+                <a:solidFill>
+                  <a:srgbClr val="ffffff"/>
+                </a:solidFill>
+              </a:uFill>
+              <a:latin typeface="Arial"/>
+            </a:endParaRPr>
+          </a:p>
+          <a:p>
+            <a:pPr lvl="2" marL="1296000" indent="-288000">
+              <a:buClr>
+                <a:srgbClr val="000000"/>
+              </a:buClr>
+              <a:buSzPct val="45000"/>
+              <a:buFont typeface="Wingdings" charset="2"/>
+              <a:buChar char=""/>
+            </a:pPr>
+            <a:r>
+              <a:rPr b="0" lang="en-US" sz="2400" spc="-1" strike="noStrike">
+                <a:solidFill>
+                  <a:srgbClr val="000000"/>
+                </a:solidFill>
+                <a:uFill>
+                  <a:solidFill>
+                    <a:srgbClr val="ffffff"/>
+                  </a:solidFill>
+                </a:uFill>
+                <a:latin typeface="Arial"/>
+              </a:rPr>
+              <a:t>Third Outline Level</a:t>
+            </a:r>
+            <a:endParaRPr b="0" lang="en-US" sz="2400" spc="-1" strike="noStrike">
+              <a:solidFill>
+                <a:srgbClr val="000000"/>
+              </a:solidFill>
+              <a:uFill>
+                <a:solidFill>
+                  <a:srgbClr val="ffffff"/>
+                </a:solidFill>
+              </a:uFill>
+              <a:latin typeface="Arial"/>
+            </a:endParaRPr>
+          </a:p>
+          <a:p>
+            <a:pPr lvl="3" marL="1728000" indent="-216000">
+              <a:buClr>
+                <a:srgbClr val="000000"/>
+              </a:buClr>
+              <a:buSzPct val="75000"/>
+              <a:buFont typeface="Symbol" charset="2"/>
+              <a:buChar char=""/>
+            </a:pPr>
+            <a:r>
+              <a:rPr b="0" lang="en-US" sz="2000" spc="-1" strike="noStrike">
+                <a:solidFill>
+                  <a:srgbClr val="000000"/>
+                </a:solidFill>
+                <a:uFill>
+                  <a:solidFill>
+                    <a:srgbClr val="ffffff"/>
+                  </a:solidFill>
+                </a:uFill>
+                <a:latin typeface="Arial"/>
+              </a:rPr>
+              <a:t>Fourth Outline Level</a:t>
+            </a:r>
+            <a:endParaRPr b="0" lang="en-US" sz="2000" spc="-1" strike="noStrike">
+              <a:solidFill>
+                <a:srgbClr val="000000"/>
+              </a:solidFill>
+              <a:uFill>
+                <a:solidFill>
+                  <a:srgbClr val="ffffff"/>
+                </a:solidFill>
+              </a:uFill>
+              <a:latin typeface="Arial"/>
+            </a:endParaRPr>
+          </a:p>
+          <a:p>
+            <a:pPr lvl="4" marL="2160000" indent="-216000">
+              <a:buClr>
+                <a:srgbClr val="000000"/>
+              </a:buClr>
+              <a:buSzPct val="45000"/>
+              <a:buFont typeface="Wingdings" charset="2"/>
+              <a:buChar char=""/>
+            </a:pPr>
+            <a:r>
+              <a:rPr b="0" lang="en-US" sz="2000" spc="-1" strike="noStrike">
+                <a:solidFill>
+                  <a:srgbClr val="000000"/>
+                </a:solidFill>
+                <a:uFill>
+                  <a:solidFill>
+                    <a:srgbClr val="ffffff"/>
+                  </a:solidFill>
+                </a:uFill>
+                <a:latin typeface="Arial"/>
+              </a:rPr>
+              <a:t>Fifth Outline Level</a:t>
+            </a:r>
+            <a:endParaRPr b="0" lang="en-US" sz="2000" spc="-1" strike="noStrike">
+              <a:solidFill>
+                <a:srgbClr val="000000"/>
+              </a:solidFill>
+              <a:uFill>
+                <a:solidFill>
+                  <a:srgbClr val="ffffff"/>
+                </a:solidFill>
+              </a:uFill>
+              <a:latin typeface="Arial"/>
+            </a:endParaRPr>
+          </a:p>
+          <a:p>
+            <a:pPr lvl="5" marL="2592000" indent="-216000">
+              <a:buClr>
+                <a:srgbClr val="000000"/>
+              </a:buClr>
+              <a:buSzPct val="45000"/>
+              <a:buFont typeface="Wingdings" charset="2"/>
+              <a:buChar char=""/>
+            </a:pPr>
+            <a:r>
+              <a:rPr b="0" lang="en-US" sz="2000" spc="-1" strike="noStrike">
+                <a:solidFill>
+                  <a:srgbClr val="000000"/>
+                </a:solidFill>
+                <a:uFill>
+                  <a:solidFill>
+                    <a:srgbClr val="ffffff"/>
+                  </a:solidFill>
+                </a:uFill>
+                <a:latin typeface="Arial"/>
+              </a:rPr>
+              <a:t>Sixth Outline Level</a:t>
+            </a:r>
+            <a:endParaRPr b="0" lang="en-US" sz="2000" spc="-1" strike="noStrike">
+              <a:solidFill>
+                <a:srgbClr val="000000"/>
+              </a:solidFill>
+              <a:uFill>
+                <a:solidFill>
+                  <a:srgbClr val="ffffff"/>
+                </a:solidFill>
+              </a:uFill>
+              <a:latin typeface="Arial"/>
+            </a:endParaRPr>
+          </a:p>
+          <a:p>
+            <a:pPr lvl="6" marL="3024000" indent="-216000">
+              <a:buClr>
+                <a:srgbClr val="000000"/>
+              </a:buClr>
+              <a:buSzPct val="45000"/>
+              <a:buFont typeface="Wingdings" charset="2"/>
+              <a:buChar char=""/>
+            </a:pPr>
+            <a:r>
+              <a:rPr b="0" lang="en-US" sz="2000" spc="-1" strike="noStrike">
+                <a:solidFill>
+                  <a:srgbClr val="000000"/>
+                </a:solidFill>
+                <a:uFill>
+                  <a:solidFill>
+                    <a:srgbClr val="ffffff"/>
+                  </a:solidFill>
+                </a:uFill>
+                <a:latin typeface="Arial"/>
+              </a:rPr>
+              <a:t>Seventh Outline Level</a:t>
+            </a:r>
+            <a:endParaRPr b="0" lang="en-US" sz="2000" spc="-1" strike="noStrike">
+              <a:solidFill>
+                <a:srgbClr val="000000"/>
+              </a:solidFill>
+              <a:uFill>
+                <a:solidFill>
+                  <a:srgbClr val="ffffff"/>
+                </a:solidFill>
+              </a:uFill>
+              <a:latin typeface="Arial"/>
+            </a:endParaRPr>
+          </a:p>
+        </p:txBody>
+      </p:sp>
+    </p:spTree>
+  </p:cSld>
+  <p:clrMap bg1="lt1" bg2="lt2" tx1="dk1" tx2="dk2" accent1="accent1" accent2="accent2" accent3="accent3" accent4="accent4" accent5="accent5" accent6="accent6" hlink="hlink" folHlink="folHlink"/>
+  <p:sldLayoutIdLst>
+    <p:sldLayoutId id="2147483688" r:id="rId2"/>
+    <p:sldLayoutId id="2147483689" r:id="rId3"/>
+    <p:sldLayoutId id="2147483690" r:id="rId4"/>
+    <p:sldLayoutId id="2147483691" r:id="rId5"/>
+    <p:sldLayoutId id="2147483692" r:id="rId6"/>
+    <p:sldLayoutId id="2147483693" r:id="rId7"/>
+    <p:sldLayoutId id="2147483694" r:id="rId8"/>
+    <p:sldLayoutId id="2147483695" r:id="rId9"/>
+    <p:sldLayoutId id="2147483696" r:id="rId10"/>
+    <p:sldLayoutId id="2147483697" r:id="rId11"/>
+    <p:sldLayoutId id="2147483698" r:id="rId12"/>
+    <p:sldLayoutId id="2147483699" r:id="rId13"/>
   </p:sldLayoutIdLst>
 </p:sldMaster>
 </file>
@@ -7025,14 +10022,14 @@
       </p:grpSpPr>
       <p:sp>
         <p:nvSpPr>
-          <p:cNvPr id="113" name="CustomShape 1"/>
+          <p:cNvPr id="149" name="CustomShape 1"/>
           <p:cNvSpPr/>
           <p:nvPr/>
         </p:nvSpPr>
         <p:spPr>
           <a:xfrm>
             <a:off x="504000" y="301320"/>
-            <a:ext cx="9070560" cy="1261080"/>
+            <a:ext cx="9069480" cy="1260000"/>
           </a:xfrm>
           <a:prstGeom prst="rect">
             <a:avLst/>
@@ -7087,14 +10084,14 @@
       </p:sp>
       <p:sp>
         <p:nvSpPr>
-          <p:cNvPr id="114" name="CustomShape 2"/>
+          <p:cNvPr id="150" name="CustomShape 2"/>
           <p:cNvSpPr/>
           <p:nvPr/>
         </p:nvSpPr>
         <p:spPr>
           <a:xfrm>
             <a:off x="731520" y="1828800"/>
-            <a:ext cx="9051480" cy="714240"/>
+            <a:ext cx="9050400" cy="713160"/>
           </a:xfrm>
           <a:prstGeom prst="rect">
             <a:avLst/>
@@ -7231,14 +10228,14 @@
       </p:grpSpPr>
       <p:sp>
         <p:nvSpPr>
-          <p:cNvPr id="115" name="CustomShape 1"/>
+          <p:cNvPr id="151" name="CustomShape 1"/>
           <p:cNvSpPr/>
           <p:nvPr/>
         </p:nvSpPr>
         <p:spPr>
           <a:xfrm>
             <a:off x="504000" y="301320"/>
-            <a:ext cx="9070560" cy="1261080"/>
+            <a:ext cx="9069480" cy="1260000"/>
           </a:xfrm>
           <a:prstGeom prst="rect">
             <a:avLst/>
@@ -7293,14 +10290,14 @@
       </p:sp>
       <p:sp>
         <p:nvSpPr>
-          <p:cNvPr id="116" name="CustomShape 2"/>
+          <p:cNvPr id="152" name="CustomShape 2"/>
           <p:cNvSpPr/>
           <p:nvPr/>
         </p:nvSpPr>
         <p:spPr>
           <a:xfrm>
             <a:off x="504000" y="1769040"/>
-            <a:ext cx="9070560" cy="4383360"/>
+            <a:ext cx="9069480" cy="4382280"/>
           </a:xfrm>
           <a:prstGeom prst="rect">
             <a:avLst/>
@@ -7319,7 +10316,7 @@
         <p:txBody>
           <a:bodyPr lIns="0" rIns="0" tIns="0" bIns="0"/>
           <a:p>
-            <a:pPr marL="432000" indent="-322920">
+            <a:pPr marL="432000" indent="-321840">
               <a:lnSpc>
                 <a:spcPct val="100000"/>
               </a:lnSpc>
@@ -7358,7 +10355,7 @@
             </a:endParaRPr>
           </a:p>
           <a:p>
-            <a:pPr marL="432000" indent="-322920">
+            <a:pPr marL="432000" indent="-321840">
               <a:lnSpc>
                 <a:spcPct val="100000"/>
               </a:lnSpc>
@@ -7397,7 +10394,7 @@
             </a:endParaRPr>
           </a:p>
           <a:p>
-            <a:pPr marL="432000" indent="-322920">
+            <a:pPr marL="432000" indent="-321840">
               <a:lnSpc>
                 <a:spcPct val="100000"/>
               </a:lnSpc>
@@ -7439,7 +10436,7 @@
       </p:sp>
       <p:pic>
         <p:nvPicPr>
-          <p:cNvPr id="117" name="" descr=""/>
+          <p:cNvPr id="153" name="" descr=""/>
           <p:cNvPicPr/>
           <p:nvPr/>
         </p:nvPicPr>
@@ -7450,7 +10447,7 @@
         <p:spPr>
           <a:xfrm>
             <a:off x="799200" y="5109480"/>
-            <a:ext cx="2948760" cy="1656000"/>
+            <a:ext cx="2947680" cy="1654920"/>
           </a:xfrm>
           <a:prstGeom prst="rect">
             <a:avLst/>
@@ -7462,7 +10459,7 @@
       </p:pic>
       <p:pic>
         <p:nvPicPr>
-          <p:cNvPr id="118" name="" descr=""/>
+          <p:cNvPr id="154" name="" descr=""/>
           <p:cNvPicPr/>
           <p:nvPr/>
         </p:nvPicPr>
@@ -7473,7 +10470,7 @@
         <p:spPr>
           <a:xfrm>
             <a:off x="5887440" y="5111640"/>
-            <a:ext cx="2952360" cy="1653840"/>
+            <a:ext cx="2951280" cy="1652760"/>
           </a:xfrm>
           <a:prstGeom prst="rect">
             <a:avLst/>
@@ -7534,14 +10531,14 @@
       </p:grpSpPr>
       <p:sp>
         <p:nvSpPr>
-          <p:cNvPr id="119" name="CustomShape 1"/>
+          <p:cNvPr id="155" name="CustomShape 1"/>
           <p:cNvSpPr/>
           <p:nvPr/>
         </p:nvSpPr>
         <p:spPr>
           <a:xfrm>
             <a:off x="504000" y="301320"/>
-            <a:ext cx="9070560" cy="1261080"/>
+            <a:ext cx="9069480" cy="1260000"/>
           </a:xfrm>
           <a:prstGeom prst="rect">
             <a:avLst/>
@@ -7596,14 +10593,14 @@
       </p:sp>
       <p:sp>
         <p:nvSpPr>
-          <p:cNvPr id="120" name="CustomShape 2"/>
+          <p:cNvPr id="156" name="CustomShape 2"/>
           <p:cNvSpPr/>
           <p:nvPr/>
         </p:nvSpPr>
         <p:spPr>
           <a:xfrm>
             <a:off x="640080" y="1828800"/>
-            <a:ext cx="8412120" cy="1913040"/>
+            <a:ext cx="8411040" cy="1911960"/>
           </a:xfrm>
           <a:prstGeom prst="rect">
             <a:avLst/>
@@ -7622,7 +10619,7 @@
         <p:txBody>
           <a:bodyPr lIns="90000" rIns="90000" tIns="45000" bIns="45000"/>
           <a:p>
-            <a:pPr marL="216000" indent="-215640">
+            <a:pPr marL="216000" indent="-214560">
               <a:lnSpc>
                 <a:spcPct val="100000"/>
               </a:lnSpc>
@@ -7644,6 +10641,7 @@
                   </a:solidFill>
                 </a:uFill>
                 <a:latin typeface="Arial"/>
+                <a:ea typeface="DejaVu Sans"/>
               </a:rPr>
               <a:t>Overall goal is privacy or anonymity</a:t>
             </a:r>
@@ -7660,7 +10658,7 @@
             </a:endParaRPr>
           </a:p>
           <a:p>
-            <a:pPr marL="216000" indent="-215640">
+            <a:pPr marL="216000" indent="-214560">
               <a:lnSpc>
                 <a:spcPct val="100000"/>
               </a:lnSpc>
@@ -7682,6 +10680,7 @@
                   </a:solidFill>
                 </a:uFill>
                 <a:latin typeface="Arial"/>
+                <a:ea typeface="DejaVu Sans"/>
               </a:rPr>
               <a:t>Users want services but don’t trust service providers</a:t>
             </a:r>
@@ -7698,7 +10697,7 @@
             </a:endParaRPr>
           </a:p>
           <a:p>
-            <a:pPr marL="216000" indent="-215640">
+            <a:pPr marL="216000" indent="-214560">
               <a:lnSpc>
                 <a:spcPct val="100000"/>
               </a:lnSpc>
@@ -7720,6 +10719,7 @@
                   </a:solidFill>
                 </a:uFill>
                 <a:latin typeface="Arial"/>
+                <a:ea typeface="DejaVu Sans"/>
               </a:rPr>
               <a:t> </a:t>
             </a:r>
@@ -7788,7 +10788,7 @@
       </p:grpSpPr>
       <p:pic>
         <p:nvPicPr>
-          <p:cNvPr id="121" name="" descr=""/>
+          <p:cNvPr id="157" name="" descr=""/>
           <p:cNvPicPr/>
           <p:nvPr/>
         </p:nvPicPr>
@@ -7799,7 +10799,7 @@
         <p:spPr>
           <a:xfrm>
             <a:off x="3840480" y="4572000"/>
-            <a:ext cx="4276080" cy="2814840"/>
+            <a:ext cx="4275000" cy="2813760"/>
           </a:xfrm>
           <a:prstGeom prst="rect">
             <a:avLst/>
@@ -7811,7 +10811,7 @@
       </p:pic>
       <p:pic>
         <p:nvPicPr>
-          <p:cNvPr id="122" name="" descr=""/>
+          <p:cNvPr id="158" name="" descr=""/>
           <p:cNvPicPr/>
           <p:nvPr/>
         </p:nvPicPr>
@@ -7822,7 +10822,7 @@
         <p:spPr>
           <a:xfrm>
             <a:off x="1920240" y="2131560"/>
-            <a:ext cx="6309000" cy="2257200"/>
+            <a:ext cx="6307920" cy="2256120"/>
           </a:xfrm>
           <a:prstGeom prst="rect">
             <a:avLst/>
@@ -7834,14 +10834,14 @@
       </p:pic>
       <p:sp>
         <p:nvSpPr>
-          <p:cNvPr id="123" name="CustomShape 1"/>
+          <p:cNvPr id="159" name="CustomShape 1"/>
           <p:cNvSpPr/>
           <p:nvPr/>
         </p:nvSpPr>
         <p:spPr>
           <a:xfrm>
             <a:off x="504000" y="301320"/>
-            <a:ext cx="9071640" cy="1261440"/>
+            <a:ext cx="9070560" cy="1260360"/>
           </a:xfrm>
           <a:prstGeom prst="rect">
             <a:avLst/>
@@ -7876,6 +10876,7 @@
                   </a:solidFill>
                 </a:uFill>
                 <a:latin typeface="Arial"/>
+                <a:ea typeface="DejaVu Sans"/>
               </a:rPr>
               <a:t>Private Information Retrieval</a:t>
             </a:r>
@@ -7895,14 +10896,14 @@
       </p:sp>
       <p:sp>
         <p:nvSpPr>
-          <p:cNvPr id="124" name="CustomShape 2"/>
+          <p:cNvPr id="160" name="CustomShape 2"/>
           <p:cNvSpPr/>
           <p:nvPr/>
         </p:nvSpPr>
         <p:spPr>
           <a:xfrm>
             <a:off x="504000" y="1768680"/>
-            <a:ext cx="9071640" cy="4383720"/>
+            <a:ext cx="9070560" cy="4382640"/>
           </a:xfrm>
           <a:prstGeom prst="rect">
             <a:avLst/>
@@ -7921,7 +10922,7 @@
         <p:txBody>
           <a:bodyPr lIns="0" rIns="0" tIns="0" bIns="0"/>
           <a:p>
-            <a:pPr marL="432000" indent="-323640">
+            <a:pPr marL="432000" indent="-322560">
               <a:lnSpc>
                 <a:spcPct val="100000"/>
               </a:lnSpc>
@@ -7943,6 +10944,7 @@
                   </a:solidFill>
                 </a:uFill>
                 <a:latin typeface="Arial"/>
+                <a:ea typeface="DejaVu Sans"/>
               </a:rPr>
               <a:t>Computational PIR</a:t>
             </a:r>
@@ -7959,7 +10961,7 @@
             </a:endParaRPr>
           </a:p>
           <a:p>
-            <a:pPr marL="432000" indent="-323640">
+            <a:pPr marL="432000" indent="-322560">
               <a:lnSpc>
                 <a:spcPct val="100000"/>
               </a:lnSpc>
@@ -7981,6 +10983,7 @@
                   </a:solidFill>
                 </a:uFill>
                 <a:latin typeface="Arial"/>
+                <a:ea typeface="DejaVu Sans"/>
               </a:rPr>
               <a:t> </a:t>
             </a:r>
@@ -7997,7 +11000,7 @@
             </a:endParaRPr>
           </a:p>
           <a:p>
-            <a:pPr marL="432000" indent="-323640">
+            <a:pPr marL="432000" indent="-322560">
               <a:lnSpc>
                 <a:spcPct val="100000"/>
               </a:lnSpc>
@@ -8019,6 +11022,7 @@
                   </a:solidFill>
                 </a:uFill>
                 <a:latin typeface="Arial"/>
+                <a:ea typeface="DejaVu Sans"/>
               </a:rPr>
               <a:t> </a:t>
             </a:r>
@@ -8035,7 +11039,7 @@
             </a:endParaRPr>
           </a:p>
           <a:p>
-            <a:pPr marL="432000" indent="-323640">
+            <a:pPr marL="432000" indent="-322560">
               <a:lnSpc>
                 <a:spcPct val="100000"/>
               </a:lnSpc>
@@ -8057,6 +11061,7 @@
                   </a:solidFill>
                 </a:uFill>
                 <a:latin typeface="Arial"/>
+                <a:ea typeface="DejaVu Sans"/>
               </a:rPr>
               <a:t> </a:t>
             </a:r>
@@ -8073,7 +11078,7 @@
             </a:endParaRPr>
           </a:p>
           <a:p>
-            <a:pPr marL="432000" indent="-323640">
+            <a:pPr marL="432000" indent="-322560">
               <a:lnSpc>
                 <a:spcPct val="100000"/>
               </a:lnSpc>
@@ -8095,6 +11100,7 @@
                   </a:solidFill>
                 </a:uFill>
                 <a:latin typeface="Arial"/>
+                <a:ea typeface="DejaVu Sans"/>
               </a:rPr>
               <a:t> </a:t>
             </a:r>
@@ -8111,7 +11117,7 @@
             </a:endParaRPr>
           </a:p>
           <a:p>
-            <a:pPr marL="432000" indent="-323640">
+            <a:pPr marL="432000" indent="-322560">
               <a:lnSpc>
                 <a:spcPct val="100000"/>
               </a:lnSpc>
@@ -8133,6 +11139,7 @@
                   </a:solidFill>
                 </a:uFill>
                 <a:latin typeface="Arial"/>
+                <a:ea typeface="DejaVu Sans"/>
               </a:rPr>
               <a:t>Information Theoretic PIR</a:t>
             </a:r>
@@ -8201,14 +11208,14 @@
       </p:grpSpPr>
       <p:sp>
         <p:nvSpPr>
-          <p:cNvPr id="125" name="TextShape 1"/>
-          <p:cNvSpPr txBox="1"/>
+          <p:cNvPr id="161" name="CustomShape 1"/>
+          <p:cNvSpPr/>
           <p:nvPr/>
         </p:nvSpPr>
         <p:spPr>
           <a:xfrm>
             <a:off x="504000" y="301320"/>
-            <a:ext cx="9071640" cy="1261440"/>
+            <a:ext cx="9070560" cy="1260360"/>
           </a:xfrm>
           <a:prstGeom prst="rect">
             <a:avLst/>
@@ -8218,10 +11225,20 @@
             <a:noFill/>
           </a:ln>
         </p:spPr>
+        <p:style>
+          <a:lnRef idx="0"/>
+          <a:fillRef idx="0"/>
+          <a:effectRef idx="0"/>
+          <a:fontRef idx="minor"/>
+        </p:style>
         <p:txBody>
           <a:bodyPr lIns="0" rIns="0" tIns="0" bIns="0" anchor="ctr"/>
           <a:p>
-            <a:pPr algn="ctr"/>
+            <a:pPr algn="ctr">
+              <a:lnSpc>
+                <a:spcPct val="100000"/>
+              </a:lnSpc>
+            </a:pPr>
             <a:r>
               <a:rPr b="0" lang="en-US" sz="4400" spc="-1" strike="noStrike">
                 <a:solidFill>
@@ -8233,33 +11250,34 @@
                   </a:solidFill>
                 </a:uFill>
                 <a:latin typeface="Arial"/>
-              </a:rPr>
-              <a:t>Contact Discovery</a:t>
-            </a:r>
-            <a:endParaRPr b="0" lang="en-US" sz="4400" spc="-1" strike="noStrike">
-              <a:solidFill>
-                <a:srgbClr val="000000"/>
-              </a:solidFill>
-              <a:uFill>
-                <a:solidFill>
-                  <a:srgbClr val="ffffff"/>
-                </a:solidFill>
-              </a:uFill>
-              <a:latin typeface="Arial"/>
-            </a:endParaRPr>
-          </a:p>
-        </p:txBody>
-      </p:sp>
-      <p:sp>
-        <p:nvSpPr>
-          <p:cNvPr id="126" name="TextShape 2"/>
-          <p:cNvSpPr txBox="1"/>
+                <a:ea typeface="DejaVu Sans"/>
+              </a:rPr>
+              <a:t>Contact Discovery (Applied PIR)</a:t>
+            </a:r>
+            <a:endParaRPr b="0" lang="en-US" sz="1800" spc="-1" strike="noStrike">
+              <a:solidFill>
+                <a:srgbClr val="000000"/>
+              </a:solidFill>
+              <a:uFill>
+                <a:solidFill>
+                  <a:srgbClr val="ffffff"/>
+                </a:solidFill>
+              </a:uFill>
+              <a:latin typeface="Arial"/>
+            </a:endParaRPr>
+          </a:p>
+        </p:txBody>
+      </p:sp>
+      <p:sp>
+        <p:nvSpPr>
+          <p:cNvPr id="162" name="CustomShape 2"/>
+          <p:cNvSpPr/>
           <p:nvPr/>
         </p:nvSpPr>
         <p:spPr>
           <a:xfrm>
             <a:off x="504000" y="1768680"/>
-            <a:ext cx="9071640" cy="4383720"/>
+            <a:ext cx="9070560" cy="4382640"/>
           </a:xfrm>
           <a:prstGeom prst="rect">
             <a:avLst/>
@@ -8269,10 +11287,19 @@
             <a:noFill/>
           </a:ln>
         </p:spPr>
+        <p:style>
+          <a:lnRef idx="0"/>
+          <a:fillRef idx="0"/>
+          <a:effectRef idx="0"/>
+          <a:fontRef idx="minor"/>
+        </p:style>
         <p:txBody>
           <a:bodyPr lIns="0" rIns="0" tIns="0" bIns="0"/>
           <a:p>
-            <a:pPr marL="432000" indent="-324000">
+            <a:pPr marL="432000" indent="-322920">
+              <a:lnSpc>
+                <a:spcPct val="100000"/>
+              </a:lnSpc>
               <a:buClr>
                 <a:srgbClr val="000000"/>
               </a:buClr>
@@ -8291,23 +11318,27 @@
                   </a:solidFill>
                 </a:uFill>
                 <a:latin typeface="Arial"/>
+                <a:ea typeface="DejaVu Sans"/>
               </a:rPr>
               <a:t>Need to know which of your contacts use a service</a:t>
             </a:r>
-            <a:endParaRPr b="0" lang="en-US" sz="3200" spc="-1" strike="noStrike">
-              <a:solidFill>
-                <a:srgbClr val="000000"/>
-              </a:solidFill>
-              <a:uFill>
-                <a:solidFill>
-                  <a:srgbClr val="ffffff"/>
-                </a:solidFill>
-              </a:uFill>
-              <a:latin typeface="Arial"/>
-            </a:endParaRPr>
-          </a:p>
-          <a:p>
-            <a:pPr marL="432000" indent="-324000">
+            <a:endParaRPr b="0" lang="en-US" sz="1800" spc="-1" strike="noStrike">
+              <a:solidFill>
+                <a:srgbClr val="000000"/>
+              </a:solidFill>
+              <a:uFill>
+                <a:solidFill>
+                  <a:srgbClr val="ffffff"/>
+                </a:solidFill>
+              </a:uFill>
+              <a:latin typeface="Arial"/>
+            </a:endParaRPr>
+          </a:p>
+          <a:p>
+            <a:pPr marL="432000" indent="-322920">
+              <a:lnSpc>
+                <a:spcPct val="100000"/>
+              </a:lnSpc>
               <a:buClr>
                 <a:srgbClr val="000000"/>
               </a:buClr>
@@ -8326,23 +11357,27 @@
                   </a:solidFill>
                 </a:uFill>
                 <a:latin typeface="Arial"/>
+                <a:ea typeface="DejaVu Sans"/>
               </a:rPr>
               <a:t>In theory could use PIR, but too expensive</a:t>
             </a:r>
-            <a:endParaRPr b="0" lang="en-US" sz="3200" spc="-1" strike="noStrike">
-              <a:solidFill>
-                <a:srgbClr val="000000"/>
-              </a:solidFill>
-              <a:uFill>
-                <a:solidFill>
-                  <a:srgbClr val="ffffff"/>
-                </a:solidFill>
-              </a:uFill>
-              <a:latin typeface="Arial"/>
-            </a:endParaRPr>
-          </a:p>
-          <a:p>
-            <a:pPr marL="432000" indent="-324000">
+            <a:endParaRPr b="0" lang="en-US" sz="1800" spc="-1" strike="noStrike">
+              <a:solidFill>
+                <a:srgbClr val="000000"/>
+              </a:solidFill>
+              <a:uFill>
+                <a:solidFill>
+                  <a:srgbClr val="ffffff"/>
+                </a:solidFill>
+              </a:uFill>
+              <a:latin typeface="Arial"/>
+            </a:endParaRPr>
+          </a:p>
+          <a:p>
+            <a:pPr marL="432000" indent="-322920">
+              <a:lnSpc>
+                <a:spcPct val="100000"/>
+              </a:lnSpc>
               <a:buClr>
                 <a:srgbClr val="000000"/>
               </a:buClr>
@@ -8361,28 +11396,32 @@
                   </a:solidFill>
                 </a:uFill>
                 <a:latin typeface="Arial"/>
+                <a:ea typeface="DejaVu Sans"/>
               </a:rPr>
               <a:t>Combine PIR with other methods</a:t>
             </a:r>
-            <a:endParaRPr b="0" lang="en-US" sz="3200" spc="-1" strike="noStrike">
-              <a:solidFill>
-                <a:srgbClr val="000000"/>
-              </a:solidFill>
-              <a:uFill>
-                <a:solidFill>
-                  <a:srgbClr val="ffffff"/>
-                </a:solidFill>
-              </a:uFill>
-              <a:latin typeface="Arial"/>
-            </a:endParaRPr>
-          </a:p>
-          <a:p>
-            <a:pPr lvl="1" marL="864000" indent="-324000">
+            <a:endParaRPr b="0" lang="en-US" sz="1800" spc="-1" strike="noStrike">
+              <a:solidFill>
+                <a:srgbClr val="000000"/>
+              </a:solidFill>
+              <a:uFill>
+                <a:solidFill>
+                  <a:srgbClr val="ffffff"/>
+                </a:solidFill>
+              </a:uFill>
+              <a:latin typeface="Arial"/>
+            </a:endParaRPr>
+          </a:p>
+          <a:p>
+            <a:pPr lvl="1" marL="864000" indent="-322920">
+              <a:lnSpc>
+                <a:spcPct val="100000"/>
+              </a:lnSpc>
               <a:buClr>
                 <a:srgbClr val="000000"/>
               </a:buClr>
               <a:buSzPct val="75000"/>
-              <a:buFont typeface="Symbol" charset="2"/>
+              <a:buFont typeface="Symbol"/>
               <a:buChar char=""/>
             </a:pPr>
             <a:r>
@@ -8396,28 +11435,32 @@
                   </a:solidFill>
                 </a:uFill>
                 <a:latin typeface="Arial"/>
+                <a:ea typeface="DejaVu Sans"/>
               </a:rPr>
               <a:t>PSI</a:t>
             </a:r>
-            <a:endParaRPr b="0" lang="en-US" sz="2800" spc="-1" strike="noStrike">
-              <a:solidFill>
-                <a:srgbClr val="000000"/>
-              </a:solidFill>
-              <a:uFill>
-                <a:solidFill>
-                  <a:srgbClr val="ffffff"/>
-                </a:solidFill>
-              </a:uFill>
-              <a:latin typeface="Arial"/>
-            </a:endParaRPr>
-          </a:p>
-          <a:p>
-            <a:pPr lvl="1" marL="864000" indent="-324000">
+            <a:endParaRPr b="0" lang="en-US" sz="1800" spc="-1" strike="noStrike">
+              <a:solidFill>
+                <a:srgbClr val="000000"/>
+              </a:solidFill>
+              <a:uFill>
+                <a:solidFill>
+                  <a:srgbClr val="ffffff"/>
+                </a:solidFill>
+              </a:uFill>
+              <a:latin typeface="Arial"/>
+            </a:endParaRPr>
+          </a:p>
+          <a:p>
+            <a:pPr lvl="1" marL="864000" indent="-322920">
+              <a:lnSpc>
+                <a:spcPct val="100000"/>
+              </a:lnSpc>
               <a:buClr>
                 <a:srgbClr val="000000"/>
               </a:buClr>
               <a:buSzPct val="75000"/>
-              <a:buFont typeface="Symbol" charset="2"/>
+              <a:buFont typeface="Symbol"/>
               <a:buChar char=""/>
             </a:pPr>
             <a:r>
@@ -8431,10 +11474,11 @@
                   </a:solidFill>
                 </a:uFill>
                 <a:latin typeface="Arial"/>
+                <a:ea typeface="DejaVu Sans"/>
               </a:rPr>
               <a:t>Statefulness</a:t>
             </a:r>
-            <a:endParaRPr b="0" lang="en-US" sz="2800" spc="-1" strike="noStrike">
+            <a:endParaRPr b="0" lang="en-US" sz="1800" spc="-1" strike="noStrike">
               <a:solidFill>
                 <a:srgbClr val="000000"/>
               </a:solidFill>
@@ -8457,6 +11501,1068 @@
           <p:childTnLst>
             <p:seq>
               <p:cTn id="10" nodeType="mainSeq"/>
+              <p:prevCondLst>
+                <p:cond delay="0" evt="onPrev">
+                  <p:tgtEl>
+                    <p:sldTgt/>
+                  </p:tgtEl>
+                </p:cond>
+              </p:prevCondLst>
+              <p:nextCondLst>
+                <p:cond delay="0" evt="onNext">
+                  <p:tgtEl>
+                    <p:sldTgt/>
+                  </p:tgtEl>
+                </p:cond>
+              </p:nextCondLst>
+            </p:seq>
+          </p:childTnLst>
+        </p:cTn>
+      </p:par>
+    </p:tnLst>
+  </p:timing>
+</p:sld>
+</file>
+
+<file path=ppt/slides/slide6.xml><?xml version="1.0" encoding="utf-8"?>
+<p:sld xmlns:a="http://schemas.openxmlformats.org/drawingml/2006/main" xmlns:p="http://schemas.openxmlformats.org/presentationml/2006/main" xmlns:r="http://schemas.openxmlformats.org/officeDocument/2006/relationships" xmlns:p14="http://schemas.microsoft.com/office/powerpoint/2010/main" xmlns:p15="http://schemas.microsoft.com/office/powerpoint/2012/main" xmlns:mc="http://schemas.openxmlformats.org/markup-compatibility/2006">
+  <p:cSld>
+    <p:spTree>
+      <p:nvGrpSpPr>
+        <p:cNvPr id="1" name=""/>
+        <p:cNvGrpSpPr/>
+        <p:nvPr/>
+      </p:nvGrpSpPr>
+      <p:grpSpPr>
+        <a:xfrm>
+          <a:off x="0" y="0"/>
+          <a:ext cx="0" cy="0"/>
+          <a:chOff x="0" y="0"/>
+          <a:chExt cx="0" cy="0"/>
+        </a:xfrm>
+      </p:grpSpPr>
+      <p:sp>
+        <p:nvSpPr>
+          <p:cNvPr id="163" name="CustomShape 1"/>
+          <p:cNvSpPr/>
+          <p:nvPr/>
+        </p:nvSpPr>
+        <p:spPr>
+          <a:xfrm>
+            <a:off x="504000" y="301320"/>
+            <a:ext cx="9070560" cy="1260360"/>
+          </a:xfrm>
+          <a:prstGeom prst="rect">
+            <a:avLst/>
+          </a:prstGeom>
+          <a:noFill/>
+          <a:ln>
+            <a:noFill/>
+          </a:ln>
+        </p:spPr>
+        <p:style>
+          <a:lnRef idx="0"/>
+          <a:fillRef idx="0"/>
+          <a:effectRef idx="0"/>
+          <a:fontRef idx="minor"/>
+        </p:style>
+        <p:txBody>
+          <a:bodyPr lIns="0" rIns="0" tIns="0" bIns="0" anchor="ctr"/>
+          <a:p>
+            <a:pPr algn="ctr">
+              <a:lnSpc>
+                <a:spcPct val="100000"/>
+              </a:lnSpc>
+            </a:pPr>
+            <a:r>
+              <a:rPr b="0" lang="en-US" sz="4400" spc="-1" strike="noStrike">
+                <a:solidFill>
+                  <a:srgbClr val="000000"/>
+                </a:solidFill>
+                <a:uFill>
+                  <a:solidFill>
+                    <a:srgbClr val="ffffff"/>
+                  </a:solidFill>
+                </a:uFill>
+                <a:latin typeface="Arial"/>
+                <a:ea typeface="DejaVu Sans"/>
+              </a:rPr>
+              <a:t>Presence Discovery</a:t>
+            </a:r>
+            <a:endParaRPr b="0" lang="en-US" sz="1800" spc="-1" strike="noStrike">
+              <a:solidFill>
+                <a:srgbClr val="000000"/>
+              </a:solidFill>
+              <a:uFill>
+                <a:solidFill>
+                  <a:srgbClr val="ffffff"/>
+                </a:solidFill>
+              </a:uFill>
+              <a:latin typeface="Arial"/>
+            </a:endParaRPr>
+          </a:p>
+        </p:txBody>
+      </p:sp>
+      <p:sp>
+        <p:nvSpPr>
+          <p:cNvPr id="164" name="CustomShape 2"/>
+          <p:cNvSpPr/>
+          <p:nvPr/>
+        </p:nvSpPr>
+        <p:spPr>
+          <a:xfrm>
+            <a:off x="504000" y="1768680"/>
+            <a:ext cx="9070560" cy="4382640"/>
+          </a:xfrm>
+          <a:prstGeom prst="rect">
+            <a:avLst/>
+          </a:prstGeom>
+          <a:noFill/>
+          <a:ln>
+            <a:noFill/>
+          </a:ln>
+        </p:spPr>
+        <p:style>
+          <a:lnRef idx="0"/>
+          <a:fillRef idx="0"/>
+          <a:effectRef idx="0"/>
+          <a:fontRef idx="minor"/>
+        </p:style>
+        <p:txBody>
+          <a:bodyPr lIns="0" rIns="0" tIns="0" bIns="0"/>
+          <a:p>
+            <a:pPr marL="432000" indent="-322920">
+              <a:lnSpc>
+                <a:spcPct val="100000"/>
+              </a:lnSpc>
+              <a:buClr>
+                <a:srgbClr val="000000"/>
+              </a:buClr>
+              <a:buSzPct val="45000"/>
+              <a:buFont typeface="Wingdings" charset="2"/>
+              <a:buChar char=""/>
+            </a:pPr>
+            <a:r>
+              <a:rPr b="0" lang="en-US" sz="3200" spc="-1" strike="noStrike">
+                <a:solidFill>
+                  <a:srgbClr val="000000"/>
+                </a:solidFill>
+                <a:uFill>
+                  <a:solidFill>
+                    <a:srgbClr val="ffffff"/>
+                  </a:solidFill>
+                </a:uFill>
+                <a:latin typeface="Arial"/>
+                <a:ea typeface="DejaVu Sans"/>
+              </a:rPr>
+              <a:t>Context of PIR being “expensive”</a:t>
+            </a:r>
+            <a:endParaRPr b="0" lang="en-US" sz="1800" spc="-1" strike="noStrike">
+              <a:solidFill>
+                <a:srgbClr val="000000"/>
+              </a:solidFill>
+              <a:uFill>
+                <a:solidFill>
+                  <a:srgbClr val="ffffff"/>
+                </a:solidFill>
+              </a:uFill>
+              <a:latin typeface="Arial"/>
+            </a:endParaRPr>
+          </a:p>
+          <a:p>
+            <a:pPr lvl="1" marL="864000" indent="-322920">
+              <a:lnSpc>
+                <a:spcPct val="100000"/>
+              </a:lnSpc>
+              <a:buClr>
+                <a:srgbClr val="000000"/>
+              </a:buClr>
+              <a:buSzPct val="75000"/>
+              <a:buFont typeface="Symbol"/>
+              <a:buChar char=""/>
+            </a:pPr>
+            <a:r>
+              <a:rPr b="0" lang="en-US" sz="2800" spc="-1" strike="noStrike">
+                <a:solidFill>
+                  <a:srgbClr val="000000"/>
+                </a:solidFill>
+                <a:uFill>
+                  <a:solidFill>
+                    <a:srgbClr val="ffffff"/>
+                  </a:solidFill>
+                </a:uFill>
+                <a:latin typeface="Arial"/>
+                <a:ea typeface="DejaVu Sans"/>
+              </a:rPr>
+              <a:t>How often is the database queried</a:t>
+            </a:r>
+            <a:endParaRPr b="0" lang="en-US" sz="1800" spc="-1" strike="noStrike">
+              <a:solidFill>
+                <a:srgbClr val="000000"/>
+              </a:solidFill>
+              <a:uFill>
+                <a:solidFill>
+                  <a:srgbClr val="ffffff"/>
+                </a:solidFill>
+              </a:uFill>
+              <a:latin typeface="Arial"/>
+            </a:endParaRPr>
+          </a:p>
+          <a:p>
+            <a:pPr lvl="1" marL="864000" indent="-322920">
+              <a:lnSpc>
+                <a:spcPct val="100000"/>
+              </a:lnSpc>
+              <a:buClr>
+                <a:srgbClr val="000000"/>
+              </a:buClr>
+              <a:buSzPct val="75000"/>
+              <a:buFont typeface="Symbol"/>
+              <a:buChar char=""/>
+            </a:pPr>
+            <a:r>
+              <a:rPr b="0" lang="en-US" sz="2800" spc="-1" strike="noStrike">
+                <a:solidFill>
+                  <a:srgbClr val="000000"/>
+                </a:solidFill>
+                <a:uFill>
+                  <a:solidFill>
+                    <a:srgbClr val="ffffff"/>
+                  </a:solidFill>
+                </a:uFill>
+                <a:latin typeface="Arial"/>
+                <a:ea typeface="DejaVu Sans"/>
+              </a:rPr>
+              <a:t>How large is that database</a:t>
+            </a:r>
+            <a:endParaRPr b="0" lang="en-US" sz="1800" spc="-1" strike="noStrike">
+              <a:solidFill>
+                <a:srgbClr val="000000"/>
+              </a:solidFill>
+              <a:uFill>
+                <a:solidFill>
+                  <a:srgbClr val="ffffff"/>
+                </a:solidFill>
+              </a:uFill>
+              <a:latin typeface="Arial"/>
+            </a:endParaRPr>
+          </a:p>
+          <a:p>
+            <a:pPr marL="432000" indent="-322920">
+              <a:lnSpc>
+                <a:spcPct val="100000"/>
+              </a:lnSpc>
+              <a:buClr>
+                <a:srgbClr val="000000"/>
+              </a:buClr>
+              <a:buSzPct val="45000"/>
+              <a:buFont typeface="Wingdings" charset="2"/>
+              <a:buChar char=""/>
+            </a:pPr>
+            <a:r>
+              <a:rPr b="0" lang="en-US" sz="3200" spc="-1" strike="noStrike">
+                <a:solidFill>
+                  <a:srgbClr val="000000"/>
+                </a:solidFill>
+                <a:uFill>
+                  <a:solidFill>
+                    <a:srgbClr val="ffffff"/>
+                  </a:solidFill>
+                </a:uFill>
+                <a:latin typeface="Arial"/>
+                <a:ea typeface="DejaVu Sans"/>
+              </a:rPr>
+              <a:t>Indirection</a:t>
+            </a:r>
+            <a:endParaRPr b="0" lang="en-US" sz="1800" spc="-1" strike="noStrike">
+              <a:solidFill>
+                <a:srgbClr val="000000"/>
+              </a:solidFill>
+              <a:uFill>
+                <a:solidFill>
+                  <a:srgbClr val="ffffff"/>
+                </a:solidFill>
+              </a:uFill>
+              <a:latin typeface="Arial"/>
+            </a:endParaRPr>
+          </a:p>
+          <a:p>
+            <a:pPr marL="432000" indent="-322920">
+              <a:lnSpc>
+                <a:spcPct val="100000"/>
+              </a:lnSpc>
+              <a:buClr>
+                <a:srgbClr val="000000"/>
+              </a:buClr>
+              <a:buSzPct val="45000"/>
+              <a:buFont typeface="Wingdings" charset="2"/>
+              <a:buChar char=""/>
+            </a:pPr>
+            <a:r>
+              <a:rPr b="0" lang="en-US" sz="3200" spc="-1" strike="noStrike">
+                <a:solidFill>
+                  <a:srgbClr val="000000"/>
+                </a:solidFill>
+                <a:uFill>
+                  <a:solidFill>
+                    <a:srgbClr val="ffffff"/>
+                  </a:solidFill>
+                </a:uFill>
+                <a:latin typeface="Arial"/>
+                <a:ea typeface="DejaVu Sans"/>
+              </a:rPr>
+              <a:t>One large database </a:t>
+            </a:r>
+            <a:endParaRPr b="0" lang="en-US" sz="1800" spc="-1" strike="noStrike">
+              <a:solidFill>
+                <a:srgbClr val="000000"/>
+              </a:solidFill>
+              <a:uFill>
+                <a:solidFill>
+                  <a:srgbClr val="ffffff"/>
+                </a:solidFill>
+              </a:uFill>
+              <a:latin typeface="Arial"/>
+            </a:endParaRPr>
+          </a:p>
+          <a:p>
+            <a:pPr marL="432000" indent="-322920">
+              <a:lnSpc>
+                <a:spcPct val="100000"/>
+              </a:lnSpc>
+              <a:buClr>
+                <a:srgbClr val="000000"/>
+              </a:buClr>
+              <a:buSzPct val="45000"/>
+              <a:buFont typeface="Wingdings" charset="2"/>
+              <a:buChar char=""/>
+            </a:pPr>
+            <a:r>
+              <a:rPr b="0" lang="en-US" sz="3200" spc="-1" strike="noStrike">
+                <a:solidFill>
+                  <a:srgbClr val="000000"/>
+                </a:solidFill>
+                <a:uFill>
+                  <a:solidFill>
+                    <a:srgbClr val="ffffff"/>
+                  </a:solidFill>
+                </a:uFill>
+                <a:latin typeface="Arial"/>
+                <a:ea typeface="DejaVu Sans"/>
+              </a:rPr>
+              <a:t>One small database</a:t>
+            </a:r>
+            <a:endParaRPr b="0" lang="en-US" sz="1800" spc="-1" strike="noStrike">
+              <a:solidFill>
+                <a:srgbClr val="000000"/>
+              </a:solidFill>
+              <a:uFill>
+                <a:solidFill>
+                  <a:srgbClr val="ffffff"/>
+                </a:solidFill>
+              </a:uFill>
+              <a:latin typeface="Arial"/>
+            </a:endParaRPr>
+          </a:p>
+        </p:txBody>
+      </p:sp>
+      <p:pic>
+        <p:nvPicPr>
+          <p:cNvPr id="165" name="" descr=""/>
+          <p:cNvPicPr/>
+          <p:nvPr/>
+        </p:nvPicPr>
+        <p:blipFill>
+          <a:blip r:embed="rId1"/>
+          <a:stretch/>
+        </p:blipFill>
+        <p:spPr>
+          <a:xfrm>
+            <a:off x="7680960" y="3393000"/>
+            <a:ext cx="1713240" cy="2275200"/>
+          </a:xfrm>
+          <a:prstGeom prst="rect">
+            <a:avLst/>
+          </a:prstGeom>
+          <a:ln>
+            <a:noFill/>
+          </a:ln>
+        </p:spPr>
+      </p:pic>
+    </p:spTree>
+  </p:cSld>
+  <p:timing>
+    <p:tnLst>
+      <p:par>
+        <p:cTn id="11" dur="indefinite" restart="never" nodeType="tmRoot">
+          <p:childTnLst>
+            <p:seq>
+              <p:cTn id="12" nodeType="mainSeq"/>
+              <p:prevCondLst>
+                <p:cond delay="0" evt="onPrev">
+                  <p:tgtEl>
+                    <p:sldTgt/>
+                  </p:tgtEl>
+                </p:cond>
+              </p:prevCondLst>
+              <p:nextCondLst>
+                <p:cond delay="0" evt="onNext">
+                  <p:tgtEl>
+                    <p:sldTgt/>
+                  </p:tgtEl>
+                </p:cond>
+              </p:nextCondLst>
+            </p:seq>
+          </p:childTnLst>
+        </p:cTn>
+      </p:par>
+    </p:tnLst>
+  </p:timing>
+</p:sld>
+</file>
+
+<file path=ppt/slides/slide7.xml><?xml version="1.0" encoding="utf-8"?>
+<p:sld xmlns:a="http://schemas.openxmlformats.org/drawingml/2006/main" xmlns:p="http://schemas.openxmlformats.org/presentationml/2006/main" xmlns:r="http://schemas.openxmlformats.org/officeDocument/2006/relationships" xmlns:p14="http://schemas.microsoft.com/office/powerpoint/2010/main" xmlns:p15="http://schemas.microsoft.com/office/powerpoint/2012/main" xmlns:mc="http://schemas.openxmlformats.org/markup-compatibility/2006">
+  <p:cSld>
+    <p:spTree>
+      <p:nvGrpSpPr>
+        <p:cNvPr id="1" name=""/>
+        <p:cNvGrpSpPr/>
+        <p:nvPr/>
+      </p:nvGrpSpPr>
+      <p:grpSpPr>
+        <a:xfrm>
+          <a:off x="0" y="0"/>
+          <a:ext cx="0" cy="0"/>
+          <a:chOff x="0" y="0"/>
+          <a:chExt cx="0" cy="0"/>
+        </a:xfrm>
+      </p:grpSpPr>
+      <p:sp>
+        <p:nvSpPr>
+          <p:cNvPr id="166" name="CustomShape 1"/>
+          <p:cNvSpPr/>
+          <p:nvPr/>
+        </p:nvSpPr>
+        <p:spPr>
+          <a:xfrm>
+            <a:off x="504000" y="301320"/>
+            <a:ext cx="9070560" cy="1260360"/>
+          </a:xfrm>
+          <a:prstGeom prst="rect">
+            <a:avLst/>
+          </a:prstGeom>
+          <a:noFill/>
+          <a:ln>
+            <a:noFill/>
+          </a:ln>
+        </p:spPr>
+        <p:style>
+          <a:lnRef idx="0"/>
+          <a:fillRef idx="0"/>
+          <a:effectRef idx="0"/>
+          <a:fontRef idx="minor"/>
+        </p:style>
+        <p:txBody>
+          <a:bodyPr lIns="0" rIns="0" tIns="0" bIns="0" anchor="ctr"/>
+          <a:p>
+            <a:pPr algn="ctr">
+              <a:lnSpc>
+                <a:spcPct val="100000"/>
+              </a:lnSpc>
+            </a:pPr>
+            <a:r>
+              <a:rPr b="0" lang="en-US" sz="4400" spc="-1" strike="noStrike">
+                <a:solidFill>
+                  <a:srgbClr val="000000"/>
+                </a:solidFill>
+                <a:uFill>
+                  <a:solidFill>
+                    <a:srgbClr val="ffffff"/>
+                  </a:solidFill>
+                </a:uFill>
+                <a:latin typeface="Arial"/>
+                <a:ea typeface="DejaVu Sans"/>
+              </a:rPr>
+              <a:t>Anonymous Communication</a:t>
+            </a:r>
+            <a:endParaRPr b="0" lang="en-US" sz="1800" spc="-1" strike="noStrike">
+              <a:solidFill>
+                <a:srgbClr val="000000"/>
+              </a:solidFill>
+              <a:uFill>
+                <a:solidFill>
+                  <a:srgbClr val="ffffff"/>
+                </a:solidFill>
+              </a:uFill>
+              <a:latin typeface="Arial"/>
+            </a:endParaRPr>
+          </a:p>
+        </p:txBody>
+      </p:sp>
+      <p:sp>
+        <p:nvSpPr>
+          <p:cNvPr id="167" name="CustomShape 2"/>
+          <p:cNvSpPr/>
+          <p:nvPr/>
+        </p:nvSpPr>
+        <p:spPr>
+          <a:xfrm>
+            <a:off x="504000" y="1768680"/>
+            <a:ext cx="9070560" cy="4382640"/>
+          </a:xfrm>
+          <a:prstGeom prst="rect">
+            <a:avLst/>
+          </a:prstGeom>
+          <a:noFill/>
+          <a:ln>
+            <a:noFill/>
+          </a:ln>
+        </p:spPr>
+        <p:style>
+          <a:lnRef idx="0"/>
+          <a:fillRef idx="0"/>
+          <a:effectRef idx="0"/>
+          <a:fontRef idx="minor"/>
+        </p:style>
+        <p:txBody>
+          <a:bodyPr lIns="0" rIns="0" tIns="0" bIns="0"/>
+          <a:p>
+            <a:pPr marL="432000" indent="-322920">
+              <a:lnSpc>
+                <a:spcPct val="100000"/>
+              </a:lnSpc>
+              <a:buClr>
+                <a:srgbClr val="000000"/>
+              </a:buClr>
+              <a:buSzPct val="45000"/>
+              <a:buFont typeface="Wingdings" charset="2"/>
+              <a:buChar char=""/>
+            </a:pPr>
+            <a:r>
+              <a:rPr b="0" lang="en-US" sz="3200" spc="-1" strike="noStrike">
+                <a:solidFill>
+                  <a:srgbClr val="000000"/>
+                </a:solidFill>
+                <a:uFill>
+                  <a:solidFill>
+                    <a:srgbClr val="ffffff"/>
+                  </a:solidFill>
+                </a:uFill>
+                <a:latin typeface="Arial"/>
+                <a:ea typeface="DejaVu Sans"/>
+              </a:rPr>
+              <a:t>Trade off between scalability and anonymity</a:t>
+            </a:r>
+            <a:endParaRPr b="0" lang="en-US" sz="1800" spc="-1" strike="noStrike">
+              <a:solidFill>
+                <a:srgbClr val="000000"/>
+              </a:solidFill>
+              <a:uFill>
+                <a:solidFill>
+                  <a:srgbClr val="ffffff"/>
+                </a:solidFill>
+              </a:uFill>
+              <a:latin typeface="Arial"/>
+            </a:endParaRPr>
+          </a:p>
+        </p:txBody>
+      </p:sp>
+      <p:pic>
+        <p:nvPicPr>
+          <p:cNvPr id="168" name="" descr=""/>
+          <p:cNvPicPr/>
+          <p:nvPr/>
+        </p:nvPicPr>
+        <p:blipFill>
+          <a:blip r:embed="rId1"/>
+          <a:stretch/>
+        </p:blipFill>
+        <p:spPr>
+          <a:xfrm>
+            <a:off x="478440" y="2489400"/>
+            <a:ext cx="2538000" cy="1532880"/>
+          </a:xfrm>
+          <a:prstGeom prst="rect">
+            <a:avLst/>
+          </a:prstGeom>
+          <a:ln>
+            <a:noFill/>
+          </a:ln>
+        </p:spPr>
+      </p:pic>
+      <p:pic>
+        <p:nvPicPr>
+          <p:cNvPr id="169" name="" descr=""/>
+          <p:cNvPicPr/>
+          <p:nvPr/>
+        </p:nvPicPr>
+        <p:blipFill>
+          <a:blip r:embed="rId2"/>
+          <a:stretch/>
+        </p:blipFill>
+        <p:spPr>
+          <a:xfrm>
+            <a:off x="3639600" y="2487240"/>
+            <a:ext cx="2540880" cy="1535040"/>
+          </a:xfrm>
+          <a:prstGeom prst="rect">
+            <a:avLst/>
+          </a:prstGeom>
+          <a:ln>
+            <a:noFill/>
+          </a:ln>
+        </p:spPr>
+      </p:pic>
+      <p:pic>
+        <p:nvPicPr>
+          <p:cNvPr id="170" name="" descr=""/>
+          <p:cNvPicPr/>
+          <p:nvPr/>
+        </p:nvPicPr>
+        <p:blipFill>
+          <a:blip r:embed="rId3"/>
+          <a:stretch/>
+        </p:blipFill>
+        <p:spPr>
+          <a:xfrm>
+            <a:off x="6736320" y="2423520"/>
+            <a:ext cx="2101680" cy="2147400"/>
+          </a:xfrm>
+          <a:prstGeom prst="rect">
+            <a:avLst/>
+          </a:prstGeom>
+          <a:ln>
+            <a:noFill/>
+          </a:ln>
+        </p:spPr>
+      </p:pic>
+    </p:spTree>
+  </p:cSld>
+  <p:timing>
+    <p:tnLst>
+      <p:par>
+        <p:cTn id="13" dur="indefinite" restart="never" nodeType="tmRoot">
+          <p:childTnLst>
+            <p:seq>
+              <p:cTn id="14" nodeType="mainSeq"/>
+              <p:prevCondLst>
+                <p:cond delay="0" evt="onPrev">
+                  <p:tgtEl>
+                    <p:sldTgt/>
+                  </p:tgtEl>
+                </p:cond>
+              </p:prevCondLst>
+              <p:nextCondLst>
+                <p:cond delay="0" evt="onNext">
+                  <p:tgtEl>
+                    <p:sldTgt/>
+                  </p:tgtEl>
+                </p:cond>
+              </p:nextCondLst>
+            </p:seq>
+          </p:childTnLst>
+        </p:cTn>
+      </p:par>
+    </p:tnLst>
+  </p:timing>
+</p:sld>
+</file>
+
+<file path=ppt/slides/slide8.xml><?xml version="1.0" encoding="utf-8"?>
+<p:sld xmlns:a="http://schemas.openxmlformats.org/drawingml/2006/main" xmlns:p="http://schemas.openxmlformats.org/presentationml/2006/main" xmlns:r="http://schemas.openxmlformats.org/officeDocument/2006/relationships" xmlns:p14="http://schemas.microsoft.com/office/powerpoint/2010/main" xmlns:p15="http://schemas.microsoft.com/office/powerpoint/2012/main" xmlns:mc="http://schemas.openxmlformats.org/markup-compatibility/2006">
+  <p:cSld>
+    <p:spTree>
+      <p:nvGrpSpPr>
+        <p:cNvPr id="1" name=""/>
+        <p:cNvGrpSpPr/>
+        <p:nvPr/>
+      </p:nvGrpSpPr>
+      <p:grpSpPr>
+        <a:xfrm>
+          <a:off x="0" y="0"/>
+          <a:ext cx="0" cy="0"/>
+          <a:chOff x="0" y="0"/>
+          <a:chExt cx="0" cy="0"/>
+        </a:xfrm>
+      </p:grpSpPr>
+      <p:sp>
+        <p:nvSpPr>
+          <p:cNvPr id="171" name="CustomShape 1"/>
+          <p:cNvSpPr/>
+          <p:nvPr/>
+        </p:nvSpPr>
+        <p:spPr>
+          <a:xfrm>
+            <a:off x="504000" y="301320"/>
+            <a:ext cx="9070560" cy="1260360"/>
+          </a:xfrm>
+          <a:prstGeom prst="rect">
+            <a:avLst/>
+          </a:prstGeom>
+          <a:noFill/>
+          <a:ln>
+            <a:noFill/>
+          </a:ln>
+        </p:spPr>
+        <p:style>
+          <a:lnRef idx="0"/>
+          <a:fillRef idx="0"/>
+          <a:effectRef idx="0"/>
+          <a:fontRef idx="minor"/>
+        </p:style>
+        <p:txBody>
+          <a:bodyPr lIns="0" rIns="0" tIns="0" bIns="0" anchor="ctr"/>
+          <a:p>
+            <a:pPr algn="ctr">
+              <a:lnSpc>
+                <a:spcPct val="100000"/>
+              </a:lnSpc>
+            </a:pPr>
+            <a:r>
+              <a:rPr b="0" lang="en-US" sz="4400" spc="-1" strike="noStrike">
+                <a:solidFill>
+                  <a:srgbClr val="000000"/>
+                </a:solidFill>
+                <a:uFill>
+                  <a:solidFill>
+                    <a:srgbClr val="ffffff"/>
+                  </a:solidFill>
+                </a:uFill>
+                <a:latin typeface="Arial"/>
+                <a:ea typeface="DejaVu Sans"/>
+              </a:rPr>
+              <a:t>Computation</a:t>
+            </a:r>
+            <a:endParaRPr b="0" lang="en-US" sz="1800" spc="-1" strike="noStrike">
+              <a:solidFill>
+                <a:srgbClr val="000000"/>
+              </a:solidFill>
+              <a:uFill>
+                <a:solidFill>
+                  <a:srgbClr val="ffffff"/>
+                </a:solidFill>
+              </a:uFill>
+              <a:latin typeface="Arial"/>
+            </a:endParaRPr>
+          </a:p>
+        </p:txBody>
+      </p:sp>
+      <p:sp>
+        <p:nvSpPr>
+          <p:cNvPr id="172" name="CustomShape 2"/>
+          <p:cNvSpPr/>
+          <p:nvPr/>
+        </p:nvSpPr>
+        <p:spPr>
+          <a:xfrm>
+            <a:off x="504000" y="1768680"/>
+            <a:ext cx="9070560" cy="4382640"/>
+          </a:xfrm>
+          <a:prstGeom prst="rect">
+            <a:avLst/>
+          </a:prstGeom>
+          <a:noFill/>
+          <a:ln>
+            <a:noFill/>
+          </a:ln>
+        </p:spPr>
+        <p:style>
+          <a:lnRef idx="0"/>
+          <a:fillRef idx="0"/>
+          <a:effectRef idx="0"/>
+          <a:fontRef idx="minor"/>
+        </p:style>
+      </p:sp>
+    </p:spTree>
+  </p:cSld>
+  <p:timing>
+    <p:tnLst>
+      <p:par>
+        <p:cTn id="15" dur="indefinite" restart="never" nodeType="tmRoot">
+          <p:childTnLst>
+            <p:seq>
+              <p:cTn id="16" nodeType="mainSeq"/>
+              <p:prevCondLst>
+                <p:cond delay="0" evt="onPrev">
+                  <p:tgtEl>
+                    <p:sldTgt/>
+                  </p:tgtEl>
+                </p:cond>
+              </p:prevCondLst>
+              <p:nextCondLst>
+                <p:cond delay="0" evt="onNext">
+                  <p:tgtEl>
+                    <p:sldTgt/>
+                  </p:tgtEl>
+                </p:cond>
+              </p:nextCondLst>
+            </p:seq>
+          </p:childTnLst>
+        </p:cTn>
+      </p:par>
+    </p:tnLst>
+  </p:timing>
+</p:sld>
+</file>
+
+<file path=ppt/slides/slide9.xml><?xml version="1.0" encoding="utf-8"?>
+<p:sld xmlns:a="http://schemas.openxmlformats.org/drawingml/2006/main" xmlns:p="http://schemas.openxmlformats.org/presentationml/2006/main" xmlns:r="http://schemas.openxmlformats.org/officeDocument/2006/relationships" xmlns:p14="http://schemas.microsoft.com/office/powerpoint/2010/main" xmlns:p15="http://schemas.microsoft.com/office/powerpoint/2012/main" xmlns:mc="http://schemas.openxmlformats.org/markup-compatibility/2006">
+  <p:cSld>
+    <p:spTree>
+      <p:nvGrpSpPr>
+        <p:cNvPr id="1" name=""/>
+        <p:cNvGrpSpPr/>
+        <p:nvPr/>
+      </p:nvGrpSpPr>
+      <p:grpSpPr>
+        <a:xfrm>
+          <a:off x="0" y="0"/>
+          <a:ext cx="0" cy="0"/>
+          <a:chOff x="0" y="0"/>
+          <a:chExt cx="0" cy="0"/>
+        </a:xfrm>
+      </p:grpSpPr>
+      <p:sp>
+        <p:nvSpPr>
+          <p:cNvPr id="173" name="CustomShape 1"/>
+          <p:cNvSpPr/>
+          <p:nvPr/>
+        </p:nvSpPr>
+        <p:spPr>
+          <a:xfrm>
+            <a:off x="504000" y="301320"/>
+            <a:ext cx="9070560" cy="1260360"/>
+          </a:xfrm>
+          <a:prstGeom prst="rect">
+            <a:avLst/>
+          </a:prstGeom>
+          <a:noFill/>
+          <a:ln>
+            <a:noFill/>
+          </a:ln>
+        </p:spPr>
+        <p:style>
+          <a:lnRef idx="0"/>
+          <a:fillRef idx="0"/>
+          <a:effectRef idx="0"/>
+          <a:fontRef idx="minor"/>
+        </p:style>
+        <p:txBody>
+          <a:bodyPr lIns="0" rIns="0" tIns="0" bIns="0" anchor="ctr"/>
+          <a:p>
+            <a:pPr algn="ctr">
+              <a:lnSpc>
+                <a:spcPct val="100000"/>
+              </a:lnSpc>
+            </a:pPr>
+            <a:r>
+              <a:rPr b="0" lang="en-US" sz="4400" spc="-1" strike="noStrike">
+                <a:solidFill>
+                  <a:srgbClr val="000000"/>
+                </a:solidFill>
+                <a:uFill>
+                  <a:solidFill>
+                    <a:srgbClr val="ffffff"/>
+                  </a:solidFill>
+                </a:uFill>
+                <a:latin typeface="Arial"/>
+                <a:ea typeface="DejaVu Sans"/>
+              </a:rPr>
+              <a:t>Secure Computation</a:t>
+            </a:r>
+            <a:endParaRPr b="0" lang="en-US" sz="1800" spc="-1" strike="noStrike">
+              <a:solidFill>
+                <a:srgbClr val="000000"/>
+              </a:solidFill>
+              <a:uFill>
+                <a:solidFill>
+                  <a:srgbClr val="ffffff"/>
+                </a:solidFill>
+              </a:uFill>
+              <a:latin typeface="Arial"/>
+            </a:endParaRPr>
+          </a:p>
+        </p:txBody>
+      </p:sp>
+      <p:sp>
+        <p:nvSpPr>
+          <p:cNvPr id="174" name="CustomShape 2"/>
+          <p:cNvSpPr/>
+          <p:nvPr/>
+        </p:nvSpPr>
+        <p:spPr>
+          <a:xfrm>
+            <a:off x="504000" y="1768680"/>
+            <a:ext cx="9070560" cy="4382640"/>
+          </a:xfrm>
+          <a:prstGeom prst="rect">
+            <a:avLst/>
+          </a:prstGeom>
+          <a:noFill/>
+          <a:ln>
+            <a:noFill/>
+          </a:ln>
+        </p:spPr>
+        <p:style>
+          <a:lnRef idx="0"/>
+          <a:fillRef idx="0"/>
+          <a:effectRef idx="0"/>
+          <a:fontRef idx="minor"/>
+        </p:style>
+        <p:txBody>
+          <a:bodyPr lIns="0" rIns="0" tIns="0" bIns="0"/>
+          <a:p>
+            <a:pPr marL="432000" indent="-322920">
+              <a:lnSpc>
+                <a:spcPct val="100000"/>
+              </a:lnSpc>
+              <a:buClr>
+                <a:srgbClr val="000000"/>
+              </a:buClr>
+              <a:buSzPct val="45000"/>
+              <a:buFont typeface="Wingdings" charset="2"/>
+              <a:buChar char=""/>
+            </a:pPr>
+            <a:r>
+              <a:rPr b="0" lang="en-US" sz="3200" spc="-1" strike="noStrike">
+                <a:solidFill>
+                  <a:srgbClr val="000000"/>
+                </a:solidFill>
+                <a:uFill>
+                  <a:solidFill>
+                    <a:srgbClr val="ffffff"/>
+                  </a:solidFill>
+                </a:uFill>
+                <a:latin typeface="Arial"/>
+                <a:ea typeface="DejaVu Sans"/>
+              </a:rPr>
+              <a:t>Computation without sharing data</a:t>
+            </a:r>
+            <a:endParaRPr b="0" lang="en-US" sz="1800" spc="-1" strike="noStrike">
+              <a:solidFill>
+                <a:srgbClr val="000000"/>
+              </a:solidFill>
+              <a:uFill>
+                <a:solidFill>
+                  <a:srgbClr val="ffffff"/>
+                </a:solidFill>
+              </a:uFill>
+              <a:latin typeface="Arial"/>
+            </a:endParaRPr>
+          </a:p>
+          <a:p>
+            <a:pPr marL="432000" indent="-322920">
+              <a:lnSpc>
+                <a:spcPct val="100000"/>
+              </a:lnSpc>
+              <a:buClr>
+                <a:srgbClr val="000000"/>
+              </a:buClr>
+              <a:buSzPct val="45000"/>
+              <a:buFont typeface="Wingdings" charset="2"/>
+              <a:buChar char=""/>
+            </a:pPr>
+            <a:r>
+              <a:rPr b="0" lang="en-US" sz="3200" spc="-1" strike="noStrike">
+                <a:solidFill>
+                  <a:srgbClr val="000000"/>
+                </a:solidFill>
+                <a:uFill>
+                  <a:solidFill>
+                    <a:srgbClr val="ffffff"/>
+                  </a:solidFill>
+                </a:uFill>
+                <a:latin typeface="Arial"/>
+                <a:ea typeface="DejaVu Sans"/>
+              </a:rPr>
+              <a:t>Ideal world has honest and competent third party</a:t>
+            </a:r>
+            <a:endParaRPr b="0" lang="en-US" sz="1800" spc="-1" strike="noStrike">
+              <a:solidFill>
+                <a:srgbClr val="000000"/>
+              </a:solidFill>
+              <a:uFill>
+                <a:solidFill>
+                  <a:srgbClr val="ffffff"/>
+                </a:solidFill>
+              </a:uFill>
+              <a:latin typeface="Arial"/>
+            </a:endParaRPr>
+          </a:p>
+          <a:p>
+            <a:pPr marL="432000" indent="-322920">
+              <a:lnSpc>
+                <a:spcPct val="100000"/>
+              </a:lnSpc>
+              <a:buClr>
+                <a:srgbClr val="000000"/>
+              </a:buClr>
+              <a:buSzPct val="45000"/>
+              <a:buFont typeface="Wingdings" charset="2"/>
+              <a:buChar char=""/>
+            </a:pPr>
+            <a:r>
+              <a:rPr b="0" lang="en-US" sz="3200" spc="-1" strike="noStrike">
+                <a:solidFill>
+                  <a:srgbClr val="000000"/>
+                </a:solidFill>
+                <a:uFill>
+                  <a:solidFill>
+                    <a:srgbClr val="ffffff"/>
+                  </a:solidFill>
+                </a:uFill>
+                <a:latin typeface="Arial"/>
+                <a:ea typeface="DejaVu Sans"/>
+              </a:rPr>
+              <a:t>Real world needs to prove just as secure as ideal world</a:t>
+            </a:r>
+            <a:endParaRPr b="0" lang="en-US" sz="1800" spc="-1" strike="noStrike">
+              <a:solidFill>
+                <a:srgbClr val="000000"/>
+              </a:solidFill>
+              <a:uFill>
+                <a:solidFill>
+                  <a:srgbClr val="ffffff"/>
+                </a:solidFill>
+              </a:uFill>
+              <a:latin typeface="Arial"/>
+            </a:endParaRPr>
+          </a:p>
+        </p:txBody>
+      </p:sp>
+      <p:pic>
+        <p:nvPicPr>
+          <p:cNvPr id="175" name="" descr=""/>
+          <p:cNvPicPr/>
+          <p:nvPr/>
+        </p:nvPicPr>
+        <p:blipFill>
+          <a:blip r:embed="rId1"/>
+          <a:stretch/>
+        </p:blipFill>
+        <p:spPr>
+          <a:xfrm>
+            <a:off x="2560320" y="4170240"/>
+            <a:ext cx="4951080" cy="3376440"/>
+          </a:xfrm>
+          <a:prstGeom prst="rect">
+            <a:avLst/>
+          </a:prstGeom>
+          <a:ln>
+            <a:noFill/>
+          </a:ln>
+        </p:spPr>
+      </p:pic>
+    </p:spTree>
+  </p:cSld>
+  <p:timing>
+    <p:tnLst>
+      <p:par>
+        <p:cTn id="17" dur="indefinite" restart="never" nodeType="tmRoot">
+          <p:childTnLst>
+            <p:seq>
+              <p:cTn id="18" nodeType="mainSeq"/>
               <p:prevCondLst>
                 <p:cond delay="0" evt="onPrev">
                   <p:tgtEl>
@@ -9370,4 +13476,227 @@
     </a:fmtScheme>
   </a:themeElements>
 </a:theme>
+</file>
+
+<file path=ppt/theme/theme5.xml><?xml version="1.0" encoding="utf-8"?>
+<a:theme xmlns:a="http://schemas.openxmlformats.org/drawingml/2006/main" name="Office Theme">
+  <a:themeElements>
+    <a:clrScheme name="Office">
+      <a:dk1>
+        <a:sysClr val="windowText" lastClr="000000"/>
+      </a:dk1>
+      <a:lt1>
+        <a:sysClr val="window" lastClr="FFFFFF"/>
+      </a:lt1>
+      <a:dk2>
+        <a:srgbClr val="1F497D"/>
+      </a:dk2>
+      <a:lt2>
+        <a:srgbClr val="EEECE1"/>
+      </a:lt2>
+      <a:accent1>
+        <a:srgbClr val="4F81BD"/>
+      </a:accent1>
+      <a:accent2>
+        <a:srgbClr val="C0504D"/>
+      </a:accent2>
+      <a:accent3>
+        <a:srgbClr val="9BBB59"/>
+      </a:accent3>
+      <a:accent4>
+        <a:srgbClr val="8064A2"/>
+      </a:accent4>
+      <a:accent5>
+        <a:srgbClr val="4BACC6"/>
+      </a:accent5>
+      <a:accent6>
+        <a:srgbClr val="F79646"/>
+      </a:accent6>
+      <a:hlink>
+        <a:srgbClr val="0000FF"/>
+      </a:hlink>
+      <a:folHlink>
+        <a:srgbClr val="800080"/>
+      </a:folHlink>
+    </a:clrScheme>
+    <a:fontScheme name="Office">
+      <a:majorFont>
+        <a:latin typeface="Arial"/>
+        <a:ea typeface="DejaVu Sans"/>
+        <a:cs typeface="DejaVu Sans"/>
+      </a:majorFont>
+      <a:minorFont>
+        <a:latin typeface="Arial"/>
+        <a:ea typeface="DejaVu Sans"/>
+        <a:cs typeface="DejaVu Sans"/>
+      </a:minorFont>
+    </a:fontScheme>
+    <a:fmtScheme name="Office">
+      <a:fillStyleLst>
+        <a:solidFill>
+          <a:schemeClr val="phClr"/>
+        </a:solidFill>
+        <a:gradFill rotWithShape="1">
+          <a:gsLst>
+            <a:gs pos="0">
+              <a:schemeClr val="phClr">
+                <a:tint val="50000"/>
+                <a:satMod val="300000"/>
+              </a:schemeClr>
+            </a:gs>
+            <a:gs pos="35000">
+              <a:schemeClr val="phClr">
+                <a:tint val="37000"/>
+                <a:satMod val="300000"/>
+              </a:schemeClr>
+            </a:gs>
+            <a:gs pos="100000">
+              <a:schemeClr val="phClr">
+                <a:tint val="15000"/>
+                <a:satMod val="350000"/>
+              </a:schemeClr>
+            </a:gs>
+          </a:gsLst>
+          <a:lin ang="16200000" scaled="1"/>
+        </a:gradFill>
+        <a:gradFill rotWithShape="1">
+          <a:gsLst>
+            <a:gs pos="0">
+              <a:schemeClr val="phClr">
+                <a:shade val="51000"/>
+                <a:satMod val="130000"/>
+              </a:schemeClr>
+            </a:gs>
+            <a:gs pos="80000">
+              <a:schemeClr val="phClr">
+                <a:shade val="93000"/>
+                <a:satMod val="130000"/>
+              </a:schemeClr>
+            </a:gs>
+            <a:gs pos="100000">
+              <a:schemeClr val="phClr">
+                <a:shade val="94000"/>
+                <a:satMod val="135000"/>
+              </a:schemeClr>
+            </a:gs>
+          </a:gsLst>
+          <a:lin ang="16200000" scaled="0"/>
+        </a:gradFill>
+      </a:fillStyleLst>
+      <a:lnStyleLst>
+        <a:ln w="9525" cap="flat" cmpd="sng" algn="ctr">
+          <a:solidFill>
+            <a:schemeClr val="phClr">
+              <a:shade val="95000"/>
+              <a:satMod val="105000"/>
+            </a:schemeClr>
+          </a:solidFill>
+          <a:prstDash val="solid"/>
+        </a:ln>
+        <a:ln w="25400" cap="flat" cmpd="sng" algn="ctr">
+          <a:solidFill>
+            <a:schemeClr val="phClr"/>
+          </a:solidFill>
+          <a:prstDash val="solid"/>
+        </a:ln>
+        <a:ln w="38100" cap="flat" cmpd="sng" algn="ctr">
+          <a:solidFill>
+            <a:schemeClr val="phClr"/>
+          </a:solidFill>
+          <a:prstDash val="solid"/>
+        </a:ln>
+      </a:lnStyleLst>
+      <a:effectStyleLst>
+        <a:effectStyle>
+          <a:effectLst>
+            <a:outerShdw blurRad="40000" dist="20000" dir="5400000" rotWithShape="0">
+              <a:srgbClr val="000000">
+                <a:alpha val="38000"/>
+              </a:srgbClr>
+            </a:outerShdw>
+          </a:effectLst>
+        </a:effectStyle>
+        <a:effectStyle>
+          <a:effectLst>
+            <a:outerShdw blurRad="40000" dist="23000" dir="5400000" rotWithShape="0">
+              <a:srgbClr val="000000">
+                <a:alpha val="35000"/>
+              </a:srgbClr>
+            </a:outerShdw>
+          </a:effectLst>
+        </a:effectStyle>
+        <a:effectStyle>
+          <a:effectLst>
+            <a:outerShdw blurRad="40000" dist="23000" dir="5400000" rotWithShape="0">
+              <a:srgbClr val="000000">
+                <a:alpha val="35000"/>
+              </a:srgbClr>
+            </a:outerShdw>
+          </a:effectLst>
+          <a:scene3d>
+            <a:camera prst="orthographicFront">
+              <a:rot lat="0" lon="0" rev="0"/>
+            </a:camera>
+            <a:lightRig rig="threePt" dir="t">
+              <a:rot lat="0" lon="0" rev="1200000"/>
+            </a:lightRig>
+          </a:scene3d>
+          <a:sp3d>
+            <a:bevelT w="63500" h="25400"/>
+          </a:sp3d>
+        </a:effectStyle>
+      </a:effectStyleLst>
+      <a:bgFillStyleLst>
+        <a:solidFill>
+          <a:schemeClr val="phClr"/>
+        </a:solidFill>
+        <a:gradFill rotWithShape="1">
+          <a:gsLst>
+            <a:gs pos="0">
+              <a:schemeClr val="phClr">
+                <a:tint val="40000"/>
+                <a:satMod val="350000"/>
+              </a:schemeClr>
+            </a:gs>
+            <a:gs pos="40000">
+              <a:schemeClr val="phClr">
+                <a:tint val="45000"/>
+                <a:shade val="99000"/>
+                <a:satMod val="350000"/>
+              </a:schemeClr>
+            </a:gs>
+            <a:gs pos="100000">
+              <a:schemeClr val="phClr">
+                <a:shade val="20000"/>
+                <a:satMod val="255000"/>
+              </a:schemeClr>
+            </a:gs>
+          </a:gsLst>
+          <a:path path="circle">
+            <a:fillToRect l="50000" t="-80000" r="50000" b="180000"/>
+          </a:path>
+        </a:gradFill>
+        <a:gradFill rotWithShape="1">
+          <a:gsLst>
+            <a:gs pos="0">
+              <a:schemeClr val="phClr">
+                <a:tint val="80000"/>
+                <a:satMod val="300000"/>
+              </a:schemeClr>
+            </a:gs>
+            <a:gs pos="100000">
+              <a:schemeClr val="phClr">
+                <a:shade val="30000"/>
+                <a:satMod val="200000"/>
+              </a:schemeClr>
+            </a:gs>
+          </a:gsLst>
+          <a:path path="circle">
+            <a:fillToRect l="50000" t="50000" r="50000" b="50000"/>
+          </a:path>
+        </a:gradFill>
+      </a:bgFillStyleLst>
+    </a:fmtScheme>
+  </a:themeElements>
+</a:theme>
 </file>